--- a/doc/tsduck-presentation.pptx
+++ b/doc/tsduck-presentation.pptx
@@ -11591,8 +11591,19 @@
                 <a:latin typeface="Consolas" panose="020B0609020204030204" pitchFamily="49" charset="0"/>
                 <a:cs typeface="Consolas" panose="020B0609020204030204" pitchFamily="49" charset="0"/>
               </a:rPr>
-              <a:t>git clone https://github.com/tsduck/tsduck</a:t>
-            </a:r>
+              <a:t>git clone https://</a:t>
+            </a:r>
+            <a:r>
+              <a:rPr lang="en-US" dirty="0" smtClean="0">
+                <a:latin typeface="Consolas" panose="020B0609020204030204" pitchFamily="49" charset="0"/>
+                <a:cs typeface="Consolas" panose="020B0609020204030204" pitchFamily="49" charset="0"/>
+              </a:rPr>
+              <a:t>github.com/tsduck/tsduck.git</a:t>
+            </a:r>
+            <a:endParaRPr lang="en-US" dirty="0" smtClean="0">
+              <a:latin typeface="Consolas" panose="020B0609020204030204" pitchFamily="49" charset="0"/>
+              <a:cs typeface="Consolas" panose="020B0609020204030204" pitchFamily="49" charset="0"/>
+            </a:endParaRPr>
           </a:p>
           <a:p>
             <a:pPr lvl="1"/>
@@ -11776,8 +11787,13 @@
             </a:pPr>
             <a:r>
               <a:rPr lang="en-US" dirty="0" smtClean="0"/>
-              <a:t>Try to find a solution using existing TSDuck</a:t>
-            </a:r>
+              <a:t>Try to find a solution using existing </a:t>
+            </a:r>
+            <a:r>
+              <a:rPr lang="en-US" dirty="0" smtClean="0"/>
+              <a:t>TSDuck</a:t>
+            </a:r>
+            <a:endParaRPr lang="en-US" dirty="0" smtClean="0"/>
           </a:p>
           <a:p>
             <a:pPr lvl="1">
@@ -12277,8 +12293,13 @@
             <a:pPr lvl="2"/>
             <a:r>
               <a:rPr lang="en-US" dirty="0" smtClean="0"/>
-              <a:t>Known issue with DVB tuners &amp; DirectShow on 64 bits</a:t>
-            </a:r>
+              <a:t>Known issue with DVB tuners &amp; DirectShow on 64 </a:t>
+            </a:r>
+            <a:r>
+              <a:rPr lang="en-US" dirty="0" smtClean="0"/>
+              <a:t>bits Windows</a:t>
+            </a:r>
+            <a:endParaRPr lang="en-US" dirty="0" smtClean="0"/>
           </a:p>
           <a:p>
             <a:pPr lvl="1"/>
@@ -12976,14 +12997,7 @@
                 <a:latin typeface="Consolas" panose="020B0609020204030204" pitchFamily="49" charset="0"/>
                 <a:cs typeface="Consolas" panose="020B0609020204030204" pitchFamily="49" charset="0"/>
               </a:rPr>
-              <a:t>... </a:t>
-            </a:r>
-            <a:r>
-              <a:rPr lang="en-US" sz="1600" b="1" i="1" dirty="0" smtClean="0">
-                <a:latin typeface="Consolas" panose="020B0609020204030204" pitchFamily="49" charset="0"/>
-                <a:cs typeface="Consolas" panose="020B0609020204030204" pitchFamily="49" charset="0"/>
-              </a:rPr>
-              <a:t>application-specific rules ...</a:t>
+              <a:t>... application-specific rules ...</a:t>
             </a:r>
           </a:p>
           <a:p>
@@ -13601,11 +13615,7 @@
           <a:p>
             <a:r>
               <a:rPr lang="en-US" dirty="0" smtClean="0"/>
-              <a:t>User’s </a:t>
-            </a:r>
-            <a:r>
-              <a:rPr lang="en-US" dirty="0" smtClean="0"/>
-              <a:t>Guide</a:t>
+              <a:t>User’s Guide</a:t>
             </a:r>
           </a:p>
           <a:p>
@@ -13697,17 +13707,8 @@
             <a:pPr lvl="1"/>
             <a:r>
               <a:rPr lang="en-US" dirty="0" smtClean="0"/>
-              <a:t>generated </a:t>
-            </a:r>
-            <a:r>
-              <a:rPr lang="en-US" dirty="0" smtClean="0"/>
-              <a:t>by Doxygen from source </a:t>
-            </a:r>
-            <a:r>
-              <a:rPr lang="en-US" dirty="0" smtClean="0"/>
-              <a:t>code</a:t>
-            </a:r>
-            <a:endParaRPr lang="en-US" dirty="0" smtClean="0"/>
+              <a:t>generated by Doxygen from source code</a:t>
+            </a:r>
           </a:p>
           <a:p>
             <a:pPr lvl="1"/>

--- a/doc/tsduck-presentation.pptx
+++ b/doc/tsduck-presentation.pptx
@@ -225,7 +225,7 @@
           <a:p>
             <a:fld id="{C55B0BA7-B0E2-4C07-8528-84B7AE1BAF72}" type="datetimeFigureOut">
               <a:rPr lang="en-US" smtClean="0"/>
-              <a:t>2017-06-21</a:t>
+              <a:t>2017-06-30</a:t>
             </a:fld>
             <a:endParaRPr lang="en-US"/>
           </a:p>
@@ -391,7 +391,7 @@
           <a:p>
             <a:fld id="{66F6DD61-880C-4F33-96A2-51E92479021F}" type="datetimeFigureOut">
               <a:rPr lang="en-US" smtClean="0"/>
-              <a:t>2017-06-21</a:t>
+              <a:t>2017-06-30</a:t>
             </a:fld>
             <a:endParaRPr lang="en-US" dirty="0"/>
           </a:p>
@@ -5209,7 +5209,11 @@
           <a:p>
             <a:r>
               <a:rPr lang="en-US" sz="1700" dirty="0" smtClean="0"/>
-              <a:t>TSDuck Version 3.0</a:t>
+              <a:t>TSDuck Version </a:t>
+            </a:r>
+            <a:r>
+              <a:rPr lang="en-US" sz="1700" dirty="0" smtClean="0"/>
+              <a:t>3.1</a:t>
             </a:r>
             <a:endParaRPr lang="en-US" sz="1700" dirty="0"/>
           </a:p>
@@ -11591,19 +11595,8 @@
                 <a:latin typeface="Consolas" panose="020B0609020204030204" pitchFamily="49" charset="0"/>
                 <a:cs typeface="Consolas" panose="020B0609020204030204" pitchFamily="49" charset="0"/>
               </a:rPr>
-              <a:t>git clone https://</a:t>
-            </a:r>
-            <a:r>
-              <a:rPr lang="en-US" dirty="0" smtClean="0">
-                <a:latin typeface="Consolas" panose="020B0609020204030204" pitchFamily="49" charset="0"/>
-                <a:cs typeface="Consolas" panose="020B0609020204030204" pitchFamily="49" charset="0"/>
-              </a:rPr>
-              <a:t>github.com/tsduck/tsduck.git</a:t>
-            </a:r>
-            <a:endParaRPr lang="en-US" dirty="0" smtClean="0">
-              <a:latin typeface="Consolas" panose="020B0609020204030204" pitchFamily="49" charset="0"/>
-              <a:cs typeface="Consolas" panose="020B0609020204030204" pitchFamily="49" charset="0"/>
-            </a:endParaRPr>
+              <a:t>git clone https://github.com/tsduck/tsduck.git</a:t>
+            </a:r>
           </a:p>
           <a:p>
             <a:pPr lvl="1"/>
@@ -11787,13 +11780,8 @@
             </a:pPr>
             <a:r>
               <a:rPr lang="en-US" dirty="0" smtClean="0"/>
-              <a:t>Try to find a solution using existing </a:t>
-            </a:r>
-            <a:r>
-              <a:rPr lang="en-US" dirty="0" smtClean="0"/>
-              <a:t>TSDuck</a:t>
-            </a:r>
-            <a:endParaRPr lang="en-US" dirty="0" smtClean="0"/>
+              <a:t>Try to find a solution using existing TSDuck</a:t>
+            </a:r>
           </a:p>
           <a:p>
             <a:pPr lvl="1">
@@ -12292,12 +12280,24 @@
           <a:p>
             <a:pPr lvl="2"/>
             <a:r>
-              <a:rPr lang="en-US" dirty="0" smtClean="0"/>
-              <a:t>Known issue with DVB tuners &amp; DirectShow on 64 </a:t>
-            </a:r>
-            <a:r>
-              <a:rPr lang="en-US" dirty="0" smtClean="0"/>
-              <a:t>bits Windows</a:t>
+              <a:rPr lang="en-US" dirty="0"/>
+              <a:t>on </a:t>
+            </a:r>
+            <a:r>
+              <a:rPr lang="en-US" dirty="0" smtClean="0"/>
+              <a:t>64-bit Windows, use </a:t>
+            </a:r>
+            <a:r>
+              <a:rPr lang="en-US" dirty="0" smtClean="0"/>
+              <a:t>32-bit TSDuck </a:t>
+            </a:r>
+            <a:r>
+              <a:rPr lang="en-US" dirty="0" smtClean="0"/>
+              <a:t>if your </a:t>
+            </a:r>
+            <a:r>
+              <a:rPr lang="en-US" dirty="0" smtClean="0"/>
+              <a:t>DVB tuner driver is 32-bit only</a:t>
             </a:r>
             <a:endParaRPr lang="en-US" dirty="0" smtClean="0"/>
           </a:p>

--- a/doc/tsduck-presentation.pptx
+++ b/doc/tsduck-presentation.pptx
@@ -5,10 +5,10 @@
     <p:sldMasterId id="2147483660" r:id="rId1"/>
   </p:sldMasterIdLst>
   <p:notesMasterIdLst>
-    <p:notesMasterId r:id="rId33"/>
+    <p:notesMasterId r:id="rId35"/>
   </p:notesMasterIdLst>
   <p:handoutMasterIdLst>
-    <p:handoutMasterId r:id="rId34"/>
+    <p:handoutMasterId r:id="rId36"/>
   </p:handoutMasterIdLst>
   <p:sldIdLst>
     <p:sldId id="256" r:id="rId2"/>
@@ -41,7 +41,9 @@
     <p:sldId id="284" r:id="rId29"/>
     <p:sldId id="285" r:id="rId30"/>
     <p:sldId id="286" r:id="rId31"/>
-    <p:sldId id="258" r:id="rId32"/>
+    <p:sldId id="288" r:id="rId32"/>
+    <p:sldId id="287" r:id="rId33"/>
+    <p:sldId id="258" r:id="rId34"/>
   </p:sldIdLst>
   <p:sldSz cx="9144000" cy="5143500" type="screen16x9"/>
   <p:notesSz cx="6858000" cy="9144000"/>
@@ -225,7 +227,7 @@
           <a:p>
             <a:fld id="{C55B0BA7-B0E2-4C07-8528-84B7AE1BAF72}" type="datetimeFigureOut">
               <a:rPr lang="en-US" smtClean="0"/>
-              <a:t>2017-06-30</a:t>
+              <a:t>2017-07-25</a:t>
             </a:fld>
             <a:endParaRPr lang="en-US"/>
           </a:p>
@@ -391,7 +393,7 @@
           <a:p>
             <a:fld id="{66F6DD61-880C-4F33-96A2-51E92479021F}" type="datetimeFigureOut">
               <a:rPr lang="en-US" smtClean="0"/>
-              <a:t>2017-06-30</a:t>
+              <a:t>2017-07-25</a:t>
             </a:fld>
             <a:endParaRPr lang="en-US" dirty="0"/>
           </a:p>
@@ -2742,6 +2744,174 @@
             <a:fld id="{C9210C38-A4D4-4515-9CA7-8160947F5FEA}" type="slidenum">
               <a:rPr lang="en-US" smtClean="0"/>
               <a:t>31</a:t>
+            </a:fld>
+            <a:endParaRPr lang="en-US" dirty="0"/>
+          </a:p>
+        </p:txBody>
+      </p:sp>
+    </p:spTree>
+    <p:extLst>
+      <p:ext uri="{BB962C8B-B14F-4D97-AF65-F5344CB8AC3E}">
+        <p14:creationId xmlns:p14="http://schemas.microsoft.com/office/powerpoint/2010/main" val="1966998389"/>
+      </p:ext>
+    </p:extLst>
+  </p:cSld>
+  <p:clrMapOvr>
+    <a:masterClrMapping/>
+  </p:clrMapOvr>
+</p:notes>
+</file>
+
+<file path=ppt/notesSlides/notesSlide32.xml><?xml version="1.0" encoding="utf-8"?>
+<p:notes xmlns:a="http://schemas.openxmlformats.org/drawingml/2006/main" xmlns:r="http://schemas.openxmlformats.org/officeDocument/2006/relationships" xmlns:p="http://schemas.openxmlformats.org/presentationml/2006/main">
+  <p:cSld>
+    <p:spTree>
+      <p:nvGrpSpPr>
+        <p:cNvPr id="1" name=""/>
+        <p:cNvGrpSpPr/>
+        <p:nvPr/>
+      </p:nvGrpSpPr>
+      <p:grpSpPr>
+        <a:xfrm>
+          <a:off x="0" y="0"/>
+          <a:ext cx="0" cy="0"/>
+          <a:chOff x="0" y="0"/>
+          <a:chExt cx="0" cy="0"/>
+        </a:xfrm>
+      </p:grpSpPr>
+      <p:sp>
+        <p:nvSpPr>
+          <p:cNvPr id="2" name="Espace réservé de l'image des diapositives 1"/>
+          <p:cNvSpPr>
+            <a:spLocks noGrp="1" noRot="1" noChangeAspect="1"/>
+          </p:cNvSpPr>
+          <p:nvPr>
+            <p:ph type="sldImg"/>
+          </p:nvPr>
+        </p:nvSpPr>
+        <p:spPr/>
+      </p:sp>
+      <p:sp>
+        <p:nvSpPr>
+          <p:cNvPr id="3" name="Espace réservé des commentaires 2"/>
+          <p:cNvSpPr>
+            <a:spLocks noGrp="1"/>
+          </p:cNvSpPr>
+          <p:nvPr>
+            <p:ph type="body" idx="1"/>
+          </p:nvPr>
+        </p:nvSpPr>
+        <p:spPr/>
+        <p:txBody>
+          <a:bodyPr/>
+          <a:lstStyle/>
+          <a:p>
+            <a:endParaRPr lang="en-US" dirty="0"/>
+          </a:p>
+        </p:txBody>
+      </p:sp>
+      <p:sp>
+        <p:nvSpPr>
+          <p:cNvPr id="4" name="Espace réservé du numéro de diapositive 3"/>
+          <p:cNvSpPr>
+            <a:spLocks noGrp="1"/>
+          </p:cNvSpPr>
+          <p:nvPr>
+            <p:ph type="sldNum" sz="quarter" idx="10"/>
+          </p:nvPr>
+        </p:nvSpPr>
+        <p:spPr/>
+        <p:txBody>
+          <a:bodyPr/>
+          <a:lstStyle/>
+          <a:p>
+            <a:fld id="{C9210C38-A4D4-4515-9CA7-8160947F5FEA}" type="slidenum">
+              <a:rPr lang="en-US" smtClean="0"/>
+              <a:t>32</a:t>
+            </a:fld>
+            <a:endParaRPr lang="en-US" dirty="0"/>
+          </a:p>
+        </p:txBody>
+      </p:sp>
+    </p:spTree>
+    <p:extLst>
+      <p:ext uri="{BB962C8B-B14F-4D97-AF65-F5344CB8AC3E}">
+        <p14:creationId xmlns:p14="http://schemas.microsoft.com/office/powerpoint/2010/main" val="1966998389"/>
+      </p:ext>
+    </p:extLst>
+  </p:cSld>
+  <p:clrMapOvr>
+    <a:masterClrMapping/>
+  </p:clrMapOvr>
+</p:notes>
+</file>
+
+<file path=ppt/notesSlides/notesSlide33.xml><?xml version="1.0" encoding="utf-8"?>
+<p:notes xmlns:a="http://schemas.openxmlformats.org/drawingml/2006/main" xmlns:r="http://schemas.openxmlformats.org/officeDocument/2006/relationships" xmlns:p="http://schemas.openxmlformats.org/presentationml/2006/main">
+  <p:cSld>
+    <p:spTree>
+      <p:nvGrpSpPr>
+        <p:cNvPr id="1" name=""/>
+        <p:cNvGrpSpPr/>
+        <p:nvPr/>
+      </p:nvGrpSpPr>
+      <p:grpSpPr>
+        <a:xfrm>
+          <a:off x="0" y="0"/>
+          <a:ext cx="0" cy="0"/>
+          <a:chOff x="0" y="0"/>
+          <a:chExt cx="0" cy="0"/>
+        </a:xfrm>
+      </p:grpSpPr>
+      <p:sp>
+        <p:nvSpPr>
+          <p:cNvPr id="2" name="Espace réservé de l'image des diapositives 1"/>
+          <p:cNvSpPr>
+            <a:spLocks noGrp="1" noRot="1" noChangeAspect="1"/>
+          </p:cNvSpPr>
+          <p:nvPr>
+            <p:ph type="sldImg"/>
+          </p:nvPr>
+        </p:nvSpPr>
+        <p:spPr/>
+      </p:sp>
+      <p:sp>
+        <p:nvSpPr>
+          <p:cNvPr id="3" name="Espace réservé des commentaires 2"/>
+          <p:cNvSpPr>
+            <a:spLocks noGrp="1"/>
+          </p:cNvSpPr>
+          <p:nvPr>
+            <p:ph type="body" idx="1"/>
+          </p:nvPr>
+        </p:nvSpPr>
+        <p:spPr/>
+        <p:txBody>
+          <a:bodyPr/>
+          <a:lstStyle/>
+          <a:p>
+            <a:endParaRPr lang="en-US" dirty="0"/>
+          </a:p>
+        </p:txBody>
+      </p:sp>
+      <p:sp>
+        <p:nvSpPr>
+          <p:cNvPr id="4" name="Espace réservé du numéro de diapositive 3"/>
+          <p:cNvSpPr>
+            <a:spLocks noGrp="1"/>
+          </p:cNvSpPr>
+          <p:nvPr>
+            <p:ph type="sldNum" sz="quarter" idx="10"/>
+          </p:nvPr>
+        </p:nvSpPr>
+        <p:spPr/>
+        <p:txBody>
+          <a:bodyPr/>
+          <a:lstStyle/>
+          <a:p>
+            <a:fld id="{C9210C38-A4D4-4515-9CA7-8160947F5FEA}" type="slidenum">
+              <a:rPr lang="en-US" smtClean="0"/>
+              <a:t>33</a:t>
             </a:fld>
             <a:endParaRPr lang="en-US" dirty="0"/>
           </a:p>
@@ -5213,7 +5383,7 @@
             </a:r>
             <a:r>
               <a:rPr lang="en-US" sz="1700" dirty="0" smtClean="0"/>
-              <a:t>3.1</a:t>
+              <a:t>3.2</a:t>
             </a:r>
             <a:endParaRPr lang="en-US" sz="1700" dirty="0"/>
           </a:p>
@@ -11641,20 +11811,23 @@
             <a:pPr lvl="2"/>
             <a:r>
               <a:rPr lang="en-US" dirty="0" smtClean="0"/>
-              <a:t>Doxygen-generated</a:t>
-            </a:r>
-          </a:p>
-          <a:p>
-            <a:pPr marL="896937" lvl="3" indent="0">
-              <a:buNone/>
-            </a:pPr>
+              <a:t>Doxygen-generated, see </a:t>
+            </a:r>
             <a:r>
               <a:rPr lang="en-US" dirty="0" smtClean="0">
                 <a:latin typeface="Consolas" panose="020B0609020204030204" pitchFamily="49" charset="0"/>
                 <a:cs typeface="Consolas" panose="020B0609020204030204" pitchFamily="49" charset="0"/>
                 <a:hlinkClick r:id="rId3"/>
               </a:rPr>
-              <a:t>https://tsduck.github.io/</a:t>
+              <a:t>https</a:t>
+            </a:r>
+            <a:r>
+              <a:rPr lang="en-US" dirty="0" smtClean="0">
+                <a:latin typeface="Consolas" panose="020B0609020204030204" pitchFamily="49" charset="0"/>
+                <a:cs typeface="Consolas" panose="020B0609020204030204" pitchFamily="49" charset="0"/>
+                <a:hlinkClick r:id="rId3"/>
+              </a:rPr>
+              <a:t>://tsduck.github.io/</a:t>
             </a:r>
             <a:r>
               <a:rPr lang="en-US" dirty="0" smtClean="0">
@@ -12285,21 +12458,8 @@
             </a:r>
             <a:r>
               <a:rPr lang="en-US" dirty="0" smtClean="0"/>
-              <a:t>64-bit Windows, use </a:t>
-            </a:r>
-            <a:r>
-              <a:rPr lang="en-US" dirty="0" smtClean="0"/>
-              <a:t>32-bit TSDuck </a:t>
-            </a:r>
-            <a:r>
-              <a:rPr lang="en-US" dirty="0" smtClean="0"/>
-              <a:t>if your </a:t>
-            </a:r>
-            <a:r>
-              <a:rPr lang="en-US" dirty="0" smtClean="0"/>
-              <a:t>DVB tuner driver is 32-bit only</a:t>
-            </a:r>
-            <a:endParaRPr lang="en-US" dirty="0" smtClean="0"/>
+              <a:t>64-bit Windows, use 32-bit TSDuck if your DVB tuner driver is 32-bit only</a:t>
+            </a:r>
           </a:p>
           <a:p>
             <a:pPr lvl="1"/>
@@ -12634,7 +12794,7 @@
           <a:p>
             <a:r>
               <a:rPr lang="en-US" dirty="0" smtClean="0"/>
-              <a:t>Using TSDuck as a library (1/2)</a:t>
+              <a:t>The TSDuck library</a:t>
             </a:r>
             <a:endParaRPr lang="en-US" dirty="0"/>
           </a:p>
@@ -12868,21 +13028,73 @@
           <a:p>
             <a:r>
               <a:rPr lang="en-US" dirty="0" smtClean="0"/>
-              <a:t>Used in an application outside TSDuck</a:t>
-            </a:r>
-          </a:p>
-          <a:p>
-            <a:r>
-              <a:rPr lang="en-US" dirty="0" smtClean="0"/>
-              <a:t>Typical Makefile (Linux, </a:t>
-            </a:r>
-            <a:r>
-              <a:rPr lang="en-US" dirty="0" err="1" smtClean="0"/>
-              <a:t>macOS</a:t>
-            </a:r>
-            <a:r>
-              <a:rPr lang="en-US" dirty="0" smtClean="0"/>
-              <a:t>)</a:t>
+              <a:t>Used in an application outside </a:t>
+            </a:r>
+            <a:r>
+              <a:rPr lang="en-US" dirty="0" smtClean="0"/>
+              <a:t>TSDuck</a:t>
+            </a:r>
+          </a:p>
+          <a:p>
+            <a:r>
+              <a:rPr lang="en-US" dirty="0" smtClean="0"/>
+              <a:t>Install the TSDuck development environment</a:t>
+            </a:r>
+          </a:p>
+          <a:p>
+            <a:pPr lvl="1"/>
+            <a:r>
+              <a:rPr lang="en-US" dirty="0" smtClean="0"/>
+              <a:t>Windows: “Development” option in installer</a:t>
+            </a:r>
+          </a:p>
+          <a:p>
+            <a:pPr lvl="1"/>
+            <a:r>
+              <a:rPr lang="en-US" dirty="0" smtClean="0"/>
+              <a:t>Ubuntu: package </a:t>
+            </a:r>
+            <a:r>
+              <a:rPr lang="en-US" dirty="0" err="1" smtClean="0">
+                <a:latin typeface="Consolas" panose="020B0609020204030204" pitchFamily="49" charset="0"/>
+                <a:cs typeface="Consolas" panose="020B0609020204030204" pitchFamily="49" charset="0"/>
+              </a:rPr>
+              <a:t>tsduck</a:t>
+            </a:r>
+            <a:r>
+              <a:rPr lang="en-US" dirty="0" smtClean="0">
+                <a:latin typeface="Consolas" panose="020B0609020204030204" pitchFamily="49" charset="0"/>
+                <a:cs typeface="Consolas" panose="020B0609020204030204" pitchFamily="49" charset="0"/>
+              </a:rPr>
+              <a:t>-dev</a:t>
+            </a:r>
+          </a:p>
+          <a:p>
+            <a:pPr lvl="1"/>
+            <a:r>
+              <a:rPr lang="en-US" dirty="0" smtClean="0"/>
+              <a:t>Fedora, Red Hat, CentOS: </a:t>
+            </a:r>
+            <a:r>
+              <a:rPr lang="en-US" dirty="0"/>
+              <a:t>package </a:t>
+            </a:r>
+            <a:r>
+              <a:rPr lang="en-US" dirty="0" err="1" smtClean="0">
+                <a:latin typeface="Consolas" panose="020B0609020204030204" pitchFamily="49" charset="0"/>
+                <a:cs typeface="Consolas" panose="020B0609020204030204" pitchFamily="49" charset="0"/>
+              </a:rPr>
+              <a:t>tsduck-devel</a:t>
+            </a:r>
+            <a:endParaRPr lang="en-US" dirty="0" smtClean="0">
+              <a:latin typeface="Consolas" panose="020B0609020204030204" pitchFamily="49" charset="0"/>
+              <a:cs typeface="Consolas" panose="020B0609020204030204" pitchFamily="49" charset="0"/>
+            </a:endParaRPr>
+          </a:p>
+          <a:p>
+            <a:r>
+              <a:rPr lang="en-US" dirty="0"/>
+              <a:t>Typical application source file</a:t>
             </a:r>
           </a:p>
           <a:p>
@@ -12895,7 +13107,21 @@
                 <a:latin typeface="Consolas" panose="020B0609020204030204" pitchFamily="49" charset="0"/>
                 <a:cs typeface="Consolas" panose="020B0609020204030204" pitchFamily="49" charset="0"/>
               </a:rPr>
-              <a:t># Include TSDuck makefile (adapt to your location)</a:t>
+              <a:t>#include "</a:t>
+            </a:r>
+            <a:r>
+              <a:rPr lang="en-US" sz="1600" b="1" dirty="0" err="1">
+                <a:latin typeface="Consolas" panose="020B0609020204030204" pitchFamily="49" charset="0"/>
+                <a:cs typeface="Consolas" panose="020B0609020204030204" pitchFamily="49" charset="0"/>
+              </a:rPr>
+              <a:t>tsduck.h</a:t>
+            </a:r>
+            <a:r>
+              <a:rPr lang="en-US" sz="1600" b="1" dirty="0">
+                <a:latin typeface="Consolas" panose="020B0609020204030204" pitchFamily="49" charset="0"/>
+                <a:cs typeface="Consolas" panose="020B0609020204030204" pitchFamily="49" charset="0"/>
+              </a:rPr>
+              <a:t>"</a:t>
             </a:r>
           </a:p>
           <a:p>
@@ -12908,148 +13134,20 @@
                 <a:latin typeface="Consolas" panose="020B0609020204030204" pitchFamily="49" charset="0"/>
                 <a:cs typeface="Consolas" panose="020B0609020204030204" pitchFamily="49" charset="0"/>
               </a:rPr>
-              <a:t>include $(HOME)/</a:t>
-            </a:r>
-            <a:r>
-              <a:rPr lang="en-US" sz="1600" b="1" dirty="0" err="1">
-                <a:latin typeface="Consolas" panose="020B0609020204030204" pitchFamily="49" charset="0"/>
-                <a:cs typeface="Consolas" panose="020B0609020204030204" pitchFamily="49" charset="0"/>
-              </a:rPr>
-              <a:t>tsduck</a:t>
-            </a:r>
-            <a:r>
-              <a:rPr lang="en-US" sz="1600" b="1" dirty="0">
-                <a:latin typeface="Consolas" panose="020B0609020204030204" pitchFamily="49" charset="0"/>
-                <a:cs typeface="Consolas" panose="020B0609020204030204" pitchFamily="49" charset="0"/>
-              </a:rPr>
-              <a:t>/</a:t>
-            </a:r>
-            <a:r>
-              <a:rPr lang="en-US" sz="1600" b="1" dirty="0" err="1">
-                <a:latin typeface="Consolas" panose="020B0609020204030204" pitchFamily="49" charset="0"/>
-                <a:cs typeface="Consolas" panose="020B0609020204030204" pitchFamily="49" charset="0"/>
-              </a:rPr>
-              <a:t>Makefile.tsduck</a:t>
+              <a:t>... application code </a:t>
+            </a:r>
+            <a:r>
+              <a:rPr lang="en-US" sz="1600" b="1" dirty="0" smtClean="0">
+                <a:latin typeface="Consolas" panose="020B0609020204030204" pitchFamily="49" charset="0"/>
+                <a:cs typeface="Consolas" panose="020B0609020204030204" pitchFamily="49" charset="0"/>
+              </a:rPr>
+              <a:t>...</a:t>
             </a:r>
             <a:endParaRPr lang="en-US" sz="1600" b="1" dirty="0">
               <a:latin typeface="Consolas" panose="020B0609020204030204" pitchFamily="49" charset="0"/>
               <a:cs typeface="Consolas" panose="020B0609020204030204" pitchFamily="49" charset="0"/>
             </a:endParaRPr>
           </a:p>
-          <a:p>
-            <a:pPr lvl="2">
-              <a:buFont typeface="Wingdings" pitchFamily="2" charset="2"/>
-              <a:buNone/>
-            </a:pPr>
-            <a:r>
-              <a:rPr lang="en-US" sz="1600" b="1" dirty="0" smtClean="0">
-                <a:latin typeface="Consolas" panose="020B0609020204030204" pitchFamily="49" charset="0"/>
-                <a:cs typeface="Consolas" panose="020B0609020204030204" pitchFamily="49" charset="0"/>
-              </a:rPr>
-              <a:t>default</a:t>
-            </a:r>
-            <a:r>
-              <a:rPr lang="en-US" sz="1600" b="1" dirty="0">
-                <a:latin typeface="Consolas" panose="020B0609020204030204" pitchFamily="49" charset="0"/>
-                <a:cs typeface="Consolas" panose="020B0609020204030204" pitchFamily="49" charset="0"/>
-              </a:rPr>
-              <a:t>: </a:t>
-            </a:r>
-            <a:r>
-              <a:rPr lang="en-US" sz="1600" b="1" i="1" dirty="0" err="1">
-                <a:latin typeface="Consolas" panose="020B0609020204030204" pitchFamily="49" charset="0"/>
-                <a:cs typeface="Consolas" panose="020B0609020204030204" pitchFamily="49" charset="0"/>
-              </a:rPr>
-              <a:t>myexec</a:t>
-            </a:r>
-            <a:endParaRPr lang="en-US" sz="1600" b="1" i="1" dirty="0">
-              <a:latin typeface="Consolas" panose="020B0609020204030204" pitchFamily="49" charset="0"/>
-              <a:cs typeface="Consolas" panose="020B0609020204030204" pitchFamily="49" charset="0"/>
-            </a:endParaRPr>
-          </a:p>
-          <a:p>
-            <a:pPr lvl="2">
-              <a:buFont typeface="Wingdings" pitchFamily="2" charset="2"/>
-              <a:buNone/>
-            </a:pPr>
-            <a:r>
-              <a:rPr lang="en-US" sz="1600" b="1" i="1" dirty="0" err="1">
-                <a:latin typeface="Consolas" panose="020B0609020204030204" pitchFamily="49" charset="0"/>
-                <a:cs typeface="Consolas" panose="020B0609020204030204" pitchFamily="49" charset="0"/>
-              </a:rPr>
-              <a:t>myexec</a:t>
-            </a:r>
-            <a:r>
-              <a:rPr lang="en-US" sz="1600" b="1" dirty="0">
-                <a:latin typeface="Consolas" panose="020B0609020204030204" pitchFamily="49" charset="0"/>
-                <a:cs typeface="Consolas" panose="020B0609020204030204" pitchFamily="49" charset="0"/>
-              </a:rPr>
-              <a:t>: $(LIBTSDUCK)</a:t>
-            </a:r>
-          </a:p>
-          <a:p>
-            <a:pPr lvl="2">
-              <a:buFont typeface="Wingdings" pitchFamily="2" charset="2"/>
-              <a:buNone/>
-            </a:pPr>
-            <a:r>
-              <a:rPr lang="en-US" sz="1600" b="1" i="1" dirty="0" smtClean="0">
-                <a:latin typeface="Consolas" panose="020B0609020204030204" pitchFamily="49" charset="0"/>
-                <a:cs typeface="Consolas" panose="020B0609020204030204" pitchFamily="49" charset="0"/>
-              </a:rPr>
-              <a:t>... application-specific rules ...</a:t>
-            </a:r>
-          </a:p>
-          <a:p>
-            <a:r>
-              <a:rPr lang="en-US" dirty="0" smtClean="0"/>
-              <a:t>Typical application source file</a:t>
-            </a:r>
-          </a:p>
-          <a:p>
-            <a:pPr lvl="2">
-              <a:buFont typeface="Wingdings" pitchFamily="2" charset="2"/>
-              <a:buNone/>
-            </a:pPr>
-            <a:r>
-              <a:rPr lang="en-US" sz="1600" b="1" dirty="0" smtClean="0">
-                <a:latin typeface="Consolas" panose="020B0609020204030204" pitchFamily="49" charset="0"/>
-                <a:cs typeface="Consolas" panose="020B0609020204030204" pitchFamily="49" charset="0"/>
-              </a:rPr>
-              <a:t>#include "</a:t>
-            </a:r>
-            <a:r>
-              <a:rPr lang="en-US" sz="1600" b="1" dirty="0" err="1" smtClean="0">
-                <a:latin typeface="Consolas" panose="020B0609020204030204" pitchFamily="49" charset="0"/>
-                <a:cs typeface="Consolas" panose="020B0609020204030204" pitchFamily="49" charset="0"/>
-              </a:rPr>
-              <a:t>tsduck.h</a:t>
-            </a:r>
-            <a:r>
-              <a:rPr lang="en-US" sz="1600" b="1" dirty="0" smtClean="0">
-                <a:latin typeface="Consolas" panose="020B0609020204030204" pitchFamily="49" charset="0"/>
-                <a:cs typeface="Consolas" panose="020B0609020204030204" pitchFamily="49" charset="0"/>
-              </a:rPr>
-              <a:t>"</a:t>
-            </a:r>
-          </a:p>
-          <a:p>
-            <a:pPr lvl="2">
-              <a:buFont typeface="Wingdings" pitchFamily="2" charset="2"/>
-              <a:buNone/>
-            </a:pPr>
-            <a:r>
-              <a:rPr lang="en-US" sz="1600" b="1" dirty="0" smtClean="0">
-                <a:latin typeface="Consolas" panose="020B0609020204030204" pitchFamily="49" charset="0"/>
-                <a:cs typeface="Consolas" panose="020B0609020204030204" pitchFamily="49" charset="0"/>
-              </a:rPr>
-              <a:t>... application code ...</a:t>
-            </a:r>
-            <a:endParaRPr lang="en-US" sz="1600" b="1" dirty="0">
-              <a:latin typeface="Consolas" panose="020B0609020204030204" pitchFamily="49" charset="0"/>
-              <a:cs typeface="Consolas" panose="020B0609020204030204" pitchFamily="49" charset="0"/>
-            </a:endParaRPr>
-          </a:p>
         </p:txBody>
       </p:sp>
       <p:sp>
@@ -13069,7 +13167,11 @@
           <a:p>
             <a:r>
               <a:rPr lang="en-US" dirty="0" smtClean="0"/>
-              <a:t>Using TSDuck as a library (2/2)</a:t>
+              <a:t>Using TSDuck as a </a:t>
+            </a:r>
+            <a:r>
+              <a:rPr lang="en-US" dirty="0" smtClean="0"/>
+              <a:t>library</a:t>
             </a:r>
             <a:endParaRPr lang="en-US" dirty="0"/>
           </a:p>
@@ -13108,6 +13210,432 @@
 </file>
 
 <file path=ppt/slides/slide31.xml><?xml version="1.0" encoding="utf-8"?>
+<p:sld xmlns:a="http://schemas.openxmlformats.org/drawingml/2006/main" xmlns:r="http://schemas.openxmlformats.org/officeDocument/2006/relationships" xmlns:p="http://schemas.openxmlformats.org/presentationml/2006/main">
+  <p:cSld>
+    <p:spTree>
+      <p:nvGrpSpPr>
+        <p:cNvPr id="1" name=""/>
+        <p:cNvGrpSpPr/>
+        <p:nvPr/>
+      </p:nvGrpSpPr>
+      <p:grpSpPr>
+        <a:xfrm>
+          <a:off x="0" y="0"/>
+          <a:ext cx="0" cy="0"/>
+          <a:chOff x="0" y="0"/>
+          <a:chExt cx="0" cy="0"/>
+        </a:xfrm>
+      </p:grpSpPr>
+      <p:sp>
+        <p:nvSpPr>
+          <p:cNvPr id="2" name="Espace réservé du contenu 1"/>
+          <p:cNvSpPr>
+            <a:spLocks noGrp="1"/>
+          </p:cNvSpPr>
+          <p:nvPr>
+            <p:ph idx="1"/>
+          </p:nvPr>
+        </p:nvSpPr>
+        <p:spPr/>
+        <p:txBody>
+          <a:bodyPr>
+            <a:normAutofit/>
+          </a:bodyPr>
+          <a:lstStyle/>
+          <a:p>
+            <a:r>
+              <a:rPr lang="en-US" dirty="0" smtClean="0"/>
+              <a:t>Typical Linux Makefile</a:t>
+            </a:r>
+            <a:endParaRPr lang="en-US" dirty="0" smtClean="0"/>
+          </a:p>
+          <a:p>
+            <a:pPr lvl="2">
+              <a:buFont typeface="Wingdings" pitchFamily="2" charset="2"/>
+              <a:buNone/>
+            </a:pPr>
+            <a:r>
+              <a:rPr lang="en-US" sz="1600" b="1" dirty="0">
+                <a:latin typeface="Consolas" panose="020B0609020204030204" pitchFamily="49" charset="0"/>
+                <a:cs typeface="Consolas" panose="020B0609020204030204" pitchFamily="49" charset="0"/>
+              </a:rPr>
+              <a:t>include /</a:t>
+            </a:r>
+            <a:r>
+              <a:rPr lang="en-US" sz="1600" b="1" dirty="0" smtClean="0">
+                <a:latin typeface="Consolas" panose="020B0609020204030204" pitchFamily="49" charset="0"/>
+                <a:cs typeface="Consolas" panose="020B0609020204030204" pitchFamily="49" charset="0"/>
+              </a:rPr>
+              <a:t>usr/include/tsduck/tsduck.mk</a:t>
+            </a:r>
+          </a:p>
+          <a:p>
+            <a:pPr lvl="2">
+              <a:buFont typeface="Wingdings" pitchFamily="2" charset="2"/>
+              <a:buNone/>
+            </a:pPr>
+            <a:r>
+              <a:rPr lang="en-US" sz="1600" b="1" i="1" dirty="0" smtClean="0">
+                <a:latin typeface="Consolas" panose="020B0609020204030204" pitchFamily="49" charset="0"/>
+                <a:cs typeface="Consolas" panose="020B0609020204030204" pitchFamily="49" charset="0"/>
+              </a:rPr>
+              <a:t>... </a:t>
+            </a:r>
+            <a:r>
+              <a:rPr lang="en-US" sz="1600" b="1" i="1" dirty="0" smtClean="0">
+                <a:latin typeface="Consolas" panose="020B0609020204030204" pitchFamily="49" charset="0"/>
+                <a:cs typeface="Consolas" panose="020B0609020204030204" pitchFamily="49" charset="0"/>
+              </a:rPr>
+              <a:t>application-specific rules ...</a:t>
+            </a:r>
+          </a:p>
+          <a:p>
+            <a:r>
+              <a:rPr lang="en-US" dirty="0"/>
+              <a:t>Typical </a:t>
+            </a:r>
+            <a:r>
+              <a:rPr lang="en-US" dirty="0" smtClean="0"/>
+              <a:t>macOS Makefile</a:t>
+            </a:r>
+            <a:endParaRPr lang="en-US" dirty="0"/>
+          </a:p>
+          <a:p>
+            <a:pPr lvl="2">
+              <a:buFont typeface="Wingdings" pitchFamily="2" charset="2"/>
+              <a:buNone/>
+            </a:pPr>
+            <a:r>
+              <a:rPr lang="en-US" sz="1600" b="1" dirty="0">
+                <a:latin typeface="Consolas" panose="020B0609020204030204" pitchFamily="49" charset="0"/>
+                <a:cs typeface="Consolas" panose="020B0609020204030204" pitchFamily="49" charset="0"/>
+              </a:rPr>
+              <a:t>include /</a:t>
+            </a:r>
+            <a:r>
+              <a:rPr lang="en-US" sz="1600" b="1" dirty="0" smtClean="0">
+                <a:latin typeface="Consolas" panose="020B0609020204030204" pitchFamily="49" charset="0"/>
+                <a:cs typeface="Consolas" panose="020B0609020204030204" pitchFamily="49" charset="0"/>
+              </a:rPr>
+              <a:t>usr/</a:t>
+            </a:r>
+            <a:r>
+              <a:rPr lang="en-US" sz="1600" b="1" dirty="0" smtClean="0">
+                <a:solidFill>
+                  <a:srgbClr val="FF0000"/>
+                </a:solidFill>
+                <a:latin typeface="Consolas" panose="020B0609020204030204" pitchFamily="49" charset="0"/>
+                <a:cs typeface="Consolas" panose="020B0609020204030204" pitchFamily="49" charset="0"/>
+              </a:rPr>
+              <a:t>local</a:t>
+            </a:r>
+            <a:r>
+              <a:rPr lang="en-US" sz="1600" b="1" dirty="0" smtClean="0">
+                <a:latin typeface="Consolas" panose="020B0609020204030204" pitchFamily="49" charset="0"/>
+                <a:cs typeface="Consolas" panose="020B0609020204030204" pitchFamily="49" charset="0"/>
+              </a:rPr>
+              <a:t>/include/tsduck/tsduck.mk</a:t>
+            </a:r>
+            <a:endParaRPr lang="en-US" sz="1600" b="1" dirty="0">
+              <a:latin typeface="Consolas" panose="020B0609020204030204" pitchFamily="49" charset="0"/>
+              <a:cs typeface="Consolas" panose="020B0609020204030204" pitchFamily="49" charset="0"/>
+            </a:endParaRPr>
+          </a:p>
+          <a:p>
+            <a:pPr lvl="2">
+              <a:buFont typeface="Wingdings" pitchFamily="2" charset="2"/>
+              <a:buNone/>
+            </a:pPr>
+            <a:r>
+              <a:rPr lang="en-US" sz="1600" b="1" i="1" dirty="0">
+                <a:latin typeface="Consolas" panose="020B0609020204030204" pitchFamily="49" charset="0"/>
+                <a:cs typeface="Consolas" panose="020B0609020204030204" pitchFamily="49" charset="0"/>
+              </a:rPr>
+              <a:t>... application-specific rules </a:t>
+            </a:r>
+            <a:r>
+              <a:rPr lang="en-US" sz="1600" b="1" i="1" dirty="0" smtClean="0">
+                <a:latin typeface="Consolas" panose="020B0609020204030204" pitchFamily="49" charset="0"/>
+                <a:cs typeface="Consolas" panose="020B0609020204030204" pitchFamily="49" charset="0"/>
+              </a:rPr>
+              <a:t>...</a:t>
+            </a:r>
+            <a:endParaRPr lang="en-US" sz="1600" b="1" i="1" dirty="0">
+              <a:latin typeface="Consolas" panose="020B0609020204030204" pitchFamily="49" charset="0"/>
+              <a:cs typeface="Consolas" panose="020B0609020204030204" pitchFamily="49" charset="0"/>
+            </a:endParaRPr>
+          </a:p>
+        </p:txBody>
+      </p:sp>
+      <p:sp>
+        <p:nvSpPr>
+          <p:cNvPr id="3" name="Titre 2"/>
+          <p:cNvSpPr>
+            <a:spLocks noGrp="1"/>
+          </p:cNvSpPr>
+          <p:nvPr>
+            <p:ph type="title"/>
+          </p:nvPr>
+        </p:nvSpPr>
+        <p:spPr/>
+        <p:txBody>
+          <a:bodyPr/>
+          <a:lstStyle/>
+          <a:p>
+            <a:r>
+              <a:rPr lang="en-US" dirty="0" smtClean="0"/>
+              <a:t>Building with TSDuck library on UNIX</a:t>
+            </a:r>
+            <a:endParaRPr lang="en-US" dirty="0"/>
+          </a:p>
+        </p:txBody>
+      </p:sp>
+    </p:spTree>
+    <p:extLst>
+      <p:ext uri="{BB962C8B-B14F-4D97-AF65-F5344CB8AC3E}">
+        <p14:creationId xmlns:p14="http://schemas.microsoft.com/office/powerpoint/2010/main" val="2242190018"/>
+      </p:ext>
+    </p:extLst>
+  </p:cSld>
+  <p:clrMapOvr>
+    <a:masterClrMapping/>
+  </p:clrMapOvr>
+  <mc:AlternateContent xmlns:mc="http://schemas.openxmlformats.org/markup-compatibility/2006" xmlns:p14="http://schemas.microsoft.com/office/powerpoint/2010/main">
+    <mc:Choice Requires="p14">
+      <p:transition spd="med" p14:dur="700">
+        <p:fade/>
+      </p:transition>
+    </mc:Choice>
+    <mc:Fallback xmlns="">
+      <p:transition spd="med">
+        <p:fade/>
+      </p:transition>
+    </mc:Fallback>
+  </mc:AlternateContent>
+  <p:timing>
+    <p:tnLst>
+      <p:par>
+        <p:cTn id="1" dur="indefinite" restart="never" nodeType="tmRoot"/>
+      </p:par>
+    </p:tnLst>
+  </p:timing>
+</p:sld>
+</file>
+
+<file path=ppt/slides/slide32.xml><?xml version="1.0" encoding="utf-8"?>
+<p:sld xmlns:a="http://schemas.openxmlformats.org/drawingml/2006/main" xmlns:r="http://schemas.openxmlformats.org/officeDocument/2006/relationships" xmlns:p="http://schemas.openxmlformats.org/presentationml/2006/main">
+  <p:cSld>
+    <p:spTree>
+      <p:nvGrpSpPr>
+        <p:cNvPr id="1" name=""/>
+        <p:cNvGrpSpPr/>
+        <p:nvPr/>
+      </p:nvGrpSpPr>
+      <p:grpSpPr>
+        <a:xfrm>
+          <a:off x="0" y="0"/>
+          <a:ext cx="0" cy="0"/>
+          <a:chOff x="0" y="0"/>
+          <a:chExt cx="0" cy="0"/>
+        </a:xfrm>
+      </p:grpSpPr>
+      <p:sp>
+        <p:nvSpPr>
+          <p:cNvPr id="2" name="Espace réservé du contenu 1"/>
+          <p:cNvSpPr>
+            <a:spLocks noGrp="1"/>
+          </p:cNvSpPr>
+          <p:nvPr>
+            <p:ph idx="1"/>
+          </p:nvPr>
+        </p:nvSpPr>
+        <p:spPr/>
+        <p:txBody>
+          <a:bodyPr>
+            <a:normAutofit/>
+          </a:bodyPr>
+          <a:lstStyle/>
+          <a:p>
+            <a:r>
+              <a:rPr lang="en-US" dirty="0" smtClean="0"/>
+              <a:t>Use Microsoft Visual Studio 2017</a:t>
+            </a:r>
+          </a:p>
+          <a:p>
+            <a:pPr lvl="1"/>
+            <a:r>
+              <a:rPr lang="en-US" dirty="0" smtClean="0"/>
+              <a:t>Community Edition is free</a:t>
+            </a:r>
+          </a:p>
+          <a:p>
+            <a:r>
+              <a:rPr lang="en-US" dirty="0" smtClean="0"/>
+              <a:t>Modify the application’s </a:t>
+            </a:r>
+            <a:r>
+              <a:rPr lang="en-US" dirty="0"/>
+              <a:t>project file (</a:t>
+            </a:r>
+            <a:r>
+              <a:rPr lang="en-US" i="1" dirty="0" err="1">
+                <a:latin typeface="Consolas" panose="020B0609020204030204" pitchFamily="49" charset="0"/>
+                <a:cs typeface="Consolas" panose="020B0609020204030204" pitchFamily="49" charset="0"/>
+              </a:rPr>
+              <a:t>app</a:t>
+            </a:r>
+            <a:r>
+              <a:rPr lang="en-US" dirty="0" err="1">
+                <a:latin typeface="Consolas" panose="020B0609020204030204" pitchFamily="49" charset="0"/>
+                <a:cs typeface="Consolas" panose="020B0609020204030204" pitchFamily="49" charset="0"/>
+              </a:rPr>
+              <a:t>.vcxproj</a:t>
+            </a:r>
+            <a:r>
+              <a:rPr lang="en-US" dirty="0"/>
+              <a:t>)</a:t>
+            </a:r>
+            <a:endParaRPr lang="en-US" dirty="0" smtClean="0"/>
+          </a:p>
+          <a:p>
+            <a:pPr lvl="1"/>
+            <a:r>
+              <a:rPr lang="en-US" dirty="0" smtClean="0"/>
+              <a:t>Add one reference to the TSDuck property file</a:t>
+            </a:r>
+          </a:p>
+          <a:p>
+            <a:pPr lvl="2">
+              <a:buNone/>
+            </a:pPr>
+            <a:r>
+              <a:rPr lang="en-US" sz="1600" b="1" dirty="0">
+                <a:latin typeface="Consolas" panose="020B0609020204030204" pitchFamily="49" charset="0"/>
+                <a:cs typeface="Consolas" panose="020B0609020204030204" pitchFamily="49" charset="0"/>
+              </a:rPr>
+              <a:t>&lt;Import Project="$(TSDUCK)\</a:t>
+            </a:r>
+            <a:r>
+              <a:rPr lang="en-US" sz="1600" b="1" dirty="0" err="1">
+                <a:latin typeface="Consolas" panose="020B0609020204030204" pitchFamily="49" charset="0"/>
+                <a:cs typeface="Consolas" panose="020B0609020204030204" pitchFamily="49" charset="0"/>
+              </a:rPr>
+              <a:t>tsduck.props</a:t>
+            </a:r>
+            <a:r>
+              <a:rPr lang="en-US" sz="1600" b="1" dirty="0">
+                <a:latin typeface="Consolas" panose="020B0609020204030204" pitchFamily="49" charset="0"/>
+                <a:cs typeface="Consolas" panose="020B0609020204030204" pitchFamily="49" charset="0"/>
+              </a:rPr>
+              <a:t>" /&gt;</a:t>
+            </a:r>
+            <a:endParaRPr lang="en-US" sz="1600" b="1" dirty="0">
+              <a:latin typeface="Consolas" panose="020B0609020204030204" pitchFamily="49" charset="0"/>
+              <a:cs typeface="Consolas" panose="020B0609020204030204" pitchFamily="49" charset="0"/>
+            </a:endParaRPr>
+          </a:p>
+          <a:p>
+            <a:pPr lvl="1"/>
+            <a:r>
+              <a:rPr lang="en-US" dirty="0" smtClean="0"/>
+              <a:t>Just befor</a:t>
+            </a:r>
+            <a:r>
+              <a:rPr lang="en-US" dirty="0" smtClean="0"/>
+              <a:t>e </a:t>
+            </a:r>
+            <a:r>
+              <a:rPr lang="en-US" dirty="0"/>
+              <a:t>the final </a:t>
+            </a:r>
+            <a:r>
+              <a:rPr lang="en-US" dirty="0">
+                <a:latin typeface="Consolas" panose="020B0609020204030204" pitchFamily="49" charset="0"/>
+                <a:cs typeface="Consolas" panose="020B0609020204030204" pitchFamily="49" charset="0"/>
+              </a:rPr>
+              <a:t>&lt;/Project</a:t>
+            </a:r>
+            <a:r>
+              <a:rPr lang="en-US" dirty="0" smtClean="0">
+                <a:latin typeface="Consolas" panose="020B0609020204030204" pitchFamily="49" charset="0"/>
+                <a:cs typeface="Consolas" panose="020B0609020204030204" pitchFamily="49" charset="0"/>
+              </a:rPr>
+              <a:t>&gt;</a:t>
+            </a:r>
+            <a:r>
+              <a:rPr lang="en-US" dirty="0" smtClean="0"/>
+              <a:t> closing tag</a:t>
+            </a:r>
+          </a:p>
+          <a:p>
+            <a:pPr lvl="1"/>
+            <a:r>
+              <a:rPr lang="en-US" dirty="0" smtClean="0"/>
+              <a:t>And build the application as usual</a:t>
+            </a:r>
+          </a:p>
+        </p:txBody>
+      </p:sp>
+      <p:sp>
+        <p:nvSpPr>
+          <p:cNvPr id="3" name="Titre 2"/>
+          <p:cNvSpPr>
+            <a:spLocks noGrp="1"/>
+          </p:cNvSpPr>
+          <p:nvPr>
+            <p:ph type="title"/>
+          </p:nvPr>
+        </p:nvSpPr>
+        <p:spPr/>
+        <p:txBody>
+          <a:bodyPr/>
+          <a:lstStyle/>
+          <a:p>
+            <a:r>
+              <a:rPr lang="en-US" dirty="0"/>
+              <a:t>Building with TSDuck library on </a:t>
+            </a:r>
+            <a:r>
+              <a:rPr lang="en-US" dirty="0" smtClean="0"/>
+              <a:t>Windows</a:t>
+            </a:r>
+            <a:endParaRPr lang="en-US" dirty="0"/>
+          </a:p>
+        </p:txBody>
+      </p:sp>
+    </p:spTree>
+    <p:extLst>
+      <p:ext uri="{BB962C8B-B14F-4D97-AF65-F5344CB8AC3E}">
+        <p14:creationId xmlns:p14="http://schemas.microsoft.com/office/powerpoint/2010/main" val="3091723395"/>
+      </p:ext>
+    </p:extLst>
+  </p:cSld>
+  <p:clrMapOvr>
+    <a:masterClrMapping/>
+  </p:clrMapOvr>
+  <mc:AlternateContent xmlns:mc="http://schemas.openxmlformats.org/markup-compatibility/2006" xmlns:p14="http://schemas.microsoft.com/office/powerpoint/2010/main">
+    <mc:Choice Requires="p14">
+      <p:transition spd="med" p14:dur="700">
+        <p:fade/>
+      </p:transition>
+    </mc:Choice>
+    <mc:Fallback xmlns="">
+      <p:transition spd="med">
+        <p:fade/>
+      </p:transition>
+    </mc:Fallback>
+  </mc:AlternateContent>
+  <p:timing>
+    <p:tnLst>
+      <p:par>
+        <p:cTn id="1" dur="indefinite" restart="never" nodeType="tmRoot"/>
+      </p:par>
+    </p:tnLst>
+  </p:timing>
+</p:sld>
+</file>
+
+<file path=ppt/slides/slide33.xml><?xml version="1.0" encoding="utf-8"?>
 <p:sld xmlns:a="http://schemas.openxmlformats.org/drawingml/2006/main" xmlns:r="http://schemas.openxmlformats.org/officeDocument/2006/relationships" xmlns:p="http://schemas.openxmlformats.org/presentationml/2006/main">
   <p:cSld>
     <p:spTree>
@@ -13464,7 +13992,45 @@
           <a:p>
             <a:r>
               <a:rPr lang="en-US" dirty="0" smtClean="0"/>
-              <a:t>Open source code</a:t>
+              <a:t>Web site</a:t>
+            </a:r>
+          </a:p>
+          <a:p>
+            <a:pPr lvl="1" indent="0">
+              <a:buNone/>
+            </a:pPr>
+            <a:r>
+              <a:rPr lang="en-US" sz="2000" dirty="0">
+                <a:latin typeface="Consolas" panose="020B0609020204030204" pitchFamily="49" charset="0"/>
+                <a:cs typeface="Consolas" panose="020B0609020204030204" pitchFamily="49" charset="0"/>
+                <a:hlinkClick r:id="rId3"/>
+              </a:rPr>
+              <a:t>https://tsduck.github.io</a:t>
+            </a:r>
+            <a:r>
+              <a:rPr lang="en-US" sz="2000" dirty="0">
+                <a:latin typeface="Consolas" panose="020B0609020204030204" pitchFamily="49" charset="0"/>
+                <a:cs typeface="Consolas" panose="020B0609020204030204" pitchFamily="49" charset="0"/>
+                <a:hlinkClick r:id="rId3"/>
+              </a:rPr>
+              <a:t>/</a:t>
+            </a:r>
+            <a:r>
+              <a:rPr lang="en-US" sz="2000" dirty="0">
+                <a:latin typeface="Consolas" panose="020B0609020204030204" pitchFamily="49" charset="0"/>
+                <a:cs typeface="Consolas" panose="020B0609020204030204" pitchFamily="49" charset="0"/>
+              </a:rPr>
+              <a:t> </a:t>
+            </a:r>
+          </a:p>
+          <a:p>
+            <a:r>
+              <a:rPr lang="en-US" dirty="0" smtClean="0"/>
+              <a:t>Open-source </a:t>
+            </a:r>
+            <a:r>
+              <a:rPr lang="en-US" dirty="0" smtClean="0"/>
+              <a:t>code</a:t>
             </a:r>
           </a:p>
           <a:p>
@@ -13475,7 +14041,7 @@
               <a:rPr lang="en-US" dirty="0">
                 <a:latin typeface="Consolas" panose="020B0609020204030204" pitchFamily="49" charset="0"/>
                 <a:cs typeface="Consolas" panose="020B0609020204030204" pitchFamily="49" charset="0"/>
-                <a:hlinkClick r:id="rId3"/>
+                <a:hlinkClick r:id="rId4"/>
               </a:rPr>
               <a:t>https://</a:t>
             </a:r>
@@ -13483,7 +14049,7 @@
               <a:rPr lang="en-US" dirty="0" smtClean="0">
                 <a:latin typeface="Consolas" panose="020B0609020204030204" pitchFamily="49" charset="0"/>
                 <a:cs typeface="Consolas" panose="020B0609020204030204" pitchFamily="49" charset="0"/>
-                <a:hlinkClick r:id="rId3"/>
+                <a:hlinkClick r:id="rId4"/>
               </a:rPr>
               <a:t>github.com/tsduck/tsduck</a:t>
             </a:r>
@@ -13688,7 +14254,7 @@
                 <a:cs typeface="Consolas" panose="020B0609020204030204" pitchFamily="49" charset="0"/>
                 <a:hlinkClick r:id="rId4"/>
               </a:rPr>
-              <a:t>https://tsduck.github.io</a:t>
+              <a:t>https://tsduck.github.io/doxy/html</a:t>
             </a:r>
             <a:r>
               <a:rPr lang="en-US" sz="1900" dirty="0" smtClean="0">

--- a/doc/tsduck-presentation.pptx
+++ b/doc/tsduck-presentation.pptx
@@ -5,10 +5,10 @@
     <p:sldMasterId id="2147483660" r:id="rId1"/>
   </p:sldMasterIdLst>
   <p:notesMasterIdLst>
-    <p:notesMasterId r:id="rId35"/>
+    <p:notesMasterId r:id="rId39"/>
   </p:notesMasterIdLst>
   <p:handoutMasterIdLst>
-    <p:handoutMasterId r:id="rId36"/>
+    <p:handoutMasterId r:id="rId40"/>
   </p:handoutMasterIdLst>
   <p:sldIdLst>
     <p:sldId id="256" r:id="rId2"/>
@@ -33,17 +33,21 @@
     <p:sldId id="276" r:id="rId21"/>
     <p:sldId id="277" r:id="rId22"/>
     <p:sldId id="278" r:id="rId23"/>
-    <p:sldId id="279" r:id="rId24"/>
-    <p:sldId id="280" r:id="rId25"/>
-    <p:sldId id="281" r:id="rId26"/>
-    <p:sldId id="282" r:id="rId27"/>
-    <p:sldId id="283" r:id="rId28"/>
-    <p:sldId id="284" r:id="rId29"/>
-    <p:sldId id="285" r:id="rId30"/>
-    <p:sldId id="286" r:id="rId31"/>
-    <p:sldId id="288" r:id="rId32"/>
-    <p:sldId id="287" r:id="rId33"/>
-    <p:sldId id="258" r:id="rId34"/>
+    <p:sldId id="289" r:id="rId24"/>
+    <p:sldId id="290" r:id="rId25"/>
+    <p:sldId id="291" r:id="rId26"/>
+    <p:sldId id="292" r:id="rId27"/>
+    <p:sldId id="279" r:id="rId28"/>
+    <p:sldId id="280" r:id="rId29"/>
+    <p:sldId id="281" r:id="rId30"/>
+    <p:sldId id="282" r:id="rId31"/>
+    <p:sldId id="283" r:id="rId32"/>
+    <p:sldId id="284" r:id="rId33"/>
+    <p:sldId id="285" r:id="rId34"/>
+    <p:sldId id="286" r:id="rId35"/>
+    <p:sldId id="288" r:id="rId36"/>
+    <p:sldId id="287" r:id="rId37"/>
+    <p:sldId id="258" r:id="rId38"/>
   </p:sldIdLst>
   <p:sldSz cx="9144000" cy="5143500" type="screen16x9"/>
   <p:notesSz cx="6858000" cy="9144000"/>
@@ -227,7 +231,7 @@
           <a:p>
             <a:fld id="{C55B0BA7-B0E2-4C07-8528-84B7AE1BAF72}" type="datetimeFigureOut">
               <a:rPr lang="en-US" smtClean="0"/>
-              <a:t>2017-07-25</a:t>
+              <a:t>2017-09-15</a:t>
             </a:fld>
             <a:endParaRPr lang="en-US"/>
           </a:p>
@@ -393,7 +397,7 @@
           <a:p>
             <a:fld id="{66F6DD61-880C-4F33-96A2-51E92479021F}" type="datetimeFigureOut">
               <a:rPr lang="en-US" smtClean="0"/>
-              <a:t>2017-07-25</a:t>
+              <a:t>2017-09-15</a:t>
             </a:fld>
             <a:endParaRPr lang="en-US" dirty="0"/>
           </a:p>
@@ -1987,7 +1991,7 @@
           <a:p>
             <a:fld id="{C9210C38-A4D4-4515-9CA7-8160947F5FEA}" type="slidenum">
               <a:rPr lang="en-US" smtClean="0"/>
-              <a:t>23</a:t>
+              <a:t>27</a:t>
             </a:fld>
             <a:endParaRPr lang="en-US" dirty="0"/>
           </a:p>
@@ -2071,7 +2075,7 @@
           <a:p>
             <a:fld id="{C9210C38-A4D4-4515-9CA7-8160947F5FEA}" type="slidenum">
               <a:rPr lang="en-US" smtClean="0"/>
-              <a:t>24</a:t>
+              <a:t>28</a:t>
             </a:fld>
             <a:endParaRPr lang="en-US" dirty="0"/>
           </a:p>
@@ -2155,7 +2159,7 @@
           <a:p>
             <a:fld id="{C9210C38-A4D4-4515-9CA7-8160947F5FEA}" type="slidenum">
               <a:rPr lang="en-US" smtClean="0"/>
-              <a:t>25</a:t>
+              <a:t>29</a:t>
             </a:fld>
             <a:endParaRPr lang="en-US" dirty="0"/>
           </a:p>
@@ -2239,7 +2243,7 @@
           <a:p>
             <a:fld id="{C9210C38-A4D4-4515-9CA7-8160947F5FEA}" type="slidenum">
               <a:rPr lang="en-US" smtClean="0"/>
-              <a:t>26</a:t>
+              <a:t>30</a:t>
             </a:fld>
             <a:endParaRPr lang="en-US" dirty="0"/>
           </a:p>
@@ -2323,7 +2327,7 @@
           <a:p>
             <a:fld id="{C9210C38-A4D4-4515-9CA7-8160947F5FEA}" type="slidenum">
               <a:rPr lang="en-US" smtClean="0"/>
-              <a:t>27</a:t>
+              <a:t>31</a:t>
             </a:fld>
             <a:endParaRPr lang="en-US" dirty="0"/>
           </a:p>
@@ -2407,7 +2411,7 @@
           <a:p>
             <a:fld id="{C9210C38-A4D4-4515-9CA7-8160947F5FEA}" type="slidenum">
               <a:rPr lang="en-US" smtClean="0"/>
-              <a:t>28</a:t>
+              <a:t>32</a:t>
             </a:fld>
             <a:endParaRPr lang="en-US" dirty="0"/>
           </a:p>
@@ -2491,7 +2495,7 @@
           <a:p>
             <a:fld id="{C9210C38-A4D4-4515-9CA7-8160947F5FEA}" type="slidenum">
               <a:rPr lang="en-US" smtClean="0"/>
-              <a:t>29</a:t>
+              <a:t>33</a:t>
             </a:fld>
             <a:endParaRPr lang="en-US" dirty="0"/>
           </a:p>
@@ -2659,7 +2663,7 @@
           <a:p>
             <a:fld id="{C9210C38-A4D4-4515-9CA7-8160947F5FEA}" type="slidenum">
               <a:rPr lang="en-US" smtClean="0"/>
-              <a:t>30</a:t>
+              <a:t>34</a:t>
             </a:fld>
             <a:endParaRPr lang="en-US" dirty="0"/>
           </a:p>
@@ -2743,7 +2747,7 @@
           <a:p>
             <a:fld id="{C9210C38-A4D4-4515-9CA7-8160947F5FEA}" type="slidenum">
               <a:rPr lang="en-US" smtClean="0"/>
-              <a:t>31</a:t>
+              <a:t>35</a:t>
             </a:fld>
             <a:endParaRPr lang="en-US" dirty="0"/>
           </a:p>
@@ -2827,7 +2831,7 @@
           <a:p>
             <a:fld id="{C9210C38-A4D4-4515-9CA7-8160947F5FEA}" type="slidenum">
               <a:rPr lang="en-US" smtClean="0"/>
-              <a:t>32</a:t>
+              <a:t>36</a:t>
             </a:fld>
             <a:endParaRPr lang="en-US" dirty="0"/>
           </a:p>
@@ -2911,7 +2915,7 @@
           <a:p>
             <a:fld id="{C9210C38-A4D4-4515-9CA7-8160947F5FEA}" type="slidenum">
               <a:rPr lang="en-US" smtClean="0"/>
-              <a:t>33</a:t>
+              <a:t>37</a:t>
             </a:fld>
             <a:endParaRPr lang="en-US" dirty="0"/>
           </a:p>
@@ -5383,7 +5387,7 @@
             </a:r>
             <a:r>
               <a:rPr lang="en-US" sz="1700" dirty="0" smtClean="0"/>
-              <a:t>3.2</a:t>
+              <a:t>3.3</a:t>
             </a:r>
             <a:endParaRPr lang="en-US" sz="1700" dirty="0"/>
           </a:p>
@@ -5487,29 +5491,39 @@
         </p:nvSpPr>
         <p:spPr/>
         <p:txBody>
-          <a:bodyPr/>
-          <a:lstStyle/>
-          <a:p>
-            <a:r>
-              <a:rPr lang="en-US" dirty="0" smtClean="0"/>
-              <a:t>Transport packet analysis</a:t>
+          <a:bodyPr>
+            <a:normAutofit/>
+          </a:bodyPr>
+          <a:lstStyle/>
+          <a:p>
+            <a:r>
+              <a:rPr lang="en-US" dirty="0" smtClean="0"/>
+              <a:t>Transport </a:t>
+            </a:r>
+            <a:r>
+              <a:rPr lang="en-US" dirty="0"/>
+              <a:t>packet analysis</a:t>
             </a:r>
           </a:p>
           <a:p>
             <a:pPr lvl="1"/>
             <a:r>
-              <a:rPr lang="en-US" b="1" i="1" dirty="0" err="1" smtClean="0"/>
+              <a:rPr lang="en-US" b="1" i="1" dirty="0" err="1"/>
               <a:t>tsdump</a:t>
             </a:r>
             <a:r>
-              <a:rPr lang="en-US" dirty="0" smtClean="0"/>
+              <a:rPr lang="en-US" dirty="0"/>
               <a:t> : dump and analyze transport packets</a:t>
             </a:r>
           </a:p>
           <a:p>
             <a:r>
               <a:rPr lang="en-US" dirty="0" smtClean="0"/>
-              <a:t>TS files recovery</a:t>
+              <a:t>TS </a:t>
+            </a:r>
+            <a:r>
+              <a:rPr lang="en-US" dirty="0" smtClean="0"/>
+              <a:t>files recovery</a:t>
             </a:r>
           </a:p>
           <a:p>
@@ -5690,28 +5704,44 @@
           <a:p>
             <a:pPr lvl="1"/>
             <a:r>
-              <a:rPr lang="en-US" b="1" i="1" dirty="0" err="1" smtClean="0"/>
+              <a:rPr lang="en-US" b="1" i="1" dirty="0"/>
+              <a:t>tstabcomp </a:t>
+            </a:r>
+            <a:r>
+              <a:rPr lang="en-US" dirty="0"/>
+              <a:t>: table compiler from XML source files</a:t>
+            </a:r>
+          </a:p>
+          <a:p>
+            <a:pPr lvl="1"/>
+            <a:r>
+              <a:rPr lang="en-US" b="1" i="1" dirty="0" smtClean="0"/>
               <a:t>tsgentab</a:t>
             </a:r>
             <a:r>
               <a:rPr lang="en-US" dirty="0" smtClean="0"/>
-              <a:t> : generate specific tables using plugins</a:t>
+              <a:t> </a:t>
+            </a:r>
+            <a:r>
+              <a:rPr lang="en-US" dirty="0" smtClean="0"/>
+              <a:t>: generate specific tables using plugins</a:t>
             </a:r>
           </a:p>
           <a:p>
             <a:pPr lvl="2"/>
             <a:r>
-              <a:rPr lang="en-US" dirty="0" smtClean="0"/>
-              <a:t>each plugin typically generates one table</a:t>
-            </a:r>
-          </a:p>
-          <a:p>
-            <a:pPr lvl="2"/>
-            <a:r>
-              <a:rPr lang="en-US" dirty="0" smtClean="0"/>
-              <a:t>add new plugins when new tables are needed</a:t>
-            </a:r>
-            <a:endParaRPr lang="en-US" dirty="0"/>
+              <a:rPr lang="en-US" dirty="0"/>
+              <a:t>n</a:t>
+            </a:r>
+            <a:r>
+              <a:rPr lang="en-US" dirty="0" smtClean="0"/>
+              <a:t>ow deprecated in favor of </a:t>
+            </a:r>
+            <a:r>
+              <a:rPr lang="en-US" i="1" dirty="0" smtClean="0"/>
+              <a:t>tstabcomp</a:t>
+            </a:r>
+            <a:endParaRPr lang="en-US" i="1" dirty="0"/>
           </a:p>
         </p:txBody>
       </p:sp>
@@ -8464,7 +8494,14 @@
                 <a:latin typeface="Consolas" panose="020B0609020204030204" pitchFamily="49" charset="0"/>
                 <a:cs typeface="Consolas" panose="020B0609020204030204" pitchFamily="49" charset="0"/>
               </a:rPr>
-              <a:t> --uhf 24 --convolution 2/3 --guard 1/32</a:t>
+              <a:t> --uhf 24 --</a:t>
+            </a:r>
+            <a:r>
+              <a:rPr lang="en-US" sz="1800" b="1" dirty="0" smtClean="0">
+                <a:latin typeface="Consolas" panose="020B0609020204030204" pitchFamily="49" charset="0"/>
+                <a:cs typeface="Consolas" panose="020B0609020204030204" pitchFamily="49" charset="0"/>
+              </a:rPr>
+              <a:t>convolution 2/3 --guard 1/32</a:t>
             </a:r>
             <a:endParaRPr lang="en-US" sz="1800" b="1" dirty="0">
               <a:latin typeface="Consolas" panose="020B0609020204030204" pitchFamily="49" charset="0"/>
@@ -10407,8 +10444,19 @@
           <a:p>
             <a:r>
               <a:rPr lang="en-US" dirty="0" smtClean="0"/>
-              <a:t>Transport stream processor</a:t>
-            </a:r>
+              <a:t>Transport stream </a:t>
+            </a:r>
+            <a:r>
+              <a:rPr lang="en-US" dirty="0" smtClean="0"/>
+              <a:t>processor</a:t>
+            </a:r>
+          </a:p>
+          <a:p>
+            <a:r>
+              <a:rPr lang="en-US" dirty="0" smtClean="0"/>
+              <a:t>XML table compiler</a:t>
+            </a:r>
+            <a:endParaRPr lang="en-US" dirty="0" smtClean="0"/>
           </a:p>
           <a:p>
             <a:r>
@@ -11651,7 +11699,7 @@
           <a:p>
             <a:r>
               <a:rPr lang="en-US" dirty="0" smtClean="0"/>
-              <a:t>C++ transport stream programming</a:t>
+              <a:t>the PSI / SI table compiler</a:t>
             </a:r>
             <a:endParaRPr lang="en-US" dirty="0"/>
           </a:p>
@@ -11674,7 +11722,7 @@
           <a:p>
             <a:r>
               <a:rPr lang="en-US" dirty="0" smtClean="0"/>
-              <a:t>Extending TSDuck</a:t>
+              <a:t>tstabcomp	</a:t>
             </a:r>
             <a:endParaRPr lang="en-US" dirty="0"/>
           </a:p>
@@ -11683,7 +11731,7 @@
     </p:spTree>
     <p:extLst>
       <p:ext uri="{BB962C8B-B14F-4D97-AF65-F5344CB8AC3E}">
-        <p14:creationId xmlns:p14="http://schemas.microsoft.com/office/powerpoint/2010/main" val="1702509614"/>
+        <p14:creationId xmlns:p14="http://schemas.microsoft.com/office/powerpoint/2010/main" val="2271901950"/>
       </p:ext>
     </p:extLst>
   </p:cSld>
@@ -11741,129 +11789,99 @@
         </p:nvSpPr>
         <p:spPr/>
         <p:txBody>
+          <a:bodyPr>
+            <a:normAutofit lnSpcReduction="10000"/>
+          </a:bodyPr>
+          <a:lstStyle/>
+          <a:p>
+            <a:r>
+              <a:rPr lang="en-US" dirty="0" smtClean="0"/>
+              <a:t>Input source files</a:t>
+            </a:r>
+          </a:p>
+          <a:p>
+            <a:pPr lvl="1"/>
+            <a:r>
+              <a:rPr lang="en-US" dirty="0" smtClean="0"/>
+              <a:t>describe PSI/SI tables in text files</a:t>
+            </a:r>
+          </a:p>
+          <a:p>
+            <a:pPr lvl="1"/>
+            <a:r>
+              <a:rPr lang="en-US" dirty="0" smtClean="0"/>
+              <a:t>XML format</a:t>
+            </a:r>
+          </a:p>
+          <a:p>
+            <a:r>
+              <a:rPr lang="en-US" dirty="0" smtClean="0"/>
+              <a:t>Output binary files</a:t>
+            </a:r>
+          </a:p>
+          <a:p>
+            <a:pPr lvl="1"/>
+            <a:r>
+              <a:rPr lang="en-US" dirty="0" smtClean="0"/>
+              <a:t>concatenated list of sections</a:t>
+            </a:r>
+          </a:p>
+          <a:p>
+            <a:pPr lvl="1"/>
+            <a:r>
+              <a:rPr lang="en-US" dirty="0" smtClean="0"/>
+              <a:t>same format as used by other tools and plugins</a:t>
+            </a:r>
+          </a:p>
+          <a:p>
+            <a:r>
+              <a:rPr lang="en-US" dirty="0" smtClean="0"/>
+              <a:t>Reverse operation (</a:t>
+            </a:r>
+            <a:r>
+              <a:rPr lang="en-US" dirty="0" err="1" smtClean="0"/>
+              <a:t>decompilation</a:t>
+            </a:r>
+            <a:r>
+              <a:rPr lang="en-US" dirty="0" smtClean="0"/>
+              <a:t>) also available</a:t>
+            </a:r>
+          </a:p>
+          <a:p>
+            <a:pPr lvl="1"/>
+            <a:r>
+              <a:rPr lang="en-US" dirty="0" smtClean="0"/>
+              <a:t>input: binary sections file</a:t>
+            </a:r>
+          </a:p>
+          <a:p>
+            <a:pPr lvl="1"/>
+            <a:r>
+              <a:rPr lang="en-US" dirty="0" smtClean="0"/>
+              <a:t>output: XML file</a:t>
+            </a:r>
+            <a:endParaRPr lang="en-US" dirty="0"/>
+          </a:p>
+        </p:txBody>
+      </p:sp>
+      <p:sp>
+        <p:nvSpPr>
+          <p:cNvPr id="3" name="Titre 2"/>
+          <p:cNvSpPr>
+            <a:spLocks noGrp="1"/>
+          </p:cNvSpPr>
+          <p:nvPr>
+            <p:ph type="title"/>
+          </p:nvPr>
+        </p:nvSpPr>
+        <p:spPr/>
+        <p:txBody>
           <a:bodyPr/>
           <a:lstStyle/>
           <a:p>
             <a:r>
               <a:rPr lang="en-US" dirty="0" smtClean="0"/>
-              <a:t>TSDuck is extensible</a:t>
-            </a:r>
-          </a:p>
-          <a:p>
-            <a:pPr lvl="1"/>
-            <a:r>
-              <a:rPr lang="en-US" dirty="0" smtClean="0"/>
-              <a:t>Source code provided</a:t>
-            </a:r>
-          </a:p>
-          <a:p>
-            <a:pPr marL="896937" lvl="3" indent="0">
-              <a:buNone/>
-            </a:pPr>
-            <a:r>
-              <a:rPr lang="en-US" dirty="0" smtClean="0">
-                <a:latin typeface="Consolas" panose="020B0609020204030204" pitchFamily="49" charset="0"/>
-                <a:cs typeface="Consolas" panose="020B0609020204030204" pitchFamily="49" charset="0"/>
-              </a:rPr>
-              <a:t>git clone https://github.com/tsduck/tsduck.git</a:t>
-            </a:r>
-          </a:p>
-          <a:p>
-            <a:pPr lvl="1"/>
-            <a:r>
-              <a:rPr lang="en-US" dirty="0" smtClean="0"/>
-              <a:t>Common API for Linux, Windows and </a:t>
-            </a:r>
-            <a:r>
-              <a:rPr lang="en-US" dirty="0" err="1" smtClean="0"/>
-              <a:t>macOS</a:t>
-            </a:r>
-            <a:endParaRPr lang="en-US" dirty="0" smtClean="0"/>
-          </a:p>
-          <a:p>
-            <a:pPr lvl="2"/>
-            <a:r>
-              <a:rPr lang="en-US" dirty="0" smtClean="0"/>
-              <a:t>DVB tuners and </a:t>
-            </a:r>
-            <a:r>
-              <a:rPr lang="en-US" dirty="0" err="1" smtClean="0"/>
-              <a:t>Dektec</a:t>
-            </a:r>
-            <a:r>
-              <a:rPr lang="en-US" dirty="0" smtClean="0"/>
-              <a:t> cards are not supported on </a:t>
-            </a:r>
-            <a:r>
-              <a:rPr lang="en-US" dirty="0" err="1" smtClean="0"/>
-              <a:t>macOS</a:t>
-            </a:r>
-            <a:endParaRPr lang="en-US" dirty="0" smtClean="0"/>
-          </a:p>
-          <a:p>
-            <a:pPr lvl="1"/>
-            <a:r>
-              <a:rPr lang="en-US" dirty="0" smtClean="0"/>
-              <a:t>Programmer’s guide</a:t>
-            </a:r>
-          </a:p>
-          <a:p>
-            <a:pPr lvl="2"/>
-            <a:r>
-              <a:rPr lang="en-US" dirty="0" smtClean="0"/>
-              <a:t>Doxygen-generated, see </a:t>
-            </a:r>
-            <a:r>
-              <a:rPr lang="en-US" dirty="0" smtClean="0">
-                <a:latin typeface="Consolas" panose="020B0609020204030204" pitchFamily="49" charset="0"/>
-                <a:cs typeface="Consolas" panose="020B0609020204030204" pitchFamily="49" charset="0"/>
-                <a:hlinkClick r:id="rId3"/>
-              </a:rPr>
-              <a:t>https</a:t>
-            </a:r>
-            <a:r>
-              <a:rPr lang="en-US" dirty="0" smtClean="0">
-                <a:latin typeface="Consolas" panose="020B0609020204030204" pitchFamily="49" charset="0"/>
-                <a:cs typeface="Consolas" panose="020B0609020204030204" pitchFamily="49" charset="0"/>
-                <a:hlinkClick r:id="rId3"/>
-              </a:rPr>
-              <a:t>://tsduck.github.io/</a:t>
-            </a:r>
-            <a:r>
-              <a:rPr lang="en-US" dirty="0" smtClean="0">
-                <a:latin typeface="Consolas" panose="020B0609020204030204" pitchFamily="49" charset="0"/>
-                <a:cs typeface="Consolas" panose="020B0609020204030204" pitchFamily="49" charset="0"/>
-              </a:rPr>
-              <a:t> </a:t>
-            </a:r>
-          </a:p>
-          <a:p>
-            <a:r>
-              <a:rPr lang="en-US" dirty="0" smtClean="0"/>
-              <a:t>You can modify it yourself !</a:t>
-            </a:r>
-            <a:endParaRPr lang="en-US" dirty="0"/>
-          </a:p>
-        </p:txBody>
-      </p:sp>
-      <p:sp>
-        <p:nvSpPr>
-          <p:cNvPr id="3" name="Titre 2"/>
-          <p:cNvSpPr>
-            <a:spLocks noGrp="1"/>
-          </p:cNvSpPr>
-          <p:nvPr>
-            <p:ph type="title"/>
-          </p:nvPr>
-        </p:nvSpPr>
-        <p:spPr/>
-        <p:txBody>
-          <a:bodyPr/>
-          <a:lstStyle/>
-          <a:p>
-            <a:r>
-              <a:rPr lang="en-US" dirty="0" smtClean="0"/>
-              <a:t>Extending TSDuck</a:t>
+              <a:t>Compiling PSI/SI tables</a:t>
             </a:r>
             <a:endParaRPr lang="en-US" dirty="0"/>
           </a:p>
@@ -11872,7 +11890,7 @@
     </p:spTree>
     <p:extLst>
       <p:ext uri="{BB962C8B-B14F-4D97-AF65-F5344CB8AC3E}">
-        <p14:creationId xmlns:p14="http://schemas.microsoft.com/office/powerpoint/2010/main" val="3195961649"/>
+        <p14:creationId xmlns:p14="http://schemas.microsoft.com/office/powerpoint/2010/main" val="3460309249"/>
       </p:ext>
     </p:extLst>
   </p:cSld>
@@ -11935,148 +11953,462 @@
           </a:bodyPr>
           <a:lstStyle/>
           <a:p>
-            <a:pPr>
-              <a:lnSpc>
-                <a:spcPct val="90000"/>
-              </a:lnSpc>
+            <a:pPr marL="0" indent="0">
+              <a:buNone/>
             </a:pPr>
             <a:r>
-              <a:rPr lang="en-US" dirty="0" smtClean="0"/>
-              <a:t>Identify your needs</a:t>
-            </a:r>
-          </a:p>
-          <a:p>
-            <a:pPr>
-              <a:lnSpc>
-                <a:spcPct val="90000"/>
-              </a:lnSpc>
+              <a:rPr lang="en-US" sz="1200" dirty="0">
+                <a:latin typeface="Consolas" panose="020B0609020204030204" pitchFamily="49" charset="0"/>
+                <a:cs typeface="Consolas" panose="020B0609020204030204" pitchFamily="49" charset="0"/>
+              </a:rPr>
+              <a:t>&lt;?xml version="1.0" encoding="UTF-8"?&gt;</a:t>
+            </a:r>
+          </a:p>
+          <a:p>
+            <a:pPr marL="0" indent="0">
+              <a:buNone/>
             </a:pPr>
             <a:r>
-              <a:rPr lang="en-US" dirty="0" smtClean="0"/>
-              <a:t>Try to find a solution using existing TSDuck</a:t>
-            </a:r>
-          </a:p>
-          <a:p>
-            <a:pPr lvl="1">
-              <a:lnSpc>
-                <a:spcPct val="90000"/>
-              </a:lnSpc>
+              <a:rPr lang="en-US" sz="1200" dirty="0">
+                <a:latin typeface="Consolas" panose="020B0609020204030204" pitchFamily="49" charset="0"/>
+                <a:cs typeface="Consolas" panose="020B0609020204030204" pitchFamily="49" charset="0"/>
+              </a:rPr>
+              <a:t>&lt;</a:t>
+            </a:r>
+            <a:r>
+              <a:rPr lang="en-US" sz="1200" dirty="0" err="1">
+                <a:latin typeface="Consolas" panose="020B0609020204030204" pitchFamily="49" charset="0"/>
+                <a:cs typeface="Consolas" panose="020B0609020204030204" pitchFamily="49" charset="0"/>
+              </a:rPr>
+              <a:t>tsduck</a:t>
+            </a:r>
+            <a:r>
+              <a:rPr lang="en-US" sz="1200" dirty="0">
+                <a:latin typeface="Consolas" panose="020B0609020204030204" pitchFamily="49" charset="0"/>
+                <a:cs typeface="Consolas" panose="020B0609020204030204" pitchFamily="49" charset="0"/>
+              </a:rPr>
+              <a:t>&gt;</a:t>
+            </a:r>
+          </a:p>
+          <a:p>
+            <a:pPr marL="0" indent="0">
+              <a:buNone/>
             </a:pPr>
             <a:r>
-              <a:rPr lang="en-US" dirty="0"/>
-              <a:t>r</a:t>
-            </a:r>
-            <a:r>
-              <a:rPr lang="en-US" dirty="0" smtClean="0"/>
-              <a:t>eview utilities and plugins</a:t>
-            </a:r>
-          </a:p>
-          <a:p>
-            <a:pPr>
-              <a:lnSpc>
-                <a:spcPct val="90000"/>
-              </a:lnSpc>
+              <a:rPr lang="en-US" sz="1200" dirty="0">
+                <a:latin typeface="Consolas" panose="020B0609020204030204" pitchFamily="49" charset="0"/>
+                <a:cs typeface="Consolas" panose="020B0609020204030204" pitchFamily="49" charset="0"/>
+              </a:rPr>
+              <a:t>  &lt;PAT version="8" </a:t>
+            </a:r>
+            <a:r>
+              <a:rPr lang="en-US" sz="1200" dirty="0" err="1" smtClean="0">
+                <a:latin typeface="Consolas" panose="020B0609020204030204" pitchFamily="49" charset="0"/>
+                <a:cs typeface="Consolas" panose="020B0609020204030204" pitchFamily="49" charset="0"/>
+              </a:rPr>
+              <a:t>transport_stream_id</a:t>
+            </a:r>
+            <a:r>
+              <a:rPr lang="en-US" sz="1200" dirty="0">
+                <a:latin typeface="Consolas" panose="020B0609020204030204" pitchFamily="49" charset="0"/>
+                <a:cs typeface="Consolas" panose="020B0609020204030204" pitchFamily="49" charset="0"/>
+              </a:rPr>
+              <a:t>="0x0012" </a:t>
+            </a:r>
+            <a:r>
+              <a:rPr lang="en-US" sz="1200" dirty="0" err="1">
+                <a:latin typeface="Consolas" panose="020B0609020204030204" pitchFamily="49" charset="0"/>
+                <a:cs typeface="Consolas" panose="020B0609020204030204" pitchFamily="49" charset="0"/>
+              </a:rPr>
+              <a:t>network_PID</a:t>
+            </a:r>
+            <a:r>
+              <a:rPr lang="en-US" sz="1200" dirty="0">
+                <a:latin typeface="Consolas" panose="020B0609020204030204" pitchFamily="49" charset="0"/>
+                <a:cs typeface="Consolas" panose="020B0609020204030204" pitchFamily="49" charset="0"/>
+              </a:rPr>
+              <a:t>="0x0010"&gt;</a:t>
+            </a:r>
+          </a:p>
+          <a:p>
+            <a:pPr marL="0" indent="0">
+              <a:buNone/>
             </a:pPr>
             <a:r>
-              <a:rPr lang="en-US" dirty="0" smtClean="0"/>
-              <a:t>Try to extend an existing utility or plugin</a:t>
-            </a:r>
-          </a:p>
-          <a:p>
-            <a:pPr lvl="1">
-              <a:lnSpc>
-                <a:spcPct val="90000"/>
-              </a:lnSpc>
+              <a:rPr lang="en-US" sz="1200" dirty="0">
+                <a:latin typeface="Consolas" panose="020B0609020204030204" pitchFamily="49" charset="0"/>
+                <a:cs typeface="Consolas" panose="020B0609020204030204" pitchFamily="49" charset="0"/>
+              </a:rPr>
+              <a:t>    &lt;service </a:t>
+            </a:r>
+            <a:r>
+              <a:rPr lang="en-US" sz="1200" dirty="0" err="1">
+                <a:latin typeface="Consolas" panose="020B0609020204030204" pitchFamily="49" charset="0"/>
+                <a:cs typeface="Consolas" panose="020B0609020204030204" pitchFamily="49" charset="0"/>
+              </a:rPr>
+              <a:t>service_id</a:t>
+            </a:r>
+            <a:r>
+              <a:rPr lang="en-US" sz="1200" dirty="0">
+                <a:latin typeface="Consolas" panose="020B0609020204030204" pitchFamily="49" charset="0"/>
+                <a:cs typeface="Consolas" panose="020B0609020204030204" pitchFamily="49" charset="0"/>
+              </a:rPr>
+              <a:t>="0x0001" </a:t>
+            </a:r>
+            <a:r>
+              <a:rPr lang="en-US" sz="1200" dirty="0" err="1">
+                <a:latin typeface="Consolas" panose="020B0609020204030204" pitchFamily="49" charset="0"/>
+                <a:cs typeface="Consolas" panose="020B0609020204030204" pitchFamily="49" charset="0"/>
+              </a:rPr>
+              <a:t>program_map_PID</a:t>
+            </a:r>
+            <a:r>
+              <a:rPr lang="en-US" sz="1200" dirty="0">
+                <a:latin typeface="Consolas" panose="020B0609020204030204" pitchFamily="49" charset="0"/>
+                <a:cs typeface="Consolas" panose="020B0609020204030204" pitchFamily="49" charset="0"/>
+              </a:rPr>
+              <a:t>="0x1234"/&gt;</a:t>
+            </a:r>
+          </a:p>
+          <a:p>
+            <a:pPr marL="0" indent="0">
+              <a:buNone/>
             </a:pPr>
             <a:r>
-              <a:rPr lang="en-US" dirty="0"/>
-              <a:t>a</a:t>
-            </a:r>
-            <a:r>
-              <a:rPr lang="en-US" dirty="0" smtClean="0"/>
-              <a:t>dd new options</a:t>
-            </a:r>
-          </a:p>
-          <a:p>
-            <a:pPr lvl="1">
-              <a:lnSpc>
-                <a:spcPct val="90000"/>
-              </a:lnSpc>
+              <a:rPr lang="en-US" sz="1200" dirty="0">
+                <a:latin typeface="Consolas" panose="020B0609020204030204" pitchFamily="49" charset="0"/>
+                <a:cs typeface="Consolas" panose="020B0609020204030204" pitchFamily="49" charset="0"/>
+              </a:rPr>
+              <a:t>    &lt;service </a:t>
+            </a:r>
+            <a:r>
+              <a:rPr lang="en-US" sz="1200" dirty="0" err="1">
+                <a:latin typeface="Consolas" panose="020B0609020204030204" pitchFamily="49" charset="0"/>
+                <a:cs typeface="Consolas" panose="020B0609020204030204" pitchFamily="49" charset="0"/>
+              </a:rPr>
+              <a:t>service_id</a:t>
+            </a:r>
+            <a:r>
+              <a:rPr lang="en-US" sz="1200" dirty="0">
+                <a:latin typeface="Consolas" panose="020B0609020204030204" pitchFamily="49" charset="0"/>
+                <a:cs typeface="Consolas" panose="020B0609020204030204" pitchFamily="49" charset="0"/>
+              </a:rPr>
+              <a:t>="0x0002" </a:t>
+            </a:r>
+            <a:r>
+              <a:rPr lang="en-US" sz="1200" dirty="0" err="1">
+                <a:latin typeface="Consolas" panose="020B0609020204030204" pitchFamily="49" charset="0"/>
+                <a:cs typeface="Consolas" panose="020B0609020204030204" pitchFamily="49" charset="0"/>
+              </a:rPr>
+              <a:t>program_map_PID</a:t>
+            </a:r>
+            <a:r>
+              <a:rPr lang="en-US" sz="1200" dirty="0">
+                <a:latin typeface="Consolas" panose="020B0609020204030204" pitchFamily="49" charset="0"/>
+                <a:cs typeface="Consolas" panose="020B0609020204030204" pitchFamily="49" charset="0"/>
+              </a:rPr>
+              <a:t>="0x0678"/&gt;</a:t>
+            </a:r>
+          </a:p>
+          <a:p>
+            <a:pPr marL="0" indent="0">
+              <a:buNone/>
             </a:pPr>
             <a:r>
-              <a:rPr lang="en-US" dirty="0"/>
-              <a:t>a</a:t>
-            </a:r>
-            <a:r>
-              <a:rPr lang="en-US" dirty="0" smtClean="0"/>
-              <a:t>dd features, don’t modify existing behavior</a:t>
-            </a:r>
-          </a:p>
-          <a:p>
-            <a:pPr lvl="1">
-              <a:lnSpc>
-                <a:spcPct val="90000"/>
-              </a:lnSpc>
+              <a:rPr lang="en-US" sz="1200" dirty="0">
+                <a:latin typeface="Consolas" panose="020B0609020204030204" pitchFamily="49" charset="0"/>
+                <a:cs typeface="Consolas" panose="020B0609020204030204" pitchFamily="49" charset="0"/>
+              </a:rPr>
+              <a:t>  &lt;/PAT</a:t>
+            </a:r>
+            <a:r>
+              <a:rPr lang="en-US" sz="1200" dirty="0" smtClean="0">
+                <a:latin typeface="Consolas" panose="020B0609020204030204" pitchFamily="49" charset="0"/>
+                <a:cs typeface="Consolas" panose="020B0609020204030204" pitchFamily="49" charset="0"/>
+              </a:rPr>
+              <a:t>&gt;</a:t>
+            </a:r>
+          </a:p>
+          <a:p>
+            <a:pPr marL="0" indent="0">
+              <a:buNone/>
             </a:pPr>
             <a:r>
-              <a:rPr lang="en-US" dirty="0"/>
-              <a:t>r</a:t>
-            </a:r>
-            <a:r>
-              <a:rPr lang="en-US" dirty="0" smtClean="0"/>
-              <a:t>emain upward compatible</a:t>
-            </a:r>
-          </a:p>
-          <a:p>
-            <a:pPr>
-              <a:lnSpc>
-                <a:spcPct val="90000"/>
-              </a:lnSpc>
+              <a:rPr lang="en-US" sz="1200" dirty="0">
+                <a:latin typeface="Consolas" panose="020B0609020204030204" pitchFamily="49" charset="0"/>
+                <a:cs typeface="Consolas" panose="020B0609020204030204" pitchFamily="49" charset="0"/>
+              </a:rPr>
+              <a:t> &lt;PMT version="4" </a:t>
+            </a:r>
+            <a:r>
+              <a:rPr lang="en-US" sz="1200" dirty="0" err="1" smtClean="0">
+                <a:latin typeface="Consolas" panose="020B0609020204030204" pitchFamily="49" charset="0"/>
+                <a:cs typeface="Consolas" panose="020B0609020204030204" pitchFamily="49" charset="0"/>
+              </a:rPr>
+              <a:t>service_id</a:t>
+            </a:r>
+            <a:r>
+              <a:rPr lang="en-US" sz="1200" dirty="0">
+                <a:latin typeface="Consolas" panose="020B0609020204030204" pitchFamily="49" charset="0"/>
+                <a:cs typeface="Consolas" panose="020B0609020204030204" pitchFamily="49" charset="0"/>
+              </a:rPr>
+              <a:t>="0x0456" PCR_PID="0x1234"&gt;</a:t>
+            </a:r>
+          </a:p>
+          <a:p>
+            <a:pPr marL="0" indent="0">
+              <a:buNone/>
             </a:pPr>
             <a:r>
-              <a:rPr lang="en-US" dirty="0" smtClean="0"/>
-              <a:t>Develop your own plugin</a:t>
-            </a:r>
-          </a:p>
-          <a:p>
-            <a:pPr lvl="1">
-              <a:lnSpc>
-                <a:spcPct val="90000"/>
-              </a:lnSpc>
+              <a:rPr lang="en-US" sz="1200" dirty="0">
+                <a:latin typeface="Consolas" panose="020B0609020204030204" pitchFamily="49" charset="0"/>
+                <a:cs typeface="Consolas" panose="020B0609020204030204" pitchFamily="49" charset="0"/>
+              </a:rPr>
+              <a:t>    &lt;</a:t>
+            </a:r>
+            <a:r>
+              <a:rPr lang="en-US" sz="1200" dirty="0" err="1">
+                <a:latin typeface="Consolas" panose="020B0609020204030204" pitchFamily="49" charset="0"/>
+                <a:cs typeface="Consolas" panose="020B0609020204030204" pitchFamily="49" charset="0"/>
+              </a:rPr>
+              <a:t>CA_descriptor</a:t>
+            </a:r>
+            <a:r>
+              <a:rPr lang="en-US" sz="1200" dirty="0">
+                <a:latin typeface="Consolas" panose="020B0609020204030204" pitchFamily="49" charset="0"/>
+                <a:cs typeface="Consolas" panose="020B0609020204030204" pitchFamily="49" charset="0"/>
+              </a:rPr>
+              <a:t> </a:t>
+            </a:r>
+            <a:r>
+              <a:rPr lang="en-US" sz="1200" dirty="0" err="1">
+                <a:latin typeface="Consolas" panose="020B0609020204030204" pitchFamily="49" charset="0"/>
+                <a:cs typeface="Consolas" panose="020B0609020204030204" pitchFamily="49" charset="0"/>
+              </a:rPr>
+              <a:t>CA_system_id</a:t>
+            </a:r>
+            <a:r>
+              <a:rPr lang="en-US" sz="1200" dirty="0">
+                <a:latin typeface="Consolas" panose="020B0609020204030204" pitchFamily="49" charset="0"/>
+                <a:cs typeface="Consolas" panose="020B0609020204030204" pitchFamily="49" charset="0"/>
+              </a:rPr>
+              <a:t>="0x0777" CA_PID="0x0251"/&gt;</a:t>
+            </a:r>
+          </a:p>
+          <a:p>
+            <a:pPr marL="0" indent="0">
+              <a:buNone/>
             </a:pPr>
             <a:r>
-              <a:rPr lang="en-US" dirty="0"/>
-              <a:t>i</a:t>
-            </a:r>
-            <a:r>
-              <a:rPr lang="en-US" dirty="0" smtClean="0"/>
-              <a:t>t is quite simple, really</a:t>
-            </a:r>
-          </a:p>
-          <a:p>
-            <a:pPr>
-              <a:lnSpc>
-                <a:spcPct val="90000"/>
-              </a:lnSpc>
+              <a:rPr lang="en-US" sz="1200" dirty="0">
+                <a:latin typeface="Consolas" panose="020B0609020204030204" pitchFamily="49" charset="0"/>
+                <a:cs typeface="Consolas" panose="020B0609020204030204" pitchFamily="49" charset="0"/>
+              </a:rPr>
+              <a:t>    &lt;component </a:t>
+            </a:r>
+            <a:r>
+              <a:rPr lang="en-US" sz="1200" dirty="0" err="1">
+                <a:latin typeface="Consolas" panose="020B0609020204030204" pitchFamily="49" charset="0"/>
+                <a:cs typeface="Consolas" panose="020B0609020204030204" pitchFamily="49" charset="0"/>
+              </a:rPr>
+              <a:t>elementary_PID</a:t>
+            </a:r>
+            <a:r>
+              <a:rPr lang="en-US" sz="1200" dirty="0">
+                <a:latin typeface="Consolas" panose="020B0609020204030204" pitchFamily="49" charset="0"/>
+                <a:cs typeface="Consolas" panose="020B0609020204030204" pitchFamily="49" charset="0"/>
+              </a:rPr>
+              <a:t>="0x0567" </a:t>
+            </a:r>
+            <a:r>
+              <a:rPr lang="en-US" sz="1200" dirty="0" err="1">
+                <a:latin typeface="Consolas" panose="020B0609020204030204" pitchFamily="49" charset="0"/>
+                <a:cs typeface="Consolas" panose="020B0609020204030204" pitchFamily="49" charset="0"/>
+              </a:rPr>
+              <a:t>stream_type</a:t>
+            </a:r>
+            <a:r>
+              <a:rPr lang="en-US" sz="1200" dirty="0">
+                <a:latin typeface="Consolas" panose="020B0609020204030204" pitchFamily="49" charset="0"/>
+                <a:cs typeface="Consolas" panose="020B0609020204030204" pitchFamily="49" charset="0"/>
+              </a:rPr>
+              <a:t>="0x12"&gt;</a:t>
+            </a:r>
+          </a:p>
+          <a:p>
+            <a:pPr marL="0" indent="0">
+              <a:buNone/>
             </a:pPr>
             <a:r>
-              <a:rPr lang="en-US" dirty="0" smtClean="0"/>
-              <a:t>Send your code back to TSDuck maintainer</a:t>
-            </a:r>
-          </a:p>
-          <a:p>
-            <a:pPr lvl="1">
-              <a:lnSpc>
-                <a:spcPct val="90000"/>
-              </a:lnSpc>
+              <a:rPr lang="en-US" sz="1200" dirty="0">
+                <a:latin typeface="Consolas" panose="020B0609020204030204" pitchFamily="49" charset="0"/>
+                <a:cs typeface="Consolas" panose="020B0609020204030204" pitchFamily="49" charset="0"/>
+              </a:rPr>
+              <a:t>      &lt;ISO_639_language_descriptor&gt;</a:t>
+            </a:r>
+          </a:p>
+          <a:p>
+            <a:pPr marL="0" indent="0">
+              <a:buNone/>
             </a:pPr>
             <a:r>
-              <a:rPr lang="en-US" dirty="0"/>
-              <a:t>s</a:t>
-            </a:r>
-            <a:r>
-              <a:rPr lang="en-US" dirty="0" smtClean="0"/>
-              <a:t>o that everyone can benefit from it</a:t>
+              <a:rPr lang="en-US" sz="1200" dirty="0">
+                <a:latin typeface="Consolas" panose="020B0609020204030204" pitchFamily="49" charset="0"/>
+                <a:cs typeface="Consolas" panose="020B0609020204030204" pitchFamily="49" charset="0"/>
+              </a:rPr>
+              <a:t>        &lt;language code="</a:t>
+            </a:r>
+            <a:r>
+              <a:rPr lang="en-US" sz="1200" dirty="0" err="1">
+                <a:latin typeface="Consolas" panose="020B0609020204030204" pitchFamily="49" charset="0"/>
+                <a:cs typeface="Consolas" panose="020B0609020204030204" pitchFamily="49" charset="0"/>
+              </a:rPr>
+              <a:t>fre</a:t>
+            </a:r>
+            <a:r>
+              <a:rPr lang="en-US" sz="1200" dirty="0">
+                <a:latin typeface="Consolas" panose="020B0609020204030204" pitchFamily="49" charset="0"/>
+                <a:cs typeface="Consolas" panose="020B0609020204030204" pitchFamily="49" charset="0"/>
+              </a:rPr>
+              <a:t>" </a:t>
+            </a:r>
+            <a:r>
+              <a:rPr lang="en-US" sz="1200" dirty="0" err="1">
+                <a:latin typeface="Consolas" panose="020B0609020204030204" pitchFamily="49" charset="0"/>
+                <a:cs typeface="Consolas" panose="020B0609020204030204" pitchFamily="49" charset="0"/>
+              </a:rPr>
+              <a:t>audio_type</a:t>
+            </a:r>
+            <a:r>
+              <a:rPr lang="en-US" sz="1200" dirty="0">
+                <a:latin typeface="Consolas" panose="020B0609020204030204" pitchFamily="49" charset="0"/>
+                <a:cs typeface="Consolas" panose="020B0609020204030204" pitchFamily="49" charset="0"/>
+              </a:rPr>
+              <a:t>="0x45"/&gt;</a:t>
+            </a:r>
+          </a:p>
+          <a:p>
+            <a:pPr marL="0" indent="0">
+              <a:buNone/>
+            </a:pPr>
+            <a:r>
+              <a:rPr lang="en-US" sz="1200" dirty="0">
+                <a:latin typeface="Consolas" panose="020B0609020204030204" pitchFamily="49" charset="0"/>
+                <a:cs typeface="Consolas" panose="020B0609020204030204" pitchFamily="49" charset="0"/>
+              </a:rPr>
+              <a:t>        &lt;language code="</a:t>
+            </a:r>
+            <a:r>
+              <a:rPr lang="en-US" sz="1200" dirty="0" err="1">
+                <a:latin typeface="Consolas" panose="020B0609020204030204" pitchFamily="49" charset="0"/>
+                <a:cs typeface="Consolas" panose="020B0609020204030204" pitchFamily="49" charset="0"/>
+              </a:rPr>
+              <a:t>deu</a:t>
+            </a:r>
+            <a:r>
+              <a:rPr lang="en-US" sz="1200" dirty="0">
+                <a:latin typeface="Consolas" panose="020B0609020204030204" pitchFamily="49" charset="0"/>
+                <a:cs typeface="Consolas" panose="020B0609020204030204" pitchFamily="49" charset="0"/>
+              </a:rPr>
+              <a:t>" </a:t>
+            </a:r>
+            <a:r>
+              <a:rPr lang="en-US" sz="1200" dirty="0" err="1">
+                <a:latin typeface="Consolas" panose="020B0609020204030204" pitchFamily="49" charset="0"/>
+                <a:cs typeface="Consolas" panose="020B0609020204030204" pitchFamily="49" charset="0"/>
+              </a:rPr>
+              <a:t>audio_type</a:t>
+            </a:r>
+            <a:r>
+              <a:rPr lang="en-US" sz="1200" dirty="0">
+                <a:latin typeface="Consolas" panose="020B0609020204030204" pitchFamily="49" charset="0"/>
+                <a:cs typeface="Consolas" panose="020B0609020204030204" pitchFamily="49" charset="0"/>
+              </a:rPr>
+              <a:t>="0x78"/&gt;</a:t>
+            </a:r>
+          </a:p>
+          <a:p>
+            <a:pPr marL="0" indent="0">
+              <a:buNone/>
+            </a:pPr>
+            <a:r>
+              <a:rPr lang="en-US" sz="1200" dirty="0">
+                <a:latin typeface="Consolas" panose="020B0609020204030204" pitchFamily="49" charset="0"/>
+                <a:cs typeface="Consolas" panose="020B0609020204030204" pitchFamily="49" charset="0"/>
+              </a:rPr>
+              <a:t>      &lt;/ISO_639_language_descriptor&gt;</a:t>
+            </a:r>
+          </a:p>
+          <a:p>
+            <a:pPr marL="0" indent="0">
+              <a:buNone/>
+            </a:pPr>
+            <a:r>
+              <a:rPr lang="en-US" sz="1200" dirty="0">
+                <a:latin typeface="Consolas" panose="020B0609020204030204" pitchFamily="49" charset="0"/>
+                <a:cs typeface="Consolas" panose="020B0609020204030204" pitchFamily="49" charset="0"/>
+              </a:rPr>
+              <a:t>    &lt;/component&gt;</a:t>
+            </a:r>
+          </a:p>
+          <a:p>
+            <a:pPr marL="0" indent="0">
+              <a:buNone/>
+            </a:pPr>
+            <a:r>
+              <a:rPr lang="en-US" sz="1200" dirty="0">
+                <a:latin typeface="Consolas" panose="020B0609020204030204" pitchFamily="49" charset="0"/>
+                <a:cs typeface="Consolas" panose="020B0609020204030204" pitchFamily="49" charset="0"/>
+              </a:rPr>
+              <a:t>  &lt;/PMT</a:t>
+            </a:r>
+            <a:r>
+              <a:rPr lang="en-US" sz="1200" dirty="0" smtClean="0">
+                <a:latin typeface="Consolas" panose="020B0609020204030204" pitchFamily="49" charset="0"/>
+                <a:cs typeface="Consolas" panose="020B0609020204030204" pitchFamily="49" charset="0"/>
+              </a:rPr>
+              <a:t>&gt;</a:t>
+            </a:r>
+          </a:p>
+          <a:p>
+            <a:pPr marL="0" indent="0">
+              <a:buNone/>
+            </a:pPr>
+            <a:r>
+              <a:rPr lang="en-US" sz="1200" dirty="0">
+                <a:latin typeface="Consolas" panose="020B0609020204030204" pitchFamily="49" charset="0"/>
+                <a:cs typeface="Consolas" panose="020B0609020204030204" pitchFamily="49" charset="0"/>
+              </a:rPr>
+              <a:t>&lt;/</a:t>
+            </a:r>
+            <a:r>
+              <a:rPr lang="en-US" sz="1200" dirty="0" err="1">
+                <a:latin typeface="Consolas" panose="020B0609020204030204" pitchFamily="49" charset="0"/>
+                <a:cs typeface="Consolas" panose="020B0609020204030204" pitchFamily="49" charset="0"/>
+              </a:rPr>
+              <a:t>tsduck</a:t>
+            </a:r>
+            <a:r>
+              <a:rPr lang="en-US" sz="1200" dirty="0" smtClean="0">
+                <a:latin typeface="Consolas" panose="020B0609020204030204" pitchFamily="49" charset="0"/>
+                <a:cs typeface="Consolas" panose="020B0609020204030204" pitchFamily="49" charset="0"/>
+              </a:rPr>
+              <a:t>&gt;</a:t>
+            </a:r>
+          </a:p>
+          <a:p>
+            <a:pPr marL="0" indent="0">
+              <a:buNone/>
+            </a:pPr>
+            <a:endParaRPr lang="en-US" sz="1200" dirty="0">
+              <a:latin typeface="Consolas" panose="020B0609020204030204" pitchFamily="49" charset="0"/>
+              <a:cs typeface="Consolas" panose="020B0609020204030204" pitchFamily="49" charset="0"/>
+            </a:endParaRPr>
+          </a:p>
+          <a:p>
+            <a:r>
+              <a:rPr lang="en-US" dirty="0" smtClean="0"/>
+              <a:t>Reference format in user’s guide</a:t>
             </a:r>
             <a:endParaRPr lang="en-US" dirty="0"/>
           </a:p>
@@ -12099,7 +12431,7 @@
           <a:p>
             <a:r>
               <a:rPr lang="en-US" dirty="0" smtClean="0"/>
-              <a:t>Why extending TSDuck ?</a:t>
+              <a:t>Sample XML source file</a:t>
             </a:r>
             <a:endParaRPr lang="en-US" dirty="0"/>
           </a:p>
@@ -12108,7 +12440,7 @@
     </p:spTree>
     <p:extLst>
       <p:ext uri="{BB962C8B-B14F-4D97-AF65-F5344CB8AC3E}">
-        <p14:creationId xmlns:p14="http://schemas.microsoft.com/office/powerpoint/2010/main" val="838391798"/>
+        <p14:creationId xmlns:p14="http://schemas.microsoft.com/office/powerpoint/2010/main" val="3506414220"/>
       </p:ext>
     </p:extLst>
   </p:cSld>
@@ -12156,170 +12488,338 @@
       </p:grpSpPr>
       <p:sp>
         <p:nvSpPr>
-          <p:cNvPr id="5" name="Rectangle à coins arrondis 4"/>
-          <p:cNvSpPr/>
-          <p:nvPr/>
-        </p:nvSpPr>
-        <p:spPr>
-          <a:xfrm>
-            <a:off x="907756" y="3995582"/>
-            <a:ext cx="1944216" cy="432048"/>
-          </a:xfrm>
-          <a:prstGeom prst="roundRect">
-            <a:avLst/>
-          </a:prstGeom>
-          <a:solidFill>
-            <a:srgbClr val="C5E0B4"/>
-          </a:solidFill>
-          <a:ln w="19050">
-            <a:solidFill>
-              <a:srgbClr val="00B050"/>
-            </a:solidFill>
-            <a:tailEnd type="stealth"/>
-          </a:ln>
-        </p:spPr>
-        <p:style>
-          <a:lnRef idx="2">
-            <a:schemeClr val="accent1">
-              <a:shade val="50000"/>
-            </a:schemeClr>
-          </a:lnRef>
-          <a:fillRef idx="1">
-            <a:schemeClr val="accent1"/>
-          </a:fillRef>
-          <a:effectRef idx="0">
-            <a:schemeClr val="accent1"/>
-          </a:effectRef>
-          <a:fontRef idx="minor">
-            <a:schemeClr val="lt1"/>
-          </a:fontRef>
-        </p:style>
-        <p:txBody>
-          <a:bodyPr rtlCol="0" anchor="ctr"/>
-          <a:lstStyle/>
-          <a:p>
-            <a:pPr algn="ctr"/>
-            <a:endParaRPr lang="en-US" sz="1600" dirty="0">
-              <a:solidFill>
-                <a:schemeClr val="tx1"/>
-              </a:solidFill>
+          <p:cNvPr id="2" name="Espace réservé du contenu 1"/>
+          <p:cNvSpPr>
+            <a:spLocks noGrp="1"/>
+          </p:cNvSpPr>
+          <p:nvPr>
+            <p:ph idx="1"/>
+          </p:nvPr>
+        </p:nvSpPr>
+        <p:spPr/>
+        <p:txBody>
+          <a:bodyPr>
+            <a:normAutofit lnSpcReduction="10000"/>
+          </a:bodyPr>
+          <a:lstStyle/>
+          <a:p>
+            <a:r>
+              <a:rPr lang="en-US" dirty="0" smtClean="0"/>
+              <a:t>Capture a table from a stream</a:t>
+            </a:r>
+          </a:p>
+          <a:p>
+            <a:pPr marL="628650" lvl="2" indent="0">
+              <a:buNone/>
+            </a:pPr>
+            <a:r>
+              <a:rPr lang="en-US" sz="1600" b="1" dirty="0">
+                <a:latin typeface="Consolas" panose="020B0609020204030204" pitchFamily="49" charset="0"/>
+                <a:cs typeface="Consolas" panose="020B0609020204030204" pitchFamily="49" charset="0"/>
+              </a:rPr>
+              <a:t>tsp -I </a:t>
+            </a:r>
+            <a:r>
+              <a:rPr lang="en-US" sz="1600" b="1" dirty="0" err="1">
+                <a:latin typeface="Consolas" panose="020B0609020204030204" pitchFamily="49" charset="0"/>
+                <a:cs typeface="Consolas" panose="020B0609020204030204" pitchFamily="49" charset="0"/>
+              </a:rPr>
+              <a:t>dvb</a:t>
+            </a:r>
+            <a:r>
+              <a:rPr lang="en-US" sz="1600" b="1" dirty="0">
+                <a:latin typeface="Consolas" panose="020B0609020204030204" pitchFamily="49" charset="0"/>
+                <a:cs typeface="Consolas" panose="020B0609020204030204" pitchFamily="49" charset="0"/>
+              </a:rPr>
+              <a:t> … </a:t>
+            </a:r>
+            <a:r>
+              <a:rPr lang="en-US" sz="1600" b="1" dirty="0">
+                <a:latin typeface="Consolas" panose="020B0609020204030204" pitchFamily="49" charset="0"/>
+                <a:cs typeface="Consolas" panose="020B0609020204030204" pitchFamily="49" charset="0"/>
+              </a:rPr>
+              <a:t>-</a:t>
+            </a:r>
+            <a:r>
+              <a:rPr lang="en-US" sz="1600" b="1" dirty="0">
+                <a:latin typeface="Consolas" panose="020B0609020204030204" pitchFamily="49" charset="0"/>
+                <a:cs typeface="Consolas" panose="020B0609020204030204" pitchFamily="49" charset="0"/>
+              </a:rPr>
+              <a:t>O </a:t>
+            </a:r>
+            <a:r>
+              <a:rPr lang="en-US" sz="1600" b="1" dirty="0">
+                <a:latin typeface="Consolas" panose="020B0609020204030204" pitchFamily="49" charset="0"/>
+                <a:cs typeface="Consolas" panose="020B0609020204030204" pitchFamily="49" charset="0"/>
+              </a:rPr>
+              <a:t>drop \</a:t>
+            </a:r>
+          </a:p>
+          <a:p>
+            <a:pPr marL="628650" lvl="2" indent="0">
+              <a:buNone/>
+            </a:pPr>
+            <a:r>
+              <a:rPr lang="en-US" sz="1600" b="1" dirty="0">
+                <a:latin typeface="Consolas" panose="020B0609020204030204" pitchFamily="49" charset="0"/>
+                <a:cs typeface="Consolas" panose="020B0609020204030204" pitchFamily="49" charset="0"/>
+              </a:rPr>
+              <a:t> </a:t>
+            </a:r>
+            <a:r>
+              <a:rPr lang="en-US" sz="1600" b="1" dirty="0">
+                <a:latin typeface="Consolas" panose="020B0609020204030204" pitchFamily="49" charset="0"/>
+                <a:cs typeface="Consolas" panose="020B0609020204030204" pitchFamily="49" charset="0"/>
+              </a:rPr>
+              <a:t>   -</a:t>
+            </a:r>
+            <a:r>
+              <a:rPr lang="en-US" sz="1600" b="1" dirty="0">
+                <a:latin typeface="Consolas" panose="020B0609020204030204" pitchFamily="49" charset="0"/>
+                <a:cs typeface="Consolas" panose="020B0609020204030204" pitchFamily="49" charset="0"/>
+              </a:rPr>
+              <a:t>P tables --</a:t>
+            </a:r>
+            <a:r>
+              <a:rPr lang="en-US" sz="1600" b="1" dirty="0" err="1">
+                <a:latin typeface="Consolas" panose="020B0609020204030204" pitchFamily="49" charset="0"/>
+                <a:cs typeface="Consolas" panose="020B0609020204030204" pitchFamily="49" charset="0"/>
+              </a:rPr>
+              <a:t>pid</a:t>
+            </a:r>
+            <a:r>
+              <a:rPr lang="en-US" sz="1600" b="1" dirty="0">
+                <a:latin typeface="Consolas" panose="020B0609020204030204" pitchFamily="49" charset="0"/>
+                <a:cs typeface="Consolas" panose="020B0609020204030204" pitchFamily="49" charset="0"/>
+              </a:rPr>
+              <a:t> 16 --</a:t>
+            </a:r>
+            <a:r>
+              <a:rPr lang="en-US" sz="1600" b="1" dirty="0" err="1">
+                <a:latin typeface="Consolas" panose="020B0609020204030204" pitchFamily="49" charset="0"/>
+                <a:cs typeface="Consolas" panose="020B0609020204030204" pitchFamily="49" charset="0"/>
+              </a:rPr>
+              <a:t>tid</a:t>
+            </a:r>
+            <a:r>
+              <a:rPr lang="en-US" sz="1600" b="1" dirty="0">
+                <a:latin typeface="Consolas" panose="020B0609020204030204" pitchFamily="49" charset="0"/>
+                <a:cs typeface="Consolas" panose="020B0609020204030204" pitchFamily="49" charset="0"/>
+              </a:rPr>
+              <a:t> 0x40 --max 1 --bin </a:t>
+            </a:r>
+            <a:r>
+              <a:rPr lang="en-US" sz="1600" b="1" dirty="0" err="1" smtClean="0">
+                <a:latin typeface="Consolas" panose="020B0609020204030204" pitchFamily="49" charset="0"/>
+                <a:cs typeface="Consolas" panose="020B0609020204030204" pitchFamily="49" charset="0"/>
+              </a:rPr>
+              <a:t>nit.bin</a:t>
+            </a:r>
+            <a:endParaRPr lang="en-US" sz="1600" b="1" dirty="0">
+              <a:latin typeface="Consolas" panose="020B0609020204030204" pitchFamily="49" charset="0"/>
+              <a:cs typeface="Consolas" panose="020B0609020204030204" pitchFamily="49" charset="0"/>
             </a:endParaRPr>
           </a:p>
-        </p:txBody>
-      </p:sp>
-      <p:sp>
-        <p:nvSpPr>
-          <p:cNvPr id="2" name="Espace réservé du contenu 1"/>
+          <a:p>
+            <a:r>
+              <a:rPr lang="en-US" dirty="0" smtClean="0"/>
+              <a:t>Decompile the binary table into an XML file</a:t>
+            </a:r>
+          </a:p>
+          <a:p>
+            <a:pPr marL="628650" lvl="2" indent="0">
+              <a:buNone/>
+            </a:pPr>
+            <a:r>
+              <a:rPr lang="en-US" sz="1600" b="1" dirty="0">
+                <a:latin typeface="Consolas" panose="020B0609020204030204" pitchFamily="49" charset="0"/>
+                <a:cs typeface="Consolas" panose="020B0609020204030204" pitchFamily="49" charset="0"/>
+              </a:rPr>
+              <a:t>tstabcomp </a:t>
+            </a:r>
+            <a:r>
+              <a:rPr lang="en-US" sz="1600" b="1" dirty="0" err="1">
+                <a:latin typeface="Consolas" panose="020B0609020204030204" pitchFamily="49" charset="0"/>
+                <a:cs typeface="Consolas" panose="020B0609020204030204" pitchFamily="49" charset="0"/>
+              </a:rPr>
+              <a:t>nit.bin</a:t>
+            </a:r>
+            <a:endParaRPr lang="en-US" sz="1600" b="1" dirty="0">
+              <a:latin typeface="Consolas" panose="020B0609020204030204" pitchFamily="49" charset="0"/>
+              <a:cs typeface="Consolas" panose="020B0609020204030204" pitchFamily="49" charset="0"/>
+            </a:endParaRPr>
+          </a:p>
+          <a:p>
+            <a:r>
+              <a:rPr lang="en-US" dirty="0" smtClean="0"/>
+              <a:t>Manually edit the XML file with a text editor</a:t>
+            </a:r>
+          </a:p>
+          <a:p>
+            <a:r>
+              <a:rPr lang="en-US" dirty="0" smtClean="0"/>
+              <a:t>Recompile the XML file into a binary table</a:t>
+            </a:r>
+          </a:p>
+          <a:p>
+            <a:pPr marL="628650" lvl="2" indent="0">
+              <a:buNone/>
+            </a:pPr>
+            <a:r>
+              <a:rPr lang="en-US" sz="1600" b="1" dirty="0">
+                <a:latin typeface="Consolas" panose="020B0609020204030204" pitchFamily="49" charset="0"/>
+                <a:cs typeface="Consolas" panose="020B0609020204030204" pitchFamily="49" charset="0"/>
+              </a:rPr>
+              <a:t>tstabcomp </a:t>
+            </a:r>
+            <a:r>
+              <a:rPr lang="en-US" sz="1600" b="1" dirty="0" smtClean="0">
+                <a:latin typeface="Consolas" panose="020B0609020204030204" pitchFamily="49" charset="0"/>
+                <a:cs typeface="Consolas" panose="020B0609020204030204" pitchFamily="49" charset="0"/>
+              </a:rPr>
+              <a:t>nit.xml</a:t>
+            </a:r>
+            <a:endParaRPr lang="en-US" sz="1600" b="1" dirty="0">
+              <a:latin typeface="Consolas" panose="020B0609020204030204" pitchFamily="49" charset="0"/>
+              <a:cs typeface="Consolas" panose="020B0609020204030204" pitchFamily="49" charset="0"/>
+            </a:endParaRPr>
+          </a:p>
+          <a:p>
+            <a:r>
+              <a:rPr lang="en-US" dirty="0" smtClean="0"/>
+              <a:t>Inject the new table in the stream</a:t>
+            </a:r>
+          </a:p>
+          <a:p>
+            <a:pPr marL="628650" lvl="2" indent="0">
+              <a:buNone/>
+            </a:pPr>
+            <a:r>
+              <a:rPr lang="en-US" sz="1600" b="1" dirty="0" smtClean="0">
+                <a:latin typeface="Consolas" panose="020B0609020204030204" pitchFamily="49" charset="0"/>
+                <a:cs typeface="Consolas" panose="020B0609020204030204" pitchFamily="49" charset="0"/>
+              </a:rPr>
+              <a:t>tsp </a:t>
+            </a:r>
+            <a:r>
+              <a:rPr lang="en-US" sz="1600" b="1" dirty="0">
+                <a:latin typeface="Consolas" panose="020B0609020204030204" pitchFamily="49" charset="0"/>
+                <a:cs typeface="Consolas" panose="020B0609020204030204" pitchFamily="49" charset="0"/>
+              </a:rPr>
+              <a:t>-I </a:t>
+            </a:r>
+            <a:r>
+              <a:rPr lang="en-US" sz="1600" b="1" dirty="0" err="1">
+                <a:latin typeface="Consolas" panose="020B0609020204030204" pitchFamily="49" charset="0"/>
+                <a:cs typeface="Consolas" panose="020B0609020204030204" pitchFamily="49" charset="0"/>
+              </a:rPr>
+              <a:t>dvb</a:t>
+            </a:r>
+            <a:r>
+              <a:rPr lang="en-US" sz="1600" b="1" dirty="0">
+                <a:latin typeface="Consolas" panose="020B0609020204030204" pitchFamily="49" charset="0"/>
+                <a:cs typeface="Consolas" panose="020B0609020204030204" pitchFamily="49" charset="0"/>
+              </a:rPr>
+              <a:t> </a:t>
+            </a:r>
+            <a:r>
+              <a:rPr lang="en-US" sz="1600" b="1" dirty="0">
+                <a:latin typeface="Consolas" panose="020B0609020204030204" pitchFamily="49" charset="0"/>
+                <a:cs typeface="Consolas" panose="020B0609020204030204" pitchFamily="49" charset="0"/>
+              </a:rPr>
+              <a:t>… -P </a:t>
+            </a:r>
+            <a:r>
+              <a:rPr lang="en-US" sz="1600" b="1" dirty="0">
+                <a:latin typeface="Consolas" panose="020B0609020204030204" pitchFamily="49" charset="0"/>
+                <a:cs typeface="Consolas" panose="020B0609020204030204" pitchFamily="49" charset="0"/>
+              </a:rPr>
+              <a:t>inject </a:t>
+            </a:r>
+            <a:r>
+              <a:rPr lang="en-US" sz="1600" b="1" dirty="0" err="1">
+                <a:latin typeface="Consolas" panose="020B0609020204030204" pitchFamily="49" charset="0"/>
+                <a:cs typeface="Consolas" panose="020B0609020204030204" pitchFamily="49" charset="0"/>
+              </a:rPr>
+              <a:t>nit.bin</a:t>
+            </a:r>
+            <a:r>
+              <a:rPr lang="en-US" sz="1600" b="1" dirty="0">
+                <a:latin typeface="Consolas" panose="020B0609020204030204" pitchFamily="49" charset="0"/>
+                <a:cs typeface="Consolas" panose="020B0609020204030204" pitchFamily="49" charset="0"/>
+              </a:rPr>
+              <a:t> --</a:t>
+            </a:r>
+            <a:r>
+              <a:rPr lang="en-US" sz="1600" b="1" dirty="0" err="1">
+                <a:latin typeface="Consolas" panose="020B0609020204030204" pitchFamily="49" charset="0"/>
+                <a:cs typeface="Consolas" panose="020B0609020204030204" pitchFamily="49" charset="0"/>
+              </a:rPr>
+              <a:t>pid</a:t>
+            </a:r>
+            <a:r>
+              <a:rPr lang="en-US" sz="1600" b="1" dirty="0">
+                <a:latin typeface="Consolas" panose="020B0609020204030204" pitchFamily="49" charset="0"/>
+                <a:cs typeface="Consolas" panose="020B0609020204030204" pitchFamily="49" charset="0"/>
+              </a:rPr>
+              <a:t> 16 </a:t>
+            </a:r>
+            <a:r>
+              <a:rPr lang="en-US" sz="1600" b="1" dirty="0">
+                <a:latin typeface="Consolas" panose="020B0609020204030204" pitchFamily="49" charset="0"/>
+                <a:cs typeface="Consolas" panose="020B0609020204030204" pitchFamily="49" charset="0"/>
+              </a:rPr>
+              <a:t>… -</a:t>
+            </a:r>
+            <a:r>
+              <a:rPr lang="en-US" sz="1600" b="1" dirty="0">
+                <a:latin typeface="Consolas" panose="020B0609020204030204" pitchFamily="49" charset="0"/>
+                <a:cs typeface="Consolas" panose="020B0609020204030204" pitchFamily="49" charset="0"/>
+              </a:rPr>
+              <a:t>O </a:t>
+            </a:r>
+            <a:r>
+              <a:rPr lang="en-US" sz="1600" b="1" dirty="0" err="1">
+                <a:latin typeface="Consolas" panose="020B0609020204030204" pitchFamily="49" charset="0"/>
+                <a:cs typeface="Consolas" panose="020B0609020204030204" pitchFamily="49" charset="0"/>
+              </a:rPr>
+              <a:t>dektec</a:t>
+            </a:r>
+            <a:r>
+              <a:rPr lang="en-US" sz="1600" b="1" dirty="0">
+                <a:latin typeface="Consolas" panose="020B0609020204030204" pitchFamily="49" charset="0"/>
+                <a:cs typeface="Consolas" panose="020B0609020204030204" pitchFamily="49" charset="0"/>
+              </a:rPr>
+              <a:t> </a:t>
+            </a:r>
+            <a:r>
+              <a:rPr lang="en-US" sz="1600" b="1" dirty="0">
+                <a:latin typeface="Consolas" panose="020B0609020204030204" pitchFamily="49" charset="0"/>
+                <a:cs typeface="Consolas" panose="020B0609020204030204" pitchFamily="49" charset="0"/>
+              </a:rPr>
+              <a:t>…</a:t>
+            </a:r>
+          </a:p>
+        </p:txBody>
+      </p:sp>
+      <p:sp>
+        <p:nvSpPr>
+          <p:cNvPr id="3" name="Titre 2"/>
           <p:cNvSpPr>
             <a:spLocks noGrp="1"/>
           </p:cNvSpPr>
           <p:nvPr>
-            <p:ph idx="1"/>
+            <p:ph type="title"/>
           </p:nvPr>
         </p:nvSpPr>
         <p:spPr/>
         <p:txBody>
-          <a:bodyPr>
-            <a:normAutofit fontScale="92500" lnSpcReduction="10000"/>
-          </a:bodyPr>
-          <a:lstStyle/>
-          <a:p>
-            <a:r>
-              <a:rPr lang="en-US" dirty="0" smtClean="0"/>
-              <a:t>Don’t write a plugin from scratch</a:t>
-            </a:r>
-          </a:p>
-          <a:p>
-            <a:pPr lvl="1"/>
-            <a:r>
-              <a:rPr lang="en-US" dirty="0"/>
-              <a:t>u</a:t>
-            </a:r>
-            <a:r>
-              <a:rPr lang="en-US" dirty="0" smtClean="0"/>
-              <a:t>se an existing one as code base</a:t>
-            </a:r>
-          </a:p>
-          <a:p>
-            <a:pPr lvl="1"/>
-            <a:r>
-              <a:rPr lang="en-US" dirty="0"/>
-              <a:t>c</a:t>
-            </a:r>
-            <a:r>
-              <a:rPr lang="en-US" dirty="0" smtClean="0"/>
-              <a:t>hoose one which is technically similar</a:t>
-            </a:r>
-          </a:p>
-          <a:p>
-            <a:pPr lvl="2"/>
-            <a:r>
-              <a:rPr lang="en-US" dirty="0" smtClean="0"/>
-              <a:t>input?  output?  PSI/SI transformation?  packet filtering?</a:t>
-            </a:r>
-          </a:p>
-          <a:p>
-            <a:r>
-              <a:rPr lang="en-US" dirty="0" smtClean="0"/>
-              <a:t>Implement simple &amp; elementary features</a:t>
-            </a:r>
-          </a:p>
-          <a:p>
-            <a:pPr lvl="1"/>
-            <a:r>
-              <a:rPr lang="en-US" dirty="0"/>
-              <a:t>p</a:t>
-            </a:r>
-            <a:r>
-              <a:rPr lang="en-US" dirty="0" smtClean="0"/>
-              <a:t>reserve TSDuck philosophy</a:t>
-            </a:r>
-          </a:p>
-          <a:p>
-            <a:pPr lvl="2"/>
-            <a:r>
-              <a:rPr lang="en-US" dirty="0" smtClean="0"/>
-              <a:t>develop several elementary plugins if necessary</a:t>
-            </a:r>
-          </a:p>
-          <a:p>
-            <a:pPr lvl="2"/>
-            <a:r>
-              <a:rPr lang="en-US" dirty="0" smtClean="0"/>
-              <a:t>not a single big plugin implementing several features</a:t>
-            </a:r>
-          </a:p>
-          <a:p>
-            <a:pPr lvl="2"/>
-            <a:endParaRPr lang="en-US" dirty="0" smtClean="0"/>
-          </a:p>
-          <a:p>
-            <a:r>
-              <a:rPr lang="en-US" dirty="0" smtClean="0"/>
-              <a:t>RTFM as usual !</a:t>
-            </a:r>
-            <a:endParaRPr lang="en-US" dirty="0"/>
-          </a:p>
-        </p:txBody>
-      </p:sp>
-      <p:sp>
-        <p:nvSpPr>
-          <p:cNvPr id="3" name="Titre 2"/>
-          <p:cNvSpPr>
-            <a:spLocks noGrp="1"/>
-          </p:cNvSpPr>
-          <p:nvPr>
-            <p:ph type="title"/>
-          </p:nvPr>
-        </p:nvSpPr>
-        <p:spPr/>
-        <p:txBody>
           <a:bodyPr/>
           <a:lstStyle/>
           <a:p>
             <a:r>
               <a:rPr lang="en-US" dirty="0" smtClean="0"/>
-              <a:t>Coding hints</a:t>
+              <a:t>Typical application: manual table modification</a:t>
             </a:r>
             <a:endParaRPr lang="en-US" dirty="0"/>
           </a:p>
@@ -12328,7 +12828,7 @@
     </p:spTree>
     <p:extLst>
       <p:ext uri="{BB962C8B-B14F-4D97-AF65-F5344CB8AC3E}">
-        <p14:creationId xmlns:p14="http://schemas.microsoft.com/office/powerpoint/2010/main" val="383851265"/>
+        <p14:creationId xmlns:p14="http://schemas.microsoft.com/office/powerpoint/2010/main" val="4108048524"/>
       </p:ext>
     </p:extLst>
   </p:cSld>
@@ -12376,132 +12876,22 @@
       </p:grpSpPr>
       <p:sp>
         <p:nvSpPr>
-          <p:cNvPr id="2" name="Espace réservé du contenu 1"/>
+          <p:cNvPr id="2" name="Titre 1"/>
           <p:cNvSpPr>
             <a:spLocks noGrp="1"/>
           </p:cNvSpPr>
           <p:nvPr>
-            <p:ph idx="1"/>
+            <p:ph type="title"/>
           </p:nvPr>
         </p:nvSpPr>
         <p:spPr/>
         <p:txBody>
-          <a:bodyPr>
-            <a:normAutofit fontScale="85000" lnSpcReduction="20000"/>
-          </a:bodyPr>
-          <a:lstStyle/>
-          <a:p>
-            <a:r>
-              <a:rPr lang="en-US" dirty="0" smtClean="0"/>
-              <a:t>Linux</a:t>
-            </a:r>
-          </a:p>
-          <a:p>
-            <a:pPr lvl="1"/>
-            <a:r>
-              <a:rPr lang="en-US" dirty="0"/>
-              <a:t>t</a:t>
-            </a:r>
-            <a:r>
-              <a:rPr lang="en-US" dirty="0" smtClean="0"/>
-              <a:t>ested on Intel 32 &amp; 64 bits, Fedora and Ubuntu</a:t>
-            </a:r>
-          </a:p>
-          <a:p>
-            <a:r>
-              <a:rPr lang="en-US" dirty="0" err="1" smtClean="0"/>
-              <a:t>macOS</a:t>
-            </a:r>
-            <a:endParaRPr lang="en-US" dirty="0" smtClean="0"/>
-          </a:p>
-          <a:p>
-            <a:pPr lvl="1"/>
-            <a:r>
-              <a:rPr lang="en-US" dirty="0"/>
-              <a:t>t</a:t>
-            </a:r>
-            <a:r>
-              <a:rPr lang="en-US" dirty="0" smtClean="0"/>
-              <a:t>ested on </a:t>
-            </a:r>
-            <a:r>
-              <a:rPr lang="en-US" dirty="0" err="1" smtClean="0"/>
-              <a:t>macOS</a:t>
-            </a:r>
-            <a:r>
-              <a:rPr lang="en-US" dirty="0" smtClean="0"/>
-              <a:t> Sierra 10.12</a:t>
-            </a:r>
-          </a:p>
-          <a:p>
-            <a:r>
-              <a:rPr lang="en-US" dirty="0" smtClean="0"/>
-              <a:t>Windows</a:t>
-            </a:r>
-          </a:p>
-          <a:p>
-            <a:pPr lvl="1"/>
-            <a:r>
-              <a:rPr lang="en-US" dirty="0"/>
-              <a:t>t</a:t>
-            </a:r>
-            <a:r>
-              <a:rPr lang="en-US" dirty="0" smtClean="0"/>
-              <a:t>ested on Intel 32 &amp; 64 bits, Windows 7 &amp; 10</a:t>
-            </a:r>
-          </a:p>
-          <a:p>
-            <a:pPr lvl="2"/>
-            <a:r>
-              <a:rPr lang="en-US" dirty="0"/>
-              <a:t>on </a:t>
-            </a:r>
-            <a:r>
-              <a:rPr lang="en-US" dirty="0" smtClean="0"/>
-              <a:t>64-bit Windows, use 32-bit TSDuck if your DVB tuner driver is 32-bit only</a:t>
-            </a:r>
-          </a:p>
-          <a:p>
-            <a:pPr lvl="1"/>
-            <a:r>
-              <a:rPr lang="en-US" dirty="0" smtClean="0"/>
-              <a:t>Microsoft Visual Studio 2017 Community Edition</a:t>
-            </a:r>
-          </a:p>
-          <a:p>
-            <a:pPr lvl="2"/>
-            <a:r>
-              <a:rPr lang="en-US" dirty="0" smtClean="0"/>
-              <a:t>free download from microsoft.com, no license fee</a:t>
-            </a:r>
-          </a:p>
-          <a:p>
-            <a:pPr lvl="1"/>
-            <a:r>
-              <a:rPr lang="en-US" dirty="0" smtClean="0"/>
-              <a:t>NSIS (</a:t>
-            </a:r>
-            <a:r>
-              <a:rPr lang="en-US" dirty="0" err="1" smtClean="0"/>
-              <a:t>Nullsoft</a:t>
-            </a:r>
-            <a:r>
-              <a:rPr lang="en-US" dirty="0" smtClean="0"/>
-              <a:t> Scriptable Install System)</a:t>
-            </a:r>
-          </a:p>
-          <a:p>
-            <a:pPr lvl="2"/>
-            <a:r>
-              <a:rPr lang="en-US" dirty="0" smtClean="0"/>
-              <a:t>free software</a:t>
-            </a:r>
-          </a:p>
-          <a:p>
-            <a:pPr lvl="2"/>
-            <a:r>
-              <a:rPr lang="en-US" dirty="0" smtClean="0"/>
-              <a:t>used to create TSDuck installer with precompiled binaries</a:t>
+          <a:bodyPr/>
+          <a:lstStyle/>
+          <a:p>
+            <a:r>
+              <a:rPr lang="en-US" dirty="0" smtClean="0"/>
+              <a:t>C++ transport stream programming</a:t>
             </a:r>
             <a:endParaRPr lang="en-US" dirty="0"/>
           </a:p>
@@ -12509,12 +12899,12 @@
       </p:sp>
       <p:sp>
         <p:nvSpPr>
-          <p:cNvPr id="3" name="Titre 2"/>
+          <p:cNvPr id="3" name="Espace réservé du texte 2"/>
           <p:cNvSpPr>
             <a:spLocks noGrp="1"/>
           </p:cNvSpPr>
           <p:nvPr>
-            <p:ph type="title"/>
+            <p:ph type="body" idx="1"/>
           </p:nvPr>
         </p:nvSpPr>
         <p:spPr/>
@@ -12524,7 +12914,7 @@
           <a:p>
             <a:r>
               <a:rPr lang="en-US" dirty="0" smtClean="0"/>
-              <a:t>Supported environments</a:t>
+              <a:t>Extending TSDuck</a:t>
             </a:r>
             <a:endParaRPr lang="en-US" dirty="0"/>
           </a:p>
@@ -12533,7 +12923,7 @@
     </p:spTree>
     <p:extLst>
       <p:ext uri="{BB962C8B-B14F-4D97-AF65-F5344CB8AC3E}">
-        <p14:creationId xmlns:p14="http://schemas.microsoft.com/office/powerpoint/2010/main" val="2351714695"/>
+        <p14:creationId xmlns:p14="http://schemas.microsoft.com/office/powerpoint/2010/main" val="1702509614"/>
       </p:ext>
     </p:extLst>
   </p:cSld>
@@ -12542,12 +12932,12 @@
   </p:clrMapOvr>
   <mc:AlternateContent xmlns:mc="http://schemas.openxmlformats.org/markup-compatibility/2006" xmlns:p14="http://schemas.microsoft.com/office/powerpoint/2010/main">
     <mc:Choice Requires="p14">
-      <p:transition spd="med" p14:dur="700">
-        <p:fade/>
+      <p:transition spd="slow" p14:dur="1400">
+        <p14:doors dir="vert"/>
       </p:transition>
     </mc:Choice>
     <mc:Fallback xmlns="">
-      <p:transition spd="med">
+      <p:transition spd="slow">
         <p:fade/>
       </p:transition>
     </mc:Fallback>
@@ -12581,11 +12971,120 @@
       </p:grpSpPr>
       <p:sp>
         <p:nvSpPr>
-          <p:cNvPr id="2" name="Titre 1"/>
+          <p:cNvPr id="2" name="Espace réservé du contenu 1"/>
           <p:cNvSpPr>
             <a:spLocks noGrp="1"/>
           </p:cNvSpPr>
           <p:nvPr>
+            <p:ph idx="1"/>
+          </p:nvPr>
+        </p:nvSpPr>
+        <p:spPr/>
+        <p:txBody>
+          <a:bodyPr/>
+          <a:lstStyle/>
+          <a:p>
+            <a:r>
+              <a:rPr lang="en-US" dirty="0" smtClean="0"/>
+              <a:t>TSDuck is extensible</a:t>
+            </a:r>
+          </a:p>
+          <a:p>
+            <a:pPr lvl="1"/>
+            <a:r>
+              <a:rPr lang="en-US" dirty="0" smtClean="0"/>
+              <a:t>Source code provided</a:t>
+            </a:r>
+          </a:p>
+          <a:p>
+            <a:pPr marL="896937" lvl="3" indent="0">
+              <a:buNone/>
+            </a:pPr>
+            <a:r>
+              <a:rPr lang="en-US" dirty="0" smtClean="0">
+                <a:latin typeface="Consolas" panose="020B0609020204030204" pitchFamily="49" charset="0"/>
+                <a:cs typeface="Consolas" panose="020B0609020204030204" pitchFamily="49" charset="0"/>
+              </a:rPr>
+              <a:t>git clone https://github.com/tsduck/tsduck.git</a:t>
+            </a:r>
+          </a:p>
+          <a:p>
+            <a:pPr lvl="1"/>
+            <a:r>
+              <a:rPr lang="en-US" dirty="0" smtClean="0"/>
+              <a:t>Common API for Linux, Windows and </a:t>
+            </a:r>
+            <a:r>
+              <a:rPr lang="en-US" dirty="0" err="1" smtClean="0"/>
+              <a:t>macOS</a:t>
+            </a:r>
+            <a:endParaRPr lang="en-US" dirty="0" smtClean="0"/>
+          </a:p>
+          <a:p>
+            <a:pPr lvl="2"/>
+            <a:r>
+              <a:rPr lang="en-US" dirty="0" smtClean="0"/>
+              <a:t>DVB tuners and </a:t>
+            </a:r>
+            <a:r>
+              <a:rPr lang="en-US" dirty="0" err="1" smtClean="0"/>
+              <a:t>Dektec</a:t>
+            </a:r>
+            <a:r>
+              <a:rPr lang="en-US" dirty="0" smtClean="0"/>
+              <a:t> cards are not supported on </a:t>
+            </a:r>
+            <a:r>
+              <a:rPr lang="en-US" dirty="0" err="1" smtClean="0"/>
+              <a:t>macOS</a:t>
+            </a:r>
+            <a:endParaRPr lang="en-US" dirty="0" smtClean="0"/>
+          </a:p>
+          <a:p>
+            <a:pPr lvl="1"/>
+            <a:r>
+              <a:rPr lang="en-US" dirty="0" smtClean="0"/>
+              <a:t>Programmer’s guide</a:t>
+            </a:r>
+          </a:p>
+          <a:p>
+            <a:pPr lvl="2"/>
+            <a:r>
+              <a:rPr lang="en-US" dirty="0" smtClean="0"/>
+              <a:t>Doxygen-generated, see </a:t>
+            </a:r>
+            <a:r>
+              <a:rPr lang="en-US" dirty="0" smtClean="0">
+                <a:latin typeface="Consolas" panose="020B0609020204030204" pitchFamily="49" charset="0"/>
+                <a:cs typeface="Consolas" panose="020B0609020204030204" pitchFamily="49" charset="0"/>
+                <a:hlinkClick r:id="rId3"/>
+              </a:rPr>
+              <a:t>https://tsduck.github.io/</a:t>
+            </a:r>
+            <a:r>
+              <a:rPr lang="en-US" dirty="0" smtClean="0">
+                <a:latin typeface="Consolas" panose="020B0609020204030204" pitchFamily="49" charset="0"/>
+                <a:cs typeface="Consolas" panose="020B0609020204030204" pitchFamily="49" charset="0"/>
+              </a:rPr>
+              <a:t> </a:t>
+            </a:r>
+          </a:p>
+          <a:p>
+            <a:r>
+              <a:rPr lang="en-US" dirty="0" smtClean="0"/>
+              <a:t>You can modify it yourself !</a:t>
+            </a:r>
+            <a:endParaRPr lang="en-US" dirty="0"/>
+          </a:p>
+        </p:txBody>
+      </p:sp>
+      <p:sp>
+        <p:nvSpPr>
+          <p:cNvPr id="3" name="Titre 2"/>
+          <p:cNvSpPr>
+            <a:spLocks noGrp="1"/>
+          </p:cNvSpPr>
+          <p:nvPr>
             <p:ph type="title"/>
           </p:nvPr>
         </p:nvSpPr>
@@ -12596,30 +13095,7 @@
           <a:p>
             <a:r>
               <a:rPr lang="en-US" dirty="0" smtClean="0"/>
-              <a:t>to develop third-party applications</a:t>
-            </a:r>
-            <a:endParaRPr lang="en-US" dirty="0"/>
-          </a:p>
-        </p:txBody>
-      </p:sp>
-      <p:sp>
-        <p:nvSpPr>
-          <p:cNvPr id="3" name="Espace réservé du texte 2"/>
-          <p:cNvSpPr>
-            <a:spLocks noGrp="1"/>
-          </p:cNvSpPr>
-          <p:nvPr>
-            <p:ph type="body" idx="1"/>
-          </p:nvPr>
-        </p:nvSpPr>
-        <p:spPr/>
-        <p:txBody>
-          <a:bodyPr/>
-          <a:lstStyle/>
-          <a:p>
-            <a:r>
-              <a:rPr lang="en-US" dirty="0" smtClean="0"/>
-              <a:t>Using TSDuck Library</a:t>
+              <a:t>Extending TSDuck</a:t>
             </a:r>
             <a:endParaRPr lang="en-US" dirty="0"/>
           </a:p>
@@ -12628,7 +13104,7 @@
     </p:spTree>
     <p:extLst>
       <p:ext uri="{BB962C8B-B14F-4D97-AF65-F5344CB8AC3E}">
-        <p14:creationId xmlns:p14="http://schemas.microsoft.com/office/powerpoint/2010/main" val="1437066081"/>
+        <p14:creationId xmlns:p14="http://schemas.microsoft.com/office/powerpoint/2010/main" val="3195961649"/>
       </p:ext>
     </p:extLst>
   </p:cSld>
@@ -12637,12 +13113,12 @@
   </p:clrMapOvr>
   <mc:AlternateContent xmlns:mc="http://schemas.openxmlformats.org/markup-compatibility/2006" xmlns:p14="http://schemas.microsoft.com/office/powerpoint/2010/main">
     <mc:Choice Requires="p14">
-      <p:transition spd="slow" p14:dur="1400">
-        <p14:doors dir="vert"/>
+      <p:transition spd="med" p14:dur="700">
+        <p:fade/>
       </p:transition>
     </mc:Choice>
     <mc:Fallback xmlns="">
-      <p:transition spd="slow">
+      <p:transition spd="med">
         <p:fade/>
       </p:transition>
     </mc:Fallback>
@@ -12691,87 +13167,148 @@
           </a:bodyPr>
           <a:lstStyle/>
           <a:p>
-            <a:r>
-              <a:rPr lang="en-US" dirty="0" smtClean="0"/>
-              <a:t>All TSDuck common code is in one large library</a:t>
-            </a:r>
-          </a:p>
-          <a:p>
-            <a:pPr lvl="1"/>
-            <a:r>
-              <a:rPr lang="en-US" dirty="0" smtClean="0"/>
-              <a:t>tsduck.so / tsduck.dll</a:t>
-            </a:r>
-          </a:p>
-          <a:p>
-            <a:r>
-              <a:rPr lang="en-US" dirty="0" smtClean="0"/>
-              <a:t>Contains generic and reusable C++ code</a:t>
-            </a:r>
-          </a:p>
-          <a:p>
-            <a:pPr lvl="1"/>
-            <a:r>
-              <a:rPr lang="en-US" dirty="0" smtClean="0"/>
-              <a:t>basic operating system independent features</a:t>
-            </a:r>
-          </a:p>
-          <a:p>
-            <a:pPr lvl="2"/>
-            <a:r>
-              <a:rPr lang="en-US" dirty="0" smtClean="0"/>
-              <a:t>system, multi-treading, synchronization, networking, cryptography, etc.</a:t>
-            </a:r>
-          </a:p>
-          <a:p>
-            <a:pPr lvl="1"/>
-            <a:r>
-              <a:rPr lang="en-US" dirty="0" smtClean="0"/>
-              <a:t>MPEG / DVB features</a:t>
-            </a:r>
-          </a:p>
-          <a:p>
-            <a:pPr lvl="2"/>
-            <a:r>
-              <a:rPr lang="en-US" dirty="0" smtClean="0"/>
-              <a:t>TS packets, PSI/SI tables, sections and descriptors, </a:t>
-            </a:r>
-            <a:r>
-              <a:rPr lang="en-US" dirty="0" err="1" smtClean="0"/>
-              <a:t>demultiplexing</a:t>
-            </a:r>
-            <a:r>
-              <a:rPr lang="en-US" dirty="0" smtClean="0"/>
-              <a:t>, </a:t>
-            </a:r>
-            <a:r>
-              <a:rPr lang="en-US" dirty="0" err="1" smtClean="0"/>
-              <a:t>packetization</a:t>
-            </a:r>
-            <a:r>
-              <a:rPr lang="en-US" dirty="0" smtClean="0"/>
-              <a:t>, DVB tuners, etc.</a:t>
-            </a:r>
-          </a:p>
-          <a:p>
-            <a:r>
-              <a:rPr lang="en-US" dirty="0" smtClean="0"/>
-              <a:t>Can be used in your application</a:t>
-            </a:r>
-          </a:p>
-          <a:p>
-            <a:pPr lvl="1"/>
+            <a:pPr>
+              <a:lnSpc>
+                <a:spcPct val="90000"/>
+              </a:lnSpc>
+            </a:pPr>
+            <a:r>
+              <a:rPr lang="en-US" dirty="0" smtClean="0"/>
+              <a:t>Identify your needs</a:t>
+            </a:r>
+          </a:p>
+          <a:p>
+            <a:pPr>
+              <a:lnSpc>
+                <a:spcPct val="90000"/>
+              </a:lnSpc>
+            </a:pPr>
+            <a:r>
+              <a:rPr lang="en-US" dirty="0" smtClean="0"/>
+              <a:t>Try to find a solution using existing TSDuck</a:t>
+            </a:r>
+          </a:p>
+          <a:p>
+            <a:pPr lvl="1">
+              <a:lnSpc>
+                <a:spcPct val="90000"/>
+              </a:lnSpc>
+            </a:pPr>
             <a:r>
               <a:rPr lang="en-US" dirty="0"/>
-              <a:t>e</a:t>
-            </a:r>
-            <a:r>
-              <a:rPr lang="en-US" smtClean="0"/>
-              <a:t>ven </a:t>
-            </a:r>
-            <a:r>
-              <a:rPr lang="en-US" dirty="0" smtClean="0"/>
-              <a:t>if not part of TSDuck</a:t>
+              <a:t>r</a:t>
+            </a:r>
+            <a:r>
+              <a:rPr lang="en-US" dirty="0" smtClean="0"/>
+              <a:t>eview utilities and plugins</a:t>
+            </a:r>
+          </a:p>
+          <a:p>
+            <a:pPr>
+              <a:lnSpc>
+                <a:spcPct val="90000"/>
+              </a:lnSpc>
+            </a:pPr>
+            <a:r>
+              <a:rPr lang="en-US" dirty="0" smtClean="0"/>
+              <a:t>Try to extend an existing utility or plugin</a:t>
+            </a:r>
+          </a:p>
+          <a:p>
+            <a:pPr lvl="1">
+              <a:lnSpc>
+                <a:spcPct val="90000"/>
+              </a:lnSpc>
+            </a:pPr>
+            <a:r>
+              <a:rPr lang="en-US" dirty="0"/>
+              <a:t>a</a:t>
+            </a:r>
+            <a:r>
+              <a:rPr lang="en-US" dirty="0" smtClean="0"/>
+              <a:t>dd new options</a:t>
+            </a:r>
+          </a:p>
+          <a:p>
+            <a:pPr lvl="1">
+              <a:lnSpc>
+                <a:spcPct val="90000"/>
+              </a:lnSpc>
+            </a:pPr>
+            <a:r>
+              <a:rPr lang="en-US" dirty="0"/>
+              <a:t>a</a:t>
+            </a:r>
+            <a:r>
+              <a:rPr lang="en-US" dirty="0" smtClean="0"/>
+              <a:t>dd features, don’t modify existing behavior</a:t>
+            </a:r>
+          </a:p>
+          <a:p>
+            <a:pPr lvl="1">
+              <a:lnSpc>
+                <a:spcPct val="90000"/>
+              </a:lnSpc>
+            </a:pPr>
+            <a:r>
+              <a:rPr lang="en-US" dirty="0"/>
+              <a:t>r</a:t>
+            </a:r>
+            <a:r>
+              <a:rPr lang="en-US" dirty="0" smtClean="0"/>
+              <a:t>emain upward compatible</a:t>
+            </a:r>
+          </a:p>
+          <a:p>
+            <a:pPr>
+              <a:lnSpc>
+                <a:spcPct val="90000"/>
+              </a:lnSpc>
+            </a:pPr>
+            <a:r>
+              <a:rPr lang="en-US" dirty="0" smtClean="0"/>
+              <a:t>Develop your own plugin</a:t>
+            </a:r>
+          </a:p>
+          <a:p>
+            <a:pPr lvl="1">
+              <a:lnSpc>
+                <a:spcPct val="90000"/>
+              </a:lnSpc>
+            </a:pPr>
+            <a:r>
+              <a:rPr lang="en-US" dirty="0"/>
+              <a:t>i</a:t>
+            </a:r>
+            <a:r>
+              <a:rPr lang="en-US" dirty="0" smtClean="0"/>
+              <a:t>t is quite simple, really</a:t>
+            </a:r>
+          </a:p>
+          <a:p>
+            <a:pPr>
+              <a:lnSpc>
+                <a:spcPct val="90000"/>
+              </a:lnSpc>
+            </a:pPr>
+            <a:r>
+              <a:rPr lang="en-US" dirty="0" smtClean="0"/>
+              <a:t>Send your code back to TSDuck maintainer</a:t>
+            </a:r>
+          </a:p>
+          <a:p>
+            <a:pPr lvl="1">
+              <a:lnSpc>
+                <a:spcPct val="90000"/>
+              </a:lnSpc>
+            </a:pPr>
+            <a:r>
+              <a:rPr lang="en-US" dirty="0"/>
+              <a:t>s</a:t>
+            </a:r>
+            <a:r>
+              <a:rPr lang="en-US" dirty="0" smtClean="0"/>
+              <a:t>o that everyone can benefit from it</a:t>
             </a:r>
             <a:endParaRPr lang="en-US" dirty="0"/>
           </a:p>
@@ -12794,7 +13331,7 @@
           <a:p>
             <a:r>
               <a:rPr lang="en-US" dirty="0" smtClean="0"/>
-              <a:t>The TSDuck library</a:t>
+              <a:t>Why extending TSDuck ?</a:t>
             </a:r>
             <a:endParaRPr lang="en-US" dirty="0"/>
           </a:p>
@@ -12803,7 +13340,7 @@
     </p:spTree>
     <p:extLst>
       <p:ext uri="{BB962C8B-B14F-4D97-AF65-F5344CB8AC3E}">
-        <p14:creationId xmlns:p14="http://schemas.microsoft.com/office/powerpoint/2010/main" val="1814597134"/>
+        <p14:creationId xmlns:p14="http://schemas.microsoft.com/office/powerpoint/2010/main" val="838391798"/>
       </p:ext>
     </p:extLst>
   </p:cSld>
@@ -13011,6 +13548,59 @@
       </p:grpSpPr>
       <p:sp>
         <p:nvSpPr>
+          <p:cNvPr id="5" name="Rectangle à coins arrondis 4"/>
+          <p:cNvSpPr/>
+          <p:nvPr/>
+        </p:nvSpPr>
+        <p:spPr>
+          <a:xfrm>
+            <a:off x="907756" y="3995582"/>
+            <a:ext cx="1944216" cy="432048"/>
+          </a:xfrm>
+          <a:prstGeom prst="roundRect">
+            <a:avLst/>
+          </a:prstGeom>
+          <a:solidFill>
+            <a:srgbClr val="C5E0B4"/>
+          </a:solidFill>
+          <a:ln w="19050">
+            <a:solidFill>
+              <a:srgbClr val="00B050"/>
+            </a:solidFill>
+            <a:tailEnd type="stealth"/>
+          </a:ln>
+        </p:spPr>
+        <p:style>
+          <a:lnRef idx="2">
+            <a:schemeClr val="accent1">
+              <a:shade val="50000"/>
+            </a:schemeClr>
+          </a:lnRef>
+          <a:fillRef idx="1">
+            <a:schemeClr val="accent1"/>
+          </a:fillRef>
+          <a:effectRef idx="0">
+            <a:schemeClr val="accent1"/>
+          </a:effectRef>
+          <a:fontRef idx="minor">
+            <a:schemeClr val="lt1"/>
+          </a:fontRef>
+        </p:style>
+        <p:txBody>
+          <a:bodyPr rtlCol="0" anchor="ctr"/>
+          <a:lstStyle/>
+          <a:p>
+            <a:pPr algn="ctr"/>
+            <a:endParaRPr lang="en-US" sz="1600" dirty="0">
+              <a:solidFill>
+                <a:schemeClr val="tx1"/>
+              </a:solidFill>
+            </a:endParaRPr>
+          </a:p>
+        </p:txBody>
+      </p:sp>
+      <p:sp>
+        <p:nvSpPr>
           <p:cNvPr id="2" name="Espace réservé du contenu 1"/>
           <p:cNvSpPr>
             <a:spLocks noGrp="1"/>
@@ -13022,131 +13612,85 @@
         <p:spPr/>
         <p:txBody>
           <a:bodyPr>
-            <a:normAutofit/>
+            <a:normAutofit fontScale="92500" lnSpcReduction="10000"/>
           </a:bodyPr>
           <a:lstStyle/>
           <a:p>
             <a:r>
               <a:rPr lang="en-US" dirty="0" smtClean="0"/>
-              <a:t>Used in an application outside </a:t>
-            </a:r>
-            <a:r>
-              <a:rPr lang="en-US" dirty="0" smtClean="0"/>
-              <a:t>TSDuck</a:t>
-            </a:r>
-          </a:p>
-          <a:p>
-            <a:r>
-              <a:rPr lang="en-US" dirty="0" smtClean="0"/>
-              <a:t>Install the TSDuck development environment</a:t>
+              <a:t>Don’t write a plugin from scratch</a:t>
             </a:r>
           </a:p>
           <a:p>
             <a:pPr lvl="1"/>
             <a:r>
-              <a:rPr lang="en-US" dirty="0" smtClean="0"/>
-              <a:t>Windows: “Development” option in installer</a:t>
+              <a:rPr lang="en-US" dirty="0"/>
+              <a:t>u</a:t>
+            </a:r>
+            <a:r>
+              <a:rPr lang="en-US" dirty="0" smtClean="0"/>
+              <a:t>se an existing one as code base</a:t>
             </a:r>
           </a:p>
           <a:p>
             <a:pPr lvl="1"/>
             <a:r>
-              <a:rPr lang="en-US" dirty="0" smtClean="0"/>
-              <a:t>Ubuntu: package </a:t>
-            </a:r>
-            <a:r>
-              <a:rPr lang="en-US" dirty="0" err="1" smtClean="0">
-                <a:latin typeface="Consolas" panose="020B0609020204030204" pitchFamily="49" charset="0"/>
-                <a:cs typeface="Consolas" panose="020B0609020204030204" pitchFamily="49" charset="0"/>
-              </a:rPr>
-              <a:t>tsduck</a:t>
-            </a:r>
-            <a:r>
-              <a:rPr lang="en-US" dirty="0" smtClean="0">
-                <a:latin typeface="Consolas" panose="020B0609020204030204" pitchFamily="49" charset="0"/>
-                <a:cs typeface="Consolas" panose="020B0609020204030204" pitchFamily="49" charset="0"/>
-              </a:rPr>
-              <a:t>-dev</a:t>
+              <a:rPr lang="en-US" dirty="0"/>
+              <a:t>c</a:t>
+            </a:r>
+            <a:r>
+              <a:rPr lang="en-US" dirty="0" smtClean="0"/>
+              <a:t>hoose one which is technically similar</a:t>
+            </a:r>
+          </a:p>
+          <a:p>
+            <a:pPr lvl="2"/>
+            <a:r>
+              <a:rPr lang="en-US" dirty="0" smtClean="0"/>
+              <a:t>input?  output?  PSI/SI transformation?  packet filtering?</a:t>
+            </a:r>
+          </a:p>
+          <a:p>
+            <a:r>
+              <a:rPr lang="en-US" dirty="0" smtClean="0"/>
+              <a:t>Implement simple &amp; elementary features</a:t>
             </a:r>
           </a:p>
           <a:p>
             <a:pPr lvl="1"/>
             <a:r>
-              <a:rPr lang="en-US" dirty="0" smtClean="0"/>
-              <a:t>Fedora, Red Hat, CentOS: </a:t>
-            </a:r>
-            <a:r>
               <a:rPr lang="en-US" dirty="0"/>
-              <a:t>package </a:t>
-            </a:r>
-            <a:r>
-              <a:rPr lang="en-US" dirty="0" err="1" smtClean="0">
-                <a:latin typeface="Consolas" panose="020B0609020204030204" pitchFamily="49" charset="0"/>
-                <a:cs typeface="Consolas" panose="020B0609020204030204" pitchFamily="49" charset="0"/>
-              </a:rPr>
-              <a:t>tsduck-devel</a:t>
-            </a:r>
-            <a:endParaRPr lang="en-US" dirty="0" smtClean="0">
-              <a:latin typeface="Consolas" panose="020B0609020204030204" pitchFamily="49" charset="0"/>
-              <a:cs typeface="Consolas" panose="020B0609020204030204" pitchFamily="49" charset="0"/>
-            </a:endParaRPr>
-          </a:p>
-          <a:p>
-            <a:r>
-              <a:rPr lang="en-US" dirty="0"/>
-              <a:t>Typical application source file</a:t>
-            </a:r>
-          </a:p>
-          <a:p>
-            <a:pPr lvl="2">
-              <a:buFont typeface="Wingdings" pitchFamily="2" charset="2"/>
-              <a:buNone/>
-            </a:pPr>
-            <a:r>
-              <a:rPr lang="en-US" sz="1600" b="1" dirty="0">
-                <a:latin typeface="Consolas" panose="020B0609020204030204" pitchFamily="49" charset="0"/>
-                <a:cs typeface="Consolas" panose="020B0609020204030204" pitchFamily="49" charset="0"/>
-              </a:rPr>
-              <a:t>#include "</a:t>
-            </a:r>
-            <a:r>
-              <a:rPr lang="en-US" sz="1600" b="1" dirty="0" err="1">
-                <a:latin typeface="Consolas" panose="020B0609020204030204" pitchFamily="49" charset="0"/>
-                <a:cs typeface="Consolas" panose="020B0609020204030204" pitchFamily="49" charset="0"/>
-              </a:rPr>
-              <a:t>tsduck.h</a:t>
-            </a:r>
-            <a:r>
-              <a:rPr lang="en-US" sz="1600" b="1" dirty="0">
-                <a:latin typeface="Consolas" panose="020B0609020204030204" pitchFamily="49" charset="0"/>
-                <a:cs typeface="Consolas" panose="020B0609020204030204" pitchFamily="49" charset="0"/>
-              </a:rPr>
-              <a:t>"</a:t>
-            </a:r>
-          </a:p>
-          <a:p>
-            <a:pPr lvl="2">
-              <a:buFont typeface="Wingdings" pitchFamily="2" charset="2"/>
-              <a:buNone/>
-            </a:pPr>
-            <a:r>
-              <a:rPr lang="en-US" sz="1600" b="1" dirty="0">
-                <a:latin typeface="Consolas" panose="020B0609020204030204" pitchFamily="49" charset="0"/>
-                <a:cs typeface="Consolas" panose="020B0609020204030204" pitchFamily="49" charset="0"/>
-              </a:rPr>
-              <a:t>... application code </a:t>
-            </a:r>
-            <a:r>
-              <a:rPr lang="en-US" sz="1600" b="1" dirty="0" smtClean="0">
-                <a:latin typeface="Consolas" panose="020B0609020204030204" pitchFamily="49" charset="0"/>
-                <a:cs typeface="Consolas" panose="020B0609020204030204" pitchFamily="49" charset="0"/>
-              </a:rPr>
-              <a:t>...</a:t>
-            </a:r>
-            <a:endParaRPr lang="en-US" sz="1600" b="1" dirty="0">
-              <a:latin typeface="Consolas" panose="020B0609020204030204" pitchFamily="49" charset="0"/>
-              <a:cs typeface="Consolas" panose="020B0609020204030204" pitchFamily="49" charset="0"/>
-            </a:endParaRPr>
+              <a:t>p</a:t>
+            </a:r>
+            <a:r>
+              <a:rPr lang="en-US" dirty="0" smtClean="0"/>
+              <a:t>reserve TSDuck philosophy</a:t>
+            </a:r>
+          </a:p>
+          <a:p>
+            <a:pPr lvl="2"/>
+            <a:r>
+              <a:rPr lang="en-US" dirty="0" smtClean="0"/>
+              <a:t>develop several elementary plugins if necessary</a:t>
+            </a:r>
+          </a:p>
+          <a:p>
+            <a:pPr lvl="2"/>
+            <a:r>
+              <a:rPr lang="en-US" dirty="0" smtClean="0"/>
+              <a:t>not a single big plugin implementing several features</a:t>
+            </a:r>
+          </a:p>
+          <a:p>
+            <a:pPr lvl="2"/>
+            <a:endParaRPr lang="en-US" dirty="0" smtClean="0"/>
+          </a:p>
+          <a:p>
+            <a:r>
+              <a:rPr lang="en-US" dirty="0" smtClean="0"/>
+              <a:t>RTFM as usual !</a:t>
+            </a:r>
+            <a:endParaRPr lang="en-US" dirty="0"/>
           </a:p>
         </p:txBody>
       </p:sp>
@@ -13167,11 +13711,7 @@
           <a:p>
             <a:r>
               <a:rPr lang="en-US" dirty="0" smtClean="0"/>
-              <a:t>Using TSDuck as a </a:t>
-            </a:r>
-            <a:r>
-              <a:rPr lang="en-US" dirty="0" smtClean="0"/>
-              <a:t>library</a:t>
+              <a:t>Coding hints</a:t>
             </a:r>
             <a:endParaRPr lang="en-US" dirty="0"/>
           </a:p>
@@ -13180,7 +13720,7 @@
     </p:spTree>
     <p:extLst>
       <p:ext uri="{BB962C8B-B14F-4D97-AF65-F5344CB8AC3E}">
-        <p14:creationId xmlns:p14="http://schemas.microsoft.com/office/powerpoint/2010/main" val="3719695563"/>
+        <p14:creationId xmlns:p14="http://schemas.microsoft.com/office/powerpoint/2010/main" val="383851265"/>
       </p:ext>
     </p:extLst>
   </p:cSld>
@@ -13239,132 +13779,124 @@
         <p:spPr/>
         <p:txBody>
           <a:bodyPr>
-            <a:normAutofit/>
+            <a:normAutofit fontScale="85000" lnSpcReduction="20000"/>
           </a:bodyPr>
           <a:lstStyle/>
           <a:p>
             <a:r>
               <a:rPr lang="en-US" dirty="0" smtClean="0"/>
-              <a:t>Typical Linux Makefile</a:t>
+              <a:t>Linux</a:t>
+            </a:r>
+          </a:p>
+          <a:p>
+            <a:pPr lvl="1"/>
+            <a:r>
+              <a:rPr lang="en-US" dirty="0"/>
+              <a:t>t</a:t>
+            </a:r>
+            <a:r>
+              <a:rPr lang="en-US" dirty="0" smtClean="0"/>
+              <a:t>ested on Intel 32 &amp; 64 bits, Fedora and Ubuntu</a:t>
+            </a:r>
+          </a:p>
+          <a:p>
+            <a:r>
+              <a:rPr lang="en-US" dirty="0" err="1" smtClean="0"/>
+              <a:t>macOS</a:t>
             </a:r>
             <a:endParaRPr lang="en-US" dirty="0" smtClean="0"/>
           </a:p>
           <a:p>
-            <a:pPr lvl="2">
-              <a:buFont typeface="Wingdings" pitchFamily="2" charset="2"/>
-              <a:buNone/>
-            </a:pPr>
-            <a:r>
-              <a:rPr lang="en-US" sz="1600" b="1" dirty="0">
-                <a:latin typeface="Consolas" panose="020B0609020204030204" pitchFamily="49" charset="0"/>
-                <a:cs typeface="Consolas" panose="020B0609020204030204" pitchFamily="49" charset="0"/>
-              </a:rPr>
-              <a:t>include /</a:t>
-            </a:r>
-            <a:r>
-              <a:rPr lang="en-US" sz="1600" b="1" dirty="0" smtClean="0">
-                <a:latin typeface="Consolas" panose="020B0609020204030204" pitchFamily="49" charset="0"/>
-                <a:cs typeface="Consolas" panose="020B0609020204030204" pitchFamily="49" charset="0"/>
-              </a:rPr>
-              <a:t>usr/include/tsduck/tsduck.mk</a:t>
-            </a:r>
-          </a:p>
-          <a:p>
-            <a:pPr lvl="2">
-              <a:buFont typeface="Wingdings" pitchFamily="2" charset="2"/>
-              <a:buNone/>
-            </a:pPr>
-            <a:r>
-              <a:rPr lang="en-US" sz="1600" b="1" i="1" dirty="0" smtClean="0">
-                <a:latin typeface="Consolas" panose="020B0609020204030204" pitchFamily="49" charset="0"/>
-                <a:cs typeface="Consolas" panose="020B0609020204030204" pitchFamily="49" charset="0"/>
-              </a:rPr>
-              <a:t>... </a:t>
-            </a:r>
-            <a:r>
-              <a:rPr lang="en-US" sz="1600" b="1" i="1" dirty="0" smtClean="0">
-                <a:latin typeface="Consolas" panose="020B0609020204030204" pitchFamily="49" charset="0"/>
-                <a:cs typeface="Consolas" panose="020B0609020204030204" pitchFamily="49" charset="0"/>
-              </a:rPr>
-              <a:t>application-specific rules ...</a:t>
-            </a:r>
-          </a:p>
-          <a:p>
+            <a:pPr lvl="1"/>
             <a:r>
               <a:rPr lang="en-US" dirty="0"/>
-              <a:t>Typical </a:t>
-            </a:r>
-            <a:r>
-              <a:rPr lang="en-US" dirty="0" smtClean="0"/>
-              <a:t>macOS Makefile</a:t>
+              <a:t>t</a:t>
+            </a:r>
+            <a:r>
+              <a:rPr lang="en-US" dirty="0" smtClean="0"/>
+              <a:t>ested on </a:t>
+            </a:r>
+            <a:r>
+              <a:rPr lang="en-US" dirty="0" err="1" smtClean="0"/>
+              <a:t>macOS</a:t>
+            </a:r>
+            <a:r>
+              <a:rPr lang="en-US" dirty="0" smtClean="0"/>
+              <a:t> Sierra 10.12</a:t>
+            </a:r>
+          </a:p>
+          <a:p>
+            <a:r>
+              <a:rPr lang="en-US" dirty="0" smtClean="0"/>
+              <a:t>Windows</a:t>
+            </a:r>
+          </a:p>
+          <a:p>
+            <a:pPr lvl="1"/>
+            <a:r>
+              <a:rPr lang="en-US" dirty="0"/>
+              <a:t>t</a:t>
+            </a:r>
+            <a:r>
+              <a:rPr lang="en-US" dirty="0" smtClean="0"/>
+              <a:t>ested on Intel 32 &amp; 64 bits, Windows 7 &amp; 10</a:t>
+            </a:r>
+          </a:p>
+          <a:p>
+            <a:pPr lvl="2"/>
+            <a:r>
+              <a:rPr lang="en-US" dirty="0"/>
+              <a:t>on </a:t>
+            </a:r>
+            <a:r>
+              <a:rPr lang="en-US" dirty="0" smtClean="0"/>
+              <a:t>64-bit Windows, use 32-bit TSDuck if your DVB tuner driver is 32-bit only</a:t>
+            </a:r>
+          </a:p>
+          <a:p>
+            <a:pPr lvl="1"/>
+            <a:r>
+              <a:rPr lang="en-US" dirty="0" smtClean="0"/>
+              <a:t>Microsoft Visual Studio 2017 Community Edition</a:t>
+            </a:r>
+          </a:p>
+          <a:p>
+            <a:pPr lvl="2"/>
+            <a:r>
+              <a:rPr lang="en-US" dirty="0" smtClean="0"/>
+              <a:t>free download from microsoft.com, no license fee</a:t>
+            </a:r>
+          </a:p>
+          <a:p>
+            <a:pPr lvl="1"/>
+            <a:r>
+              <a:rPr lang="en-US" dirty="0" smtClean="0"/>
+              <a:t>NSIS (</a:t>
+            </a:r>
+            <a:r>
+              <a:rPr lang="en-US" dirty="0" err="1" smtClean="0"/>
+              <a:t>Nullsoft</a:t>
+            </a:r>
+            <a:r>
+              <a:rPr lang="en-US" dirty="0" smtClean="0"/>
+              <a:t> Scriptable Install System)</a:t>
+            </a:r>
+          </a:p>
+          <a:p>
+            <a:pPr lvl="2"/>
+            <a:r>
+              <a:rPr lang="en-US" dirty="0" smtClean="0"/>
+              <a:t>free software</a:t>
+            </a:r>
+          </a:p>
+          <a:p>
+            <a:pPr lvl="2"/>
+            <a:r>
+              <a:rPr lang="en-US" dirty="0" smtClean="0"/>
+              <a:t>used to create TSDuck installer with precompiled binaries</a:t>
             </a:r>
             <a:endParaRPr lang="en-US" dirty="0"/>
           </a:p>
-          <a:p>
-            <a:pPr lvl="2">
-              <a:buFont typeface="Wingdings" pitchFamily="2" charset="2"/>
-              <a:buNone/>
-            </a:pPr>
-            <a:r>
-              <a:rPr lang="en-US" sz="1600" b="1" dirty="0">
-                <a:latin typeface="Consolas" panose="020B0609020204030204" pitchFamily="49" charset="0"/>
-                <a:cs typeface="Consolas" panose="020B0609020204030204" pitchFamily="49" charset="0"/>
-              </a:rPr>
-              <a:t>include /</a:t>
-            </a:r>
-            <a:r>
-              <a:rPr lang="en-US" sz="1600" b="1" dirty="0" smtClean="0">
-                <a:latin typeface="Consolas" panose="020B0609020204030204" pitchFamily="49" charset="0"/>
-                <a:cs typeface="Consolas" panose="020B0609020204030204" pitchFamily="49" charset="0"/>
-              </a:rPr>
-              <a:t>usr/</a:t>
-            </a:r>
-            <a:r>
-              <a:rPr lang="en-US" sz="1600" b="1" dirty="0" smtClean="0">
-                <a:solidFill>
-                  <a:srgbClr val="FF0000"/>
-                </a:solidFill>
-                <a:latin typeface="Consolas" panose="020B0609020204030204" pitchFamily="49" charset="0"/>
-                <a:cs typeface="Consolas" panose="020B0609020204030204" pitchFamily="49" charset="0"/>
-              </a:rPr>
-              <a:t>local</a:t>
-            </a:r>
-            <a:r>
-              <a:rPr lang="en-US" sz="1600" b="1" dirty="0" smtClean="0">
-                <a:latin typeface="Consolas" panose="020B0609020204030204" pitchFamily="49" charset="0"/>
-                <a:cs typeface="Consolas" panose="020B0609020204030204" pitchFamily="49" charset="0"/>
-              </a:rPr>
-              <a:t>/include/tsduck/tsduck.mk</a:t>
-            </a:r>
-            <a:endParaRPr lang="en-US" sz="1600" b="1" dirty="0">
-              <a:latin typeface="Consolas" panose="020B0609020204030204" pitchFamily="49" charset="0"/>
-              <a:cs typeface="Consolas" panose="020B0609020204030204" pitchFamily="49" charset="0"/>
-            </a:endParaRPr>
-          </a:p>
-          <a:p>
-            <a:pPr lvl="2">
-              <a:buFont typeface="Wingdings" pitchFamily="2" charset="2"/>
-              <a:buNone/>
-            </a:pPr>
-            <a:r>
-              <a:rPr lang="en-US" sz="1600" b="1" i="1" dirty="0">
-                <a:latin typeface="Consolas" panose="020B0609020204030204" pitchFamily="49" charset="0"/>
-                <a:cs typeface="Consolas" panose="020B0609020204030204" pitchFamily="49" charset="0"/>
-              </a:rPr>
-              <a:t>... application-specific rules </a:t>
-            </a:r>
-            <a:r>
-              <a:rPr lang="en-US" sz="1600" b="1" i="1" dirty="0" smtClean="0">
-                <a:latin typeface="Consolas" panose="020B0609020204030204" pitchFamily="49" charset="0"/>
-                <a:cs typeface="Consolas" panose="020B0609020204030204" pitchFamily="49" charset="0"/>
-              </a:rPr>
-              <a:t>...</a:t>
-            </a:r>
-            <a:endParaRPr lang="en-US" sz="1600" b="1" i="1" dirty="0">
-              <a:latin typeface="Consolas" panose="020B0609020204030204" pitchFamily="49" charset="0"/>
-              <a:cs typeface="Consolas" panose="020B0609020204030204" pitchFamily="49" charset="0"/>
-            </a:endParaRPr>
-          </a:p>
         </p:txBody>
       </p:sp>
       <p:sp>
@@ -13384,7 +13916,7 @@
           <a:p>
             <a:r>
               <a:rPr lang="en-US" dirty="0" smtClean="0"/>
-              <a:t>Building with TSDuck library on UNIX</a:t>
+              <a:t>Supported environments</a:t>
             </a:r>
             <a:endParaRPr lang="en-US" dirty="0"/>
           </a:p>
@@ -13393,7 +13925,7 @@
     </p:spTree>
     <p:extLst>
       <p:ext uri="{BB962C8B-B14F-4D97-AF65-F5344CB8AC3E}">
-        <p14:creationId xmlns:p14="http://schemas.microsoft.com/office/powerpoint/2010/main" val="2242190018"/>
+        <p14:creationId xmlns:p14="http://schemas.microsoft.com/office/powerpoint/2010/main" val="2351714695"/>
       </p:ext>
     </p:extLst>
   </p:cSld>
@@ -13441,6 +13973,276 @@
       </p:grpSpPr>
       <p:sp>
         <p:nvSpPr>
+          <p:cNvPr id="2" name="Titre 1"/>
+          <p:cNvSpPr>
+            <a:spLocks noGrp="1"/>
+          </p:cNvSpPr>
+          <p:nvPr>
+            <p:ph type="title"/>
+          </p:nvPr>
+        </p:nvSpPr>
+        <p:spPr/>
+        <p:txBody>
+          <a:bodyPr/>
+          <a:lstStyle/>
+          <a:p>
+            <a:r>
+              <a:rPr lang="en-US" dirty="0" smtClean="0"/>
+              <a:t>to develop third-party applications</a:t>
+            </a:r>
+            <a:endParaRPr lang="en-US" dirty="0"/>
+          </a:p>
+        </p:txBody>
+      </p:sp>
+      <p:sp>
+        <p:nvSpPr>
+          <p:cNvPr id="3" name="Espace réservé du texte 2"/>
+          <p:cNvSpPr>
+            <a:spLocks noGrp="1"/>
+          </p:cNvSpPr>
+          <p:nvPr>
+            <p:ph type="body" idx="1"/>
+          </p:nvPr>
+        </p:nvSpPr>
+        <p:spPr/>
+        <p:txBody>
+          <a:bodyPr/>
+          <a:lstStyle/>
+          <a:p>
+            <a:r>
+              <a:rPr lang="en-US" dirty="0" smtClean="0"/>
+              <a:t>Using TSDuck Library</a:t>
+            </a:r>
+            <a:endParaRPr lang="en-US" dirty="0"/>
+          </a:p>
+        </p:txBody>
+      </p:sp>
+    </p:spTree>
+    <p:extLst>
+      <p:ext uri="{BB962C8B-B14F-4D97-AF65-F5344CB8AC3E}">
+        <p14:creationId xmlns:p14="http://schemas.microsoft.com/office/powerpoint/2010/main" val="1437066081"/>
+      </p:ext>
+    </p:extLst>
+  </p:cSld>
+  <p:clrMapOvr>
+    <a:masterClrMapping/>
+  </p:clrMapOvr>
+  <mc:AlternateContent xmlns:mc="http://schemas.openxmlformats.org/markup-compatibility/2006" xmlns:p14="http://schemas.microsoft.com/office/powerpoint/2010/main">
+    <mc:Choice Requires="p14">
+      <p:transition spd="slow" p14:dur="1400">
+        <p14:doors dir="vert"/>
+      </p:transition>
+    </mc:Choice>
+    <mc:Fallback xmlns="">
+      <p:transition spd="slow">
+        <p:fade/>
+      </p:transition>
+    </mc:Fallback>
+  </mc:AlternateContent>
+  <p:timing>
+    <p:tnLst>
+      <p:par>
+        <p:cTn id="1" dur="indefinite" restart="never" nodeType="tmRoot"/>
+      </p:par>
+    </p:tnLst>
+  </p:timing>
+</p:sld>
+</file>
+
+<file path=ppt/slides/slide33.xml><?xml version="1.0" encoding="utf-8"?>
+<p:sld xmlns:a="http://schemas.openxmlformats.org/drawingml/2006/main" xmlns:r="http://schemas.openxmlformats.org/officeDocument/2006/relationships" xmlns:p="http://schemas.openxmlformats.org/presentationml/2006/main">
+  <p:cSld>
+    <p:spTree>
+      <p:nvGrpSpPr>
+        <p:cNvPr id="1" name=""/>
+        <p:cNvGrpSpPr/>
+        <p:nvPr/>
+      </p:nvGrpSpPr>
+      <p:grpSpPr>
+        <a:xfrm>
+          <a:off x="0" y="0"/>
+          <a:ext cx="0" cy="0"/>
+          <a:chOff x="0" y="0"/>
+          <a:chExt cx="0" cy="0"/>
+        </a:xfrm>
+      </p:grpSpPr>
+      <p:sp>
+        <p:nvSpPr>
+          <p:cNvPr id="2" name="Espace réservé du contenu 1"/>
+          <p:cNvSpPr>
+            <a:spLocks noGrp="1"/>
+          </p:cNvSpPr>
+          <p:nvPr>
+            <p:ph idx="1"/>
+          </p:nvPr>
+        </p:nvSpPr>
+        <p:spPr/>
+        <p:txBody>
+          <a:bodyPr>
+            <a:normAutofit fontScale="92500" lnSpcReduction="10000"/>
+          </a:bodyPr>
+          <a:lstStyle/>
+          <a:p>
+            <a:r>
+              <a:rPr lang="en-US" dirty="0" smtClean="0"/>
+              <a:t>All TSDuck common code is in one large library</a:t>
+            </a:r>
+          </a:p>
+          <a:p>
+            <a:pPr lvl="1"/>
+            <a:r>
+              <a:rPr lang="en-US" dirty="0" smtClean="0"/>
+              <a:t>tsduck.so / tsduck.dll</a:t>
+            </a:r>
+          </a:p>
+          <a:p>
+            <a:r>
+              <a:rPr lang="en-US" dirty="0" smtClean="0"/>
+              <a:t>Contains generic and reusable C++ code</a:t>
+            </a:r>
+          </a:p>
+          <a:p>
+            <a:pPr lvl="1"/>
+            <a:r>
+              <a:rPr lang="en-US" dirty="0" smtClean="0"/>
+              <a:t>basic operating system independent features</a:t>
+            </a:r>
+          </a:p>
+          <a:p>
+            <a:pPr lvl="2"/>
+            <a:r>
+              <a:rPr lang="en-US" dirty="0" smtClean="0"/>
+              <a:t>system, multi-treading, synchronization, networking, cryptography, etc.</a:t>
+            </a:r>
+          </a:p>
+          <a:p>
+            <a:pPr lvl="1"/>
+            <a:r>
+              <a:rPr lang="en-US" dirty="0" smtClean="0"/>
+              <a:t>MPEG / DVB features</a:t>
+            </a:r>
+          </a:p>
+          <a:p>
+            <a:pPr lvl="2"/>
+            <a:r>
+              <a:rPr lang="en-US" dirty="0" smtClean="0"/>
+              <a:t>TS packets, PSI/SI tables, sections and descriptors, </a:t>
+            </a:r>
+            <a:r>
+              <a:rPr lang="en-US" dirty="0" err="1" smtClean="0"/>
+              <a:t>demultiplexing</a:t>
+            </a:r>
+            <a:r>
+              <a:rPr lang="en-US" dirty="0" smtClean="0"/>
+              <a:t>, </a:t>
+            </a:r>
+            <a:r>
+              <a:rPr lang="en-US" dirty="0" err="1" smtClean="0"/>
+              <a:t>packetization</a:t>
+            </a:r>
+            <a:r>
+              <a:rPr lang="en-US" dirty="0" smtClean="0"/>
+              <a:t>, DVB tuners, etc.</a:t>
+            </a:r>
+          </a:p>
+          <a:p>
+            <a:r>
+              <a:rPr lang="en-US" dirty="0" smtClean="0"/>
+              <a:t>Can be used in your application</a:t>
+            </a:r>
+          </a:p>
+          <a:p>
+            <a:pPr lvl="1"/>
+            <a:r>
+              <a:rPr lang="en-US" dirty="0"/>
+              <a:t>e</a:t>
+            </a:r>
+            <a:r>
+              <a:rPr lang="en-US" smtClean="0"/>
+              <a:t>ven </a:t>
+            </a:r>
+            <a:r>
+              <a:rPr lang="en-US" dirty="0" smtClean="0"/>
+              <a:t>if not part of TSDuck</a:t>
+            </a:r>
+            <a:endParaRPr lang="en-US" dirty="0"/>
+          </a:p>
+        </p:txBody>
+      </p:sp>
+      <p:sp>
+        <p:nvSpPr>
+          <p:cNvPr id="3" name="Titre 2"/>
+          <p:cNvSpPr>
+            <a:spLocks noGrp="1"/>
+          </p:cNvSpPr>
+          <p:nvPr>
+            <p:ph type="title"/>
+          </p:nvPr>
+        </p:nvSpPr>
+        <p:spPr/>
+        <p:txBody>
+          <a:bodyPr/>
+          <a:lstStyle/>
+          <a:p>
+            <a:r>
+              <a:rPr lang="en-US" dirty="0" smtClean="0"/>
+              <a:t>The TSDuck library</a:t>
+            </a:r>
+            <a:endParaRPr lang="en-US" dirty="0"/>
+          </a:p>
+        </p:txBody>
+      </p:sp>
+    </p:spTree>
+    <p:extLst>
+      <p:ext uri="{BB962C8B-B14F-4D97-AF65-F5344CB8AC3E}">
+        <p14:creationId xmlns:p14="http://schemas.microsoft.com/office/powerpoint/2010/main" val="1814597134"/>
+      </p:ext>
+    </p:extLst>
+  </p:cSld>
+  <p:clrMapOvr>
+    <a:masterClrMapping/>
+  </p:clrMapOvr>
+  <mc:AlternateContent xmlns:mc="http://schemas.openxmlformats.org/markup-compatibility/2006" xmlns:p14="http://schemas.microsoft.com/office/powerpoint/2010/main">
+    <mc:Choice Requires="p14">
+      <p:transition spd="med" p14:dur="700">
+        <p:fade/>
+      </p:transition>
+    </mc:Choice>
+    <mc:Fallback xmlns="">
+      <p:transition spd="med">
+        <p:fade/>
+      </p:transition>
+    </mc:Fallback>
+  </mc:AlternateContent>
+  <p:timing>
+    <p:tnLst>
+      <p:par>
+        <p:cTn id="1" dur="indefinite" restart="never" nodeType="tmRoot"/>
+      </p:par>
+    </p:tnLst>
+  </p:timing>
+</p:sld>
+</file>
+
+<file path=ppt/slides/slide34.xml><?xml version="1.0" encoding="utf-8"?>
+<p:sld xmlns:a="http://schemas.openxmlformats.org/drawingml/2006/main" xmlns:r="http://schemas.openxmlformats.org/officeDocument/2006/relationships" xmlns:p="http://schemas.openxmlformats.org/presentationml/2006/main">
+  <p:cSld>
+    <p:spTree>
+      <p:nvGrpSpPr>
+        <p:cNvPr id="1" name=""/>
+        <p:cNvGrpSpPr/>
+        <p:nvPr/>
+      </p:nvGrpSpPr>
+      <p:grpSpPr>
+        <a:xfrm>
+          <a:off x="0" y="0"/>
+          <a:ext cx="0" cy="0"/>
+          <a:chOff x="0" y="0"/>
+          <a:chExt cx="0" cy="0"/>
+        </a:xfrm>
+      </p:grpSpPr>
+      <p:sp>
+        <p:nvSpPr>
           <p:cNvPr id="2" name="Espace réservé du contenu 1"/>
           <p:cNvSpPr>
             <a:spLocks noGrp="1"/>
@@ -13458,54 +14260,74 @@
           <a:p>
             <a:r>
               <a:rPr lang="en-US" dirty="0" smtClean="0"/>
-              <a:t>Use Microsoft Visual Studio 2017</a:t>
+              <a:t>Used in an application outside TSDuck</a:t>
+            </a:r>
+          </a:p>
+          <a:p>
+            <a:r>
+              <a:rPr lang="en-US" dirty="0" smtClean="0"/>
+              <a:t>Install the TSDuck development environment</a:t>
             </a:r>
           </a:p>
           <a:p>
             <a:pPr lvl="1"/>
             <a:r>
               <a:rPr lang="en-US" dirty="0" smtClean="0"/>
-              <a:t>Community Edition is free</a:t>
-            </a:r>
-          </a:p>
-          <a:p>
-            <a:r>
-              <a:rPr lang="en-US" dirty="0" smtClean="0"/>
-              <a:t>Modify the application’s </a:t>
+              <a:t>Windows: “Development” option in installer</a:t>
+            </a:r>
+          </a:p>
+          <a:p>
+            <a:pPr lvl="1"/>
+            <a:r>
+              <a:rPr lang="en-US" dirty="0" smtClean="0"/>
+              <a:t>Ubuntu: package </a:t>
+            </a:r>
+            <a:r>
+              <a:rPr lang="en-US" dirty="0" err="1" smtClean="0">
+                <a:latin typeface="Consolas" panose="020B0609020204030204" pitchFamily="49" charset="0"/>
+                <a:cs typeface="Consolas" panose="020B0609020204030204" pitchFamily="49" charset="0"/>
+              </a:rPr>
+              <a:t>tsduck</a:t>
+            </a:r>
+            <a:r>
+              <a:rPr lang="en-US" dirty="0" smtClean="0">
+                <a:latin typeface="Consolas" panose="020B0609020204030204" pitchFamily="49" charset="0"/>
+                <a:cs typeface="Consolas" panose="020B0609020204030204" pitchFamily="49" charset="0"/>
+              </a:rPr>
+              <a:t>-dev</a:t>
+            </a:r>
+          </a:p>
+          <a:p>
+            <a:pPr lvl="1"/>
+            <a:r>
+              <a:rPr lang="en-US" dirty="0" smtClean="0"/>
+              <a:t>Fedora, Red Hat, CentOS: </a:t>
             </a:r>
             <a:r>
               <a:rPr lang="en-US" dirty="0"/>
-              <a:t>project file (</a:t>
-            </a:r>
-            <a:r>
-              <a:rPr lang="en-US" i="1" dirty="0" err="1">
-                <a:latin typeface="Consolas" panose="020B0609020204030204" pitchFamily="49" charset="0"/>
-                <a:cs typeface="Consolas" panose="020B0609020204030204" pitchFamily="49" charset="0"/>
-              </a:rPr>
-              <a:t>app</a:t>
-            </a:r>
-            <a:r>
-              <a:rPr lang="en-US" dirty="0" err="1">
-                <a:latin typeface="Consolas" panose="020B0609020204030204" pitchFamily="49" charset="0"/>
-                <a:cs typeface="Consolas" panose="020B0609020204030204" pitchFamily="49" charset="0"/>
-              </a:rPr>
-              <a:t>.vcxproj</a:t>
-            </a:r>
+              <a:t>package </a:t>
+            </a:r>
+            <a:r>
+              <a:rPr lang="en-US" dirty="0" err="1" smtClean="0">
+                <a:latin typeface="Consolas" panose="020B0609020204030204" pitchFamily="49" charset="0"/>
+                <a:cs typeface="Consolas" panose="020B0609020204030204" pitchFamily="49" charset="0"/>
+              </a:rPr>
+              <a:t>tsduck-devel</a:t>
+            </a:r>
+            <a:endParaRPr lang="en-US" dirty="0" smtClean="0">
+              <a:latin typeface="Consolas" panose="020B0609020204030204" pitchFamily="49" charset="0"/>
+              <a:cs typeface="Consolas" panose="020B0609020204030204" pitchFamily="49" charset="0"/>
+            </a:endParaRPr>
+          </a:p>
+          <a:p>
             <a:r>
               <a:rPr lang="en-US" dirty="0"/>
-              <a:t>)</a:t>
-            </a:r>
-            <a:endParaRPr lang="en-US" dirty="0" smtClean="0"/>
-          </a:p>
-          <a:p>
-            <a:pPr lvl="1"/>
-            <a:r>
-              <a:rPr lang="en-US" dirty="0" smtClean="0"/>
-              <a:t>Add one reference to the TSDuck property file</a:t>
+              <a:t>Typical application source file</a:t>
             </a:r>
           </a:p>
           <a:p>
             <a:pPr lvl="2">
+              <a:buFont typeface="Wingdings" pitchFamily="2" charset="2"/>
               <a:buNone/>
             </a:pPr>
             <a:r>
@@ -13513,36 +14335,422 @@
                 <a:latin typeface="Consolas" panose="020B0609020204030204" pitchFamily="49" charset="0"/>
                 <a:cs typeface="Consolas" panose="020B0609020204030204" pitchFamily="49" charset="0"/>
               </a:rPr>
-              <a:t>&lt;Import Project="$(TSDUCK)\</a:t>
+              <a:t>#include "</a:t>
             </a:r>
             <a:r>
               <a:rPr lang="en-US" sz="1600" b="1" dirty="0" err="1">
                 <a:latin typeface="Consolas" panose="020B0609020204030204" pitchFamily="49" charset="0"/>
                 <a:cs typeface="Consolas" panose="020B0609020204030204" pitchFamily="49" charset="0"/>
               </a:rPr>
-              <a:t>tsduck.props</a:t>
+              <a:t>tsduck.h</a:t>
             </a:r>
             <a:r>
               <a:rPr lang="en-US" sz="1600" b="1" dirty="0">
                 <a:latin typeface="Consolas" panose="020B0609020204030204" pitchFamily="49" charset="0"/>
                 <a:cs typeface="Consolas" panose="020B0609020204030204" pitchFamily="49" charset="0"/>
               </a:rPr>
-              <a:t>" /&gt;</a:t>
+              <a:t>"</a:t>
+            </a:r>
+          </a:p>
+          <a:p>
+            <a:pPr lvl="2">
+              <a:buFont typeface="Wingdings" pitchFamily="2" charset="2"/>
+              <a:buNone/>
+            </a:pPr>
+            <a:r>
+              <a:rPr lang="en-US" sz="1600" b="1" dirty="0">
+                <a:latin typeface="Consolas" panose="020B0609020204030204" pitchFamily="49" charset="0"/>
+                <a:cs typeface="Consolas" panose="020B0609020204030204" pitchFamily="49" charset="0"/>
+              </a:rPr>
+              <a:t>... application code </a:t>
+            </a:r>
+            <a:r>
+              <a:rPr lang="en-US" sz="1600" b="1" dirty="0" smtClean="0">
+                <a:latin typeface="Consolas" panose="020B0609020204030204" pitchFamily="49" charset="0"/>
+                <a:cs typeface="Consolas" panose="020B0609020204030204" pitchFamily="49" charset="0"/>
+              </a:rPr>
+              <a:t>...</a:t>
             </a:r>
             <a:endParaRPr lang="en-US" sz="1600" b="1" dirty="0">
               <a:latin typeface="Consolas" panose="020B0609020204030204" pitchFamily="49" charset="0"/>
               <a:cs typeface="Consolas" panose="020B0609020204030204" pitchFamily="49" charset="0"/>
             </a:endParaRPr>
           </a:p>
+        </p:txBody>
+      </p:sp>
+      <p:sp>
+        <p:nvSpPr>
+          <p:cNvPr id="3" name="Titre 2"/>
+          <p:cNvSpPr>
+            <a:spLocks noGrp="1"/>
+          </p:cNvSpPr>
+          <p:nvPr>
+            <p:ph type="title"/>
+          </p:nvPr>
+        </p:nvSpPr>
+        <p:spPr/>
+        <p:txBody>
+          <a:bodyPr/>
+          <a:lstStyle/>
+          <a:p>
+            <a:r>
+              <a:rPr lang="en-US" dirty="0" smtClean="0"/>
+              <a:t>Using TSDuck as a library</a:t>
+            </a:r>
+            <a:endParaRPr lang="en-US" dirty="0"/>
+          </a:p>
+        </p:txBody>
+      </p:sp>
+    </p:spTree>
+    <p:extLst>
+      <p:ext uri="{BB962C8B-B14F-4D97-AF65-F5344CB8AC3E}">
+        <p14:creationId xmlns:p14="http://schemas.microsoft.com/office/powerpoint/2010/main" val="3719695563"/>
+      </p:ext>
+    </p:extLst>
+  </p:cSld>
+  <p:clrMapOvr>
+    <a:masterClrMapping/>
+  </p:clrMapOvr>
+  <mc:AlternateContent xmlns:mc="http://schemas.openxmlformats.org/markup-compatibility/2006" xmlns:p14="http://schemas.microsoft.com/office/powerpoint/2010/main">
+    <mc:Choice Requires="p14">
+      <p:transition spd="med" p14:dur="700">
+        <p:fade/>
+      </p:transition>
+    </mc:Choice>
+    <mc:Fallback xmlns="">
+      <p:transition spd="med">
+        <p:fade/>
+      </p:transition>
+    </mc:Fallback>
+  </mc:AlternateContent>
+  <p:timing>
+    <p:tnLst>
+      <p:par>
+        <p:cTn id="1" dur="indefinite" restart="never" nodeType="tmRoot"/>
+      </p:par>
+    </p:tnLst>
+  </p:timing>
+</p:sld>
+</file>
+
+<file path=ppt/slides/slide35.xml><?xml version="1.0" encoding="utf-8"?>
+<p:sld xmlns:a="http://schemas.openxmlformats.org/drawingml/2006/main" xmlns:r="http://schemas.openxmlformats.org/officeDocument/2006/relationships" xmlns:p="http://schemas.openxmlformats.org/presentationml/2006/main">
+  <p:cSld>
+    <p:spTree>
+      <p:nvGrpSpPr>
+        <p:cNvPr id="1" name=""/>
+        <p:cNvGrpSpPr/>
+        <p:nvPr/>
+      </p:nvGrpSpPr>
+      <p:grpSpPr>
+        <a:xfrm>
+          <a:off x="0" y="0"/>
+          <a:ext cx="0" cy="0"/>
+          <a:chOff x="0" y="0"/>
+          <a:chExt cx="0" cy="0"/>
+        </a:xfrm>
+      </p:grpSpPr>
+      <p:sp>
+        <p:nvSpPr>
+          <p:cNvPr id="2" name="Espace réservé du contenu 1"/>
+          <p:cNvSpPr>
+            <a:spLocks noGrp="1"/>
+          </p:cNvSpPr>
+          <p:nvPr>
+            <p:ph idx="1"/>
+          </p:nvPr>
+        </p:nvSpPr>
+        <p:spPr/>
+        <p:txBody>
+          <a:bodyPr>
+            <a:normAutofit/>
+          </a:bodyPr>
+          <a:lstStyle/>
+          <a:p>
+            <a:r>
+              <a:rPr lang="en-US" dirty="0" smtClean="0"/>
+              <a:t>Typical Linux Makefile</a:t>
+            </a:r>
+          </a:p>
+          <a:p>
+            <a:pPr lvl="2">
+              <a:buFont typeface="Wingdings" pitchFamily="2" charset="2"/>
+              <a:buNone/>
+            </a:pPr>
+            <a:r>
+              <a:rPr lang="en-US" sz="1600" b="1" dirty="0">
+                <a:latin typeface="Consolas" panose="020B0609020204030204" pitchFamily="49" charset="0"/>
+                <a:cs typeface="Consolas" panose="020B0609020204030204" pitchFamily="49" charset="0"/>
+              </a:rPr>
+              <a:t>include /</a:t>
+            </a:r>
+            <a:r>
+              <a:rPr lang="en-US" sz="1600" b="1" dirty="0" smtClean="0">
+                <a:latin typeface="Consolas" panose="020B0609020204030204" pitchFamily="49" charset="0"/>
+                <a:cs typeface="Consolas" panose="020B0609020204030204" pitchFamily="49" charset="0"/>
+              </a:rPr>
+              <a:t>usr/include/tsduck/tsduck.mk</a:t>
+            </a:r>
+          </a:p>
+          <a:p>
+            <a:pPr lvl="2">
+              <a:buFont typeface="Wingdings" pitchFamily="2" charset="2"/>
+              <a:buNone/>
+            </a:pPr>
+            <a:r>
+              <a:rPr lang="en-US" sz="1600" b="1" i="1" dirty="0" smtClean="0">
+                <a:latin typeface="Consolas" panose="020B0609020204030204" pitchFamily="49" charset="0"/>
+                <a:cs typeface="Consolas" panose="020B0609020204030204" pitchFamily="49" charset="0"/>
+              </a:rPr>
+              <a:t>... application-specific rules ...</a:t>
+            </a:r>
+          </a:p>
+          <a:p>
+            <a:r>
+              <a:rPr lang="en-US" dirty="0"/>
+              <a:t>Typical </a:t>
+            </a:r>
+            <a:r>
+              <a:rPr lang="en-US" dirty="0" smtClean="0"/>
+              <a:t>macOS Makefile</a:t>
+            </a:r>
+            <a:endParaRPr lang="en-US" dirty="0"/>
+          </a:p>
+          <a:p>
+            <a:pPr lvl="2">
+              <a:buFont typeface="Wingdings" pitchFamily="2" charset="2"/>
+              <a:buNone/>
+            </a:pPr>
+            <a:r>
+              <a:rPr lang="en-US" sz="1600" b="1" dirty="0">
+                <a:latin typeface="Consolas" panose="020B0609020204030204" pitchFamily="49" charset="0"/>
+                <a:cs typeface="Consolas" panose="020B0609020204030204" pitchFamily="49" charset="0"/>
+              </a:rPr>
+              <a:t>include /</a:t>
+            </a:r>
+            <a:r>
+              <a:rPr lang="en-US" sz="1600" b="1" dirty="0" smtClean="0">
+                <a:latin typeface="Consolas" panose="020B0609020204030204" pitchFamily="49" charset="0"/>
+                <a:cs typeface="Consolas" panose="020B0609020204030204" pitchFamily="49" charset="0"/>
+              </a:rPr>
+              <a:t>usr/</a:t>
+            </a:r>
+            <a:r>
+              <a:rPr lang="en-US" sz="1600" b="1" dirty="0" smtClean="0">
+                <a:solidFill>
+                  <a:srgbClr val="FF0000"/>
+                </a:solidFill>
+                <a:latin typeface="Consolas" panose="020B0609020204030204" pitchFamily="49" charset="0"/>
+                <a:cs typeface="Consolas" panose="020B0609020204030204" pitchFamily="49" charset="0"/>
+              </a:rPr>
+              <a:t>local</a:t>
+            </a:r>
+            <a:r>
+              <a:rPr lang="en-US" sz="1600" b="1" dirty="0" smtClean="0">
+                <a:latin typeface="Consolas" panose="020B0609020204030204" pitchFamily="49" charset="0"/>
+                <a:cs typeface="Consolas" panose="020B0609020204030204" pitchFamily="49" charset="0"/>
+              </a:rPr>
+              <a:t>/include/tsduck/tsduck.mk</a:t>
+            </a:r>
+            <a:endParaRPr lang="en-US" sz="1600" b="1" dirty="0">
+              <a:latin typeface="Consolas" panose="020B0609020204030204" pitchFamily="49" charset="0"/>
+              <a:cs typeface="Consolas" panose="020B0609020204030204" pitchFamily="49" charset="0"/>
+            </a:endParaRPr>
+          </a:p>
+          <a:p>
+            <a:pPr lvl="2">
+              <a:buFont typeface="Wingdings" pitchFamily="2" charset="2"/>
+              <a:buNone/>
+            </a:pPr>
+            <a:r>
+              <a:rPr lang="en-US" sz="1600" b="1" i="1" dirty="0">
+                <a:latin typeface="Consolas" panose="020B0609020204030204" pitchFamily="49" charset="0"/>
+                <a:cs typeface="Consolas" panose="020B0609020204030204" pitchFamily="49" charset="0"/>
+              </a:rPr>
+              <a:t>... application-specific rules </a:t>
+            </a:r>
+            <a:r>
+              <a:rPr lang="en-US" sz="1600" b="1" i="1" dirty="0" smtClean="0">
+                <a:latin typeface="Consolas" panose="020B0609020204030204" pitchFamily="49" charset="0"/>
+                <a:cs typeface="Consolas" panose="020B0609020204030204" pitchFamily="49" charset="0"/>
+              </a:rPr>
+              <a:t>...</a:t>
+            </a:r>
+            <a:endParaRPr lang="en-US" sz="1600" b="1" i="1" dirty="0">
+              <a:latin typeface="Consolas" panose="020B0609020204030204" pitchFamily="49" charset="0"/>
+              <a:cs typeface="Consolas" panose="020B0609020204030204" pitchFamily="49" charset="0"/>
+            </a:endParaRPr>
+          </a:p>
+        </p:txBody>
+      </p:sp>
+      <p:sp>
+        <p:nvSpPr>
+          <p:cNvPr id="3" name="Titre 2"/>
+          <p:cNvSpPr>
+            <a:spLocks noGrp="1"/>
+          </p:cNvSpPr>
+          <p:nvPr>
+            <p:ph type="title"/>
+          </p:nvPr>
+        </p:nvSpPr>
+        <p:spPr/>
+        <p:txBody>
+          <a:bodyPr/>
+          <a:lstStyle/>
+          <a:p>
+            <a:r>
+              <a:rPr lang="en-US" dirty="0" smtClean="0"/>
+              <a:t>Building with TSDuck library on UNIX</a:t>
+            </a:r>
+            <a:endParaRPr lang="en-US" dirty="0"/>
+          </a:p>
+        </p:txBody>
+      </p:sp>
+    </p:spTree>
+    <p:extLst>
+      <p:ext uri="{BB962C8B-B14F-4D97-AF65-F5344CB8AC3E}">
+        <p14:creationId xmlns:p14="http://schemas.microsoft.com/office/powerpoint/2010/main" val="2242190018"/>
+      </p:ext>
+    </p:extLst>
+  </p:cSld>
+  <p:clrMapOvr>
+    <a:masterClrMapping/>
+  </p:clrMapOvr>
+  <mc:AlternateContent xmlns:mc="http://schemas.openxmlformats.org/markup-compatibility/2006" xmlns:p14="http://schemas.microsoft.com/office/powerpoint/2010/main">
+    <mc:Choice Requires="p14">
+      <p:transition spd="med" p14:dur="700">
+        <p:fade/>
+      </p:transition>
+    </mc:Choice>
+    <mc:Fallback xmlns="">
+      <p:transition spd="med">
+        <p:fade/>
+      </p:transition>
+    </mc:Fallback>
+  </mc:AlternateContent>
+  <p:timing>
+    <p:tnLst>
+      <p:par>
+        <p:cTn id="1" dur="indefinite" restart="never" nodeType="tmRoot"/>
+      </p:par>
+    </p:tnLst>
+  </p:timing>
+</p:sld>
+</file>
+
+<file path=ppt/slides/slide36.xml><?xml version="1.0" encoding="utf-8"?>
+<p:sld xmlns:a="http://schemas.openxmlformats.org/drawingml/2006/main" xmlns:r="http://schemas.openxmlformats.org/officeDocument/2006/relationships" xmlns:p="http://schemas.openxmlformats.org/presentationml/2006/main">
+  <p:cSld>
+    <p:spTree>
+      <p:nvGrpSpPr>
+        <p:cNvPr id="1" name=""/>
+        <p:cNvGrpSpPr/>
+        <p:nvPr/>
+      </p:nvGrpSpPr>
+      <p:grpSpPr>
+        <a:xfrm>
+          <a:off x="0" y="0"/>
+          <a:ext cx="0" cy="0"/>
+          <a:chOff x="0" y="0"/>
+          <a:chExt cx="0" cy="0"/>
+        </a:xfrm>
+      </p:grpSpPr>
+      <p:sp>
+        <p:nvSpPr>
+          <p:cNvPr id="2" name="Espace réservé du contenu 1"/>
+          <p:cNvSpPr>
+            <a:spLocks noGrp="1"/>
+          </p:cNvSpPr>
+          <p:nvPr>
+            <p:ph idx="1"/>
+          </p:nvPr>
+        </p:nvSpPr>
+        <p:spPr/>
+        <p:txBody>
+          <a:bodyPr>
+            <a:normAutofit/>
+          </a:bodyPr>
+          <a:lstStyle/>
+          <a:p>
+            <a:r>
+              <a:rPr lang="en-US" dirty="0" smtClean="0"/>
+              <a:t>Use Microsoft Visual Studio 2017</a:t>
+            </a:r>
+          </a:p>
           <a:p>
             <a:pPr lvl="1"/>
             <a:r>
               <a:rPr lang="en-US" dirty="0" smtClean="0"/>
-              <a:t>Just befor</a:t>
-            </a:r>
-            <a:r>
-              <a:rPr lang="en-US" dirty="0" smtClean="0"/>
-              <a:t>e </a:t>
+              <a:t>Community Edition is free</a:t>
+            </a:r>
+          </a:p>
+          <a:p>
+            <a:r>
+              <a:rPr lang="en-US" dirty="0" smtClean="0"/>
+              <a:t>Modify the application’s </a:t>
+            </a:r>
+            <a:r>
+              <a:rPr lang="en-US" dirty="0"/>
+              <a:t>project file (</a:t>
+            </a:r>
+            <a:r>
+              <a:rPr lang="en-US" i="1" dirty="0" err="1">
+                <a:latin typeface="Consolas" panose="020B0609020204030204" pitchFamily="49" charset="0"/>
+                <a:cs typeface="Consolas" panose="020B0609020204030204" pitchFamily="49" charset="0"/>
+              </a:rPr>
+              <a:t>app</a:t>
+            </a:r>
+            <a:r>
+              <a:rPr lang="en-US" dirty="0" err="1">
+                <a:latin typeface="Consolas" panose="020B0609020204030204" pitchFamily="49" charset="0"/>
+                <a:cs typeface="Consolas" panose="020B0609020204030204" pitchFamily="49" charset="0"/>
+              </a:rPr>
+              <a:t>.vcxproj</a:t>
+            </a:r>
+            <a:r>
+              <a:rPr lang="en-US" dirty="0"/>
+              <a:t>)</a:t>
+            </a:r>
+            <a:endParaRPr lang="en-US" dirty="0" smtClean="0"/>
+          </a:p>
+          <a:p>
+            <a:pPr lvl="1"/>
+            <a:r>
+              <a:rPr lang="en-US" dirty="0" smtClean="0"/>
+              <a:t>Add one reference to the TSDuck property file</a:t>
+            </a:r>
+          </a:p>
+          <a:p>
+            <a:pPr lvl="2">
+              <a:buNone/>
+            </a:pPr>
+            <a:r>
+              <a:rPr lang="en-US" sz="1600" b="1" dirty="0">
+                <a:latin typeface="Consolas" panose="020B0609020204030204" pitchFamily="49" charset="0"/>
+                <a:cs typeface="Consolas" panose="020B0609020204030204" pitchFamily="49" charset="0"/>
+              </a:rPr>
+              <a:t>&lt;Import Project="$(TSDUCK)\</a:t>
+            </a:r>
+            <a:r>
+              <a:rPr lang="en-US" sz="1600" b="1" dirty="0" err="1">
+                <a:latin typeface="Consolas" panose="020B0609020204030204" pitchFamily="49" charset="0"/>
+                <a:cs typeface="Consolas" panose="020B0609020204030204" pitchFamily="49" charset="0"/>
+              </a:rPr>
+              <a:t>tsduck.props</a:t>
+            </a:r>
+            <a:r>
+              <a:rPr lang="en-US" sz="1600" b="1" dirty="0">
+                <a:latin typeface="Consolas" panose="020B0609020204030204" pitchFamily="49" charset="0"/>
+                <a:cs typeface="Consolas" panose="020B0609020204030204" pitchFamily="49" charset="0"/>
+              </a:rPr>
+              <a:t>" /&gt;</a:t>
+            </a:r>
+          </a:p>
+          <a:p>
+            <a:pPr lvl="1"/>
+            <a:r>
+              <a:rPr lang="en-US" dirty="0" smtClean="0"/>
+              <a:t>Just before </a:t>
             </a:r>
             <a:r>
               <a:rPr lang="en-US" dirty="0"/>
@@ -13635,7 +14843,7 @@
 </p:sld>
 </file>
 
-<file path=ppt/slides/slide33.xml><?xml version="1.0" encoding="utf-8"?>
+<file path=ppt/slides/slide37.xml><?xml version="1.0" encoding="utf-8"?>
 <p:sld xmlns:a="http://schemas.openxmlformats.org/drawingml/2006/main" xmlns:r="http://schemas.openxmlformats.org/officeDocument/2006/relationships" xmlns:p="http://schemas.openxmlformats.org/presentationml/2006/main">
   <p:cSld>
     <p:spTree>
@@ -14005,20 +15213,12 @@
                 <a:cs typeface="Consolas" panose="020B0609020204030204" pitchFamily="49" charset="0"/>
                 <a:hlinkClick r:id="rId3"/>
               </a:rPr>
-              <a:t>https://tsduck.github.io</a:t>
+              <a:t>https://tsduck.github.io/</a:t>
             </a:r>
             <a:r>
               <a:rPr lang="en-US" sz="2000" dirty="0">
                 <a:latin typeface="Consolas" panose="020B0609020204030204" pitchFamily="49" charset="0"/>
                 <a:cs typeface="Consolas" panose="020B0609020204030204" pitchFamily="49" charset="0"/>
-                <a:hlinkClick r:id="rId3"/>
-              </a:rPr>
-              <a:t>/</a:t>
-            </a:r>
-            <a:r>
-              <a:rPr lang="en-US" sz="2000" dirty="0">
-                <a:latin typeface="Consolas" panose="020B0609020204030204" pitchFamily="49" charset="0"/>
-                <a:cs typeface="Consolas" panose="020B0609020204030204" pitchFamily="49" charset="0"/>
               </a:rPr>
               <a:t> </a:t>
             </a:r>
@@ -14026,11 +15226,7 @@
           <a:p>
             <a:r>
               <a:rPr lang="en-US" dirty="0" smtClean="0"/>
-              <a:t>Open-source </a:t>
-            </a:r>
-            <a:r>
-              <a:rPr lang="en-US" dirty="0" smtClean="0"/>
-              <a:t>code</a:t>
+              <a:t>Open-source code</a:t>
             </a:r>
           </a:p>
           <a:p>

--- a/doc/tsduck-presentation.pptx
+++ b/doc/tsduck-presentation.pptx
@@ -231,7 +231,7 @@
           <a:p>
             <a:fld id="{C55B0BA7-B0E2-4C07-8528-84B7AE1BAF72}" type="datetimeFigureOut">
               <a:rPr lang="en-US" smtClean="0"/>
-              <a:t>2017-09-15</a:t>
+              <a:t>2017-09-25</a:t>
             </a:fld>
             <a:endParaRPr lang="en-US"/>
           </a:p>
@@ -397,7 +397,7 @@
           <a:p>
             <a:fld id="{66F6DD61-880C-4F33-96A2-51E92479021F}" type="datetimeFigureOut">
               <a:rPr lang="en-US" smtClean="0"/>
-              <a:t>2017-09-15</a:t>
+              <a:t>2017-09-25</a:t>
             </a:fld>
             <a:endParaRPr lang="en-US" dirty="0"/>
           </a:p>
@@ -5383,11 +5383,7 @@
           <a:p>
             <a:r>
               <a:rPr lang="en-US" sz="1700" dirty="0" smtClean="0"/>
-              <a:t>TSDuck Version </a:t>
-            </a:r>
-            <a:r>
-              <a:rPr lang="en-US" sz="1700" dirty="0" smtClean="0"/>
-              <a:t>3.3</a:t>
+              <a:t>TSDuck Version 3.3</a:t>
             </a:r>
             <a:endParaRPr lang="en-US" sz="1700" dirty="0"/>
           </a:p>
@@ -5519,11 +5515,7 @@
           <a:p>
             <a:r>
               <a:rPr lang="en-US" dirty="0" smtClean="0"/>
-              <a:t>TS </a:t>
-            </a:r>
-            <a:r>
-              <a:rPr lang="en-US" dirty="0" smtClean="0"/>
-              <a:t>files recovery</a:t>
+              <a:t>TS files recovery</a:t>
             </a:r>
           </a:p>
           <a:p>
@@ -5709,39 +5701,20 @@
             </a:r>
             <a:r>
               <a:rPr lang="en-US" dirty="0"/>
-              <a:t>: table compiler from XML source files</a:t>
-            </a:r>
-          </a:p>
-          <a:p>
-            <a:pPr lvl="1"/>
-            <a:r>
-              <a:rPr lang="en-US" b="1" i="1" dirty="0" smtClean="0"/>
-              <a:t>tsgentab</a:t>
-            </a:r>
-            <a:r>
-              <a:rPr lang="en-US" dirty="0" smtClean="0"/>
-              <a:t> </a:t>
-            </a:r>
-            <a:r>
-              <a:rPr lang="en-US" dirty="0" smtClean="0"/>
-              <a:t>: generate specific tables using plugins</a:t>
+              <a:t>: table compiler from XML source </a:t>
+            </a:r>
+            <a:r>
+              <a:rPr lang="en-US" dirty="0" smtClean="0"/>
+              <a:t>files</a:t>
             </a:r>
           </a:p>
           <a:p>
             <a:pPr lvl="2"/>
             <a:r>
-              <a:rPr lang="en-US" dirty="0"/>
-              <a:t>n</a:t>
-            </a:r>
-            <a:r>
-              <a:rPr lang="en-US" dirty="0" smtClean="0"/>
-              <a:t>ow deprecated in favor of </a:t>
-            </a:r>
-            <a:r>
-              <a:rPr lang="en-US" i="1" dirty="0" smtClean="0"/>
-              <a:t>tstabcomp</a:t>
-            </a:r>
-            <a:endParaRPr lang="en-US" i="1" dirty="0"/>
+              <a:rPr lang="en-US" dirty="0" smtClean="0"/>
+              <a:t>also a decompiler which generates XML from captured binary tables</a:t>
+            </a:r>
+            <a:endParaRPr lang="en-US" dirty="0"/>
           </a:p>
         </p:txBody>
       </p:sp>
@@ -8494,14 +8467,7 @@
                 <a:latin typeface="Consolas" panose="020B0609020204030204" pitchFamily="49" charset="0"/>
                 <a:cs typeface="Consolas" panose="020B0609020204030204" pitchFamily="49" charset="0"/>
               </a:rPr>
-              <a:t> --uhf 24 --</a:t>
-            </a:r>
-            <a:r>
-              <a:rPr lang="en-US" sz="1800" b="1" dirty="0" smtClean="0">
-                <a:latin typeface="Consolas" panose="020B0609020204030204" pitchFamily="49" charset="0"/>
-                <a:cs typeface="Consolas" panose="020B0609020204030204" pitchFamily="49" charset="0"/>
-              </a:rPr>
-              <a:t>convolution 2/3 --guard 1/32</a:t>
+              <a:t> --uhf 24 --convolution 2/3 --guard 1/32</a:t>
             </a:r>
             <a:endParaRPr lang="en-US" sz="1800" b="1" dirty="0">
               <a:latin typeface="Consolas" panose="020B0609020204030204" pitchFamily="49" charset="0"/>
@@ -10444,11 +10410,7 @@
           <a:p>
             <a:r>
               <a:rPr lang="en-US" dirty="0" smtClean="0"/>
-              <a:t>Transport stream </a:t>
-            </a:r>
-            <a:r>
-              <a:rPr lang="en-US" dirty="0" smtClean="0"/>
-              <a:t>processor</a:t>
+              <a:t>Transport stream processor</a:t>
             </a:r>
           </a:p>
           <a:p>
@@ -10456,7 +10418,6 @@
               <a:rPr lang="en-US" dirty="0" smtClean="0"/>
               <a:t>XML table compiler</a:t>
             </a:r>
-            <a:endParaRPr lang="en-US" dirty="0" smtClean="0"/>
           </a:p>
           <a:p>
             <a:r>
@@ -12531,28 +12492,7 @@
                 <a:latin typeface="Consolas" panose="020B0609020204030204" pitchFamily="49" charset="0"/>
                 <a:cs typeface="Consolas" panose="020B0609020204030204" pitchFamily="49" charset="0"/>
               </a:rPr>
-              <a:t> … </a:t>
-            </a:r>
-            <a:r>
-              <a:rPr lang="en-US" sz="1600" b="1" dirty="0">
-                <a:latin typeface="Consolas" panose="020B0609020204030204" pitchFamily="49" charset="0"/>
-                <a:cs typeface="Consolas" panose="020B0609020204030204" pitchFamily="49" charset="0"/>
-              </a:rPr>
-              <a:t>-</a:t>
-            </a:r>
-            <a:r>
-              <a:rPr lang="en-US" sz="1600" b="1" dirty="0">
-                <a:latin typeface="Consolas" panose="020B0609020204030204" pitchFamily="49" charset="0"/>
-                <a:cs typeface="Consolas" panose="020B0609020204030204" pitchFamily="49" charset="0"/>
-              </a:rPr>
-              <a:t>O </a:t>
-            </a:r>
-            <a:r>
-              <a:rPr lang="en-US" sz="1600" b="1" dirty="0">
-                <a:latin typeface="Consolas" panose="020B0609020204030204" pitchFamily="49" charset="0"/>
-                <a:cs typeface="Consolas" panose="020B0609020204030204" pitchFamily="49" charset="0"/>
-              </a:rPr>
-              <a:t>drop \</a:t>
+              <a:t> … -O drop \</a:t>
             </a:r>
           </a:p>
           <a:p>
@@ -12564,21 +12504,7 @@
                 <a:latin typeface="Consolas" panose="020B0609020204030204" pitchFamily="49" charset="0"/>
                 <a:cs typeface="Consolas" panose="020B0609020204030204" pitchFamily="49" charset="0"/>
               </a:rPr>
-              <a:t> </a:t>
-            </a:r>
-            <a:r>
-              <a:rPr lang="en-US" sz="1600" b="1" dirty="0">
-                <a:latin typeface="Consolas" panose="020B0609020204030204" pitchFamily="49" charset="0"/>
-                <a:cs typeface="Consolas" panose="020B0609020204030204" pitchFamily="49" charset="0"/>
-              </a:rPr>
-              <a:t>   -</a:t>
-            </a:r>
-            <a:r>
-              <a:rPr lang="en-US" sz="1600" b="1" dirty="0">
-                <a:latin typeface="Consolas" panose="020B0609020204030204" pitchFamily="49" charset="0"/>
-                <a:cs typeface="Consolas" panose="020B0609020204030204" pitchFamily="49" charset="0"/>
-              </a:rPr>
-              <a:t>P tables --</a:t>
+              <a:t>    -P tables --</a:t>
             </a:r>
             <a:r>
               <a:rPr lang="en-US" sz="1600" b="1" dirty="0" err="1">
@@ -12720,84 +12646,49 @@
                 <a:latin typeface="Consolas" panose="020B0609020204030204" pitchFamily="49" charset="0"/>
                 <a:cs typeface="Consolas" panose="020B0609020204030204" pitchFamily="49" charset="0"/>
               </a:rPr>
-              <a:t> </a:t>
+              <a:t> … -P inject </a:t>
+            </a:r>
+            <a:r>
+              <a:rPr lang="en-US" sz="1600" b="1" dirty="0" err="1">
+                <a:latin typeface="Consolas" panose="020B0609020204030204" pitchFamily="49" charset="0"/>
+                <a:cs typeface="Consolas" panose="020B0609020204030204" pitchFamily="49" charset="0"/>
+              </a:rPr>
+              <a:t>nit.bin</a:t>
             </a:r>
             <a:r>
               <a:rPr lang="en-US" sz="1600" b="1" dirty="0">
                 <a:latin typeface="Consolas" panose="020B0609020204030204" pitchFamily="49" charset="0"/>
                 <a:cs typeface="Consolas" panose="020B0609020204030204" pitchFamily="49" charset="0"/>
               </a:rPr>
-              <a:t>… -P </a:t>
+              <a:t> --</a:t>
+            </a:r>
+            <a:r>
+              <a:rPr lang="en-US" sz="1600" b="1" dirty="0" err="1">
+                <a:latin typeface="Consolas" panose="020B0609020204030204" pitchFamily="49" charset="0"/>
+                <a:cs typeface="Consolas" panose="020B0609020204030204" pitchFamily="49" charset="0"/>
+              </a:rPr>
+              <a:t>pid</a:t>
             </a:r>
             <a:r>
               <a:rPr lang="en-US" sz="1600" b="1" dirty="0">
                 <a:latin typeface="Consolas" panose="020B0609020204030204" pitchFamily="49" charset="0"/>
                 <a:cs typeface="Consolas" panose="020B0609020204030204" pitchFamily="49" charset="0"/>
               </a:rPr>
-              <a:t>inject </a:t>
+              <a:t> 16 … -O </a:t>
             </a:r>
             <a:r>
               <a:rPr lang="en-US" sz="1600" b="1" dirty="0" err="1">
                 <a:latin typeface="Consolas" panose="020B0609020204030204" pitchFamily="49" charset="0"/>
                 <a:cs typeface="Consolas" panose="020B0609020204030204" pitchFamily="49" charset="0"/>
               </a:rPr>
-              <a:t>nit.bin</a:t>
+              <a:t>dektec</a:t>
             </a:r>
             <a:r>
               <a:rPr lang="en-US" sz="1600" b="1" dirty="0">
                 <a:latin typeface="Consolas" panose="020B0609020204030204" pitchFamily="49" charset="0"/>
                 <a:cs typeface="Consolas" panose="020B0609020204030204" pitchFamily="49" charset="0"/>
               </a:rPr>
-              <a:t> --</a:t>
-            </a:r>
-            <a:r>
-              <a:rPr lang="en-US" sz="1600" b="1" dirty="0" err="1">
-                <a:latin typeface="Consolas" panose="020B0609020204030204" pitchFamily="49" charset="0"/>
-                <a:cs typeface="Consolas" panose="020B0609020204030204" pitchFamily="49" charset="0"/>
-              </a:rPr>
-              <a:t>pid</a:t>
-            </a:r>
-            <a:r>
-              <a:rPr lang="en-US" sz="1600" b="1" dirty="0">
-                <a:latin typeface="Consolas" panose="020B0609020204030204" pitchFamily="49" charset="0"/>
-                <a:cs typeface="Consolas" panose="020B0609020204030204" pitchFamily="49" charset="0"/>
-              </a:rPr>
-              <a:t> 16 </a:t>
-            </a:r>
-            <a:r>
-              <a:rPr lang="en-US" sz="1600" b="1" dirty="0">
-                <a:latin typeface="Consolas" panose="020B0609020204030204" pitchFamily="49" charset="0"/>
-                <a:cs typeface="Consolas" panose="020B0609020204030204" pitchFamily="49" charset="0"/>
-              </a:rPr>
-              <a:t>… -</a:t>
-            </a:r>
-            <a:r>
-              <a:rPr lang="en-US" sz="1600" b="1" dirty="0">
-                <a:latin typeface="Consolas" panose="020B0609020204030204" pitchFamily="49" charset="0"/>
-                <a:cs typeface="Consolas" panose="020B0609020204030204" pitchFamily="49" charset="0"/>
-              </a:rPr>
-              <a:t>O </a:t>
-            </a:r>
-            <a:r>
-              <a:rPr lang="en-US" sz="1600" b="1" dirty="0" err="1">
-                <a:latin typeface="Consolas" panose="020B0609020204030204" pitchFamily="49" charset="0"/>
-                <a:cs typeface="Consolas" panose="020B0609020204030204" pitchFamily="49" charset="0"/>
-              </a:rPr>
-              <a:t>dektec</a:t>
-            </a:r>
-            <a:r>
-              <a:rPr lang="en-US" sz="1600" b="1" dirty="0">
-                <a:latin typeface="Consolas" panose="020B0609020204030204" pitchFamily="49" charset="0"/>
-                <a:cs typeface="Consolas" panose="020B0609020204030204" pitchFamily="49" charset="0"/>
-              </a:rPr>
-              <a:t> </a:t>
-            </a:r>
-            <a:r>
-              <a:rPr lang="en-US" sz="1600" b="1" dirty="0">
-                <a:latin typeface="Consolas" panose="020B0609020204030204" pitchFamily="49" charset="0"/>
-                <a:cs typeface="Consolas" panose="020B0609020204030204" pitchFamily="49" charset="0"/>
-              </a:rPr>
-              <a:t>…</a:t>
+              <a:t> …</a:t>
             </a:r>
           </a:p>
         </p:txBody>
@@ -15195,7 +15086,9 @@
         </p:nvSpPr>
         <p:spPr/>
         <p:txBody>
-          <a:bodyPr/>
+          <a:bodyPr>
+            <a:normAutofit lnSpcReduction="10000"/>
+          </a:bodyPr>
           <a:lstStyle/>
           <a:p>
             <a:r>
@@ -15273,14 +15166,34 @@
           <a:p>
             <a:r>
               <a:rPr lang="en-US" dirty="0" smtClean="0"/>
-              <a:t>Binary installers</a:t>
-            </a:r>
+              <a:t>Installation</a:t>
+            </a:r>
+            <a:endParaRPr lang="en-US" dirty="0" smtClean="0"/>
           </a:p>
           <a:p>
             <a:pPr lvl="1"/>
             <a:r>
-              <a:rPr lang="en-US" dirty="0" smtClean="0"/>
-              <a:t>for Windows, Fedora, Ubuntu</a:t>
+              <a:rPr lang="en-US" dirty="0"/>
+              <a:t>p</a:t>
+            </a:r>
+            <a:r>
+              <a:rPr lang="en-US" dirty="0" smtClean="0"/>
+              <a:t>re-built binary installers for </a:t>
+            </a:r>
+            <a:r>
+              <a:rPr lang="en-US" dirty="0" smtClean="0"/>
+              <a:t>Windows, Fedora, </a:t>
+            </a:r>
+            <a:r>
+              <a:rPr lang="en-US" dirty="0" smtClean="0"/>
+              <a:t>Ubuntu</a:t>
+            </a:r>
+          </a:p>
+          <a:p>
+            <a:pPr lvl="1"/>
+            <a:r>
+              <a:rPr lang="en-US" dirty="0" smtClean="0"/>
+              <a:t>using Homebrew on macOS</a:t>
             </a:r>
             <a:endParaRPr lang="en-US" dirty="0"/>
           </a:p>

--- a/doc/tsduck-presentation.pptx
+++ b/doc/tsduck-presentation.pptx
@@ -233,7 +233,7 @@
           <a:p>
             <a:fld id="{C55B0BA7-B0E2-4C07-8528-84B7AE1BAF72}" type="datetimeFigureOut">
               <a:rPr lang="en-US" smtClean="0"/>
-              <a:t>2018-03-13</a:t>
+              <a:t>2018-03-14</a:t>
             </a:fld>
             <a:endParaRPr lang="en-US"/>
           </a:p>
@@ -399,7 +399,7 @@
           <a:p>
             <a:fld id="{66F6DD61-880C-4F33-96A2-51E92479021F}" type="datetimeFigureOut">
               <a:rPr lang="en-US" smtClean="0"/>
-              <a:t>2018-03-13</a:t>
+              <a:t>2018-03-14</a:t>
             </a:fld>
             <a:endParaRPr lang="en-US" dirty="0"/>
           </a:p>
@@ -5553,11 +5553,7 @@
           <a:p>
             <a:r>
               <a:rPr lang="en-US" sz="1700" dirty="0" smtClean="0"/>
-              <a:t>TSDuck Version </a:t>
-            </a:r>
-            <a:r>
-              <a:rPr lang="en-US" sz="1700" dirty="0" smtClean="0"/>
-              <a:t>3.9</a:t>
+              <a:t>TSDuck Version 3.9</a:t>
             </a:r>
             <a:endParaRPr lang="en-US" sz="1700" dirty="0"/>
           </a:p>
@@ -8069,11 +8065,7 @@
           <a:p>
             <a:r>
               <a:rPr lang="en-US" dirty="0" smtClean="0"/>
-              <a:t>TSP examples (</a:t>
-            </a:r>
-            <a:r>
-              <a:rPr lang="en-US" dirty="0" smtClean="0"/>
-              <a:t>1/5)</a:t>
+              <a:t>TSP examples (1/5)</a:t>
             </a:r>
             <a:endParaRPr lang="en-US" dirty="0"/>
           </a:p>
@@ -8850,11 +8842,7 @@
           <a:p>
             <a:r>
               <a:rPr lang="en-US" dirty="0" smtClean="0"/>
-              <a:t>TSP examples (</a:t>
-            </a:r>
-            <a:r>
-              <a:rPr lang="en-US" dirty="0" smtClean="0"/>
-              <a:t>2/5)</a:t>
+              <a:t>TSP examples (2/5)</a:t>
             </a:r>
             <a:endParaRPr lang="en-US" dirty="0"/>
           </a:p>
@@ -9369,11 +9357,7 @@
           <a:p>
             <a:r>
               <a:rPr lang="en-US" dirty="0" smtClean="0"/>
-              <a:t>TSP examples (</a:t>
-            </a:r>
-            <a:r>
-              <a:rPr lang="en-US" dirty="0" smtClean="0"/>
-              <a:t>3/5)</a:t>
+              <a:t>TSP examples (3/5)</a:t>
             </a:r>
             <a:endParaRPr lang="en-US" dirty="0"/>
           </a:p>
@@ -11539,11 +11523,7 @@
           <a:p>
             <a:r>
               <a:rPr lang="en-US" dirty="0" smtClean="0"/>
-              <a:t>TSP examples (</a:t>
-            </a:r>
-            <a:r>
-              <a:rPr lang="en-US" dirty="0" smtClean="0"/>
-              <a:t>4/5)</a:t>
+              <a:t>TSP examples (4/5)</a:t>
             </a:r>
             <a:endParaRPr lang="en-US" dirty="0"/>
           </a:p>
@@ -11654,7 +11634,6 @@
               <a:rPr lang="en-US" dirty="0" smtClean="0"/>
               <a:t>MPE injection and extraction</a:t>
             </a:r>
-            <a:endParaRPr lang="en-US" dirty="0" smtClean="0"/>
           </a:p>
         </p:txBody>
       </p:sp>
@@ -11675,11 +11654,7 @@
           <a:p>
             <a:r>
               <a:rPr lang="en-US" dirty="0" smtClean="0"/>
-              <a:t>TSP examples </a:t>
-            </a:r>
-            <a:r>
-              <a:rPr lang="en-US" dirty="0" smtClean="0"/>
-              <a:t>(5/5)</a:t>
+              <a:t>TSP examples (5/5)</a:t>
             </a:r>
             <a:endParaRPr lang="en-US" dirty="0"/>
           </a:p>
@@ -13262,14 +13237,7 @@
                 <a:ea typeface="Arial Rounded MT Bold" charset="0"/>
                 <a:cs typeface="Arial Rounded MT Bold" charset="0"/>
               </a:rPr>
-              <a:t>i</a:t>
-            </a:r>
-            <a:r>
-              <a:rPr lang="en-US" sz="1000" b="1" i="1" dirty="0" smtClean="0">
-                <a:ea typeface="Arial Rounded MT Bold" charset="0"/>
-                <a:cs typeface="Arial Rounded MT Bold" charset="0"/>
-              </a:rPr>
-              <a:t>nside existing TS</a:t>
+              <a:t>inside existing TS</a:t>
             </a:r>
           </a:p>
         </p:txBody>
@@ -13831,7 +13799,7 @@
         <p:spPr/>
         <p:txBody>
           <a:bodyPr>
-            <a:normAutofit fontScale="92500" lnSpcReduction="10000"/>
+            <a:normAutofit fontScale="92500" lnSpcReduction="20000"/>
           </a:bodyPr>
           <a:lstStyle/>
           <a:p>
@@ -14004,7 +13972,42 @@
             </a:r>
             <a:r>
               <a:rPr lang="en-US" dirty="0" smtClean="0"/>
-              <a:t> : UDP/IP (unicast or multicast)</a:t>
+              <a:t> : UDP/IP (unicast or multicast</a:t>
+            </a:r>
+            <a:r>
+              <a:rPr lang="en-US" dirty="0" smtClean="0"/>
+              <a:t>)</a:t>
+            </a:r>
+          </a:p>
+          <a:p>
+            <a:pPr lvl="1">
+              <a:lnSpc>
+                <a:spcPct val="90000"/>
+              </a:lnSpc>
+            </a:pPr>
+            <a:r>
+              <a:rPr lang="en-US" b="1" i="1" dirty="0" smtClean="0"/>
+              <a:t>play</a:t>
+            </a:r>
+            <a:r>
+              <a:rPr lang="en-US" dirty="0" smtClean="0"/>
+              <a:t> : render output using VLC, </a:t>
+            </a:r>
+            <a:r>
+              <a:rPr lang="en-US" dirty="0" err="1" smtClean="0"/>
+              <a:t>mplayer</a:t>
+            </a:r>
+            <a:r>
+              <a:rPr lang="en-US" dirty="0" smtClean="0"/>
+              <a:t>, </a:t>
+            </a:r>
+            <a:r>
+              <a:rPr lang="en-US" dirty="0" err="1" smtClean="0"/>
+              <a:t>xine</a:t>
+            </a:r>
+            <a:r>
+              <a:rPr lang="en-US" dirty="0" smtClean="0"/>
+              <a:t>, whichever is available</a:t>
             </a:r>
             <a:endParaRPr lang="en-US" dirty="0"/>
           </a:p>
@@ -14154,11 +14157,7 @@
           <a:p>
             <a:r>
               <a:rPr lang="en-US" dirty="0" smtClean="0"/>
-              <a:t>Any other processing you wish to develop</a:t>
-            </a:r>
-            <a:r>
-              <a:rPr lang="en-US" dirty="0" smtClean="0"/>
-              <a:t>…</a:t>
+              <a:t>Any other processing you wish to develop…</a:t>
             </a:r>
           </a:p>
           <a:p>
@@ -15072,17 +15071,8 @@
           <a:p>
             <a:r>
               <a:rPr lang="en-US" dirty="0" smtClean="0"/>
-              <a:t>Capture </a:t>
-            </a:r>
-            <a:r>
-              <a:rPr lang="en-US" dirty="0" smtClean="0"/>
-              <a:t>a table from a </a:t>
-            </a:r>
-            <a:r>
-              <a:rPr lang="en-US" dirty="0" smtClean="0"/>
-              <a:t>stream directly in XML format</a:t>
-            </a:r>
-            <a:endParaRPr lang="en-US" dirty="0" smtClean="0"/>
+              <a:t>Capture a table from a stream directly in XML format</a:t>
+            </a:r>
           </a:p>
           <a:p>
             <a:pPr marL="628650" lvl="2" indent="0">
@@ -15197,29 +15187,13 @@
           <a:p>
             <a:r>
               <a:rPr lang="en-US" dirty="0" smtClean="0"/>
-              <a:t>Manually </a:t>
-            </a:r>
-            <a:r>
-              <a:rPr lang="en-US" dirty="0" smtClean="0"/>
-              <a:t>edit the XML file with a text editor</a:t>
-            </a:r>
-          </a:p>
-          <a:p>
-            <a:r>
-              <a:rPr lang="en-US" dirty="0" smtClean="0"/>
-              <a:t>Inject </a:t>
-            </a:r>
-            <a:r>
-              <a:rPr lang="en-US" dirty="0" smtClean="0"/>
-              <a:t>the </a:t>
-            </a:r>
-            <a:r>
-              <a:rPr lang="en-US" dirty="0" smtClean="0"/>
-              <a:t>updated XML table </a:t>
-            </a:r>
-            <a:r>
-              <a:rPr lang="en-US" dirty="0" smtClean="0"/>
-              <a:t>in the stream</a:t>
+              <a:t>Manually edit the XML file with a text editor</a:t>
+            </a:r>
+          </a:p>
+          <a:p>
+            <a:r>
+              <a:rPr lang="en-US" dirty="0" smtClean="0"/>
+              <a:t>Inject the updated XML table in the stream</a:t>
             </a:r>
           </a:p>
           <a:p>
@@ -15716,13 +15690,8 @@
             <a:pPr lvl="2"/>
             <a:r>
               <a:rPr lang="en-US" dirty="0" smtClean="0"/>
-              <a:t>DVB tuners and Dektec cards are not supported on </a:t>
-            </a:r>
-            <a:r>
-              <a:rPr lang="en-US" dirty="0" smtClean="0"/>
-              <a:t>macOS</a:t>
-            </a:r>
-            <a:endParaRPr lang="en-US" dirty="0" smtClean="0"/>
+              <a:t>DVB tuners and Dektec cards are not supported on macOS</a:t>
+            </a:r>
           </a:p>
           <a:p>
             <a:pPr lvl="1"/>
@@ -16320,13 +16289,8 @@
             </a:r>
             <a:r>
               <a:rPr lang="en-US" dirty="0" smtClean="0"/>
-              <a:t>ested on Intel 32 &amp; 64 </a:t>
-            </a:r>
-            <a:r>
-              <a:rPr lang="en-US" dirty="0" smtClean="0"/>
-              <a:t>bits (Fedora, Ubuntu), ARM 32 bits (Raspberry Pi)</a:t>
-            </a:r>
-            <a:endParaRPr lang="en-US" dirty="0" smtClean="0"/>
+              <a:t>ested on Intel 32 &amp; 64 bits (Fedora, Ubuntu), ARM 32 bits (Raspberry Pi)</a:t>
+            </a:r>
           </a:p>
           <a:p>
             <a:r>
@@ -16343,13 +16307,8 @@
             </a:r>
             <a:r>
               <a:rPr lang="en-US" dirty="0" smtClean="0"/>
-              <a:t>ested on macOS </a:t>
-            </a:r>
-            <a:r>
-              <a:rPr lang="en-US" dirty="0" smtClean="0"/>
-              <a:t>High Sierra 10.13</a:t>
-            </a:r>
-            <a:endParaRPr lang="en-US" dirty="0" smtClean="0"/>
+              <a:t>ested on macOS High Sierra 10.13</a:t>
+            </a:r>
           </a:p>
           <a:p>
             <a:r>
@@ -16372,11 +16331,7 @@
             <a:pPr lvl="1"/>
             <a:r>
               <a:rPr lang="en-US" dirty="0" smtClean="0"/>
-              <a:t>Microsoft </a:t>
-            </a:r>
-            <a:r>
-              <a:rPr lang="en-US" dirty="0" smtClean="0"/>
-              <a:t>Visual Studio 2017 Community Edition</a:t>
+              <a:t>Microsoft Visual Studio 2017 Community Edition</a:t>
             </a:r>
           </a:p>
           <a:p>
@@ -16405,11 +16360,7 @@
             <a:pPr lvl="2"/>
             <a:r>
               <a:rPr lang="en-US" dirty="0" smtClean="0"/>
-              <a:t>free </a:t>
-            </a:r>
-            <a:r>
-              <a:rPr lang="en-US" dirty="0" smtClean="0"/>
-              <a:t>software,</a:t>
+              <a:t>free software,</a:t>
             </a:r>
           </a:p>
           <a:p>
@@ -16819,11 +16770,7 @@
             </a:r>
             <a:r>
               <a:rPr lang="en-US" dirty="0" smtClean="0"/>
-              <a:t>: </a:t>
-            </a:r>
-            <a:r>
-              <a:rPr lang="en-US" dirty="0" smtClean="0"/>
-              <a:t>package </a:t>
+              <a:t>: package </a:t>
             </a:r>
             <a:r>
               <a:rPr lang="en-US" dirty="0" err="1" smtClean="0">
@@ -17569,15 +17516,7 @@
             </a:pPr>
             <a:r>
               <a:rPr lang="en-US" dirty="0" smtClean="0"/>
-              <a:t>Analysis, edition, injection </a:t>
-            </a:r>
-            <a:r>
-              <a:rPr lang="en-US" dirty="0" smtClean="0"/>
-              <a:t>of PSI / </a:t>
-            </a:r>
-            <a:r>
-              <a:rPr lang="en-US" dirty="0" smtClean="0"/>
-              <a:t>SI</a:t>
+              <a:t>Analysis, edition, injection of PSI / SI</a:t>
             </a:r>
           </a:p>
           <a:p>
@@ -17590,7 +17529,6 @@
               <a:rPr lang="en-US" dirty="0" smtClean="0"/>
               <a:t>using and editing PSI/SI in XML format</a:t>
             </a:r>
-            <a:endParaRPr lang="en-US" dirty="0" smtClean="0"/>
           </a:p>
           <a:p>
             <a:pPr>
@@ -17615,11 +17553,7 @@
             </a:r>
             <a:r>
               <a:rPr lang="en-US" dirty="0" smtClean="0"/>
-              <a:t>acketization of SSU, etc</a:t>
-            </a:r>
-            <a:r>
-              <a:rPr lang="en-US" dirty="0" smtClean="0"/>
-              <a:t>.</a:t>
+              <a:t>acketization of SSU, etc.</a:t>
             </a:r>
           </a:p>
           <a:p>
@@ -17657,11 +17591,7 @@
           <a:p>
             <a:r>
               <a:rPr lang="en-US" dirty="0" smtClean="0"/>
-              <a:t>TSDuck sample </a:t>
-            </a:r>
-            <a:r>
-              <a:rPr lang="en-US" dirty="0" smtClean="0"/>
-              <a:t>usages (1/2)</a:t>
+              <a:t>TSDuck sample usages (1/2)</a:t>
             </a:r>
             <a:endParaRPr lang="en-US" dirty="0"/>
           </a:p>
@@ -17740,11 +17670,7 @@
             </a:pPr>
             <a:r>
               <a:rPr lang="en-US" dirty="0" smtClean="0"/>
-              <a:t>Test </a:t>
-            </a:r>
-            <a:r>
-              <a:rPr lang="en-US" dirty="0" smtClean="0"/>
-              <a:t>bed for CAS or STB</a:t>
+              <a:t>Test bed for CAS or STB</a:t>
             </a:r>
           </a:p>
           <a:p>
@@ -17770,11 +17696,7 @@
             </a:pPr>
             <a:r>
               <a:rPr lang="en-US" dirty="0" smtClean="0"/>
-              <a:t>DVB Scrambling and DVB SimulCrypt </a:t>
-            </a:r>
-            <a:r>
-              <a:rPr lang="en-US" dirty="0" smtClean="0"/>
-              <a:t>support</a:t>
+              <a:t>DVB Scrambling and DVB SimulCrypt support</a:t>
             </a:r>
           </a:p>
           <a:p>
@@ -17809,7 +17731,6 @@
               <a:rPr lang="en-US" dirty="0" smtClean="0"/>
               <a:t>PLP’s (Physical Layer Pipe)</a:t>
             </a:r>
-            <a:endParaRPr lang="en-US" dirty="0" smtClean="0"/>
           </a:p>
           <a:p>
             <a:pPr lvl="1">
@@ -17841,11 +17762,7 @@
             </a:pPr>
             <a:r>
               <a:rPr lang="en-US" dirty="0" smtClean="0"/>
-              <a:t>Any </a:t>
-            </a:r>
-            <a:r>
-              <a:rPr lang="en-US" dirty="0" smtClean="0"/>
-              <a:t>combination of the above and more…</a:t>
+              <a:t>Any combination of the above and more…</a:t>
             </a:r>
             <a:endParaRPr lang="en-US" dirty="0"/>
           </a:p>
@@ -17868,11 +17785,7 @@
           <a:p>
             <a:r>
               <a:rPr lang="en-US" dirty="0" smtClean="0"/>
-              <a:t>TSDuck sample </a:t>
-            </a:r>
-            <a:r>
-              <a:rPr lang="en-US" dirty="0" smtClean="0"/>
-              <a:t>usages (2/2)</a:t>
+              <a:t>TSDuck sample usages (2/2)</a:t>
             </a:r>
             <a:endParaRPr lang="en-US" dirty="0"/>
           </a:p>
@@ -18030,11 +17943,7 @@
             </a:r>
             <a:r>
               <a:rPr lang="en-US" dirty="0" smtClean="0"/>
-              <a:t>re-built binary installers for Windows, Fedora, </a:t>
-            </a:r>
-            <a:r>
-              <a:rPr lang="en-US" dirty="0" smtClean="0"/>
-              <a:t>Ubuntu, </a:t>
+              <a:t>re-built binary installers for Windows, Fedora, Ubuntu, </a:t>
             </a:r>
             <a:r>
               <a:rPr lang="en-US" dirty="0" err="1" smtClean="0"/>

--- a/doc/tsduck-presentation.pptx
+++ b/doc/tsduck-presentation.pptx
@@ -233,7 +233,7 @@
           <a:p>
             <a:fld id="{C55B0BA7-B0E2-4C07-8528-84B7AE1BAF72}" type="datetimeFigureOut">
               <a:rPr lang="en-US" smtClean="0"/>
-              <a:t>2018-03-14</a:t>
+              <a:t>2018-03-22</a:t>
             </a:fld>
             <a:endParaRPr lang="en-US"/>
           </a:p>
@@ -399,7 +399,7 @@
           <a:p>
             <a:fld id="{66F6DD61-880C-4F33-96A2-51E92479021F}" type="datetimeFigureOut">
               <a:rPr lang="en-US" smtClean="0"/>
-              <a:t>2018-03-14</a:t>
+              <a:t>2018-03-22</a:t>
             </a:fld>
             <a:endParaRPr lang="en-US" dirty="0"/>
           </a:p>
@@ -4998,49 +4998,6 @@
           </a:p>
         </p:txBody>
       </p:sp>
-      <p:sp>
-        <p:nvSpPr>
-          <p:cNvPr id="4" name="Slide Number Placeholder 3"/>
-          <p:cNvSpPr>
-            <a:spLocks noGrp="1"/>
-          </p:cNvSpPr>
-          <p:nvPr>
-            <p:ph type="sldNum" sz="quarter" idx="4"/>
-          </p:nvPr>
-        </p:nvSpPr>
-        <p:spPr>
-          <a:xfrm>
-            <a:off x="6569529" y="4755357"/>
-            <a:ext cx="2133600" cy="273844"/>
-          </a:xfrm>
-          <a:prstGeom prst="rect">
-            <a:avLst/>
-          </a:prstGeom>
-        </p:spPr>
-        <p:txBody>
-          <a:bodyPr vert="horz" lIns="91440" tIns="45720" rIns="91440" bIns="45720" rtlCol="0" anchor="ctr"/>
-          <a:lstStyle>
-            <a:lvl1pPr algn="r">
-              <a:defRPr sz="1400" b="0">
-                <a:solidFill>
-                  <a:schemeClr val="tx1">
-                    <a:lumMod val="50000"/>
-                    <a:lumOff val="50000"/>
-                  </a:schemeClr>
-                </a:solidFill>
-              </a:defRPr>
-            </a:lvl1pPr>
-          </a:lstStyle>
-          <a:p>
-            <a:fld id="{86017E7D-AD11-436F-AC23-AEE677ED1018}" type="slidenum">
-              <a:rPr lang="en-US" smtClean="0"/>
-              <a:pPr/>
-              <a:t>‹N°›</a:t>
-            </a:fld>
-            <a:endParaRPr lang="en-US" dirty="0"/>
-          </a:p>
-        </p:txBody>
-      </p:sp>
       <p:pic>
         <p:nvPicPr>
           <p:cNvPr id="5" name="Picture 3" descr="D:\Devel\tsduck\images\tsduck-256.png"/>
@@ -5146,6 +5103,141 @@
           <a:p>
             <a:pPr algn="ctr"/>
             <a:endParaRPr lang="en-US" dirty="0"/>
+          </a:p>
+        </p:txBody>
+      </p:sp>
+      <p:sp>
+        <p:nvSpPr>
+          <p:cNvPr id="7" name="Slide Number Placeholder 3"/>
+          <p:cNvSpPr txBox="1">
+            <a:spLocks/>
+          </p:cNvSpPr>
+          <p:nvPr userDrawn="1"/>
+        </p:nvSpPr>
+        <p:spPr>
+          <a:xfrm>
+            <a:off x="7836242" y="4868166"/>
+            <a:ext cx="1304165" cy="273844"/>
+          </a:xfrm>
+          <a:prstGeom prst="rect">
+            <a:avLst/>
+          </a:prstGeom>
+        </p:spPr>
+        <p:txBody>
+          <a:bodyPr vert="horz" lIns="91440" tIns="45720" rIns="91440" bIns="45720" rtlCol="0" anchor="ctr"/>
+          <a:lstStyle>
+            <a:defPPr>
+              <a:defRPr lang="en-US"/>
+            </a:defPPr>
+            <a:lvl1pPr marL="0" algn="r" defTabSz="914400" rtl="0" eaLnBrk="1" latinLnBrk="0" hangingPunct="1">
+              <a:defRPr sz="1400" b="0" kern="1200">
+                <a:solidFill>
+                  <a:schemeClr val="tx1">
+                    <a:lumMod val="50000"/>
+                    <a:lumOff val="50000"/>
+                  </a:schemeClr>
+                </a:solidFill>
+                <a:latin typeface="+mn-lt"/>
+                <a:ea typeface="+mn-ea"/>
+                <a:cs typeface="+mn-cs"/>
+              </a:defRPr>
+            </a:lvl1pPr>
+            <a:lvl2pPr marL="457200" algn="l" defTabSz="914400" rtl="0" eaLnBrk="1" latinLnBrk="0" hangingPunct="1">
+              <a:defRPr sz="1800" kern="1200">
+                <a:solidFill>
+                  <a:schemeClr val="tx1"/>
+                </a:solidFill>
+                <a:latin typeface="+mn-lt"/>
+                <a:ea typeface="+mn-ea"/>
+                <a:cs typeface="+mn-cs"/>
+              </a:defRPr>
+            </a:lvl2pPr>
+            <a:lvl3pPr marL="914400" algn="l" defTabSz="914400" rtl="0" eaLnBrk="1" latinLnBrk="0" hangingPunct="1">
+              <a:defRPr sz="1800" kern="1200">
+                <a:solidFill>
+                  <a:schemeClr val="tx1"/>
+                </a:solidFill>
+                <a:latin typeface="+mn-lt"/>
+                <a:ea typeface="+mn-ea"/>
+                <a:cs typeface="+mn-cs"/>
+              </a:defRPr>
+            </a:lvl3pPr>
+            <a:lvl4pPr marL="1371600" algn="l" defTabSz="914400" rtl="0" eaLnBrk="1" latinLnBrk="0" hangingPunct="1">
+              <a:defRPr sz="1800" kern="1200">
+                <a:solidFill>
+                  <a:schemeClr val="tx1"/>
+                </a:solidFill>
+                <a:latin typeface="+mn-lt"/>
+                <a:ea typeface="+mn-ea"/>
+                <a:cs typeface="+mn-cs"/>
+              </a:defRPr>
+            </a:lvl4pPr>
+            <a:lvl5pPr marL="1828800" algn="l" defTabSz="914400" rtl="0" eaLnBrk="1" latinLnBrk="0" hangingPunct="1">
+              <a:defRPr sz="1800" kern="1200">
+                <a:solidFill>
+                  <a:schemeClr val="tx1"/>
+                </a:solidFill>
+                <a:latin typeface="+mn-lt"/>
+                <a:ea typeface="+mn-ea"/>
+                <a:cs typeface="+mn-cs"/>
+              </a:defRPr>
+            </a:lvl5pPr>
+            <a:lvl6pPr marL="2286000" algn="l" defTabSz="914400" rtl="0" eaLnBrk="1" latinLnBrk="0" hangingPunct="1">
+              <a:defRPr sz="1800" kern="1200">
+                <a:solidFill>
+                  <a:schemeClr val="tx1"/>
+                </a:solidFill>
+                <a:latin typeface="+mn-lt"/>
+                <a:ea typeface="+mn-ea"/>
+                <a:cs typeface="+mn-cs"/>
+              </a:defRPr>
+            </a:lvl6pPr>
+            <a:lvl7pPr marL="2743200" algn="l" defTabSz="914400" rtl="0" eaLnBrk="1" latinLnBrk="0" hangingPunct="1">
+              <a:defRPr sz="1800" kern="1200">
+                <a:solidFill>
+                  <a:schemeClr val="tx1"/>
+                </a:solidFill>
+                <a:latin typeface="+mn-lt"/>
+                <a:ea typeface="+mn-ea"/>
+                <a:cs typeface="+mn-cs"/>
+              </a:defRPr>
+            </a:lvl7pPr>
+            <a:lvl8pPr marL="3200400" algn="l" defTabSz="914400" rtl="0" eaLnBrk="1" latinLnBrk="0" hangingPunct="1">
+              <a:defRPr sz="1800" kern="1200">
+                <a:solidFill>
+                  <a:schemeClr val="tx1"/>
+                </a:solidFill>
+                <a:latin typeface="+mn-lt"/>
+                <a:ea typeface="+mn-ea"/>
+                <a:cs typeface="+mn-cs"/>
+              </a:defRPr>
+            </a:lvl8pPr>
+            <a:lvl9pPr marL="3657600" algn="l" defTabSz="914400" rtl="0" eaLnBrk="1" latinLnBrk="0" hangingPunct="1">
+              <a:defRPr sz="1800" kern="1200">
+                <a:solidFill>
+                  <a:schemeClr val="tx1"/>
+                </a:solidFill>
+                <a:latin typeface="+mn-lt"/>
+                <a:ea typeface="+mn-ea"/>
+                <a:cs typeface="+mn-cs"/>
+              </a:defRPr>
+            </a:lvl9pPr>
+          </a:lstStyle>
+          <a:p>
+            <a:pPr algn="r"/>
+            <a:r>
+              <a:rPr lang="en-US" sz="1000" b="1" i="0" dirty="0" smtClean="0">
+                <a:solidFill>
+                  <a:srgbClr val="27AE60"/>
+                </a:solidFill>
+              </a:rPr>
+              <a:t>tsduck.github.io</a:t>
+            </a:r>
+            <a:endParaRPr lang="en-US" sz="1000" b="1" i="0" dirty="0">
+              <a:solidFill>
+                <a:srgbClr val="27AE60"/>
+              </a:solidFill>
+            </a:endParaRPr>
           </a:p>
         </p:txBody>
       </p:sp>
@@ -13972,11 +14064,7 @@
             </a:r>
             <a:r>
               <a:rPr lang="en-US" dirty="0" smtClean="0"/>
-              <a:t> : UDP/IP (unicast or multicast</a:t>
-            </a:r>
-            <a:r>
-              <a:rPr lang="en-US" dirty="0" smtClean="0"/>
-              <a:t>)</a:t>
+              <a:t> : UDP/IP (unicast or multicast)</a:t>
             </a:r>
           </a:p>
           <a:p>

--- a/doc/tsduck-presentation.pptx
+++ b/doc/tsduck-presentation.pptx
@@ -233,7 +233,7 @@
           <a:p>
             <a:fld id="{C55B0BA7-B0E2-4C07-8528-84B7AE1BAF72}" type="datetimeFigureOut">
               <a:rPr lang="en-US" smtClean="0"/>
-              <a:t>2018-03-22</a:t>
+              <a:t>2018-05-14</a:t>
             </a:fld>
             <a:endParaRPr lang="en-US"/>
           </a:p>
@@ -399,7 +399,7 @@
           <a:p>
             <a:fld id="{66F6DD61-880C-4F33-96A2-51E92479021F}" type="datetimeFigureOut">
               <a:rPr lang="en-US" smtClean="0"/>
-              <a:t>2018-03-22</a:t>
+              <a:t>2018-05-14</a:t>
             </a:fld>
             <a:endParaRPr lang="en-US" dirty="0"/>
           </a:p>
@@ -5231,7 +5231,7 @@
                   <a:srgbClr val="27AE60"/>
                 </a:solidFill>
               </a:rPr>
-              <a:t>tsduck.github.io</a:t>
+              <a:t>tsduck.io</a:t>
             </a:r>
             <a:endParaRPr lang="en-US" sz="1000" b="1" i="0" dirty="0">
               <a:solidFill>

--- a/doc/tsduck-presentation.pptx
+++ b/doc/tsduck-presentation.pptx
@@ -5,7 +5,7 @@
     <p:sldMasterId id="2147483648" r:id="rId1"/>
   </p:sldMasterIdLst>
   <p:notesMasterIdLst>
-    <p:notesMasterId r:id="rId36"/>
+    <p:notesMasterId r:id="rId37"/>
   </p:notesMasterIdLst>
   <p:sldIdLst>
     <p:sldId id="256" r:id="rId2"/>
@@ -37,11 +37,12 @@
     <p:sldId id="292" r:id="rId28"/>
     <p:sldId id="293" r:id="rId29"/>
     <p:sldId id="294" r:id="rId30"/>
-    <p:sldId id="295" r:id="rId31"/>
-    <p:sldId id="296" r:id="rId32"/>
-    <p:sldId id="297" r:id="rId33"/>
-    <p:sldId id="298" r:id="rId34"/>
-    <p:sldId id="266" r:id="rId35"/>
+    <p:sldId id="299" r:id="rId31"/>
+    <p:sldId id="295" r:id="rId32"/>
+    <p:sldId id="296" r:id="rId33"/>
+    <p:sldId id="297" r:id="rId34"/>
+    <p:sldId id="298" r:id="rId35"/>
+    <p:sldId id="266" r:id="rId36"/>
   </p:sldIdLst>
   <p:sldSz cx="12192000" cy="6858000"/>
   <p:notesSz cx="6858000" cy="9144000"/>
@@ -230,7 +231,7 @@
           <a:p>
             <a:fld id="{75EC9C05-674D-40C4-8612-4B93C7B81E05}" type="datetimeFigureOut">
               <a:rPr lang="en-US" smtClean="0"/>
-              <a:t>2021-04-02</a:t>
+              <a:t>2021-11-02</a:t>
             </a:fld>
             <a:endParaRPr lang="en-US"/>
           </a:p>
@@ -563,9 +564,597 @@
           <a:p>
             <a:fld id="{659CF16A-931A-4FA0-9966-73E38C0BCCFA}" type="slidenum">
               <a:rPr lang="en-US" smtClean="0"/>
+              <a:t>1</a:t>
+            </a:fld>
+            <a:endParaRPr lang="en-US" dirty="0"/>
+          </a:p>
+        </p:txBody>
+      </p:sp>
+    </p:spTree>
+    <p:extLst>
+      <p:ext uri="{BB962C8B-B14F-4D97-AF65-F5344CB8AC3E}">
+        <p14:creationId xmlns:p14="http://schemas.microsoft.com/office/powerpoint/2010/main" val="4093366538"/>
+      </p:ext>
+    </p:extLst>
+  </p:cSld>
+  <p:clrMapOvr>
+    <a:masterClrMapping/>
+  </p:clrMapOvr>
+</p:notes>
+</file>
+
+<file path=ppt/notesSlides/notesSlide10.xml><?xml version="1.0" encoding="utf-8"?>
+<p:notes xmlns:a="http://schemas.openxmlformats.org/drawingml/2006/main" xmlns:r="http://schemas.openxmlformats.org/officeDocument/2006/relationships" xmlns:p="http://schemas.openxmlformats.org/presentationml/2006/main">
+  <p:cSld>
+    <p:spTree>
+      <p:nvGrpSpPr>
+        <p:cNvPr id="1" name=""/>
+        <p:cNvGrpSpPr/>
+        <p:nvPr/>
+      </p:nvGrpSpPr>
+      <p:grpSpPr>
+        <a:xfrm>
+          <a:off x="0" y="0"/>
+          <a:ext cx="0" cy="0"/>
+          <a:chOff x="0" y="0"/>
+          <a:chExt cx="0" cy="0"/>
+        </a:xfrm>
+      </p:grpSpPr>
+      <p:sp>
+        <p:nvSpPr>
+          <p:cNvPr id="2" name="Slide Image Placeholder 1"/>
+          <p:cNvSpPr>
+            <a:spLocks noGrp="1" noRot="1" noChangeAspect="1"/>
+          </p:cNvSpPr>
+          <p:nvPr>
+            <p:ph type="sldImg"/>
+          </p:nvPr>
+        </p:nvSpPr>
+        <p:spPr/>
+      </p:sp>
+      <p:sp>
+        <p:nvSpPr>
+          <p:cNvPr id="3" name="Notes Placeholder 2"/>
+          <p:cNvSpPr>
+            <a:spLocks noGrp="1"/>
+          </p:cNvSpPr>
+          <p:nvPr>
+            <p:ph type="body" idx="1"/>
+          </p:nvPr>
+        </p:nvSpPr>
+        <p:spPr/>
+        <p:txBody>
+          <a:bodyPr/>
+          <a:lstStyle/>
+          <a:p>
+            <a:endParaRPr lang="en-US" dirty="0"/>
+          </a:p>
+        </p:txBody>
+      </p:sp>
+      <p:sp>
+        <p:nvSpPr>
+          <p:cNvPr id="4" name="Slide Number Placeholder 3"/>
+          <p:cNvSpPr>
+            <a:spLocks noGrp="1"/>
+          </p:cNvSpPr>
+          <p:nvPr>
+            <p:ph type="sldNum" sz="quarter" idx="10"/>
+          </p:nvPr>
+        </p:nvSpPr>
+        <p:spPr/>
+        <p:txBody>
+          <a:bodyPr/>
+          <a:lstStyle/>
+          <a:p>
+            <a:fld id="{659CF16A-931A-4FA0-9966-73E38C0BCCFA}" type="slidenum">
+              <a:rPr lang="en-US" smtClean="0"/>
+              <a:t>10</a:t>
+            </a:fld>
+            <a:endParaRPr lang="en-US" dirty="0"/>
+          </a:p>
+        </p:txBody>
+      </p:sp>
+    </p:spTree>
+    <p:extLst>
+      <p:ext uri="{BB962C8B-B14F-4D97-AF65-F5344CB8AC3E}">
+        <p14:creationId xmlns:p14="http://schemas.microsoft.com/office/powerpoint/2010/main" val="1242155766"/>
+      </p:ext>
+    </p:extLst>
+  </p:cSld>
+  <p:clrMapOvr>
+    <a:masterClrMapping/>
+  </p:clrMapOvr>
+</p:notes>
+</file>
+
+<file path=ppt/notesSlides/notesSlide11.xml><?xml version="1.0" encoding="utf-8"?>
+<p:notes xmlns:a="http://schemas.openxmlformats.org/drawingml/2006/main" xmlns:r="http://schemas.openxmlformats.org/officeDocument/2006/relationships" xmlns:p="http://schemas.openxmlformats.org/presentationml/2006/main">
+  <p:cSld>
+    <p:spTree>
+      <p:nvGrpSpPr>
+        <p:cNvPr id="1" name=""/>
+        <p:cNvGrpSpPr/>
+        <p:nvPr/>
+      </p:nvGrpSpPr>
+      <p:grpSpPr>
+        <a:xfrm>
+          <a:off x="0" y="0"/>
+          <a:ext cx="0" cy="0"/>
+          <a:chOff x="0" y="0"/>
+          <a:chExt cx="0" cy="0"/>
+        </a:xfrm>
+      </p:grpSpPr>
+      <p:sp>
+        <p:nvSpPr>
+          <p:cNvPr id="2" name="Slide Image Placeholder 1"/>
+          <p:cNvSpPr>
+            <a:spLocks noGrp="1" noRot="1" noChangeAspect="1"/>
+          </p:cNvSpPr>
+          <p:nvPr>
+            <p:ph type="sldImg"/>
+          </p:nvPr>
+        </p:nvSpPr>
+        <p:spPr/>
+      </p:sp>
+      <p:sp>
+        <p:nvSpPr>
+          <p:cNvPr id="3" name="Notes Placeholder 2"/>
+          <p:cNvSpPr>
+            <a:spLocks noGrp="1"/>
+          </p:cNvSpPr>
+          <p:nvPr>
+            <p:ph type="body" idx="1"/>
+          </p:nvPr>
+        </p:nvSpPr>
+        <p:spPr/>
+        <p:txBody>
+          <a:bodyPr/>
+          <a:lstStyle/>
+          <a:p>
+            <a:endParaRPr lang="en-US" dirty="0"/>
+          </a:p>
+        </p:txBody>
+      </p:sp>
+      <p:sp>
+        <p:nvSpPr>
+          <p:cNvPr id="4" name="Slide Number Placeholder 3"/>
+          <p:cNvSpPr>
+            <a:spLocks noGrp="1"/>
+          </p:cNvSpPr>
+          <p:nvPr>
+            <p:ph type="sldNum" sz="quarter" idx="10"/>
+          </p:nvPr>
+        </p:nvSpPr>
+        <p:spPr/>
+        <p:txBody>
+          <a:bodyPr/>
+          <a:lstStyle/>
+          <a:p>
+            <a:fld id="{659CF16A-931A-4FA0-9966-73E38C0BCCFA}" type="slidenum">
+              <a:rPr lang="en-US" smtClean="0"/>
+              <a:t>11</a:t>
+            </a:fld>
+            <a:endParaRPr lang="en-US" dirty="0"/>
+          </a:p>
+        </p:txBody>
+      </p:sp>
+    </p:spTree>
+    <p:extLst>
+      <p:ext uri="{BB962C8B-B14F-4D97-AF65-F5344CB8AC3E}">
+        <p14:creationId xmlns:p14="http://schemas.microsoft.com/office/powerpoint/2010/main" val="427747915"/>
+      </p:ext>
+    </p:extLst>
+  </p:cSld>
+  <p:clrMapOvr>
+    <a:masterClrMapping/>
+  </p:clrMapOvr>
+</p:notes>
+</file>
+
+<file path=ppt/notesSlides/notesSlide12.xml><?xml version="1.0" encoding="utf-8"?>
+<p:notes xmlns:a="http://schemas.openxmlformats.org/drawingml/2006/main" xmlns:r="http://schemas.openxmlformats.org/officeDocument/2006/relationships" xmlns:p="http://schemas.openxmlformats.org/presentationml/2006/main">
+  <p:cSld>
+    <p:spTree>
+      <p:nvGrpSpPr>
+        <p:cNvPr id="1" name=""/>
+        <p:cNvGrpSpPr/>
+        <p:nvPr/>
+      </p:nvGrpSpPr>
+      <p:grpSpPr>
+        <a:xfrm>
+          <a:off x="0" y="0"/>
+          <a:ext cx="0" cy="0"/>
+          <a:chOff x="0" y="0"/>
+          <a:chExt cx="0" cy="0"/>
+        </a:xfrm>
+      </p:grpSpPr>
+      <p:sp>
+        <p:nvSpPr>
+          <p:cNvPr id="2" name="Slide Image Placeholder 1"/>
+          <p:cNvSpPr>
+            <a:spLocks noGrp="1" noRot="1" noChangeAspect="1"/>
+          </p:cNvSpPr>
+          <p:nvPr>
+            <p:ph type="sldImg"/>
+          </p:nvPr>
+        </p:nvSpPr>
+        <p:spPr/>
+      </p:sp>
+      <p:sp>
+        <p:nvSpPr>
+          <p:cNvPr id="3" name="Notes Placeholder 2"/>
+          <p:cNvSpPr>
+            <a:spLocks noGrp="1"/>
+          </p:cNvSpPr>
+          <p:nvPr>
+            <p:ph type="body" idx="1"/>
+          </p:nvPr>
+        </p:nvSpPr>
+        <p:spPr/>
+        <p:txBody>
+          <a:bodyPr/>
+          <a:lstStyle/>
+          <a:p>
+            <a:endParaRPr lang="en-US" dirty="0"/>
+          </a:p>
+        </p:txBody>
+      </p:sp>
+      <p:sp>
+        <p:nvSpPr>
+          <p:cNvPr id="4" name="Slide Number Placeholder 3"/>
+          <p:cNvSpPr>
+            <a:spLocks noGrp="1"/>
+          </p:cNvSpPr>
+          <p:nvPr>
+            <p:ph type="sldNum" sz="quarter" idx="10"/>
+          </p:nvPr>
+        </p:nvSpPr>
+        <p:spPr/>
+        <p:txBody>
+          <a:bodyPr/>
+          <a:lstStyle/>
+          <a:p>
+            <a:fld id="{659CF16A-931A-4FA0-9966-73E38C0BCCFA}" type="slidenum">
+              <a:rPr lang="en-US" smtClean="0"/>
+              <a:t>12</a:t>
+            </a:fld>
+            <a:endParaRPr lang="en-US" dirty="0"/>
+          </a:p>
+        </p:txBody>
+      </p:sp>
+    </p:spTree>
+    <p:extLst>
+      <p:ext uri="{BB962C8B-B14F-4D97-AF65-F5344CB8AC3E}">
+        <p14:creationId xmlns:p14="http://schemas.microsoft.com/office/powerpoint/2010/main" val="3685614669"/>
+      </p:ext>
+    </p:extLst>
+  </p:cSld>
+  <p:clrMapOvr>
+    <a:masterClrMapping/>
+  </p:clrMapOvr>
+</p:notes>
+</file>
+
+<file path=ppt/notesSlides/notesSlide13.xml><?xml version="1.0" encoding="utf-8"?>
+<p:notes xmlns:a="http://schemas.openxmlformats.org/drawingml/2006/main" xmlns:r="http://schemas.openxmlformats.org/officeDocument/2006/relationships" xmlns:p="http://schemas.openxmlformats.org/presentationml/2006/main">
+  <p:cSld>
+    <p:spTree>
+      <p:nvGrpSpPr>
+        <p:cNvPr id="1" name=""/>
+        <p:cNvGrpSpPr/>
+        <p:nvPr/>
+      </p:nvGrpSpPr>
+      <p:grpSpPr>
+        <a:xfrm>
+          <a:off x="0" y="0"/>
+          <a:ext cx="0" cy="0"/>
+          <a:chOff x="0" y="0"/>
+          <a:chExt cx="0" cy="0"/>
+        </a:xfrm>
+      </p:grpSpPr>
+      <p:sp>
+        <p:nvSpPr>
+          <p:cNvPr id="2" name="Slide Image Placeholder 1"/>
+          <p:cNvSpPr>
+            <a:spLocks noGrp="1" noRot="1" noChangeAspect="1"/>
+          </p:cNvSpPr>
+          <p:nvPr>
+            <p:ph type="sldImg"/>
+          </p:nvPr>
+        </p:nvSpPr>
+        <p:spPr/>
+      </p:sp>
+      <p:sp>
+        <p:nvSpPr>
+          <p:cNvPr id="3" name="Notes Placeholder 2"/>
+          <p:cNvSpPr>
+            <a:spLocks noGrp="1"/>
+          </p:cNvSpPr>
+          <p:nvPr>
+            <p:ph type="body" idx="1"/>
+          </p:nvPr>
+        </p:nvSpPr>
+        <p:spPr/>
+        <p:txBody>
+          <a:bodyPr/>
+          <a:lstStyle/>
+          <a:p>
+            <a:endParaRPr lang="en-US" dirty="0"/>
+          </a:p>
+        </p:txBody>
+      </p:sp>
+      <p:sp>
+        <p:nvSpPr>
+          <p:cNvPr id="4" name="Slide Number Placeholder 3"/>
+          <p:cNvSpPr>
+            <a:spLocks noGrp="1"/>
+          </p:cNvSpPr>
+          <p:nvPr>
+            <p:ph type="sldNum" sz="quarter" idx="10"/>
+          </p:nvPr>
+        </p:nvSpPr>
+        <p:spPr/>
+        <p:txBody>
+          <a:bodyPr/>
+          <a:lstStyle/>
+          <a:p>
+            <a:fld id="{659CF16A-931A-4FA0-9966-73E38C0BCCFA}" type="slidenum">
+              <a:rPr lang="en-US" smtClean="0"/>
+              <a:t>13</a:t>
+            </a:fld>
+            <a:endParaRPr lang="en-US" dirty="0"/>
+          </a:p>
+        </p:txBody>
+      </p:sp>
+    </p:spTree>
+    <p:extLst>
+      <p:ext uri="{BB962C8B-B14F-4D97-AF65-F5344CB8AC3E}">
+        <p14:creationId xmlns:p14="http://schemas.microsoft.com/office/powerpoint/2010/main" val="4015354402"/>
+      </p:ext>
+    </p:extLst>
+  </p:cSld>
+  <p:clrMapOvr>
+    <a:masterClrMapping/>
+  </p:clrMapOvr>
+</p:notes>
+</file>
+
+<file path=ppt/notesSlides/notesSlide14.xml><?xml version="1.0" encoding="utf-8"?>
+<p:notes xmlns:a="http://schemas.openxmlformats.org/drawingml/2006/main" xmlns:r="http://schemas.openxmlformats.org/officeDocument/2006/relationships" xmlns:p="http://schemas.openxmlformats.org/presentationml/2006/main">
+  <p:cSld>
+    <p:spTree>
+      <p:nvGrpSpPr>
+        <p:cNvPr id="1" name=""/>
+        <p:cNvGrpSpPr/>
+        <p:nvPr/>
+      </p:nvGrpSpPr>
+      <p:grpSpPr>
+        <a:xfrm>
+          <a:off x="0" y="0"/>
+          <a:ext cx="0" cy="0"/>
+          <a:chOff x="0" y="0"/>
+          <a:chExt cx="0" cy="0"/>
+        </a:xfrm>
+      </p:grpSpPr>
+      <p:sp>
+        <p:nvSpPr>
+          <p:cNvPr id="2" name="Slide Image Placeholder 1"/>
+          <p:cNvSpPr>
+            <a:spLocks noGrp="1" noRot="1" noChangeAspect="1"/>
+          </p:cNvSpPr>
+          <p:nvPr>
+            <p:ph type="sldImg"/>
+          </p:nvPr>
+        </p:nvSpPr>
+        <p:spPr/>
+      </p:sp>
+      <p:sp>
+        <p:nvSpPr>
+          <p:cNvPr id="3" name="Notes Placeholder 2"/>
+          <p:cNvSpPr>
+            <a:spLocks noGrp="1"/>
+          </p:cNvSpPr>
+          <p:nvPr>
+            <p:ph type="body" idx="1"/>
+          </p:nvPr>
+        </p:nvSpPr>
+        <p:spPr/>
+        <p:txBody>
+          <a:bodyPr/>
+          <a:lstStyle/>
+          <a:p>
+            <a:endParaRPr lang="en-US" dirty="0"/>
+          </a:p>
+        </p:txBody>
+      </p:sp>
+      <p:sp>
+        <p:nvSpPr>
+          <p:cNvPr id="4" name="Slide Number Placeholder 3"/>
+          <p:cNvSpPr>
+            <a:spLocks noGrp="1"/>
+          </p:cNvSpPr>
+          <p:nvPr>
+            <p:ph type="sldNum" sz="quarter" idx="10"/>
+          </p:nvPr>
+        </p:nvSpPr>
+        <p:spPr/>
+        <p:txBody>
+          <a:bodyPr/>
+          <a:lstStyle/>
+          <a:p>
+            <a:fld id="{659CF16A-931A-4FA0-9966-73E38C0BCCFA}" type="slidenum">
+              <a:rPr lang="en-US" smtClean="0"/>
+              <a:t>14</a:t>
+            </a:fld>
+            <a:endParaRPr lang="en-US" dirty="0"/>
+          </a:p>
+        </p:txBody>
+      </p:sp>
+    </p:spTree>
+    <p:extLst>
+      <p:ext uri="{BB962C8B-B14F-4D97-AF65-F5344CB8AC3E}">
+        <p14:creationId xmlns:p14="http://schemas.microsoft.com/office/powerpoint/2010/main" val="3449932535"/>
+      </p:ext>
+    </p:extLst>
+  </p:cSld>
+  <p:clrMapOvr>
+    <a:masterClrMapping/>
+  </p:clrMapOvr>
+</p:notes>
+</file>
+
+<file path=ppt/notesSlides/notesSlide15.xml><?xml version="1.0" encoding="utf-8"?>
+<p:notes xmlns:a="http://schemas.openxmlformats.org/drawingml/2006/main" xmlns:r="http://schemas.openxmlformats.org/officeDocument/2006/relationships" xmlns:p="http://schemas.openxmlformats.org/presentationml/2006/main">
+  <p:cSld>
+    <p:spTree>
+      <p:nvGrpSpPr>
+        <p:cNvPr id="1" name=""/>
+        <p:cNvGrpSpPr/>
+        <p:nvPr/>
+      </p:nvGrpSpPr>
+      <p:grpSpPr>
+        <a:xfrm>
+          <a:off x="0" y="0"/>
+          <a:ext cx="0" cy="0"/>
+          <a:chOff x="0" y="0"/>
+          <a:chExt cx="0" cy="0"/>
+        </a:xfrm>
+      </p:grpSpPr>
+      <p:sp>
+        <p:nvSpPr>
+          <p:cNvPr id="2" name="Slide Image Placeholder 1"/>
+          <p:cNvSpPr>
+            <a:spLocks noGrp="1" noRot="1" noChangeAspect="1"/>
+          </p:cNvSpPr>
+          <p:nvPr>
+            <p:ph type="sldImg"/>
+          </p:nvPr>
+        </p:nvSpPr>
+        <p:spPr/>
+      </p:sp>
+      <p:sp>
+        <p:nvSpPr>
+          <p:cNvPr id="3" name="Notes Placeholder 2"/>
+          <p:cNvSpPr>
+            <a:spLocks noGrp="1"/>
+          </p:cNvSpPr>
+          <p:nvPr>
+            <p:ph type="body" idx="1"/>
+          </p:nvPr>
+        </p:nvSpPr>
+        <p:spPr/>
+        <p:txBody>
+          <a:bodyPr/>
+          <a:lstStyle/>
+          <a:p>
+            <a:endParaRPr lang="en-US" dirty="0"/>
+          </a:p>
+        </p:txBody>
+      </p:sp>
+      <p:sp>
+        <p:nvSpPr>
+          <p:cNvPr id="4" name="Slide Number Placeholder 3"/>
+          <p:cNvSpPr>
+            <a:spLocks noGrp="1"/>
+          </p:cNvSpPr>
+          <p:nvPr>
+            <p:ph type="sldNum" sz="quarter" idx="10"/>
+          </p:nvPr>
+        </p:nvSpPr>
+        <p:spPr/>
+        <p:txBody>
+          <a:bodyPr/>
+          <a:lstStyle/>
+          <a:p>
+            <a:fld id="{659CF16A-931A-4FA0-9966-73E38C0BCCFA}" type="slidenum">
+              <a:rPr lang="en-US" smtClean="0"/>
+              <a:t>15</a:t>
+            </a:fld>
+            <a:endParaRPr lang="en-US" dirty="0"/>
+          </a:p>
+        </p:txBody>
+      </p:sp>
+    </p:spTree>
+    <p:extLst>
+      <p:ext uri="{BB962C8B-B14F-4D97-AF65-F5344CB8AC3E}">
+        <p14:creationId xmlns:p14="http://schemas.microsoft.com/office/powerpoint/2010/main" val="3847240199"/>
+      </p:ext>
+    </p:extLst>
+  </p:cSld>
+  <p:clrMapOvr>
+    <a:masterClrMapping/>
+  </p:clrMapOvr>
+</p:notes>
+</file>
+
+<file path=ppt/notesSlides/notesSlide16.xml><?xml version="1.0" encoding="utf-8"?>
+<p:notes xmlns:a="http://schemas.openxmlformats.org/drawingml/2006/main" xmlns:r="http://schemas.openxmlformats.org/officeDocument/2006/relationships" xmlns:p="http://schemas.openxmlformats.org/presentationml/2006/main">
+  <p:cSld>
+    <p:spTree>
+      <p:nvGrpSpPr>
+        <p:cNvPr id="1" name=""/>
+        <p:cNvGrpSpPr/>
+        <p:nvPr/>
+      </p:nvGrpSpPr>
+      <p:grpSpPr>
+        <a:xfrm>
+          <a:off x="0" y="0"/>
+          <a:ext cx="0" cy="0"/>
+          <a:chOff x="0" y="0"/>
+          <a:chExt cx="0" cy="0"/>
+        </a:xfrm>
+      </p:grpSpPr>
+      <p:sp>
+        <p:nvSpPr>
+          <p:cNvPr id="2" name="Slide Image Placeholder 1"/>
+          <p:cNvSpPr>
+            <a:spLocks noGrp="1" noRot="1" noChangeAspect="1"/>
+          </p:cNvSpPr>
+          <p:nvPr>
+            <p:ph type="sldImg"/>
+          </p:nvPr>
+        </p:nvSpPr>
+        <p:spPr/>
+      </p:sp>
+      <p:sp>
+        <p:nvSpPr>
+          <p:cNvPr id="3" name="Notes Placeholder 2"/>
+          <p:cNvSpPr>
+            <a:spLocks noGrp="1"/>
+          </p:cNvSpPr>
+          <p:nvPr>
+            <p:ph type="body" idx="1"/>
+          </p:nvPr>
+        </p:nvSpPr>
+        <p:spPr/>
+        <p:txBody>
+          <a:bodyPr/>
+          <a:lstStyle/>
+          <a:p>
+            <a:endParaRPr lang="en-US" dirty="0"/>
+          </a:p>
+        </p:txBody>
+      </p:sp>
+      <p:sp>
+        <p:nvSpPr>
+          <p:cNvPr id="4" name="Slide Number Placeholder 3"/>
+          <p:cNvSpPr>
+            <a:spLocks noGrp="1"/>
+          </p:cNvSpPr>
+          <p:nvPr>
+            <p:ph type="sldNum" sz="quarter" idx="10"/>
+          </p:nvPr>
+        </p:nvSpPr>
+        <p:spPr/>
+        <p:txBody>
+          <a:bodyPr/>
+          <a:lstStyle/>
+          <a:p>
+            <a:fld id="{659CF16A-931A-4FA0-9966-73E38C0BCCFA}" type="slidenum">
+              <a:rPr lang="en-US" smtClean="0"/>
               <a:t>16</a:t>
             </a:fld>
-            <a:endParaRPr lang="en-US"/>
+            <a:endParaRPr lang="en-US" dirty="0"/>
           </a:p>
         </p:txBody>
       </p:sp>
@@ -573,6 +1162,2190 @@
     <p:extLst>
       <p:ext uri="{BB962C8B-B14F-4D97-AF65-F5344CB8AC3E}">
         <p14:creationId xmlns:p14="http://schemas.microsoft.com/office/powerpoint/2010/main" val="4025229639"/>
+      </p:ext>
+    </p:extLst>
+  </p:cSld>
+  <p:clrMapOvr>
+    <a:masterClrMapping/>
+  </p:clrMapOvr>
+</p:notes>
+</file>
+
+<file path=ppt/notesSlides/notesSlide17.xml><?xml version="1.0" encoding="utf-8"?>
+<p:notes xmlns:a="http://schemas.openxmlformats.org/drawingml/2006/main" xmlns:r="http://schemas.openxmlformats.org/officeDocument/2006/relationships" xmlns:p="http://schemas.openxmlformats.org/presentationml/2006/main">
+  <p:cSld>
+    <p:spTree>
+      <p:nvGrpSpPr>
+        <p:cNvPr id="1" name=""/>
+        <p:cNvGrpSpPr/>
+        <p:nvPr/>
+      </p:nvGrpSpPr>
+      <p:grpSpPr>
+        <a:xfrm>
+          <a:off x="0" y="0"/>
+          <a:ext cx="0" cy="0"/>
+          <a:chOff x="0" y="0"/>
+          <a:chExt cx="0" cy="0"/>
+        </a:xfrm>
+      </p:grpSpPr>
+      <p:sp>
+        <p:nvSpPr>
+          <p:cNvPr id="2" name="Slide Image Placeholder 1"/>
+          <p:cNvSpPr>
+            <a:spLocks noGrp="1" noRot="1" noChangeAspect="1"/>
+          </p:cNvSpPr>
+          <p:nvPr>
+            <p:ph type="sldImg"/>
+          </p:nvPr>
+        </p:nvSpPr>
+        <p:spPr/>
+      </p:sp>
+      <p:sp>
+        <p:nvSpPr>
+          <p:cNvPr id="3" name="Notes Placeholder 2"/>
+          <p:cNvSpPr>
+            <a:spLocks noGrp="1"/>
+          </p:cNvSpPr>
+          <p:nvPr>
+            <p:ph type="body" idx="1"/>
+          </p:nvPr>
+        </p:nvSpPr>
+        <p:spPr/>
+        <p:txBody>
+          <a:bodyPr/>
+          <a:lstStyle/>
+          <a:p>
+            <a:endParaRPr lang="en-US" dirty="0"/>
+          </a:p>
+        </p:txBody>
+      </p:sp>
+      <p:sp>
+        <p:nvSpPr>
+          <p:cNvPr id="4" name="Slide Number Placeholder 3"/>
+          <p:cNvSpPr>
+            <a:spLocks noGrp="1"/>
+          </p:cNvSpPr>
+          <p:nvPr>
+            <p:ph type="sldNum" sz="quarter" idx="10"/>
+          </p:nvPr>
+        </p:nvSpPr>
+        <p:spPr/>
+        <p:txBody>
+          <a:bodyPr/>
+          <a:lstStyle/>
+          <a:p>
+            <a:fld id="{659CF16A-931A-4FA0-9966-73E38C0BCCFA}" type="slidenum">
+              <a:rPr lang="en-US" smtClean="0"/>
+              <a:t>17</a:t>
+            </a:fld>
+            <a:endParaRPr lang="en-US" dirty="0"/>
+          </a:p>
+        </p:txBody>
+      </p:sp>
+    </p:spTree>
+    <p:extLst>
+      <p:ext uri="{BB962C8B-B14F-4D97-AF65-F5344CB8AC3E}">
+        <p14:creationId xmlns:p14="http://schemas.microsoft.com/office/powerpoint/2010/main" val="141287396"/>
+      </p:ext>
+    </p:extLst>
+  </p:cSld>
+  <p:clrMapOvr>
+    <a:masterClrMapping/>
+  </p:clrMapOvr>
+</p:notes>
+</file>
+
+<file path=ppt/notesSlides/notesSlide18.xml><?xml version="1.0" encoding="utf-8"?>
+<p:notes xmlns:a="http://schemas.openxmlformats.org/drawingml/2006/main" xmlns:r="http://schemas.openxmlformats.org/officeDocument/2006/relationships" xmlns:p="http://schemas.openxmlformats.org/presentationml/2006/main">
+  <p:cSld>
+    <p:spTree>
+      <p:nvGrpSpPr>
+        <p:cNvPr id="1" name=""/>
+        <p:cNvGrpSpPr/>
+        <p:nvPr/>
+      </p:nvGrpSpPr>
+      <p:grpSpPr>
+        <a:xfrm>
+          <a:off x="0" y="0"/>
+          <a:ext cx="0" cy="0"/>
+          <a:chOff x="0" y="0"/>
+          <a:chExt cx="0" cy="0"/>
+        </a:xfrm>
+      </p:grpSpPr>
+      <p:sp>
+        <p:nvSpPr>
+          <p:cNvPr id="2" name="Slide Image Placeholder 1"/>
+          <p:cNvSpPr>
+            <a:spLocks noGrp="1" noRot="1" noChangeAspect="1"/>
+          </p:cNvSpPr>
+          <p:nvPr>
+            <p:ph type="sldImg"/>
+          </p:nvPr>
+        </p:nvSpPr>
+        <p:spPr/>
+      </p:sp>
+      <p:sp>
+        <p:nvSpPr>
+          <p:cNvPr id="3" name="Notes Placeholder 2"/>
+          <p:cNvSpPr>
+            <a:spLocks noGrp="1"/>
+          </p:cNvSpPr>
+          <p:nvPr>
+            <p:ph type="body" idx="1"/>
+          </p:nvPr>
+        </p:nvSpPr>
+        <p:spPr/>
+        <p:txBody>
+          <a:bodyPr/>
+          <a:lstStyle/>
+          <a:p>
+            <a:endParaRPr lang="en-US" dirty="0"/>
+          </a:p>
+        </p:txBody>
+      </p:sp>
+      <p:sp>
+        <p:nvSpPr>
+          <p:cNvPr id="4" name="Slide Number Placeholder 3"/>
+          <p:cNvSpPr>
+            <a:spLocks noGrp="1"/>
+          </p:cNvSpPr>
+          <p:nvPr>
+            <p:ph type="sldNum" sz="quarter" idx="10"/>
+          </p:nvPr>
+        </p:nvSpPr>
+        <p:spPr/>
+        <p:txBody>
+          <a:bodyPr/>
+          <a:lstStyle/>
+          <a:p>
+            <a:fld id="{659CF16A-931A-4FA0-9966-73E38C0BCCFA}" type="slidenum">
+              <a:rPr lang="en-US" smtClean="0"/>
+              <a:t>18</a:t>
+            </a:fld>
+            <a:endParaRPr lang="en-US" dirty="0"/>
+          </a:p>
+        </p:txBody>
+      </p:sp>
+    </p:spTree>
+    <p:extLst>
+      <p:ext uri="{BB962C8B-B14F-4D97-AF65-F5344CB8AC3E}">
+        <p14:creationId xmlns:p14="http://schemas.microsoft.com/office/powerpoint/2010/main" val="2978556111"/>
+      </p:ext>
+    </p:extLst>
+  </p:cSld>
+  <p:clrMapOvr>
+    <a:masterClrMapping/>
+  </p:clrMapOvr>
+</p:notes>
+</file>
+
+<file path=ppt/notesSlides/notesSlide19.xml><?xml version="1.0" encoding="utf-8"?>
+<p:notes xmlns:a="http://schemas.openxmlformats.org/drawingml/2006/main" xmlns:r="http://schemas.openxmlformats.org/officeDocument/2006/relationships" xmlns:p="http://schemas.openxmlformats.org/presentationml/2006/main">
+  <p:cSld>
+    <p:spTree>
+      <p:nvGrpSpPr>
+        <p:cNvPr id="1" name=""/>
+        <p:cNvGrpSpPr/>
+        <p:nvPr/>
+      </p:nvGrpSpPr>
+      <p:grpSpPr>
+        <a:xfrm>
+          <a:off x="0" y="0"/>
+          <a:ext cx="0" cy="0"/>
+          <a:chOff x="0" y="0"/>
+          <a:chExt cx="0" cy="0"/>
+        </a:xfrm>
+      </p:grpSpPr>
+      <p:sp>
+        <p:nvSpPr>
+          <p:cNvPr id="2" name="Slide Image Placeholder 1"/>
+          <p:cNvSpPr>
+            <a:spLocks noGrp="1" noRot="1" noChangeAspect="1"/>
+          </p:cNvSpPr>
+          <p:nvPr>
+            <p:ph type="sldImg"/>
+          </p:nvPr>
+        </p:nvSpPr>
+        <p:spPr/>
+      </p:sp>
+      <p:sp>
+        <p:nvSpPr>
+          <p:cNvPr id="3" name="Notes Placeholder 2"/>
+          <p:cNvSpPr>
+            <a:spLocks noGrp="1"/>
+          </p:cNvSpPr>
+          <p:nvPr>
+            <p:ph type="body" idx="1"/>
+          </p:nvPr>
+        </p:nvSpPr>
+        <p:spPr/>
+        <p:txBody>
+          <a:bodyPr/>
+          <a:lstStyle/>
+          <a:p>
+            <a:endParaRPr lang="en-US" dirty="0"/>
+          </a:p>
+        </p:txBody>
+      </p:sp>
+      <p:sp>
+        <p:nvSpPr>
+          <p:cNvPr id="4" name="Slide Number Placeholder 3"/>
+          <p:cNvSpPr>
+            <a:spLocks noGrp="1"/>
+          </p:cNvSpPr>
+          <p:nvPr>
+            <p:ph type="sldNum" sz="quarter" idx="10"/>
+          </p:nvPr>
+        </p:nvSpPr>
+        <p:spPr/>
+        <p:txBody>
+          <a:bodyPr/>
+          <a:lstStyle/>
+          <a:p>
+            <a:fld id="{659CF16A-931A-4FA0-9966-73E38C0BCCFA}" type="slidenum">
+              <a:rPr lang="en-US" smtClean="0"/>
+              <a:t>19</a:t>
+            </a:fld>
+            <a:endParaRPr lang="en-US" dirty="0"/>
+          </a:p>
+        </p:txBody>
+      </p:sp>
+    </p:spTree>
+    <p:extLst>
+      <p:ext uri="{BB962C8B-B14F-4D97-AF65-F5344CB8AC3E}">
+        <p14:creationId xmlns:p14="http://schemas.microsoft.com/office/powerpoint/2010/main" val="2459284223"/>
+      </p:ext>
+    </p:extLst>
+  </p:cSld>
+  <p:clrMapOvr>
+    <a:masterClrMapping/>
+  </p:clrMapOvr>
+</p:notes>
+</file>
+
+<file path=ppt/notesSlides/notesSlide2.xml><?xml version="1.0" encoding="utf-8"?>
+<p:notes xmlns:a="http://schemas.openxmlformats.org/drawingml/2006/main" xmlns:r="http://schemas.openxmlformats.org/officeDocument/2006/relationships" xmlns:p="http://schemas.openxmlformats.org/presentationml/2006/main">
+  <p:cSld>
+    <p:spTree>
+      <p:nvGrpSpPr>
+        <p:cNvPr id="1" name=""/>
+        <p:cNvGrpSpPr/>
+        <p:nvPr/>
+      </p:nvGrpSpPr>
+      <p:grpSpPr>
+        <a:xfrm>
+          <a:off x="0" y="0"/>
+          <a:ext cx="0" cy="0"/>
+          <a:chOff x="0" y="0"/>
+          <a:chExt cx="0" cy="0"/>
+        </a:xfrm>
+      </p:grpSpPr>
+      <p:sp>
+        <p:nvSpPr>
+          <p:cNvPr id="2" name="Slide Image Placeholder 1"/>
+          <p:cNvSpPr>
+            <a:spLocks noGrp="1" noRot="1" noChangeAspect="1"/>
+          </p:cNvSpPr>
+          <p:nvPr>
+            <p:ph type="sldImg"/>
+          </p:nvPr>
+        </p:nvSpPr>
+        <p:spPr/>
+      </p:sp>
+      <p:sp>
+        <p:nvSpPr>
+          <p:cNvPr id="3" name="Notes Placeholder 2"/>
+          <p:cNvSpPr>
+            <a:spLocks noGrp="1"/>
+          </p:cNvSpPr>
+          <p:nvPr>
+            <p:ph type="body" idx="1"/>
+          </p:nvPr>
+        </p:nvSpPr>
+        <p:spPr/>
+        <p:txBody>
+          <a:bodyPr/>
+          <a:lstStyle/>
+          <a:p>
+            <a:endParaRPr lang="en-US" dirty="0"/>
+          </a:p>
+        </p:txBody>
+      </p:sp>
+      <p:sp>
+        <p:nvSpPr>
+          <p:cNvPr id="4" name="Slide Number Placeholder 3"/>
+          <p:cNvSpPr>
+            <a:spLocks noGrp="1"/>
+          </p:cNvSpPr>
+          <p:nvPr>
+            <p:ph type="sldNum" sz="quarter" idx="10"/>
+          </p:nvPr>
+        </p:nvSpPr>
+        <p:spPr/>
+        <p:txBody>
+          <a:bodyPr/>
+          <a:lstStyle/>
+          <a:p>
+            <a:fld id="{659CF16A-931A-4FA0-9966-73E38C0BCCFA}" type="slidenum">
+              <a:rPr lang="en-US" smtClean="0"/>
+              <a:t>2</a:t>
+            </a:fld>
+            <a:endParaRPr lang="en-US" dirty="0"/>
+          </a:p>
+        </p:txBody>
+      </p:sp>
+    </p:spTree>
+    <p:extLst>
+      <p:ext uri="{BB962C8B-B14F-4D97-AF65-F5344CB8AC3E}">
+        <p14:creationId xmlns:p14="http://schemas.microsoft.com/office/powerpoint/2010/main" val="2962648420"/>
+      </p:ext>
+    </p:extLst>
+  </p:cSld>
+  <p:clrMapOvr>
+    <a:masterClrMapping/>
+  </p:clrMapOvr>
+</p:notes>
+</file>
+
+<file path=ppt/notesSlides/notesSlide20.xml><?xml version="1.0" encoding="utf-8"?>
+<p:notes xmlns:a="http://schemas.openxmlformats.org/drawingml/2006/main" xmlns:r="http://schemas.openxmlformats.org/officeDocument/2006/relationships" xmlns:p="http://schemas.openxmlformats.org/presentationml/2006/main">
+  <p:cSld>
+    <p:spTree>
+      <p:nvGrpSpPr>
+        <p:cNvPr id="1" name=""/>
+        <p:cNvGrpSpPr/>
+        <p:nvPr/>
+      </p:nvGrpSpPr>
+      <p:grpSpPr>
+        <a:xfrm>
+          <a:off x="0" y="0"/>
+          <a:ext cx="0" cy="0"/>
+          <a:chOff x="0" y="0"/>
+          <a:chExt cx="0" cy="0"/>
+        </a:xfrm>
+      </p:grpSpPr>
+      <p:sp>
+        <p:nvSpPr>
+          <p:cNvPr id="2" name="Slide Image Placeholder 1"/>
+          <p:cNvSpPr>
+            <a:spLocks noGrp="1" noRot="1" noChangeAspect="1"/>
+          </p:cNvSpPr>
+          <p:nvPr>
+            <p:ph type="sldImg"/>
+          </p:nvPr>
+        </p:nvSpPr>
+        <p:spPr/>
+      </p:sp>
+      <p:sp>
+        <p:nvSpPr>
+          <p:cNvPr id="3" name="Notes Placeholder 2"/>
+          <p:cNvSpPr>
+            <a:spLocks noGrp="1"/>
+          </p:cNvSpPr>
+          <p:nvPr>
+            <p:ph type="body" idx="1"/>
+          </p:nvPr>
+        </p:nvSpPr>
+        <p:spPr/>
+        <p:txBody>
+          <a:bodyPr/>
+          <a:lstStyle/>
+          <a:p>
+            <a:endParaRPr lang="en-US" dirty="0"/>
+          </a:p>
+        </p:txBody>
+      </p:sp>
+      <p:sp>
+        <p:nvSpPr>
+          <p:cNvPr id="4" name="Slide Number Placeholder 3"/>
+          <p:cNvSpPr>
+            <a:spLocks noGrp="1"/>
+          </p:cNvSpPr>
+          <p:nvPr>
+            <p:ph type="sldNum" sz="quarter" idx="10"/>
+          </p:nvPr>
+        </p:nvSpPr>
+        <p:spPr/>
+        <p:txBody>
+          <a:bodyPr/>
+          <a:lstStyle/>
+          <a:p>
+            <a:fld id="{659CF16A-931A-4FA0-9966-73E38C0BCCFA}" type="slidenum">
+              <a:rPr lang="en-US" smtClean="0"/>
+              <a:t>20</a:t>
+            </a:fld>
+            <a:endParaRPr lang="en-US" dirty="0"/>
+          </a:p>
+        </p:txBody>
+      </p:sp>
+    </p:spTree>
+    <p:extLst>
+      <p:ext uri="{BB962C8B-B14F-4D97-AF65-F5344CB8AC3E}">
+        <p14:creationId xmlns:p14="http://schemas.microsoft.com/office/powerpoint/2010/main" val="2608803874"/>
+      </p:ext>
+    </p:extLst>
+  </p:cSld>
+  <p:clrMapOvr>
+    <a:masterClrMapping/>
+  </p:clrMapOvr>
+</p:notes>
+</file>
+
+<file path=ppt/notesSlides/notesSlide21.xml><?xml version="1.0" encoding="utf-8"?>
+<p:notes xmlns:a="http://schemas.openxmlformats.org/drawingml/2006/main" xmlns:r="http://schemas.openxmlformats.org/officeDocument/2006/relationships" xmlns:p="http://schemas.openxmlformats.org/presentationml/2006/main">
+  <p:cSld>
+    <p:spTree>
+      <p:nvGrpSpPr>
+        <p:cNvPr id="1" name=""/>
+        <p:cNvGrpSpPr/>
+        <p:nvPr/>
+      </p:nvGrpSpPr>
+      <p:grpSpPr>
+        <a:xfrm>
+          <a:off x="0" y="0"/>
+          <a:ext cx="0" cy="0"/>
+          <a:chOff x="0" y="0"/>
+          <a:chExt cx="0" cy="0"/>
+        </a:xfrm>
+      </p:grpSpPr>
+      <p:sp>
+        <p:nvSpPr>
+          <p:cNvPr id="2" name="Slide Image Placeholder 1"/>
+          <p:cNvSpPr>
+            <a:spLocks noGrp="1" noRot="1" noChangeAspect="1"/>
+          </p:cNvSpPr>
+          <p:nvPr>
+            <p:ph type="sldImg"/>
+          </p:nvPr>
+        </p:nvSpPr>
+        <p:spPr/>
+      </p:sp>
+      <p:sp>
+        <p:nvSpPr>
+          <p:cNvPr id="3" name="Notes Placeholder 2"/>
+          <p:cNvSpPr>
+            <a:spLocks noGrp="1"/>
+          </p:cNvSpPr>
+          <p:nvPr>
+            <p:ph type="body" idx="1"/>
+          </p:nvPr>
+        </p:nvSpPr>
+        <p:spPr/>
+        <p:txBody>
+          <a:bodyPr/>
+          <a:lstStyle/>
+          <a:p>
+            <a:endParaRPr lang="en-US" dirty="0"/>
+          </a:p>
+        </p:txBody>
+      </p:sp>
+      <p:sp>
+        <p:nvSpPr>
+          <p:cNvPr id="4" name="Slide Number Placeholder 3"/>
+          <p:cNvSpPr>
+            <a:spLocks noGrp="1"/>
+          </p:cNvSpPr>
+          <p:nvPr>
+            <p:ph type="sldNum" sz="quarter" idx="10"/>
+          </p:nvPr>
+        </p:nvSpPr>
+        <p:spPr/>
+        <p:txBody>
+          <a:bodyPr/>
+          <a:lstStyle/>
+          <a:p>
+            <a:fld id="{659CF16A-931A-4FA0-9966-73E38C0BCCFA}" type="slidenum">
+              <a:rPr lang="en-US" smtClean="0"/>
+              <a:t>21</a:t>
+            </a:fld>
+            <a:endParaRPr lang="en-US" dirty="0"/>
+          </a:p>
+        </p:txBody>
+      </p:sp>
+    </p:spTree>
+    <p:extLst>
+      <p:ext uri="{BB962C8B-B14F-4D97-AF65-F5344CB8AC3E}">
+        <p14:creationId xmlns:p14="http://schemas.microsoft.com/office/powerpoint/2010/main" val="2883494624"/>
+      </p:ext>
+    </p:extLst>
+  </p:cSld>
+  <p:clrMapOvr>
+    <a:masterClrMapping/>
+  </p:clrMapOvr>
+</p:notes>
+</file>
+
+<file path=ppt/notesSlides/notesSlide22.xml><?xml version="1.0" encoding="utf-8"?>
+<p:notes xmlns:a="http://schemas.openxmlformats.org/drawingml/2006/main" xmlns:r="http://schemas.openxmlformats.org/officeDocument/2006/relationships" xmlns:p="http://schemas.openxmlformats.org/presentationml/2006/main">
+  <p:cSld>
+    <p:spTree>
+      <p:nvGrpSpPr>
+        <p:cNvPr id="1" name=""/>
+        <p:cNvGrpSpPr/>
+        <p:nvPr/>
+      </p:nvGrpSpPr>
+      <p:grpSpPr>
+        <a:xfrm>
+          <a:off x="0" y="0"/>
+          <a:ext cx="0" cy="0"/>
+          <a:chOff x="0" y="0"/>
+          <a:chExt cx="0" cy="0"/>
+        </a:xfrm>
+      </p:grpSpPr>
+      <p:sp>
+        <p:nvSpPr>
+          <p:cNvPr id="2" name="Slide Image Placeholder 1"/>
+          <p:cNvSpPr>
+            <a:spLocks noGrp="1" noRot="1" noChangeAspect="1"/>
+          </p:cNvSpPr>
+          <p:nvPr>
+            <p:ph type="sldImg"/>
+          </p:nvPr>
+        </p:nvSpPr>
+        <p:spPr/>
+      </p:sp>
+      <p:sp>
+        <p:nvSpPr>
+          <p:cNvPr id="3" name="Notes Placeholder 2"/>
+          <p:cNvSpPr>
+            <a:spLocks noGrp="1"/>
+          </p:cNvSpPr>
+          <p:nvPr>
+            <p:ph type="body" idx="1"/>
+          </p:nvPr>
+        </p:nvSpPr>
+        <p:spPr/>
+        <p:txBody>
+          <a:bodyPr/>
+          <a:lstStyle/>
+          <a:p>
+            <a:endParaRPr lang="en-US" dirty="0"/>
+          </a:p>
+        </p:txBody>
+      </p:sp>
+      <p:sp>
+        <p:nvSpPr>
+          <p:cNvPr id="4" name="Slide Number Placeholder 3"/>
+          <p:cNvSpPr>
+            <a:spLocks noGrp="1"/>
+          </p:cNvSpPr>
+          <p:nvPr>
+            <p:ph type="sldNum" sz="quarter" idx="10"/>
+          </p:nvPr>
+        </p:nvSpPr>
+        <p:spPr/>
+        <p:txBody>
+          <a:bodyPr/>
+          <a:lstStyle/>
+          <a:p>
+            <a:fld id="{659CF16A-931A-4FA0-9966-73E38C0BCCFA}" type="slidenum">
+              <a:rPr lang="en-US" smtClean="0"/>
+              <a:t>22</a:t>
+            </a:fld>
+            <a:endParaRPr lang="en-US" dirty="0"/>
+          </a:p>
+        </p:txBody>
+      </p:sp>
+    </p:spTree>
+    <p:extLst>
+      <p:ext uri="{BB962C8B-B14F-4D97-AF65-F5344CB8AC3E}">
+        <p14:creationId xmlns:p14="http://schemas.microsoft.com/office/powerpoint/2010/main" val="3707742045"/>
+      </p:ext>
+    </p:extLst>
+  </p:cSld>
+  <p:clrMapOvr>
+    <a:masterClrMapping/>
+  </p:clrMapOvr>
+</p:notes>
+</file>
+
+<file path=ppt/notesSlides/notesSlide23.xml><?xml version="1.0" encoding="utf-8"?>
+<p:notes xmlns:a="http://schemas.openxmlformats.org/drawingml/2006/main" xmlns:r="http://schemas.openxmlformats.org/officeDocument/2006/relationships" xmlns:p="http://schemas.openxmlformats.org/presentationml/2006/main">
+  <p:cSld>
+    <p:spTree>
+      <p:nvGrpSpPr>
+        <p:cNvPr id="1" name=""/>
+        <p:cNvGrpSpPr/>
+        <p:nvPr/>
+      </p:nvGrpSpPr>
+      <p:grpSpPr>
+        <a:xfrm>
+          <a:off x="0" y="0"/>
+          <a:ext cx="0" cy="0"/>
+          <a:chOff x="0" y="0"/>
+          <a:chExt cx="0" cy="0"/>
+        </a:xfrm>
+      </p:grpSpPr>
+      <p:sp>
+        <p:nvSpPr>
+          <p:cNvPr id="2" name="Slide Image Placeholder 1"/>
+          <p:cNvSpPr>
+            <a:spLocks noGrp="1" noRot="1" noChangeAspect="1"/>
+          </p:cNvSpPr>
+          <p:nvPr>
+            <p:ph type="sldImg"/>
+          </p:nvPr>
+        </p:nvSpPr>
+        <p:spPr/>
+      </p:sp>
+      <p:sp>
+        <p:nvSpPr>
+          <p:cNvPr id="3" name="Notes Placeholder 2"/>
+          <p:cNvSpPr>
+            <a:spLocks noGrp="1"/>
+          </p:cNvSpPr>
+          <p:nvPr>
+            <p:ph type="body" idx="1"/>
+          </p:nvPr>
+        </p:nvSpPr>
+        <p:spPr/>
+        <p:txBody>
+          <a:bodyPr/>
+          <a:lstStyle/>
+          <a:p>
+            <a:endParaRPr lang="en-US" dirty="0"/>
+          </a:p>
+        </p:txBody>
+      </p:sp>
+      <p:sp>
+        <p:nvSpPr>
+          <p:cNvPr id="4" name="Slide Number Placeholder 3"/>
+          <p:cNvSpPr>
+            <a:spLocks noGrp="1"/>
+          </p:cNvSpPr>
+          <p:nvPr>
+            <p:ph type="sldNum" sz="quarter" idx="10"/>
+          </p:nvPr>
+        </p:nvSpPr>
+        <p:spPr/>
+        <p:txBody>
+          <a:bodyPr/>
+          <a:lstStyle/>
+          <a:p>
+            <a:fld id="{659CF16A-931A-4FA0-9966-73E38C0BCCFA}" type="slidenum">
+              <a:rPr lang="en-US" smtClean="0"/>
+              <a:t>23</a:t>
+            </a:fld>
+            <a:endParaRPr lang="en-US" dirty="0"/>
+          </a:p>
+        </p:txBody>
+      </p:sp>
+    </p:spTree>
+    <p:extLst>
+      <p:ext uri="{BB962C8B-B14F-4D97-AF65-F5344CB8AC3E}">
+        <p14:creationId xmlns:p14="http://schemas.microsoft.com/office/powerpoint/2010/main" val="1166380169"/>
+      </p:ext>
+    </p:extLst>
+  </p:cSld>
+  <p:clrMapOvr>
+    <a:masterClrMapping/>
+  </p:clrMapOvr>
+</p:notes>
+</file>
+
+<file path=ppt/notesSlides/notesSlide24.xml><?xml version="1.0" encoding="utf-8"?>
+<p:notes xmlns:a="http://schemas.openxmlformats.org/drawingml/2006/main" xmlns:r="http://schemas.openxmlformats.org/officeDocument/2006/relationships" xmlns:p="http://schemas.openxmlformats.org/presentationml/2006/main">
+  <p:cSld>
+    <p:spTree>
+      <p:nvGrpSpPr>
+        <p:cNvPr id="1" name=""/>
+        <p:cNvGrpSpPr/>
+        <p:nvPr/>
+      </p:nvGrpSpPr>
+      <p:grpSpPr>
+        <a:xfrm>
+          <a:off x="0" y="0"/>
+          <a:ext cx="0" cy="0"/>
+          <a:chOff x="0" y="0"/>
+          <a:chExt cx="0" cy="0"/>
+        </a:xfrm>
+      </p:grpSpPr>
+      <p:sp>
+        <p:nvSpPr>
+          <p:cNvPr id="2" name="Slide Image Placeholder 1"/>
+          <p:cNvSpPr>
+            <a:spLocks noGrp="1" noRot="1" noChangeAspect="1"/>
+          </p:cNvSpPr>
+          <p:nvPr>
+            <p:ph type="sldImg"/>
+          </p:nvPr>
+        </p:nvSpPr>
+        <p:spPr/>
+      </p:sp>
+      <p:sp>
+        <p:nvSpPr>
+          <p:cNvPr id="3" name="Notes Placeholder 2"/>
+          <p:cNvSpPr>
+            <a:spLocks noGrp="1"/>
+          </p:cNvSpPr>
+          <p:nvPr>
+            <p:ph type="body" idx="1"/>
+          </p:nvPr>
+        </p:nvSpPr>
+        <p:spPr/>
+        <p:txBody>
+          <a:bodyPr/>
+          <a:lstStyle/>
+          <a:p>
+            <a:endParaRPr lang="en-US" dirty="0"/>
+          </a:p>
+        </p:txBody>
+      </p:sp>
+      <p:sp>
+        <p:nvSpPr>
+          <p:cNvPr id="4" name="Slide Number Placeholder 3"/>
+          <p:cNvSpPr>
+            <a:spLocks noGrp="1"/>
+          </p:cNvSpPr>
+          <p:nvPr>
+            <p:ph type="sldNum" sz="quarter" idx="10"/>
+          </p:nvPr>
+        </p:nvSpPr>
+        <p:spPr/>
+        <p:txBody>
+          <a:bodyPr/>
+          <a:lstStyle/>
+          <a:p>
+            <a:fld id="{659CF16A-931A-4FA0-9966-73E38C0BCCFA}" type="slidenum">
+              <a:rPr lang="en-US" smtClean="0"/>
+              <a:t>24</a:t>
+            </a:fld>
+            <a:endParaRPr lang="en-US" dirty="0"/>
+          </a:p>
+        </p:txBody>
+      </p:sp>
+    </p:spTree>
+    <p:extLst>
+      <p:ext uri="{BB962C8B-B14F-4D97-AF65-F5344CB8AC3E}">
+        <p14:creationId xmlns:p14="http://schemas.microsoft.com/office/powerpoint/2010/main" val="855576164"/>
+      </p:ext>
+    </p:extLst>
+  </p:cSld>
+  <p:clrMapOvr>
+    <a:masterClrMapping/>
+  </p:clrMapOvr>
+</p:notes>
+</file>
+
+<file path=ppt/notesSlides/notesSlide25.xml><?xml version="1.0" encoding="utf-8"?>
+<p:notes xmlns:a="http://schemas.openxmlformats.org/drawingml/2006/main" xmlns:r="http://schemas.openxmlformats.org/officeDocument/2006/relationships" xmlns:p="http://schemas.openxmlformats.org/presentationml/2006/main">
+  <p:cSld>
+    <p:spTree>
+      <p:nvGrpSpPr>
+        <p:cNvPr id="1" name=""/>
+        <p:cNvGrpSpPr/>
+        <p:nvPr/>
+      </p:nvGrpSpPr>
+      <p:grpSpPr>
+        <a:xfrm>
+          <a:off x="0" y="0"/>
+          <a:ext cx="0" cy="0"/>
+          <a:chOff x="0" y="0"/>
+          <a:chExt cx="0" cy="0"/>
+        </a:xfrm>
+      </p:grpSpPr>
+      <p:sp>
+        <p:nvSpPr>
+          <p:cNvPr id="2" name="Slide Image Placeholder 1"/>
+          <p:cNvSpPr>
+            <a:spLocks noGrp="1" noRot="1" noChangeAspect="1"/>
+          </p:cNvSpPr>
+          <p:nvPr>
+            <p:ph type="sldImg"/>
+          </p:nvPr>
+        </p:nvSpPr>
+        <p:spPr/>
+      </p:sp>
+      <p:sp>
+        <p:nvSpPr>
+          <p:cNvPr id="3" name="Notes Placeholder 2"/>
+          <p:cNvSpPr>
+            <a:spLocks noGrp="1"/>
+          </p:cNvSpPr>
+          <p:nvPr>
+            <p:ph type="body" idx="1"/>
+          </p:nvPr>
+        </p:nvSpPr>
+        <p:spPr/>
+        <p:txBody>
+          <a:bodyPr/>
+          <a:lstStyle/>
+          <a:p>
+            <a:endParaRPr lang="en-US" dirty="0"/>
+          </a:p>
+        </p:txBody>
+      </p:sp>
+      <p:sp>
+        <p:nvSpPr>
+          <p:cNvPr id="4" name="Slide Number Placeholder 3"/>
+          <p:cNvSpPr>
+            <a:spLocks noGrp="1"/>
+          </p:cNvSpPr>
+          <p:nvPr>
+            <p:ph type="sldNum" sz="quarter" idx="10"/>
+          </p:nvPr>
+        </p:nvSpPr>
+        <p:spPr/>
+        <p:txBody>
+          <a:bodyPr/>
+          <a:lstStyle/>
+          <a:p>
+            <a:fld id="{659CF16A-931A-4FA0-9966-73E38C0BCCFA}" type="slidenum">
+              <a:rPr lang="en-US" smtClean="0"/>
+              <a:t>25</a:t>
+            </a:fld>
+            <a:endParaRPr lang="en-US" dirty="0"/>
+          </a:p>
+        </p:txBody>
+      </p:sp>
+    </p:spTree>
+    <p:extLst>
+      <p:ext uri="{BB962C8B-B14F-4D97-AF65-F5344CB8AC3E}">
+        <p14:creationId xmlns:p14="http://schemas.microsoft.com/office/powerpoint/2010/main" val="419590214"/>
+      </p:ext>
+    </p:extLst>
+  </p:cSld>
+  <p:clrMapOvr>
+    <a:masterClrMapping/>
+  </p:clrMapOvr>
+</p:notes>
+</file>
+
+<file path=ppt/notesSlides/notesSlide26.xml><?xml version="1.0" encoding="utf-8"?>
+<p:notes xmlns:a="http://schemas.openxmlformats.org/drawingml/2006/main" xmlns:r="http://schemas.openxmlformats.org/officeDocument/2006/relationships" xmlns:p="http://schemas.openxmlformats.org/presentationml/2006/main">
+  <p:cSld>
+    <p:spTree>
+      <p:nvGrpSpPr>
+        <p:cNvPr id="1" name=""/>
+        <p:cNvGrpSpPr/>
+        <p:nvPr/>
+      </p:nvGrpSpPr>
+      <p:grpSpPr>
+        <a:xfrm>
+          <a:off x="0" y="0"/>
+          <a:ext cx="0" cy="0"/>
+          <a:chOff x="0" y="0"/>
+          <a:chExt cx="0" cy="0"/>
+        </a:xfrm>
+      </p:grpSpPr>
+      <p:sp>
+        <p:nvSpPr>
+          <p:cNvPr id="2" name="Slide Image Placeholder 1"/>
+          <p:cNvSpPr>
+            <a:spLocks noGrp="1" noRot="1" noChangeAspect="1"/>
+          </p:cNvSpPr>
+          <p:nvPr>
+            <p:ph type="sldImg"/>
+          </p:nvPr>
+        </p:nvSpPr>
+        <p:spPr/>
+      </p:sp>
+      <p:sp>
+        <p:nvSpPr>
+          <p:cNvPr id="3" name="Notes Placeholder 2"/>
+          <p:cNvSpPr>
+            <a:spLocks noGrp="1"/>
+          </p:cNvSpPr>
+          <p:nvPr>
+            <p:ph type="body" idx="1"/>
+          </p:nvPr>
+        </p:nvSpPr>
+        <p:spPr/>
+        <p:txBody>
+          <a:bodyPr/>
+          <a:lstStyle/>
+          <a:p>
+            <a:endParaRPr lang="en-US" dirty="0"/>
+          </a:p>
+        </p:txBody>
+      </p:sp>
+      <p:sp>
+        <p:nvSpPr>
+          <p:cNvPr id="4" name="Slide Number Placeholder 3"/>
+          <p:cNvSpPr>
+            <a:spLocks noGrp="1"/>
+          </p:cNvSpPr>
+          <p:nvPr>
+            <p:ph type="sldNum" sz="quarter" idx="10"/>
+          </p:nvPr>
+        </p:nvSpPr>
+        <p:spPr/>
+        <p:txBody>
+          <a:bodyPr/>
+          <a:lstStyle/>
+          <a:p>
+            <a:fld id="{659CF16A-931A-4FA0-9966-73E38C0BCCFA}" type="slidenum">
+              <a:rPr lang="en-US" smtClean="0"/>
+              <a:t>26</a:t>
+            </a:fld>
+            <a:endParaRPr lang="en-US" dirty="0"/>
+          </a:p>
+        </p:txBody>
+      </p:sp>
+    </p:spTree>
+    <p:extLst>
+      <p:ext uri="{BB962C8B-B14F-4D97-AF65-F5344CB8AC3E}">
+        <p14:creationId xmlns:p14="http://schemas.microsoft.com/office/powerpoint/2010/main" val="1087893479"/>
+      </p:ext>
+    </p:extLst>
+  </p:cSld>
+  <p:clrMapOvr>
+    <a:masterClrMapping/>
+  </p:clrMapOvr>
+</p:notes>
+</file>
+
+<file path=ppt/notesSlides/notesSlide27.xml><?xml version="1.0" encoding="utf-8"?>
+<p:notes xmlns:a="http://schemas.openxmlformats.org/drawingml/2006/main" xmlns:r="http://schemas.openxmlformats.org/officeDocument/2006/relationships" xmlns:p="http://schemas.openxmlformats.org/presentationml/2006/main">
+  <p:cSld>
+    <p:spTree>
+      <p:nvGrpSpPr>
+        <p:cNvPr id="1" name=""/>
+        <p:cNvGrpSpPr/>
+        <p:nvPr/>
+      </p:nvGrpSpPr>
+      <p:grpSpPr>
+        <a:xfrm>
+          <a:off x="0" y="0"/>
+          <a:ext cx="0" cy="0"/>
+          <a:chOff x="0" y="0"/>
+          <a:chExt cx="0" cy="0"/>
+        </a:xfrm>
+      </p:grpSpPr>
+      <p:sp>
+        <p:nvSpPr>
+          <p:cNvPr id="2" name="Slide Image Placeholder 1"/>
+          <p:cNvSpPr>
+            <a:spLocks noGrp="1" noRot="1" noChangeAspect="1"/>
+          </p:cNvSpPr>
+          <p:nvPr>
+            <p:ph type="sldImg"/>
+          </p:nvPr>
+        </p:nvSpPr>
+        <p:spPr/>
+      </p:sp>
+      <p:sp>
+        <p:nvSpPr>
+          <p:cNvPr id="3" name="Notes Placeholder 2"/>
+          <p:cNvSpPr>
+            <a:spLocks noGrp="1"/>
+          </p:cNvSpPr>
+          <p:nvPr>
+            <p:ph type="body" idx="1"/>
+          </p:nvPr>
+        </p:nvSpPr>
+        <p:spPr/>
+        <p:txBody>
+          <a:bodyPr/>
+          <a:lstStyle/>
+          <a:p>
+            <a:endParaRPr lang="en-US" dirty="0"/>
+          </a:p>
+        </p:txBody>
+      </p:sp>
+      <p:sp>
+        <p:nvSpPr>
+          <p:cNvPr id="4" name="Slide Number Placeholder 3"/>
+          <p:cNvSpPr>
+            <a:spLocks noGrp="1"/>
+          </p:cNvSpPr>
+          <p:nvPr>
+            <p:ph type="sldNum" sz="quarter" idx="10"/>
+          </p:nvPr>
+        </p:nvSpPr>
+        <p:spPr/>
+        <p:txBody>
+          <a:bodyPr/>
+          <a:lstStyle/>
+          <a:p>
+            <a:fld id="{659CF16A-931A-4FA0-9966-73E38C0BCCFA}" type="slidenum">
+              <a:rPr lang="en-US" smtClean="0"/>
+              <a:t>27</a:t>
+            </a:fld>
+            <a:endParaRPr lang="en-US" dirty="0"/>
+          </a:p>
+        </p:txBody>
+      </p:sp>
+    </p:spTree>
+    <p:extLst>
+      <p:ext uri="{BB962C8B-B14F-4D97-AF65-F5344CB8AC3E}">
+        <p14:creationId xmlns:p14="http://schemas.microsoft.com/office/powerpoint/2010/main" val="2020797793"/>
+      </p:ext>
+    </p:extLst>
+  </p:cSld>
+  <p:clrMapOvr>
+    <a:masterClrMapping/>
+  </p:clrMapOvr>
+</p:notes>
+</file>
+
+<file path=ppt/notesSlides/notesSlide28.xml><?xml version="1.0" encoding="utf-8"?>
+<p:notes xmlns:a="http://schemas.openxmlformats.org/drawingml/2006/main" xmlns:r="http://schemas.openxmlformats.org/officeDocument/2006/relationships" xmlns:p="http://schemas.openxmlformats.org/presentationml/2006/main">
+  <p:cSld>
+    <p:spTree>
+      <p:nvGrpSpPr>
+        <p:cNvPr id="1" name=""/>
+        <p:cNvGrpSpPr/>
+        <p:nvPr/>
+      </p:nvGrpSpPr>
+      <p:grpSpPr>
+        <a:xfrm>
+          <a:off x="0" y="0"/>
+          <a:ext cx="0" cy="0"/>
+          <a:chOff x="0" y="0"/>
+          <a:chExt cx="0" cy="0"/>
+        </a:xfrm>
+      </p:grpSpPr>
+      <p:sp>
+        <p:nvSpPr>
+          <p:cNvPr id="2" name="Slide Image Placeholder 1"/>
+          <p:cNvSpPr>
+            <a:spLocks noGrp="1" noRot="1" noChangeAspect="1"/>
+          </p:cNvSpPr>
+          <p:nvPr>
+            <p:ph type="sldImg"/>
+          </p:nvPr>
+        </p:nvSpPr>
+        <p:spPr/>
+      </p:sp>
+      <p:sp>
+        <p:nvSpPr>
+          <p:cNvPr id="3" name="Notes Placeholder 2"/>
+          <p:cNvSpPr>
+            <a:spLocks noGrp="1"/>
+          </p:cNvSpPr>
+          <p:nvPr>
+            <p:ph type="body" idx="1"/>
+          </p:nvPr>
+        </p:nvSpPr>
+        <p:spPr/>
+        <p:txBody>
+          <a:bodyPr/>
+          <a:lstStyle/>
+          <a:p>
+            <a:endParaRPr lang="en-US" dirty="0"/>
+          </a:p>
+        </p:txBody>
+      </p:sp>
+      <p:sp>
+        <p:nvSpPr>
+          <p:cNvPr id="4" name="Slide Number Placeholder 3"/>
+          <p:cNvSpPr>
+            <a:spLocks noGrp="1"/>
+          </p:cNvSpPr>
+          <p:nvPr>
+            <p:ph type="sldNum" sz="quarter" idx="10"/>
+          </p:nvPr>
+        </p:nvSpPr>
+        <p:spPr/>
+        <p:txBody>
+          <a:bodyPr/>
+          <a:lstStyle/>
+          <a:p>
+            <a:fld id="{659CF16A-931A-4FA0-9966-73E38C0BCCFA}" type="slidenum">
+              <a:rPr lang="en-US" smtClean="0"/>
+              <a:t>28</a:t>
+            </a:fld>
+            <a:endParaRPr lang="en-US" dirty="0"/>
+          </a:p>
+        </p:txBody>
+      </p:sp>
+    </p:spTree>
+    <p:extLst>
+      <p:ext uri="{BB962C8B-B14F-4D97-AF65-F5344CB8AC3E}">
+        <p14:creationId xmlns:p14="http://schemas.microsoft.com/office/powerpoint/2010/main" val="4281699145"/>
+      </p:ext>
+    </p:extLst>
+  </p:cSld>
+  <p:clrMapOvr>
+    <a:masterClrMapping/>
+  </p:clrMapOvr>
+</p:notes>
+</file>
+
+<file path=ppt/notesSlides/notesSlide29.xml><?xml version="1.0" encoding="utf-8"?>
+<p:notes xmlns:a="http://schemas.openxmlformats.org/drawingml/2006/main" xmlns:r="http://schemas.openxmlformats.org/officeDocument/2006/relationships" xmlns:p="http://schemas.openxmlformats.org/presentationml/2006/main">
+  <p:cSld>
+    <p:spTree>
+      <p:nvGrpSpPr>
+        <p:cNvPr id="1" name=""/>
+        <p:cNvGrpSpPr/>
+        <p:nvPr/>
+      </p:nvGrpSpPr>
+      <p:grpSpPr>
+        <a:xfrm>
+          <a:off x="0" y="0"/>
+          <a:ext cx="0" cy="0"/>
+          <a:chOff x="0" y="0"/>
+          <a:chExt cx="0" cy="0"/>
+        </a:xfrm>
+      </p:grpSpPr>
+      <p:sp>
+        <p:nvSpPr>
+          <p:cNvPr id="2" name="Slide Image Placeholder 1"/>
+          <p:cNvSpPr>
+            <a:spLocks noGrp="1" noRot="1" noChangeAspect="1"/>
+          </p:cNvSpPr>
+          <p:nvPr>
+            <p:ph type="sldImg"/>
+          </p:nvPr>
+        </p:nvSpPr>
+        <p:spPr/>
+      </p:sp>
+      <p:sp>
+        <p:nvSpPr>
+          <p:cNvPr id="3" name="Notes Placeholder 2"/>
+          <p:cNvSpPr>
+            <a:spLocks noGrp="1"/>
+          </p:cNvSpPr>
+          <p:nvPr>
+            <p:ph type="body" idx="1"/>
+          </p:nvPr>
+        </p:nvSpPr>
+        <p:spPr/>
+        <p:txBody>
+          <a:bodyPr/>
+          <a:lstStyle/>
+          <a:p>
+            <a:endParaRPr lang="en-US" dirty="0"/>
+          </a:p>
+        </p:txBody>
+      </p:sp>
+      <p:sp>
+        <p:nvSpPr>
+          <p:cNvPr id="4" name="Slide Number Placeholder 3"/>
+          <p:cNvSpPr>
+            <a:spLocks noGrp="1"/>
+          </p:cNvSpPr>
+          <p:nvPr>
+            <p:ph type="sldNum" sz="quarter" idx="10"/>
+          </p:nvPr>
+        </p:nvSpPr>
+        <p:spPr/>
+        <p:txBody>
+          <a:bodyPr/>
+          <a:lstStyle/>
+          <a:p>
+            <a:fld id="{659CF16A-931A-4FA0-9966-73E38C0BCCFA}" type="slidenum">
+              <a:rPr lang="en-US" smtClean="0"/>
+              <a:t>29</a:t>
+            </a:fld>
+            <a:endParaRPr lang="en-US" dirty="0"/>
+          </a:p>
+        </p:txBody>
+      </p:sp>
+    </p:spTree>
+    <p:extLst>
+      <p:ext uri="{BB962C8B-B14F-4D97-AF65-F5344CB8AC3E}">
+        <p14:creationId xmlns:p14="http://schemas.microsoft.com/office/powerpoint/2010/main" val="3747124469"/>
+      </p:ext>
+    </p:extLst>
+  </p:cSld>
+  <p:clrMapOvr>
+    <a:masterClrMapping/>
+  </p:clrMapOvr>
+</p:notes>
+</file>
+
+<file path=ppt/notesSlides/notesSlide3.xml><?xml version="1.0" encoding="utf-8"?>
+<p:notes xmlns:a="http://schemas.openxmlformats.org/drawingml/2006/main" xmlns:r="http://schemas.openxmlformats.org/officeDocument/2006/relationships" xmlns:p="http://schemas.openxmlformats.org/presentationml/2006/main">
+  <p:cSld>
+    <p:spTree>
+      <p:nvGrpSpPr>
+        <p:cNvPr id="1" name=""/>
+        <p:cNvGrpSpPr/>
+        <p:nvPr/>
+      </p:nvGrpSpPr>
+      <p:grpSpPr>
+        <a:xfrm>
+          <a:off x="0" y="0"/>
+          <a:ext cx="0" cy="0"/>
+          <a:chOff x="0" y="0"/>
+          <a:chExt cx="0" cy="0"/>
+        </a:xfrm>
+      </p:grpSpPr>
+      <p:sp>
+        <p:nvSpPr>
+          <p:cNvPr id="2" name="Slide Image Placeholder 1"/>
+          <p:cNvSpPr>
+            <a:spLocks noGrp="1" noRot="1" noChangeAspect="1"/>
+          </p:cNvSpPr>
+          <p:nvPr>
+            <p:ph type="sldImg"/>
+          </p:nvPr>
+        </p:nvSpPr>
+        <p:spPr/>
+      </p:sp>
+      <p:sp>
+        <p:nvSpPr>
+          <p:cNvPr id="3" name="Notes Placeholder 2"/>
+          <p:cNvSpPr>
+            <a:spLocks noGrp="1"/>
+          </p:cNvSpPr>
+          <p:nvPr>
+            <p:ph type="body" idx="1"/>
+          </p:nvPr>
+        </p:nvSpPr>
+        <p:spPr/>
+        <p:txBody>
+          <a:bodyPr/>
+          <a:lstStyle/>
+          <a:p>
+            <a:endParaRPr lang="en-US" dirty="0"/>
+          </a:p>
+        </p:txBody>
+      </p:sp>
+      <p:sp>
+        <p:nvSpPr>
+          <p:cNvPr id="4" name="Slide Number Placeholder 3"/>
+          <p:cNvSpPr>
+            <a:spLocks noGrp="1"/>
+          </p:cNvSpPr>
+          <p:nvPr>
+            <p:ph type="sldNum" sz="quarter" idx="10"/>
+          </p:nvPr>
+        </p:nvSpPr>
+        <p:spPr/>
+        <p:txBody>
+          <a:bodyPr/>
+          <a:lstStyle/>
+          <a:p>
+            <a:fld id="{659CF16A-931A-4FA0-9966-73E38C0BCCFA}" type="slidenum">
+              <a:rPr lang="en-US" smtClean="0"/>
+              <a:t>3</a:t>
+            </a:fld>
+            <a:endParaRPr lang="en-US" dirty="0"/>
+          </a:p>
+        </p:txBody>
+      </p:sp>
+    </p:spTree>
+    <p:extLst>
+      <p:ext uri="{BB962C8B-B14F-4D97-AF65-F5344CB8AC3E}">
+        <p14:creationId xmlns:p14="http://schemas.microsoft.com/office/powerpoint/2010/main" val="1344556567"/>
+      </p:ext>
+    </p:extLst>
+  </p:cSld>
+  <p:clrMapOvr>
+    <a:masterClrMapping/>
+  </p:clrMapOvr>
+</p:notes>
+</file>
+
+<file path=ppt/notesSlides/notesSlide30.xml><?xml version="1.0" encoding="utf-8"?>
+<p:notes xmlns:a="http://schemas.openxmlformats.org/drawingml/2006/main" xmlns:r="http://schemas.openxmlformats.org/officeDocument/2006/relationships" xmlns:p="http://schemas.openxmlformats.org/presentationml/2006/main">
+  <p:cSld>
+    <p:spTree>
+      <p:nvGrpSpPr>
+        <p:cNvPr id="1" name=""/>
+        <p:cNvGrpSpPr/>
+        <p:nvPr/>
+      </p:nvGrpSpPr>
+      <p:grpSpPr>
+        <a:xfrm>
+          <a:off x="0" y="0"/>
+          <a:ext cx="0" cy="0"/>
+          <a:chOff x="0" y="0"/>
+          <a:chExt cx="0" cy="0"/>
+        </a:xfrm>
+      </p:grpSpPr>
+      <p:sp>
+        <p:nvSpPr>
+          <p:cNvPr id="2" name="Slide Image Placeholder 1"/>
+          <p:cNvSpPr>
+            <a:spLocks noGrp="1" noRot="1" noChangeAspect="1"/>
+          </p:cNvSpPr>
+          <p:nvPr>
+            <p:ph type="sldImg"/>
+          </p:nvPr>
+        </p:nvSpPr>
+        <p:spPr/>
+      </p:sp>
+      <p:sp>
+        <p:nvSpPr>
+          <p:cNvPr id="3" name="Notes Placeholder 2"/>
+          <p:cNvSpPr>
+            <a:spLocks noGrp="1"/>
+          </p:cNvSpPr>
+          <p:nvPr>
+            <p:ph type="body" idx="1"/>
+          </p:nvPr>
+        </p:nvSpPr>
+        <p:spPr/>
+        <p:txBody>
+          <a:bodyPr/>
+          <a:lstStyle/>
+          <a:p>
+            <a:endParaRPr lang="en-US" dirty="0"/>
+          </a:p>
+        </p:txBody>
+      </p:sp>
+      <p:sp>
+        <p:nvSpPr>
+          <p:cNvPr id="4" name="Slide Number Placeholder 3"/>
+          <p:cNvSpPr>
+            <a:spLocks noGrp="1"/>
+          </p:cNvSpPr>
+          <p:nvPr>
+            <p:ph type="sldNum" sz="quarter" idx="10"/>
+          </p:nvPr>
+        </p:nvSpPr>
+        <p:spPr/>
+        <p:txBody>
+          <a:bodyPr/>
+          <a:lstStyle/>
+          <a:p>
+            <a:fld id="{659CF16A-931A-4FA0-9966-73E38C0BCCFA}" type="slidenum">
+              <a:rPr lang="en-US" smtClean="0"/>
+              <a:t>31</a:t>
+            </a:fld>
+            <a:endParaRPr lang="en-US" dirty="0"/>
+          </a:p>
+        </p:txBody>
+      </p:sp>
+    </p:spTree>
+    <p:extLst>
+      <p:ext uri="{BB962C8B-B14F-4D97-AF65-F5344CB8AC3E}">
+        <p14:creationId xmlns:p14="http://schemas.microsoft.com/office/powerpoint/2010/main" val="2548086186"/>
+      </p:ext>
+    </p:extLst>
+  </p:cSld>
+  <p:clrMapOvr>
+    <a:masterClrMapping/>
+  </p:clrMapOvr>
+</p:notes>
+</file>
+
+<file path=ppt/notesSlides/notesSlide31.xml><?xml version="1.0" encoding="utf-8"?>
+<p:notes xmlns:a="http://schemas.openxmlformats.org/drawingml/2006/main" xmlns:r="http://schemas.openxmlformats.org/officeDocument/2006/relationships" xmlns:p="http://schemas.openxmlformats.org/presentationml/2006/main">
+  <p:cSld>
+    <p:spTree>
+      <p:nvGrpSpPr>
+        <p:cNvPr id="1" name=""/>
+        <p:cNvGrpSpPr/>
+        <p:nvPr/>
+      </p:nvGrpSpPr>
+      <p:grpSpPr>
+        <a:xfrm>
+          <a:off x="0" y="0"/>
+          <a:ext cx="0" cy="0"/>
+          <a:chOff x="0" y="0"/>
+          <a:chExt cx="0" cy="0"/>
+        </a:xfrm>
+      </p:grpSpPr>
+      <p:sp>
+        <p:nvSpPr>
+          <p:cNvPr id="2" name="Slide Image Placeholder 1"/>
+          <p:cNvSpPr>
+            <a:spLocks noGrp="1" noRot="1" noChangeAspect="1"/>
+          </p:cNvSpPr>
+          <p:nvPr>
+            <p:ph type="sldImg"/>
+          </p:nvPr>
+        </p:nvSpPr>
+        <p:spPr/>
+      </p:sp>
+      <p:sp>
+        <p:nvSpPr>
+          <p:cNvPr id="3" name="Notes Placeholder 2"/>
+          <p:cNvSpPr>
+            <a:spLocks noGrp="1"/>
+          </p:cNvSpPr>
+          <p:nvPr>
+            <p:ph type="body" idx="1"/>
+          </p:nvPr>
+        </p:nvSpPr>
+        <p:spPr/>
+        <p:txBody>
+          <a:bodyPr/>
+          <a:lstStyle/>
+          <a:p>
+            <a:endParaRPr lang="en-US" dirty="0"/>
+          </a:p>
+        </p:txBody>
+      </p:sp>
+      <p:sp>
+        <p:nvSpPr>
+          <p:cNvPr id="4" name="Slide Number Placeholder 3"/>
+          <p:cNvSpPr>
+            <a:spLocks noGrp="1"/>
+          </p:cNvSpPr>
+          <p:nvPr>
+            <p:ph type="sldNum" sz="quarter" idx="10"/>
+          </p:nvPr>
+        </p:nvSpPr>
+        <p:spPr/>
+        <p:txBody>
+          <a:bodyPr/>
+          <a:lstStyle/>
+          <a:p>
+            <a:fld id="{659CF16A-931A-4FA0-9966-73E38C0BCCFA}" type="slidenum">
+              <a:rPr lang="en-US" smtClean="0"/>
+              <a:t>32</a:t>
+            </a:fld>
+            <a:endParaRPr lang="en-US" dirty="0"/>
+          </a:p>
+        </p:txBody>
+      </p:sp>
+    </p:spTree>
+    <p:extLst>
+      <p:ext uri="{BB962C8B-B14F-4D97-AF65-F5344CB8AC3E}">
+        <p14:creationId xmlns:p14="http://schemas.microsoft.com/office/powerpoint/2010/main" val="2173578006"/>
+      </p:ext>
+    </p:extLst>
+  </p:cSld>
+  <p:clrMapOvr>
+    <a:masterClrMapping/>
+  </p:clrMapOvr>
+</p:notes>
+</file>
+
+<file path=ppt/notesSlides/notesSlide32.xml><?xml version="1.0" encoding="utf-8"?>
+<p:notes xmlns:a="http://schemas.openxmlformats.org/drawingml/2006/main" xmlns:r="http://schemas.openxmlformats.org/officeDocument/2006/relationships" xmlns:p="http://schemas.openxmlformats.org/presentationml/2006/main">
+  <p:cSld>
+    <p:spTree>
+      <p:nvGrpSpPr>
+        <p:cNvPr id="1" name=""/>
+        <p:cNvGrpSpPr/>
+        <p:nvPr/>
+      </p:nvGrpSpPr>
+      <p:grpSpPr>
+        <a:xfrm>
+          <a:off x="0" y="0"/>
+          <a:ext cx="0" cy="0"/>
+          <a:chOff x="0" y="0"/>
+          <a:chExt cx="0" cy="0"/>
+        </a:xfrm>
+      </p:grpSpPr>
+      <p:sp>
+        <p:nvSpPr>
+          <p:cNvPr id="2" name="Slide Image Placeholder 1"/>
+          <p:cNvSpPr>
+            <a:spLocks noGrp="1" noRot="1" noChangeAspect="1"/>
+          </p:cNvSpPr>
+          <p:nvPr>
+            <p:ph type="sldImg"/>
+          </p:nvPr>
+        </p:nvSpPr>
+        <p:spPr/>
+      </p:sp>
+      <p:sp>
+        <p:nvSpPr>
+          <p:cNvPr id="3" name="Notes Placeholder 2"/>
+          <p:cNvSpPr>
+            <a:spLocks noGrp="1"/>
+          </p:cNvSpPr>
+          <p:nvPr>
+            <p:ph type="body" idx="1"/>
+          </p:nvPr>
+        </p:nvSpPr>
+        <p:spPr/>
+        <p:txBody>
+          <a:bodyPr/>
+          <a:lstStyle/>
+          <a:p>
+            <a:endParaRPr lang="en-US" dirty="0"/>
+          </a:p>
+        </p:txBody>
+      </p:sp>
+      <p:sp>
+        <p:nvSpPr>
+          <p:cNvPr id="4" name="Slide Number Placeholder 3"/>
+          <p:cNvSpPr>
+            <a:spLocks noGrp="1"/>
+          </p:cNvSpPr>
+          <p:nvPr>
+            <p:ph type="sldNum" sz="quarter" idx="10"/>
+          </p:nvPr>
+        </p:nvSpPr>
+        <p:spPr/>
+        <p:txBody>
+          <a:bodyPr/>
+          <a:lstStyle/>
+          <a:p>
+            <a:fld id="{659CF16A-931A-4FA0-9966-73E38C0BCCFA}" type="slidenum">
+              <a:rPr lang="en-US" smtClean="0"/>
+              <a:t>33</a:t>
+            </a:fld>
+            <a:endParaRPr lang="en-US" dirty="0"/>
+          </a:p>
+        </p:txBody>
+      </p:sp>
+    </p:spTree>
+    <p:extLst>
+      <p:ext uri="{BB962C8B-B14F-4D97-AF65-F5344CB8AC3E}">
+        <p14:creationId xmlns:p14="http://schemas.microsoft.com/office/powerpoint/2010/main" val="3882025963"/>
+      </p:ext>
+    </p:extLst>
+  </p:cSld>
+  <p:clrMapOvr>
+    <a:masterClrMapping/>
+  </p:clrMapOvr>
+</p:notes>
+</file>
+
+<file path=ppt/notesSlides/notesSlide33.xml><?xml version="1.0" encoding="utf-8"?>
+<p:notes xmlns:a="http://schemas.openxmlformats.org/drawingml/2006/main" xmlns:r="http://schemas.openxmlformats.org/officeDocument/2006/relationships" xmlns:p="http://schemas.openxmlformats.org/presentationml/2006/main">
+  <p:cSld>
+    <p:spTree>
+      <p:nvGrpSpPr>
+        <p:cNvPr id="1" name=""/>
+        <p:cNvGrpSpPr/>
+        <p:nvPr/>
+      </p:nvGrpSpPr>
+      <p:grpSpPr>
+        <a:xfrm>
+          <a:off x="0" y="0"/>
+          <a:ext cx="0" cy="0"/>
+          <a:chOff x="0" y="0"/>
+          <a:chExt cx="0" cy="0"/>
+        </a:xfrm>
+      </p:grpSpPr>
+      <p:sp>
+        <p:nvSpPr>
+          <p:cNvPr id="2" name="Slide Image Placeholder 1"/>
+          <p:cNvSpPr>
+            <a:spLocks noGrp="1" noRot="1" noChangeAspect="1"/>
+          </p:cNvSpPr>
+          <p:nvPr>
+            <p:ph type="sldImg"/>
+          </p:nvPr>
+        </p:nvSpPr>
+        <p:spPr/>
+      </p:sp>
+      <p:sp>
+        <p:nvSpPr>
+          <p:cNvPr id="3" name="Notes Placeholder 2"/>
+          <p:cNvSpPr>
+            <a:spLocks noGrp="1"/>
+          </p:cNvSpPr>
+          <p:nvPr>
+            <p:ph type="body" idx="1"/>
+          </p:nvPr>
+        </p:nvSpPr>
+        <p:spPr/>
+        <p:txBody>
+          <a:bodyPr/>
+          <a:lstStyle/>
+          <a:p>
+            <a:endParaRPr lang="en-US" dirty="0"/>
+          </a:p>
+        </p:txBody>
+      </p:sp>
+      <p:sp>
+        <p:nvSpPr>
+          <p:cNvPr id="4" name="Slide Number Placeholder 3"/>
+          <p:cNvSpPr>
+            <a:spLocks noGrp="1"/>
+          </p:cNvSpPr>
+          <p:nvPr>
+            <p:ph type="sldNum" sz="quarter" idx="10"/>
+          </p:nvPr>
+        </p:nvSpPr>
+        <p:spPr/>
+        <p:txBody>
+          <a:bodyPr/>
+          <a:lstStyle/>
+          <a:p>
+            <a:fld id="{659CF16A-931A-4FA0-9966-73E38C0BCCFA}" type="slidenum">
+              <a:rPr lang="en-US" smtClean="0"/>
+              <a:t>34</a:t>
+            </a:fld>
+            <a:endParaRPr lang="en-US" dirty="0"/>
+          </a:p>
+        </p:txBody>
+      </p:sp>
+    </p:spTree>
+    <p:extLst>
+      <p:ext uri="{BB962C8B-B14F-4D97-AF65-F5344CB8AC3E}">
+        <p14:creationId xmlns:p14="http://schemas.microsoft.com/office/powerpoint/2010/main" val="52532133"/>
+      </p:ext>
+    </p:extLst>
+  </p:cSld>
+  <p:clrMapOvr>
+    <a:masterClrMapping/>
+  </p:clrMapOvr>
+</p:notes>
+</file>
+
+<file path=ppt/notesSlides/notesSlide34.xml><?xml version="1.0" encoding="utf-8"?>
+<p:notes xmlns:a="http://schemas.openxmlformats.org/drawingml/2006/main" xmlns:r="http://schemas.openxmlformats.org/officeDocument/2006/relationships" xmlns:p="http://schemas.openxmlformats.org/presentationml/2006/main">
+  <p:cSld>
+    <p:spTree>
+      <p:nvGrpSpPr>
+        <p:cNvPr id="1" name=""/>
+        <p:cNvGrpSpPr/>
+        <p:nvPr/>
+      </p:nvGrpSpPr>
+      <p:grpSpPr>
+        <a:xfrm>
+          <a:off x="0" y="0"/>
+          <a:ext cx="0" cy="0"/>
+          <a:chOff x="0" y="0"/>
+          <a:chExt cx="0" cy="0"/>
+        </a:xfrm>
+      </p:grpSpPr>
+      <p:sp>
+        <p:nvSpPr>
+          <p:cNvPr id="2" name="Slide Image Placeholder 1"/>
+          <p:cNvSpPr>
+            <a:spLocks noGrp="1" noRot="1" noChangeAspect="1"/>
+          </p:cNvSpPr>
+          <p:nvPr>
+            <p:ph type="sldImg"/>
+          </p:nvPr>
+        </p:nvSpPr>
+        <p:spPr/>
+      </p:sp>
+      <p:sp>
+        <p:nvSpPr>
+          <p:cNvPr id="3" name="Notes Placeholder 2"/>
+          <p:cNvSpPr>
+            <a:spLocks noGrp="1"/>
+          </p:cNvSpPr>
+          <p:nvPr>
+            <p:ph type="body" idx="1"/>
+          </p:nvPr>
+        </p:nvSpPr>
+        <p:spPr/>
+        <p:txBody>
+          <a:bodyPr/>
+          <a:lstStyle/>
+          <a:p>
+            <a:endParaRPr lang="en-US" dirty="0"/>
+          </a:p>
+        </p:txBody>
+      </p:sp>
+      <p:sp>
+        <p:nvSpPr>
+          <p:cNvPr id="4" name="Slide Number Placeholder 3"/>
+          <p:cNvSpPr>
+            <a:spLocks noGrp="1"/>
+          </p:cNvSpPr>
+          <p:nvPr>
+            <p:ph type="sldNum" sz="quarter" idx="10"/>
+          </p:nvPr>
+        </p:nvSpPr>
+        <p:spPr/>
+        <p:txBody>
+          <a:bodyPr/>
+          <a:lstStyle/>
+          <a:p>
+            <a:fld id="{659CF16A-931A-4FA0-9966-73E38C0BCCFA}" type="slidenum">
+              <a:rPr lang="en-US" smtClean="0"/>
+              <a:t>35</a:t>
+            </a:fld>
+            <a:endParaRPr lang="en-US" dirty="0"/>
+          </a:p>
+        </p:txBody>
+      </p:sp>
+    </p:spTree>
+    <p:extLst>
+      <p:ext uri="{BB962C8B-B14F-4D97-AF65-F5344CB8AC3E}">
+        <p14:creationId xmlns:p14="http://schemas.microsoft.com/office/powerpoint/2010/main" val="3484039139"/>
+      </p:ext>
+    </p:extLst>
+  </p:cSld>
+  <p:clrMapOvr>
+    <a:masterClrMapping/>
+  </p:clrMapOvr>
+</p:notes>
+</file>
+
+<file path=ppt/notesSlides/notesSlide4.xml><?xml version="1.0" encoding="utf-8"?>
+<p:notes xmlns:a="http://schemas.openxmlformats.org/drawingml/2006/main" xmlns:r="http://schemas.openxmlformats.org/officeDocument/2006/relationships" xmlns:p="http://schemas.openxmlformats.org/presentationml/2006/main">
+  <p:cSld>
+    <p:spTree>
+      <p:nvGrpSpPr>
+        <p:cNvPr id="1" name=""/>
+        <p:cNvGrpSpPr/>
+        <p:nvPr/>
+      </p:nvGrpSpPr>
+      <p:grpSpPr>
+        <a:xfrm>
+          <a:off x="0" y="0"/>
+          <a:ext cx="0" cy="0"/>
+          <a:chOff x="0" y="0"/>
+          <a:chExt cx="0" cy="0"/>
+        </a:xfrm>
+      </p:grpSpPr>
+      <p:sp>
+        <p:nvSpPr>
+          <p:cNvPr id="2" name="Slide Image Placeholder 1"/>
+          <p:cNvSpPr>
+            <a:spLocks noGrp="1" noRot="1" noChangeAspect="1"/>
+          </p:cNvSpPr>
+          <p:nvPr>
+            <p:ph type="sldImg"/>
+          </p:nvPr>
+        </p:nvSpPr>
+        <p:spPr/>
+      </p:sp>
+      <p:sp>
+        <p:nvSpPr>
+          <p:cNvPr id="3" name="Notes Placeholder 2"/>
+          <p:cNvSpPr>
+            <a:spLocks noGrp="1"/>
+          </p:cNvSpPr>
+          <p:nvPr>
+            <p:ph type="body" idx="1"/>
+          </p:nvPr>
+        </p:nvSpPr>
+        <p:spPr/>
+        <p:txBody>
+          <a:bodyPr/>
+          <a:lstStyle/>
+          <a:p>
+            <a:endParaRPr lang="en-US" dirty="0"/>
+          </a:p>
+        </p:txBody>
+      </p:sp>
+      <p:sp>
+        <p:nvSpPr>
+          <p:cNvPr id="4" name="Slide Number Placeholder 3"/>
+          <p:cNvSpPr>
+            <a:spLocks noGrp="1"/>
+          </p:cNvSpPr>
+          <p:nvPr>
+            <p:ph type="sldNum" sz="quarter" idx="10"/>
+          </p:nvPr>
+        </p:nvSpPr>
+        <p:spPr/>
+        <p:txBody>
+          <a:bodyPr/>
+          <a:lstStyle/>
+          <a:p>
+            <a:fld id="{659CF16A-931A-4FA0-9966-73E38C0BCCFA}" type="slidenum">
+              <a:rPr lang="en-US" smtClean="0"/>
+              <a:t>4</a:t>
+            </a:fld>
+            <a:endParaRPr lang="en-US" dirty="0"/>
+          </a:p>
+        </p:txBody>
+      </p:sp>
+    </p:spTree>
+    <p:extLst>
+      <p:ext uri="{BB962C8B-B14F-4D97-AF65-F5344CB8AC3E}">
+        <p14:creationId xmlns:p14="http://schemas.microsoft.com/office/powerpoint/2010/main" val="3964832579"/>
+      </p:ext>
+    </p:extLst>
+  </p:cSld>
+  <p:clrMapOvr>
+    <a:masterClrMapping/>
+  </p:clrMapOvr>
+</p:notes>
+</file>
+
+<file path=ppt/notesSlides/notesSlide5.xml><?xml version="1.0" encoding="utf-8"?>
+<p:notes xmlns:a="http://schemas.openxmlformats.org/drawingml/2006/main" xmlns:r="http://schemas.openxmlformats.org/officeDocument/2006/relationships" xmlns:p="http://schemas.openxmlformats.org/presentationml/2006/main">
+  <p:cSld>
+    <p:spTree>
+      <p:nvGrpSpPr>
+        <p:cNvPr id="1" name=""/>
+        <p:cNvGrpSpPr/>
+        <p:nvPr/>
+      </p:nvGrpSpPr>
+      <p:grpSpPr>
+        <a:xfrm>
+          <a:off x="0" y="0"/>
+          <a:ext cx="0" cy="0"/>
+          <a:chOff x="0" y="0"/>
+          <a:chExt cx="0" cy="0"/>
+        </a:xfrm>
+      </p:grpSpPr>
+      <p:sp>
+        <p:nvSpPr>
+          <p:cNvPr id="2" name="Slide Image Placeholder 1"/>
+          <p:cNvSpPr>
+            <a:spLocks noGrp="1" noRot="1" noChangeAspect="1"/>
+          </p:cNvSpPr>
+          <p:nvPr>
+            <p:ph type="sldImg"/>
+          </p:nvPr>
+        </p:nvSpPr>
+        <p:spPr/>
+      </p:sp>
+      <p:sp>
+        <p:nvSpPr>
+          <p:cNvPr id="3" name="Notes Placeholder 2"/>
+          <p:cNvSpPr>
+            <a:spLocks noGrp="1"/>
+          </p:cNvSpPr>
+          <p:nvPr>
+            <p:ph type="body" idx="1"/>
+          </p:nvPr>
+        </p:nvSpPr>
+        <p:spPr/>
+        <p:txBody>
+          <a:bodyPr/>
+          <a:lstStyle/>
+          <a:p>
+            <a:endParaRPr lang="en-US" dirty="0"/>
+          </a:p>
+        </p:txBody>
+      </p:sp>
+      <p:sp>
+        <p:nvSpPr>
+          <p:cNvPr id="4" name="Slide Number Placeholder 3"/>
+          <p:cNvSpPr>
+            <a:spLocks noGrp="1"/>
+          </p:cNvSpPr>
+          <p:nvPr>
+            <p:ph type="sldNum" sz="quarter" idx="10"/>
+          </p:nvPr>
+        </p:nvSpPr>
+        <p:spPr/>
+        <p:txBody>
+          <a:bodyPr/>
+          <a:lstStyle/>
+          <a:p>
+            <a:fld id="{659CF16A-931A-4FA0-9966-73E38C0BCCFA}" type="slidenum">
+              <a:rPr lang="en-US" smtClean="0"/>
+              <a:t>5</a:t>
+            </a:fld>
+            <a:endParaRPr lang="en-US" dirty="0"/>
+          </a:p>
+        </p:txBody>
+      </p:sp>
+    </p:spTree>
+    <p:extLst>
+      <p:ext uri="{BB962C8B-B14F-4D97-AF65-F5344CB8AC3E}">
+        <p14:creationId xmlns:p14="http://schemas.microsoft.com/office/powerpoint/2010/main" val="899831990"/>
+      </p:ext>
+    </p:extLst>
+  </p:cSld>
+  <p:clrMapOvr>
+    <a:masterClrMapping/>
+  </p:clrMapOvr>
+</p:notes>
+</file>
+
+<file path=ppt/notesSlides/notesSlide6.xml><?xml version="1.0" encoding="utf-8"?>
+<p:notes xmlns:a="http://schemas.openxmlformats.org/drawingml/2006/main" xmlns:r="http://schemas.openxmlformats.org/officeDocument/2006/relationships" xmlns:p="http://schemas.openxmlformats.org/presentationml/2006/main">
+  <p:cSld>
+    <p:spTree>
+      <p:nvGrpSpPr>
+        <p:cNvPr id="1" name=""/>
+        <p:cNvGrpSpPr/>
+        <p:nvPr/>
+      </p:nvGrpSpPr>
+      <p:grpSpPr>
+        <a:xfrm>
+          <a:off x="0" y="0"/>
+          <a:ext cx="0" cy="0"/>
+          <a:chOff x="0" y="0"/>
+          <a:chExt cx="0" cy="0"/>
+        </a:xfrm>
+      </p:grpSpPr>
+      <p:sp>
+        <p:nvSpPr>
+          <p:cNvPr id="2" name="Slide Image Placeholder 1"/>
+          <p:cNvSpPr>
+            <a:spLocks noGrp="1" noRot="1" noChangeAspect="1"/>
+          </p:cNvSpPr>
+          <p:nvPr>
+            <p:ph type="sldImg"/>
+          </p:nvPr>
+        </p:nvSpPr>
+        <p:spPr/>
+      </p:sp>
+      <p:sp>
+        <p:nvSpPr>
+          <p:cNvPr id="3" name="Notes Placeholder 2"/>
+          <p:cNvSpPr>
+            <a:spLocks noGrp="1"/>
+          </p:cNvSpPr>
+          <p:nvPr>
+            <p:ph type="body" idx="1"/>
+          </p:nvPr>
+        </p:nvSpPr>
+        <p:spPr/>
+        <p:txBody>
+          <a:bodyPr/>
+          <a:lstStyle/>
+          <a:p>
+            <a:endParaRPr lang="en-US" dirty="0"/>
+          </a:p>
+        </p:txBody>
+      </p:sp>
+      <p:sp>
+        <p:nvSpPr>
+          <p:cNvPr id="4" name="Slide Number Placeholder 3"/>
+          <p:cNvSpPr>
+            <a:spLocks noGrp="1"/>
+          </p:cNvSpPr>
+          <p:nvPr>
+            <p:ph type="sldNum" sz="quarter" idx="10"/>
+          </p:nvPr>
+        </p:nvSpPr>
+        <p:spPr/>
+        <p:txBody>
+          <a:bodyPr/>
+          <a:lstStyle/>
+          <a:p>
+            <a:fld id="{659CF16A-931A-4FA0-9966-73E38C0BCCFA}" type="slidenum">
+              <a:rPr lang="en-US" smtClean="0"/>
+              <a:t>6</a:t>
+            </a:fld>
+            <a:endParaRPr lang="en-US" dirty="0"/>
+          </a:p>
+        </p:txBody>
+      </p:sp>
+    </p:spTree>
+    <p:extLst>
+      <p:ext uri="{BB962C8B-B14F-4D97-AF65-F5344CB8AC3E}">
+        <p14:creationId xmlns:p14="http://schemas.microsoft.com/office/powerpoint/2010/main" val="1514128953"/>
+      </p:ext>
+    </p:extLst>
+  </p:cSld>
+  <p:clrMapOvr>
+    <a:masterClrMapping/>
+  </p:clrMapOvr>
+</p:notes>
+</file>
+
+<file path=ppt/notesSlides/notesSlide7.xml><?xml version="1.0" encoding="utf-8"?>
+<p:notes xmlns:a="http://schemas.openxmlformats.org/drawingml/2006/main" xmlns:r="http://schemas.openxmlformats.org/officeDocument/2006/relationships" xmlns:p="http://schemas.openxmlformats.org/presentationml/2006/main">
+  <p:cSld>
+    <p:spTree>
+      <p:nvGrpSpPr>
+        <p:cNvPr id="1" name=""/>
+        <p:cNvGrpSpPr/>
+        <p:nvPr/>
+      </p:nvGrpSpPr>
+      <p:grpSpPr>
+        <a:xfrm>
+          <a:off x="0" y="0"/>
+          <a:ext cx="0" cy="0"/>
+          <a:chOff x="0" y="0"/>
+          <a:chExt cx="0" cy="0"/>
+        </a:xfrm>
+      </p:grpSpPr>
+      <p:sp>
+        <p:nvSpPr>
+          <p:cNvPr id="2" name="Slide Image Placeholder 1"/>
+          <p:cNvSpPr>
+            <a:spLocks noGrp="1" noRot="1" noChangeAspect="1"/>
+          </p:cNvSpPr>
+          <p:nvPr>
+            <p:ph type="sldImg"/>
+          </p:nvPr>
+        </p:nvSpPr>
+        <p:spPr/>
+      </p:sp>
+      <p:sp>
+        <p:nvSpPr>
+          <p:cNvPr id="3" name="Notes Placeholder 2"/>
+          <p:cNvSpPr>
+            <a:spLocks noGrp="1"/>
+          </p:cNvSpPr>
+          <p:nvPr>
+            <p:ph type="body" idx="1"/>
+          </p:nvPr>
+        </p:nvSpPr>
+        <p:spPr/>
+        <p:txBody>
+          <a:bodyPr/>
+          <a:lstStyle/>
+          <a:p>
+            <a:endParaRPr lang="en-US" dirty="0"/>
+          </a:p>
+        </p:txBody>
+      </p:sp>
+      <p:sp>
+        <p:nvSpPr>
+          <p:cNvPr id="4" name="Slide Number Placeholder 3"/>
+          <p:cNvSpPr>
+            <a:spLocks noGrp="1"/>
+          </p:cNvSpPr>
+          <p:nvPr>
+            <p:ph type="sldNum" sz="quarter" idx="10"/>
+          </p:nvPr>
+        </p:nvSpPr>
+        <p:spPr/>
+        <p:txBody>
+          <a:bodyPr/>
+          <a:lstStyle/>
+          <a:p>
+            <a:fld id="{659CF16A-931A-4FA0-9966-73E38C0BCCFA}" type="slidenum">
+              <a:rPr lang="en-US" smtClean="0"/>
+              <a:t>7</a:t>
+            </a:fld>
+            <a:endParaRPr lang="en-US" dirty="0"/>
+          </a:p>
+        </p:txBody>
+      </p:sp>
+    </p:spTree>
+    <p:extLst>
+      <p:ext uri="{BB962C8B-B14F-4D97-AF65-F5344CB8AC3E}">
+        <p14:creationId xmlns:p14="http://schemas.microsoft.com/office/powerpoint/2010/main" val="2998323227"/>
+      </p:ext>
+    </p:extLst>
+  </p:cSld>
+  <p:clrMapOvr>
+    <a:masterClrMapping/>
+  </p:clrMapOvr>
+</p:notes>
+</file>
+
+<file path=ppt/notesSlides/notesSlide8.xml><?xml version="1.0" encoding="utf-8"?>
+<p:notes xmlns:a="http://schemas.openxmlformats.org/drawingml/2006/main" xmlns:r="http://schemas.openxmlformats.org/officeDocument/2006/relationships" xmlns:p="http://schemas.openxmlformats.org/presentationml/2006/main">
+  <p:cSld>
+    <p:spTree>
+      <p:nvGrpSpPr>
+        <p:cNvPr id="1" name=""/>
+        <p:cNvGrpSpPr/>
+        <p:nvPr/>
+      </p:nvGrpSpPr>
+      <p:grpSpPr>
+        <a:xfrm>
+          <a:off x="0" y="0"/>
+          <a:ext cx="0" cy="0"/>
+          <a:chOff x="0" y="0"/>
+          <a:chExt cx="0" cy="0"/>
+        </a:xfrm>
+      </p:grpSpPr>
+      <p:sp>
+        <p:nvSpPr>
+          <p:cNvPr id="2" name="Slide Image Placeholder 1"/>
+          <p:cNvSpPr>
+            <a:spLocks noGrp="1" noRot="1" noChangeAspect="1"/>
+          </p:cNvSpPr>
+          <p:nvPr>
+            <p:ph type="sldImg"/>
+          </p:nvPr>
+        </p:nvSpPr>
+        <p:spPr/>
+      </p:sp>
+      <p:sp>
+        <p:nvSpPr>
+          <p:cNvPr id="3" name="Notes Placeholder 2"/>
+          <p:cNvSpPr>
+            <a:spLocks noGrp="1"/>
+          </p:cNvSpPr>
+          <p:nvPr>
+            <p:ph type="body" idx="1"/>
+          </p:nvPr>
+        </p:nvSpPr>
+        <p:spPr/>
+        <p:txBody>
+          <a:bodyPr/>
+          <a:lstStyle/>
+          <a:p>
+            <a:endParaRPr lang="en-US" dirty="0"/>
+          </a:p>
+        </p:txBody>
+      </p:sp>
+      <p:sp>
+        <p:nvSpPr>
+          <p:cNvPr id="4" name="Slide Number Placeholder 3"/>
+          <p:cNvSpPr>
+            <a:spLocks noGrp="1"/>
+          </p:cNvSpPr>
+          <p:nvPr>
+            <p:ph type="sldNum" sz="quarter" idx="10"/>
+          </p:nvPr>
+        </p:nvSpPr>
+        <p:spPr/>
+        <p:txBody>
+          <a:bodyPr/>
+          <a:lstStyle/>
+          <a:p>
+            <a:fld id="{659CF16A-931A-4FA0-9966-73E38C0BCCFA}" type="slidenum">
+              <a:rPr lang="en-US" smtClean="0"/>
+              <a:t>8</a:t>
+            </a:fld>
+            <a:endParaRPr lang="en-US" dirty="0"/>
+          </a:p>
+        </p:txBody>
+      </p:sp>
+    </p:spTree>
+    <p:extLst>
+      <p:ext uri="{BB962C8B-B14F-4D97-AF65-F5344CB8AC3E}">
+        <p14:creationId xmlns:p14="http://schemas.microsoft.com/office/powerpoint/2010/main" val="2904292274"/>
+      </p:ext>
+    </p:extLst>
+  </p:cSld>
+  <p:clrMapOvr>
+    <a:masterClrMapping/>
+  </p:clrMapOvr>
+</p:notes>
+</file>
+
+<file path=ppt/notesSlides/notesSlide9.xml><?xml version="1.0" encoding="utf-8"?>
+<p:notes xmlns:a="http://schemas.openxmlformats.org/drawingml/2006/main" xmlns:r="http://schemas.openxmlformats.org/officeDocument/2006/relationships" xmlns:p="http://schemas.openxmlformats.org/presentationml/2006/main">
+  <p:cSld>
+    <p:spTree>
+      <p:nvGrpSpPr>
+        <p:cNvPr id="1" name=""/>
+        <p:cNvGrpSpPr/>
+        <p:nvPr/>
+      </p:nvGrpSpPr>
+      <p:grpSpPr>
+        <a:xfrm>
+          <a:off x="0" y="0"/>
+          <a:ext cx="0" cy="0"/>
+          <a:chOff x="0" y="0"/>
+          <a:chExt cx="0" cy="0"/>
+        </a:xfrm>
+      </p:grpSpPr>
+      <p:sp>
+        <p:nvSpPr>
+          <p:cNvPr id="2" name="Slide Image Placeholder 1"/>
+          <p:cNvSpPr>
+            <a:spLocks noGrp="1" noRot="1" noChangeAspect="1"/>
+          </p:cNvSpPr>
+          <p:nvPr>
+            <p:ph type="sldImg"/>
+          </p:nvPr>
+        </p:nvSpPr>
+        <p:spPr/>
+      </p:sp>
+      <p:sp>
+        <p:nvSpPr>
+          <p:cNvPr id="3" name="Notes Placeholder 2"/>
+          <p:cNvSpPr>
+            <a:spLocks noGrp="1"/>
+          </p:cNvSpPr>
+          <p:nvPr>
+            <p:ph type="body" idx="1"/>
+          </p:nvPr>
+        </p:nvSpPr>
+        <p:spPr/>
+        <p:txBody>
+          <a:bodyPr/>
+          <a:lstStyle/>
+          <a:p>
+            <a:endParaRPr lang="en-US" dirty="0"/>
+          </a:p>
+        </p:txBody>
+      </p:sp>
+      <p:sp>
+        <p:nvSpPr>
+          <p:cNvPr id="4" name="Slide Number Placeholder 3"/>
+          <p:cNvSpPr>
+            <a:spLocks noGrp="1"/>
+          </p:cNvSpPr>
+          <p:nvPr>
+            <p:ph type="sldNum" sz="quarter" idx="10"/>
+          </p:nvPr>
+        </p:nvSpPr>
+        <p:spPr/>
+        <p:txBody>
+          <a:bodyPr/>
+          <a:lstStyle/>
+          <a:p>
+            <a:fld id="{659CF16A-931A-4FA0-9966-73E38C0BCCFA}" type="slidenum">
+              <a:rPr lang="en-US" smtClean="0"/>
+              <a:t>9</a:t>
+            </a:fld>
+            <a:endParaRPr lang="en-US" dirty="0"/>
+          </a:p>
+        </p:txBody>
+      </p:sp>
+    </p:spTree>
+    <p:extLst>
+      <p:ext uri="{BB962C8B-B14F-4D97-AF65-F5344CB8AC3E}">
+        <p14:creationId xmlns:p14="http://schemas.microsoft.com/office/powerpoint/2010/main" val="107861604"/>
       </p:ext>
     </p:extLst>
   </p:cSld>
@@ -3151,7 +5924,11 @@
           <a:p>
             <a:r>
               <a:rPr lang="en-US" sz="1600" noProof="0" dirty="0" smtClean="0"/>
-              <a:t>Version 3.26</a:t>
+              <a:t>Version </a:t>
+            </a:r>
+            <a:r>
+              <a:rPr lang="en-US" sz="1600" noProof="0" dirty="0" smtClean="0"/>
+              <a:t>3.29</a:t>
             </a:r>
             <a:endParaRPr lang="en-US" sz="1600" noProof="0" dirty="0"/>
           </a:p>
@@ -3376,7 +6153,7 @@
           <p:nvPr/>
         </p:nvPicPr>
         <p:blipFill>
-          <a:blip r:embed="rId2" cstate="print">
+          <a:blip r:embed="rId3" cstate="print">
             <a:extLst>
               <a:ext uri="{28A0092B-C50C-407E-A947-70E740481C1C}">
                 <a14:useLocalDpi xmlns:a14="http://schemas.microsoft.com/office/drawing/2010/main" val="0"/>
@@ -3485,23 +6262,36 @@
             <a:pPr lvl="1"/>
             <a:r>
               <a:rPr lang="en-US" dirty="0"/>
-              <a:t>.so file on Linux and macOS</a:t>
+              <a:t>.so </a:t>
+            </a:r>
+            <a:r>
+              <a:rPr lang="en-US" dirty="0" smtClean="0"/>
+              <a:t>(Linux), .</a:t>
+            </a:r>
+            <a:r>
+              <a:rPr lang="en-US" dirty="0" err="1" smtClean="0"/>
+              <a:t>dylib</a:t>
+            </a:r>
+            <a:r>
+              <a:rPr lang="en-US" dirty="0" smtClean="0"/>
+              <a:t> (macOS), .</a:t>
+            </a:r>
+            <a:r>
+              <a:rPr lang="en-US" dirty="0" err="1" smtClean="0"/>
+              <a:t>dll</a:t>
+            </a:r>
+            <a:r>
+              <a:rPr lang="en-US" dirty="0" smtClean="0"/>
+              <a:t> (Windows)</a:t>
             </a:r>
           </a:p>
           <a:p>
             <a:pPr lvl="1"/>
             <a:r>
-              <a:rPr lang="en-US" dirty="0"/>
-              <a:t>.</a:t>
-            </a:r>
-            <a:r>
-              <a:rPr lang="en-US" dirty="0" err="1"/>
-              <a:t>dll</a:t>
-            </a:r>
-            <a:r>
-              <a:rPr lang="en-US" dirty="0"/>
-              <a:t> file on Windows</a:t>
-            </a:r>
+              <a:rPr lang="en-US" dirty="0" smtClean="0"/>
+              <a:t>plus some embedded plugins, not seen as shareable libraries</a:t>
+            </a:r>
+            <a:endParaRPr lang="en-US" dirty="0"/>
           </a:p>
           <a:p>
             <a:r>
@@ -3529,10 +6319,22 @@
             </a:r>
             <a:r>
               <a:rPr lang="en-US" dirty="0"/>
-              <a:t>.so (or .</a:t>
-            </a:r>
-            <a:r>
-              <a:rPr lang="en-US" dirty="0" err="1"/>
+              <a:t>.so (or </a:t>
+            </a:r>
+            <a:r>
+              <a:rPr lang="en-US" dirty="0" smtClean="0"/>
+              <a:t>.</a:t>
+            </a:r>
+            <a:r>
+              <a:rPr lang="en-US" dirty="0" err="1" smtClean="0"/>
+              <a:t>dylib</a:t>
+            </a:r>
+            <a:r>
+              <a:rPr lang="en-US" dirty="0" smtClean="0"/>
+              <a:t> or .</a:t>
+            </a:r>
+            <a:r>
+              <a:rPr lang="en-US" dirty="0" err="1" smtClean="0"/>
               <a:t>dll</a:t>
             </a:r>
             <a:r>
@@ -4096,60 +6898,12 @@
           <a:p>
             <a:pPr algn="ctr"/>
             <a:r>
-              <a:rPr lang="fr-FR" dirty="0" smtClean="0">
+              <a:rPr lang="en-US" dirty="0" smtClean="0">
                 <a:solidFill>
                   <a:schemeClr val="bg1"/>
                 </a:solidFill>
               </a:rPr>
-              <a:t>capture DVB </a:t>
-            </a:r>
-            <a:r>
-              <a:rPr lang="fr-FR" dirty="0" err="1" smtClean="0">
-                <a:solidFill>
-                  <a:schemeClr val="bg1"/>
-                </a:solidFill>
-              </a:rPr>
-              <a:t>stream</a:t>
-            </a:r>
-            <a:r>
-              <a:rPr lang="fr-FR" dirty="0" smtClean="0">
-                <a:solidFill>
-                  <a:schemeClr val="bg1"/>
-                </a:solidFill>
-              </a:rPr>
-              <a:t> </a:t>
-            </a:r>
-            <a:r>
-              <a:rPr lang="fr-FR" dirty="0" err="1" smtClean="0">
-                <a:solidFill>
-                  <a:schemeClr val="bg1"/>
-                </a:solidFill>
-              </a:rPr>
-              <a:t>from</a:t>
-            </a:r>
-            <a:r>
-              <a:rPr lang="fr-FR" dirty="0" smtClean="0">
-                <a:solidFill>
-                  <a:schemeClr val="bg1"/>
-                </a:solidFill>
-              </a:rPr>
-              <a:t> UHF </a:t>
-            </a:r>
-            <a:r>
-              <a:rPr lang="fr-FR" dirty="0" err="1" smtClean="0">
-                <a:solidFill>
-                  <a:schemeClr val="bg1"/>
-                </a:solidFill>
-              </a:rPr>
-              <a:t>channel</a:t>
-            </a:r>
-            <a:r>
-              <a:rPr lang="fr-FR" dirty="0" smtClean="0">
-                <a:solidFill>
-                  <a:schemeClr val="bg1"/>
-                </a:solidFill>
-              </a:rPr>
-              <a:t> 21</a:t>
+              <a:t>capture DVB stream from UHF channel 21</a:t>
             </a:r>
             <a:endParaRPr lang="en-US" dirty="0">
               <a:solidFill>
@@ -4242,39 +6996,15 @@
           <a:p>
             <a:pPr algn="ctr"/>
             <a:r>
-              <a:rPr lang="fr-FR" dirty="0" err="1" smtClean="0">
+              <a:rPr lang="en-US" dirty="0" smtClean="0">
                 <a:solidFill>
                   <a:schemeClr val="bg1"/>
                 </a:solidFill>
               </a:rPr>
-              <a:t>save</a:t>
-            </a:r>
-            <a:r>
-              <a:rPr lang="fr-FR" dirty="0" smtClean="0">
-                <a:solidFill>
-                  <a:schemeClr val="bg1"/>
-                </a:solidFill>
-              </a:rPr>
-              <a:t> </a:t>
-            </a:r>
-            <a:r>
-              <a:rPr lang="fr-FR" dirty="0" err="1" smtClean="0">
-                <a:solidFill>
-                  <a:schemeClr val="bg1"/>
-                </a:solidFill>
-              </a:rPr>
-              <a:t>packets</a:t>
-            </a:r>
-            <a:r>
-              <a:rPr lang="fr-FR" dirty="0" smtClean="0">
-                <a:solidFill>
-                  <a:schemeClr val="bg1"/>
-                </a:solidFill>
-              </a:rPr>
-              <a:t> to file </a:t>
-            </a:r>
-            <a:r>
-              <a:rPr lang="fr-FR" dirty="0" err="1" smtClean="0">
+              <a:t>save packets to file </a:t>
+            </a:r>
+            <a:r>
+              <a:rPr lang="en-US" dirty="0" err="1" smtClean="0">
                 <a:solidFill>
                   <a:schemeClr val="bg1"/>
                 </a:solidFill>
@@ -4372,68 +7102,12 @@
           <a:p>
             <a:pPr algn="ctr"/>
             <a:r>
-              <a:rPr lang="fr-FR" dirty="0" err="1" smtClean="0">
+              <a:rPr lang="en-US" dirty="0" smtClean="0">
                 <a:solidFill>
                   <a:schemeClr val="bg1"/>
                 </a:solidFill>
               </a:rPr>
-              <a:t>pass</a:t>
-            </a:r>
-            <a:r>
-              <a:rPr lang="fr-FR" dirty="0" smtClean="0">
-                <a:solidFill>
-                  <a:schemeClr val="bg1"/>
-                </a:solidFill>
-              </a:rPr>
-              <a:t> </a:t>
-            </a:r>
-            <a:r>
-              <a:rPr lang="fr-FR" dirty="0" err="1" smtClean="0">
-                <a:solidFill>
-                  <a:schemeClr val="bg1"/>
-                </a:solidFill>
-              </a:rPr>
-              <a:t>packets</a:t>
-            </a:r>
-            <a:r>
-              <a:rPr lang="fr-FR" dirty="0" smtClean="0">
-                <a:solidFill>
-                  <a:schemeClr val="bg1"/>
-                </a:solidFill>
-              </a:rPr>
-              <a:t> </a:t>
-            </a:r>
-            <a:r>
-              <a:rPr lang="fr-FR" dirty="0" err="1" smtClean="0">
-                <a:solidFill>
-                  <a:schemeClr val="bg1"/>
-                </a:solidFill>
-              </a:rPr>
-              <a:t>during</a:t>
-            </a:r>
-            <a:r>
-              <a:rPr lang="fr-FR" dirty="0" smtClean="0">
-                <a:solidFill>
-                  <a:schemeClr val="bg1"/>
-                </a:solidFill>
-              </a:rPr>
-              <a:t> 20 seconds, </a:t>
-            </a:r>
-            <a:r>
-              <a:rPr lang="fr-FR" dirty="0" err="1" smtClean="0">
-                <a:solidFill>
-                  <a:schemeClr val="bg1"/>
-                </a:solidFill>
-              </a:rPr>
-              <a:t>then</a:t>
-            </a:r>
-            <a:r>
-              <a:rPr lang="fr-FR" dirty="0" smtClean="0">
-                <a:solidFill>
-                  <a:schemeClr val="bg1"/>
-                </a:solidFill>
-              </a:rPr>
-              <a:t> stop</a:t>
+              <a:t>pass packets during 20 seconds, then stop</a:t>
             </a:r>
             <a:endParaRPr lang="en-US" dirty="0">
               <a:solidFill>
@@ -4619,36 +7293,12 @@
           <a:p>
             <a:pPr algn="ctr"/>
             <a:r>
-              <a:rPr lang="fr-FR" dirty="0" err="1" smtClean="0">
+              <a:rPr lang="en-US" dirty="0" smtClean="0">
                 <a:solidFill>
                   <a:schemeClr val="bg1"/>
                 </a:solidFill>
               </a:rPr>
-              <a:t>extract</a:t>
-            </a:r>
-            <a:r>
-              <a:rPr lang="fr-FR" dirty="0" smtClean="0">
-                <a:solidFill>
-                  <a:schemeClr val="bg1"/>
-                </a:solidFill>
-              </a:rPr>
-              <a:t> PID </a:t>
-            </a:r>
-            <a:r>
-              <a:rPr lang="fr-FR" dirty="0" err="1" smtClean="0">
-                <a:solidFill>
-                  <a:schemeClr val="bg1"/>
-                </a:solidFill>
-              </a:rPr>
-              <a:t>containing</a:t>
-            </a:r>
-            <a:r>
-              <a:rPr lang="fr-FR" dirty="0" smtClean="0">
-                <a:solidFill>
-                  <a:schemeClr val="bg1"/>
-                </a:solidFill>
-              </a:rPr>
-              <a:t> the PMT</a:t>
+              <a:t>extract PID containing the PMT</a:t>
             </a:r>
             <a:endParaRPr lang="en-US" dirty="0">
               <a:solidFill>
@@ -4741,28 +7391,12 @@
           <a:p>
             <a:pPr algn="ctr"/>
             <a:r>
-              <a:rPr lang="fr-FR" dirty="0" smtClean="0">
+              <a:rPr lang="en-US" dirty="0" smtClean="0">
                 <a:solidFill>
                   <a:schemeClr val="bg1"/>
                 </a:solidFill>
               </a:rPr>
-              <a:t>display one table, </a:t>
-            </a:r>
-            <a:r>
-              <a:rPr lang="fr-FR" dirty="0" err="1" smtClean="0">
-                <a:solidFill>
-                  <a:schemeClr val="bg1"/>
-                </a:solidFill>
-              </a:rPr>
-              <a:t>then</a:t>
-            </a:r>
-            <a:r>
-              <a:rPr lang="fr-FR" dirty="0" smtClean="0">
-                <a:solidFill>
-                  <a:schemeClr val="bg1"/>
-                </a:solidFill>
-              </a:rPr>
-              <a:t> stop</a:t>
+              <a:t>display one table, then stop</a:t>
             </a:r>
             <a:endParaRPr lang="en-US" dirty="0">
               <a:solidFill>
@@ -4855,20 +7489,12 @@
           <a:p>
             <a:pPr algn="ctr"/>
             <a:r>
-              <a:rPr lang="fr-FR" dirty="0" smtClean="0">
+              <a:rPr lang="en-US" dirty="0" smtClean="0">
                 <a:solidFill>
                   <a:schemeClr val="bg1"/>
                 </a:solidFill>
               </a:rPr>
-              <a:t>drop output </a:t>
-            </a:r>
-            <a:r>
-              <a:rPr lang="fr-FR" dirty="0" err="1" smtClean="0">
-                <a:solidFill>
-                  <a:schemeClr val="bg1"/>
-                </a:solidFill>
-              </a:rPr>
-              <a:t>packets</a:t>
+              <a:t>drop output packets</a:t>
             </a:r>
             <a:endParaRPr lang="en-US" dirty="0">
               <a:solidFill>
@@ -5751,7 +8377,7 @@
           <p:nvPr/>
         </p:nvPicPr>
         <p:blipFill>
-          <a:blip r:embed="rId2" cstate="print">
+          <a:blip r:embed="rId3" cstate="print">
             <a:extLst>
               <a:ext uri="{28A0092B-C50C-407E-A947-70E740481C1C}">
                 <a14:useLocalDpi xmlns:a14="http://schemas.microsoft.com/office/drawing/2010/main" val="0"/>
@@ -6538,28 +9164,12 @@
           <a:p>
             <a:pPr algn="ctr"/>
             <a:r>
-              <a:rPr lang="fr-FR" dirty="0" smtClean="0">
+              <a:rPr lang="en-US" dirty="0" smtClean="0">
                 <a:solidFill>
                   <a:schemeClr val="bg1"/>
                 </a:solidFill>
               </a:rPr>
-              <a:t>(service </a:t>
-            </a:r>
-            <a:r>
-              <a:rPr lang="fr-FR" dirty="0" err="1" smtClean="0">
-                <a:solidFill>
-                  <a:schemeClr val="bg1"/>
-                </a:solidFill>
-              </a:rPr>
-              <a:t>name</a:t>
-            </a:r>
-            <a:r>
-              <a:rPr lang="fr-FR" dirty="0" smtClean="0">
-                <a:solidFill>
-                  <a:schemeClr val="bg1"/>
-                </a:solidFill>
-              </a:rPr>
-              <a:t>, service id, LCN)</a:t>
+              <a:t>(service name, service id, LCN)</a:t>
             </a:r>
             <a:endParaRPr lang="en-US" dirty="0">
               <a:solidFill>
@@ -6894,7 +9504,7 @@
           <p:nvPr/>
         </p:nvPicPr>
         <p:blipFill>
-          <a:blip r:embed="rId2" cstate="print">
+          <a:blip r:embed="rId3" cstate="print">
             <a:extLst>
               <a:ext uri="{28A0092B-C50C-407E-A947-70E740481C1C}">
                 <a14:useLocalDpi xmlns:a14="http://schemas.microsoft.com/office/drawing/2010/main" val="0"/>
@@ -7042,7 +9652,7 @@
           <p:nvPr/>
         </p:nvPicPr>
         <p:blipFill>
-          <a:blip r:embed="rId2" cstate="print">
+          <a:blip r:embed="rId3" cstate="print">
             <a:extLst>
               <a:ext uri="{28A0092B-C50C-407E-A947-70E740481C1C}">
                 <a14:useLocalDpi xmlns:a14="http://schemas.microsoft.com/office/drawing/2010/main" val="0"/>
@@ -7134,7 +9744,7 @@
           </p:nvPr>
         </p:nvPicPr>
         <p:blipFill>
-          <a:blip r:embed="rId2" cstate="print">
+          <a:blip r:embed="rId3" cstate="print">
             <a:extLst>
               <a:ext uri="{28A0092B-C50C-407E-A947-70E740481C1C}">
                 <a14:useLocalDpi xmlns:a14="http://schemas.microsoft.com/office/drawing/2010/main" val="0"/>
@@ -7359,11 +9969,11 @@
               </a:spcBef>
             </a:pPr>
             <a:r>
-              <a:rPr lang="fr-FR" sz="2400" dirty="0" err="1" smtClean="0"/>
+              <a:rPr lang="en-US" sz="2400" dirty="0" err="1" smtClean="0"/>
               <a:t>tsswitch</a:t>
             </a:r>
             <a:r>
-              <a:rPr lang="fr-FR" sz="2400" dirty="0" smtClean="0"/>
+              <a:rPr lang="en-US" sz="2400" dirty="0" smtClean="0"/>
               <a:t> command</a:t>
             </a:r>
           </a:p>
@@ -7374,18 +9984,9 @@
               </a:spcBef>
             </a:pPr>
             <a:r>
-              <a:rPr lang="fr-FR" sz="2400" dirty="0" err="1" smtClean="0"/>
-              <a:t>same</a:t>
-            </a:r>
-            <a:r>
-              <a:rPr lang="fr-FR" sz="2400" dirty="0" smtClean="0"/>
-              <a:t> plugins as </a:t>
-            </a:r>
-            <a:r>
-              <a:rPr lang="fr-FR" sz="2400" dirty="0" err="1" smtClean="0"/>
-              <a:t>tsp</a:t>
-            </a:r>
-            <a:endParaRPr lang="fr-FR" sz="2400" dirty="0" smtClean="0"/>
+              <a:rPr lang="en-US" sz="2400" dirty="0" smtClean="0"/>
+              <a:t>same plugins as tsp</a:t>
+            </a:r>
           </a:p>
           <a:p>
             <a:pPr>
@@ -7394,26 +9995,9 @@
               </a:spcBef>
             </a:pPr>
             <a:r>
-              <a:rPr lang="fr-FR" sz="2400" dirty="0" err="1" smtClean="0"/>
-              <a:t>various</a:t>
-            </a:r>
-            <a:r>
-              <a:rPr lang="fr-FR" sz="2400" dirty="0" smtClean="0"/>
-              <a:t> </a:t>
-            </a:r>
-            <a:r>
-              <a:rPr lang="fr-FR" sz="2400" dirty="0" err="1" smtClean="0"/>
-              <a:t>switching</a:t>
-            </a:r>
-            <a:r>
-              <a:rPr lang="fr-FR" sz="2400" dirty="0" smtClean="0"/>
-              <a:t> </a:t>
-            </a:r>
-            <a:r>
-              <a:rPr lang="fr-FR" sz="2400" dirty="0" err="1" smtClean="0"/>
-              <a:t>strategies</a:t>
-            </a:r>
-            <a:endParaRPr lang="fr-FR" sz="2400" dirty="0"/>
+              <a:rPr lang="en-US" sz="2400" dirty="0" smtClean="0"/>
+              <a:t>various switching strategies</a:t>
+            </a:r>
           </a:p>
           <a:p>
             <a:pPr>
@@ -7422,20 +10006,8 @@
               </a:spcBef>
             </a:pPr>
             <a:r>
-              <a:rPr lang="fr-FR" sz="2400" dirty="0" err="1" smtClean="0"/>
-              <a:t>remote</a:t>
-            </a:r>
-            <a:r>
-              <a:rPr lang="fr-FR" sz="2400" dirty="0" smtClean="0"/>
-              <a:t> control </a:t>
-            </a:r>
-            <a:r>
-              <a:rPr lang="fr-FR" sz="2400" dirty="0" err="1" smtClean="0"/>
-              <a:t>using</a:t>
-            </a:r>
-            <a:r>
-              <a:rPr lang="fr-FR" sz="2400" dirty="0" smtClean="0"/>
-              <a:t> UDP</a:t>
+              <a:rPr lang="en-US" sz="2400" dirty="0" smtClean="0"/>
+              <a:t>remote control using UDP</a:t>
             </a:r>
             <a:endParaRPr lang="en-US" sz="2400" dirty="0"/>
           </a:p>
@@ -7684,8 +10256,13 @@
             <a:pPr lvl="1"/>
             <a:r>
               <a:rPr lang="en-US" dirty="0" smtClean="0"/>
-              <a:t>Network: multicast IP, HLS, HTTP, SRT</a:t>
-            </a:r>
+              <a:t>Network: multicast IP, HLS, HTTP, </a:t>
+            </a:r>
+            <a:r>
+              <a:rPr lang="en-US" dirty="0" smtClean="0"/>
+              <a:t>SRT, RIST</a:t>
+            </a:r>
+            <a:endParaRPr lang="en-US" dirty="0" smtClean="0"/>
           </a:p>
           <a:p>
             <a:pPr lvl="1"/>
@@ -7726,8 +10303,13 @@
             <a:pPr lvl="1"/>
             <a:r>
               <a:rPr lang="en-US" dirty="0" smtClean="0"/>
-              <a:t>Network: multicast IP, HLS, SRT</a:t>
-            </a:r>
+              <a:t>Network: multicast IP, HLS, </a:t>
+            </a:r>
+            <a:r>
+              <a:rPr lang="en-US" dirty="0" smtClean="0"/>
+              <a:t>SRT, RIST</a:t>
+            </a:r>
+            <a:endParaRPr lang="en-US" dirty="0" smtClean="0"/>
           </a:p>
           <a:p>
             <a:pPr lvl="1"/>
@@ -7975,7 +10557,15 @@
             </a:pPr>
             <a:r>
               <a:rPr lang="en-US" dirty="0" smtClean="0"/>
-              <a:t>67 packet processing plugins available (version 3.26)</a:t>
+              <a:t>75 </a:t>
+            </a:r>
+            <a:r>
+              <a:rPr lang="en-US" dirty="0" smtClean="0"/>
+              <a:t>packet processing plugins available (version </a:t>
+            </a:r>
+            <a:r>
+              <a:rPr lang="en-US" dirty="0" smtClean="0"/>
+              <a:t>3.29)</a:t>
             </a:r>
             <a:endParaRPr lang="en-US" dirty="0"/>
           </a:p>
@@ -8117,7 +10707,7 @@
           <a:lstStyle/>
           <a:p>
             <a:r>
-              <a:rPr lang="fr-FR" dirty="0" smtClean="0"/>
+              <a:rPr lang="en-US" dirty="0" smtClean="0"/>
               <a:t>MPEG tables and sections</a:t>
             </a:r>
             <a:endParaRPr lang="en-US" dirty="0"/>
@@ -8142,61 +10732,36 @@
           <a:lstStyle/>
           <a:p>
             <a:r>
-              <a:rPr lang="fr-FR" dirty="0" smtClean="0"/>
-              <a:t>Extraction </a:t>
-            </a:r>
-            <a:r>
-              <a:rPr lang="fr-FR" dirty="0" err="1" smtClean="0"/>
-              <a:t>from</a:t>
-            </a:r>
-            <a:r>
-              <a:rPr lang="fr-FR" dirty="0" smtClean="0"/>
-              <a:t> TS, injection </a:t>
-            </a:r>
-            <a:r>
-              <a:rPr lang="fr-FR" dirty="0" err="1" smtClean="0"/>
-              <a:t>into</a:t>
-            </a:r>
-            <a:r>
-              <a:rPr lang="fr-FR" dirty="0" smtClean="0"/>
-              <a:t> TS</a:t>
-            </a:r>
-          </a:p>
-          <a:p>
-            <a:r>
-              <a:rPr lang="fr-FR" dirty="0" smtClean="0"/>
+              <a:rPr lang="en-US" dirty="0" smtClean="0"/>
+              <a:t>Extraction from TS, injection into TS</a:t>
+            </a:r>
+          </a:p>
+          <a:p>
+            <a:r>
+              <a:rPr lang="en-US" dirty="0" smtClean="0"/>
               <a:t>Data formats</a:t>
             </a:r>
           </a:p>
           <a:p>
             <a:pPr lvl="1"/>
             <a:r>
-              <a:rPr lang="fr-FR" dirty="0" err="1"/>
-              <a:t>b</a:t>
-            </a:r>
-            <a:r>
-              <a:rPr lang="fr-FR" dirty="0" err="1" smtClean="0"/>
-              <a:t>inary</a:t>
-            </a:r>
-            <a:endParaRPr lang="fr-FR" dirty="0"/>
+              <a:rPr lang="en-US" dirty="0" smtClean="0"/>
+              <a:t>binary</a:t>
+            </a:r>
           </a:p>
           <a:p>
             <a:pPr marL="914400" lvl="2" indent="0">
               <a:buNone/>
             </a:pPr>
             <a:r>
-              <a:rPr lang="fr-FR" dirty="0" err="1" smtClean="0"/>
-              <a:t>raw</a:t>
-            </a:r>
-            <a:r>
-              <a:rPr lang="fr-FR" dirty="0" smtClean="0"/>
-              <a:t> sections</a:t>
+              <a:rPr lang="en-US" dirty="0" smtClean="0"/>
+              <a:t>raw sections</a:t>
             </a:r>
           </a:p>
           <a:p>
             <a:pPr lvl="1"/>
             <a:r>
-              <a:rPr lang="fr-FR" dirty="0" smtClean="0"/>
+              <a:rPr lang="en-US" dirty="0" smtClean="0"/>
               <a:t>XML</a:t>
             </a:r>
           </a:p>
@@ -8205,32 +10770,8 @@
               <a:buNone/>
             </a:pPr>
             <a:r>
-              <a:rPr lang="fr-FR" dirty="0" err="1"/>
-              <a:t>f</a:t>
-            </a:r>
-            <a:r>
-              <a:rPr lang="fr-FR" dirty="0" err="1" smtClean="0"/>
-              <a:t>ully</a:t>
-            </a:r>
-            <a:r>
-              <a:rPr lang="fr-FR" dirty="0" smtClean="0"/>
-              <a:t> </a:t>
-            </a:r>
-            <a:r>
-              <a:rPr lang="fr-FR" dirty="0" err="1" smtClean="0"/>
-              <a:t>documented</a:t>
-            </a:r>
-            <a:r>
-              <a:rPr lang="fr-FR" dirty="0" smtClean="0"/>
-              <a:t> in </a:t>
-            </a:r>
-            <a:r>
-              <a:rPr lang="fr-FR" dirty="0" err="1" smtClean="0"/>
-              <a:t>user’s</a:t>
-            </a:r>
-            <a:r>
-              <a:rPr lang="fr-FR" dirty="0" smtClean="0"/>
-              <a:t> guide</a:t>
+              <a:rPr lang="en-US" dirty="0" smtClean="0"/>
+              <a:t>fully documented in user’s guide</a:t>
             </a:r>
           </a:p>
           <a:p>
@@ -8238,42 +10779,14 @@
               <a:buNone/>
             </a:pPr>
             <a:r>
-              <a:rPr lang="fr-FR" dirty="0" err="1" smtClean="0"/>
-              <a:t>easy</a:t>
-            </a:r>
-            <a:r>
-              <a:rPr lang="fr-FR" dirty="0" smtClean="0"/>
-              <a:t> to </a:t>
-            </a:r>
-            <a:r>
-              <a:rPr lang="fr-FR" dirty="0" err="1" smtClean="0"/>
-              <a:t>manually</a:t>
-            </a:r>
-            <a:r>
-              <a:rPr lang="fr-FR" dirty="0" smtClean="0"/>
-              <a:t> </a:t>
-            </a:r>
-            <a:r>
-              <a:rPr lang="fr-FR" dirty="0" err="1" smtClean="0"/>
-              <a:t>edit</a:t>
-            </a:r>
-            <a:r>
-              <a:rPr lang="fr-FR" dirty="0" smtClean="0"/>
-              <a:t> or </a:t>
-            </a:r>
-            <a:r>
-              <a:rPr lang="fr-FR" dirty="0" err="1" smtClean="0"/>
-              <a:t>process</a:t>
-            </a:r>
-            <a:r>
-              <a:rPr lang="fr-FR" dirty="0" smtClean="0"/>
-              <a:t> in applications</a:t>
+              <a:rPr lang="en-US" dirty="0" smtClean="0"/>
+              <a:t>easy to manually edit or process in applications</a:t>
             </a:r>
           </a:p>
           <a:p>
             <a:pPr lvl="1"/>
             <a:r>
-              <a:rPr lang="fr-FR" dirty="0" smtClean="0"/>
+              <a:rPr lang="en-US" dirty="0" smtClean="0"/>
               <a:t>JSON </a:t>
             </a:r>
           </a:p>
@@ -8282,20 +10795,8 @@
               <a:buNone/>
             </a:pPr>
             <a:r>
-              <a:rPr lang="fr-FR" dirty="0" err="1" smtClean="0"/>
-              <a:t>through</a:t>
-            </a:r>
-            <a:r>
-              <a:rPr lang="fr-FR" dirty="0" smtClean="0"/>
-              <a:t> </a:t>
-            </a:r>
-            <a:r>
-              <a:rPr lang="fr-FR" dirty="0" err="1" smtClean="0"/>
-              <a:t>automated</a:t>
-            </a:r>
-            <a:r>
-              <a:rPr lang="fr-FR" dirty="0" smtClean="0"/>
-              <a:t> XML-to-JSON conversion</a:t>
+              <a:rPr lang="en-US" dirty="0" smtClean="0"/>
+              <a:t>through automated XML-to-JSON conversion</a:t>
             </a:r>
           </a:p>
           <a:p>
@@ -8303,60 +10804,27 @@
               <a:buNone/>
             </a:pPr>
             <a:r>
-              <a:rPr lang="fr-FR" dirty="0" err="1" smtClean="0"/>
-              <a:t>easy</a:t>
-            </a:r>
-            <a:r>
-              <a:rPr lang="fr-FR" dirty="0" smtClean="0"/>
-              <a:t> to </a:t>
-            </a:r>
-            <a:r>
-              <a:rPr lang="fr-FR" dirty="0" err="1" smtClean="0"/>
-              <a:t>process</a:t>
-            </a:r>
-            <a:r>
-              <a:rPr lang="fr-FR" dirty="0" smtClean="0"/>
-              <a:t> in applications, </a:t>
-            </a:r>
-            <a:r>
-              <a:rPr lang="fr-FR" dirty="0" err="1" smtClean="0"/>
-              <a:t>especially</a:t>
-            </a:r>
-            <a:r>
-              <a:rPr lang="fr-FR" dirty="0" smtClean="0"/>
-              <a:t> in Python</a:t>
-            </a:r>
-          </a:p>
-          <a:p>
-            <a:r>
-              <a:rPr lang="fr-FR" dirty="0" smtClean="0"/>
-              <a:t>All formats are </a:t>
-            </a:r>
-            <a:r>
-              <a:rPr lang="fr-FR" dirty="0" err="1" smtClean="0"/>
-              <a:t>uniformly</a:t>
-            </a:r>
-            <a:r>
-              <a:rPr lang="fr-FR" dirty="0" smtClean="0"/>
-              <a:t> </a:t>
-            </a:r>
-            <a:r>
-              <a:rPr lang="fr-FR" dirty="0" err="1" smtClean="0"/>
-              <a:t>used</a:t>
-            </a:r>
-            <a:endParaRPr lang="fr-FR" dirty="0" smtClean="0"/>
+              <a:rPr lang="en-US" dirty="0" smtClean="0"/>
+              <a:t>easy to process in applications, especially in Python</a:t>
+            </a:r>
+          </a:p>
+          <a:p>
+            <a:r>
+              <a:rPr lang="en-US" dirty="0" smtClean="0"/>
+              <a:t>All formats are uniformly used</a:t>
+            </a:r>
           </a:p>
           <a:p>
             <a:pPr lvl="1"/>
             <a:r>
-              <a:rPr lang="fr-FR" dirty="0" smtClean="0"/>
+              <a:rPr lang="en-US" dirty="0" smtClean="0"/>
               <a:t>TS extraction, modification, injection</a:t>
             </a:r>
           </a:p>
           <a:p>
             <a:pPr lvl="1"/>
             <a:r>
-              <a:rPr lang="fr-FR" dirty="0" smtClean="0"/>
+              <a:rPr lang="en-US" dirty="0" smtClean="0"/>
               <a:t>file manipulation</a:t>
             </a:r>
             <a:endParaRPr lang="en-US" dirty="0"/>
@@ -8416,12 +10884,8 @@
           <a:lstStyle/>
           <a:p>
             <a:r>
-              <a:rPr lang="fr-FR" dirty="0" err="1" smtClean="0"/>
-              <a:t>Sample</a:t>
-            </a:r>
-            <a:r>
-              <a:rPr lang="fr-FR" dirty="0" smtClean="0"/>
-              <a:t> XML file</a:t>
+              <a:rPr lang="en-US" dirty="0" smtClean="0"/>
+              <a:t>Sample XML file</a:t>
             </a:r>
             <a:endParaRPr lang="en-US" dirty="0"/>
           </a:p>
@@ -8906,16 +11370,8 @@
           <a:lstStyle/>
           <a:p>
             <a:r>
-              <a:rPr lang="fr-FR" dirty="0" smtClean="0"/>
-              <a:t>Multiple </a:t>
-            </a:r>
-            <a:r>
-              <a:rPr lang="fr-FR" dirty="0" err="1" smtClean="0"/>
-              <a:t>ways</a:t>
-            </a:r>
-            <a:r>
-              <a:rPr lang="fr-FR" dirty="0" smtClean="0"/>
-              <a:t> to update tables in a TS</a:t>
+              <a:rPr lang="en-US" dirty="0" smtClean="0"/>
+              <a:t>Multiple ways to update tables in a TS</a:t>
             </a:r>
             <a:endParaRPr lang="en-US" dirty="0"/>
           </a:p>
@@ -8937,146 +11393,69 @@
           <a:lstStyle/>
           <a:p>
             <a:r>
-              <a:rPr lang="fr-FR" dirty="0" err="1" smtClean="0"/>
-              <a:t>Specialized</a:t>
-            </a:r>
-            <a:r>
-              <a:rPr lang="fr-FR" dirty="0" smtClean="0"/>
-              <a:t> plugins </a:t>
-            </a:r>
-            <a:r>
-              <a:rPr lang="fr-FR" dirty="0" err="1" smtClean="0"/>
-              <a:t>with</a:t>
-            </a:r>
-            <a:r>
-              <a:rPr lang="fr-FR" dirty="0" smtClean="0"/>
-              <a:t> </a:t>
-            </a:r>
-            <a:r>
-              <a:rPr lang="fr-FR" dirty="0" err="1" smtClean="0"/>
-              <a:t>predefined</a:t>
-            </a:r>
-            <a:r>
-              <a:rPr lang="fr-FR" dirty="0" smtClean="0"/>
-              <a:t> options</a:t>
+              <a:rPr lang="en-US" dirty="0" smtClean="0"/>
+              <a:t>Specialized plugins with predefined options</a:t>
             </a:r>
           </a:p>
           <a:p>
             <a:pPr lvl="1"/>
             <a:r>
-              <a:rPr lang="fr-FR" dirty="0" smtClean="0"/>
+              <a:rPr lang="en-US" dirty="0" smtClean="0"/>
               <a:t>BAT, CAT, NIT, PAT, PMT, SDT</a:t>
             </a:r>
           </a:p>
           <a:p>
             <a:r>
-              <a:rPr lang="fr-FR" dirty="0" err="1" smtClean="0"/>
-              <a:t>Manual</a:t>
-            </a:r>
-            <a:r>
-              <a:rPr lang="fr-FR" dirty="0" smtClean="0"/>
-              <a:t> XML handling</a:t>
+              <a:rPr lang="en-US" dirty="0" smtClean="0"/>
+              <a:t>Manual XML handling</a:t>
             </a:r>
           </a:p>
           <a:p>
             <a:pPr lvl="1"/>
             <a:r>
-              <a:rPr lang="fr-FR" dirty="0" err="1" smtClean="0"/>
-              <a:t>Extract</a:t>
-            </a:r>
-            <a:r>
-              <a:rPr lang="fr-FR" dirty="0" smtClean="0"/>
-              <a:t> the table as an XML file</a:t>
+              <a:rPr lang="en-US" dirty="0" smtClean="0"/>
+              <a:t>Extract the table as an XML file</a:t>
             </a:r>
           </a:p>
           <a:p>
             <a:pPr lvl="1"/>
             <a:r>
-              <a:rPr lang="fr-FR" dirty="0" smtClean="0"/>
+              <a:rPr lang="en-US" dirty="0" smtClean="0"/>
               <a:t>Edit the file</a:t>
             </a:r>
           </a:p>
           <a:p>
             <a:pPr lvl="1"/>
             <a:r>
-              <a:rPr lang="fr-FR" dirty="0" err="1" smtClean="0"/>
-              <a:t>Reinject</a:t>
-            </a:r>
-            <a:r>
-              <a:rPr lang="fr-FR" dirty="0" smtClean="0"/>
-              <a:t> the file</a:t>
-            </a:r>
-          </a:p>
-          <a:p>
-            <a:r>
-              <a:rPr lang="fr-FR" dirty="0" err="1" smtClean="0"/>
-              <a:t>Automated</a:t>
-            </a:r>
-            <a:r>
-              <a:rPr lang="fr-FR" dirty="0" smtClean="0"/>
-              <a:t> XML modification</a:t>
+              <a:rPr lang="en-US" dirty="0" smtClean="0"/>
+              <a:t>Reinject the file</a:t>
+            </a:r>
+          </a:p>
+          <a:p>
+            <a:r>
+              <a:rPr lang="en-US" dirty="0" smtClean="0"/>
+              <a:t>Automated XML modification</a:t>
             </a:r>
           </a:p>
           <a:p>
             <a:pPr lvl="1"/>
             <a:r>
-              <a:rPr lang="fr-FR" dirty="0" err="1" smtClean="0"/>
-              <a:t>Using</a:t>
-            </a:r>
-            <a:r>
-              <a:rPr lang="fr-FR" dirty="0" smtClean="0"/>
-              <a:t> « XML patch files »</a:t>
+              <a:rPr lang="en-US" dirty="0" smtClean="0"/>
+              <a:t>Using « XML patch files »</a:t>
             </a:r>
           </a:p>
           <a:p>
             <a:pPr lvl="1"/>
             <a:r>
-              <a:rPr lang="fr-FR" dirty="0" smtClean="0"/>
-              <a:t>Flexible XML </a:t>
-            </a:r>
-            <a:r>
-              <a:rPr lang="fr-FR" dirty="0" err="1" smtClean="0"/>
-              <a:t>templates</a:t>
-            </a:r>
-            <a:r>
-              <a:rPr lang="fr-FR" dirty="0" smtClean="0"/>
-              <a:t> to update tables on the </a:t>
-            </a:r>
-            <a:r>
-              <a:rPr lang="fr-FR" dirty="0" err="1" smtClean="0"/>
-              <a:t>fly</a:t>
-            </a:r>
-            <a:endParaRPr lang="fr-FR" dirty="0" smtClean="0"/>
+              <a:rPr lang="en-US" dirty="0" smtClean="0"/>
+              <a:t>Flexible XML templates to update tables on the fly</a:t>
+            </a:r>
           </a:p>
           <a:p>
             <a:pPr lvl="1"/>
             <a:r>
-              <a:rPr lang="fr-FR" dirty="0" err="1" smtClean="0"/>
-              <a:t>Similar</a:t>
-            </a:r>
-            <a:r>
-              <a:rPr lang="fr-FR" dirty="0" smtClean="0"/>
-              <a:t> to XSLT in </a:t>
-            </a:r>
-            <a:r>
-              <a:rPr lang="fr-FR" dirty="0" err="1" smtClean="0"/>
-              <a:t>principle</a:t>
-            </a:r>
-            <a:r>
-              <a:rPr lang="fr-FR" dirty="0" smtClean="0"/>
-              <a:t>, but </a:t>
-            </a:r>
-            <a:r>
-              <a:rPr lang="fr-FR" dirty="0" err="1" smtClean="0"/>
-              <a:t>much</a:t>
-            </a:r>
-            <a:r>
-              <a:rPr lang="fr-FR" dirty="0" smtClean="0"/>
-              <a:t> </a:t>
-            </a:r>
-            <a:r>
-              <a:rPr lang="fr-FR" dirty="0" err="1" smtClean="0"/>
-              <a:t>simpler</a:t>
+              <a:rPr lang="en-US" dirty="0" smtClean="0"/>
+              <a:t>Similar to XSLT in principle, but much simpler</a:t>
             </a:r>
             <a:endParaRPr lang="en-US" dirty="0"/>
           </a:p>
@@ -9135,12 +11514,8 @@
           <a:lstStyle/>
           <a:p>
             <a:r>
-              <a:rPr lang="fr-FR" dirty="0" err="1" smtClean="0"/>
-              <a:t>Extending</a:t>
-            </a:r>
-            <a:r>
-              <a:rPr lang="fr-FR" dirty="0" smtClean="0"/>
-              <a:t> TSDuck</a:t>
+              <a:rPr lang="en-US" dirty="0" smtClean="0"/>
+              <a:t>Extending TSDuck</a:t>
             </a:r>
             <a:endParaRPr lang="en-US" dirty="0"/>
           </a:p>
@@ -9162,20 +11537,8 @@
           <a:lstStyle/>
           <a:p>
             <a:r>
-              <a:rPr lang="fr-FR" dirty="0" smtClean="0"/>
-              <a:t>C++ transport </a:t>
-            </a:r>
-            <a:r>
-              <a:rPr lang="fr-FR" dirty="0" err="1" smtClean="0"/>
-              <a:t>stream</a:t>
-            </a:r>
-            <a:r>
-              <a:rPr lang="fr-FR" dirty="0" smtClean="0"/>
-              <a:t> </a:t>
-            </a:r>
-            <a:r>
-              <a:rPr lang="fr-FR" dirty="0" err="1" smtClean="0"/>
-              <a:t>programming</a:t>
+              <a:rPr lang="en-US" dirty="0" smtClean="0"/>
+              <a:t>C++ transport stream programming</a:t>
             </a:r>
             <a:endParaRPr lang="en-US" dirty="0"/>
           </a:p>
@@ -9234,12 +11597,8 @@
           <a:lstStyle/>
           <a:p>
             <a:r>
-              <a:rPr lang="fr-FR" dirty="0" err="1" smtClean="0"/>
-              <a:t>Extending</a:t>
-            </a:r>
-            <a:r>
-              <a:rPr lang="fr-FR" dirty="0" smtClean="0"/>
-              <a:t> TSDuck</a:t>
+              <a:rPr lang="en-US" dirty="0" smtClean="0"/>
+              <a:t>Extending TSDuck</a:t>
             </a:r>
             <a:endParaRPr lang="en-US" dirty="0"/>
           </a:p>
@@ -9297,7 +11656,11 @@
             </a:pPr>
             <a:r>
               <a:rPr lang="en-US" dirty="0"/>
-              <a:t>DVB tuners and </a:t>
+              <a:t>DVB </a:t>
+            </a:r>
+            <a:r>
+              <a:rPr lang="en-US" dirty="0" smtClean="0"/>
+              <a:t>tuners, </a:t>
             </a:r>
             <a:r>
               <a:rPr lang="en-US" dirty="0" err="1"/>
@@ -9305,7 +11668,23 @@
             </a:r>
             <a:r>
               <a:rPr lang="en-US" dirty="0"/>
-              <a:t> cards are not supported on macOS</a:t>
+              <a:t> </a:t>
+            </a:r>
+            <a:r>
+              <a:rPr lang="en-US" dirty="0" smtClean="0"/>
+              <a:t>and </a:t>
+            </a:r>
+            <a:r>
+              <a:rPr lang="en-US" dirty="0" err="1" smtClean="0"/>
+              <a:t>HiDes</a:t>
+            </a:r>
+            <a:r>
+              <a:rPr lang="en-US" dirty="0" smtClean="0"/>
+              <a:t> devices </a:t>
+            </a:r>
+            <a:r>
+              <a:rPr lang="en-US" dirty="0"/>
+              <a:t>are not supported on macOS</a:t>
             </a:r>
           </a:p>
           <a:p>
@@ -9331,7 +11710,7 @@
               <a:rPr lang="en-US" dirty="0">
                 <a:latin typeface="Consolas" panose="020B0609020204030204" pitchFamily="49" charset="0"/>
                 <a:cs typeface="Consolas" panose="020B0609020204030204" pitchFamily="49" charset="0"/>
-                <a:hlinkClick r:id="rId2"/>
+                <a:hlinkClick r:id="rId3"/>
               </a:rPr>
               <a:t>https://tsduck.io/</a:t>
             </a:r>
@@ -9409,20 +11788,8 @@
           <a:lstStyle/>
           <a:p>
             <a:r>
-              <a:rPr lang="fr-FR" dirty="0" err="1" smtClean="0"/>
-              <a:t>Why</a:t>
-            </a:r>
-            <a:r>
-              <a:rPr lang="fr-FR" dirty="0" smtClean="0"/>
-              <a:t> </a:t>
-            </a:r>
-            <a:r>
-              <a:rPr lang="fr-FR" dirty="0" err="1" smtClean="0"/>
-              <a:t>extending</a:t>
-            </a:r>
-            <a:r>
-              <a:rPr lang="fr-FR" dirty="0" smtClean="0"/>
-              <a:t> TSDuck?</a:t>
+              <a:rPr lang="en-US" dirty="0" smtClean="0"/>
+              <a:t>Why extending TSDuck?</a:t>
             </a:r>
             <a:endParaRPr lang="en-US" dirty="0"/>
           </a:p>
@@ -9633,16 +12000,8 @@
           <a:lstStyle/>
           <a:p>
             <a:r>
-              <a:rPr lang="fr-FR" dirty="0" err="1" smtClean="0"/>
-              <a:t>Coding</a:t>
-            </a:r>
-            <a:r>
-              <a:rPr lang="fr-FR" dirty="0" smtClean="0"/>
-              <a:t> </a:t>
-            </a:r>
-            <a:r>
-              <a:rPr lang="fr-FR" dirty="0" err="1" smtClean="0"/>
-              <a:t>hints</a:t>
+              <a:rPr lang="en-US" dirty="0" smtClean="0"/>
+              <a:t>Coding hints</a:t>
             </a:r>
             <a:endParaRPr lang="en-US" dirty="0"/>
           </a:p>
@@ -9664,21 +12023,21 @@
           <a:lstStyle/>
           <a:p>
             <a:r>
-              <a:rPr lang="en-US" dirty="0"/>
+              <a:rPr lang="en-US" dirty="0" smtClean="0"/>
               <a:t>Don’t write a plugin from scratch</a:t>
             </a:r>
           </a:p>
           <a:p>
             <a:pPr lvl="1"/>
             <a:r>
-              <a:rPr lang="en-US" dirty="0"/>
+              <a:rPr lang="en-US" dirty="0" smtClean="0"/>
               <a:t>use an existing one as code base</a:t>
             </a:r>
           </a:p>
           <a:p>
             <a:pPr lvl="1"/>
             <a:r>
-              <a:rPr lang="en-US" dirty="0"/>
+              <a:rPr lang="en-US" dirty="0" smtClean="0"/>
               <a:t>choose one which is technically similar</a:t>
             </a:r>
           </a:p>
@@ -9687,20 +12046,20 @@
               <a:buNone/>
             </a:pPr>
             <a:r>
-              <a:rPr lang="en-US" dirty="0"/>
+              <a:rPr lang="en-US" dirty="0" smtClean="0"/>
               <a:t>input?  output?  PSI/SI transformation?  packet filtering?</a:t>
             </a:r>
           </a:p>
           <a:p>
             <a:r>
-              <a:rPr lang="en-US" dirty="0"/>
+              <a:rPr lang="en-US" dirty="0" smtClean="0"/>
               <a:t>Implement simple &amp; elementary features</a:t>
             </a:r>
           </a:p>
           <a:p>
             <a:pPr lvl="1"/>
             <a:r>
-              <a:rPr lang="en-US" dirty="0"/>
+              <a:rPr lang="en-US" dirty="0" smtClean="0"/>
               <a:t>preserve TSDuck philosophy</a:t>
             </a:r>
           </a:p>
@@ -9709,7 +12068,7 @@
               <a:buNone/>
             </a:pPr>
             <a:r>
-              <a:rPr lang="en-US" dirty="0"/>
+              <a:rPr lang="en-US" dirty="0" smtClean="0"/>
               <a:t>develop several elementary plugins if necessary</a:t>
             </a:r>
           </a:p>
@@ -9718,57 +12077,21 @@
               <a:buNone/>
             </a:pPr>
             <a:r>
-              <a:rPr lang="en-US" dirty="0"/>
+              <a:rPr lang="en-US" dirty="0" smtClean="0"/>
               <a:t>not a single big plugin implementing several features</a:t>
             </a:r>
           </a:p>
           <a:p>
             <a:r>
-              <a:rPr lang="fr-FR" dirty="0" smtClean="0"/>
-              <a:t>Read the « TSDuck </a:t>
-            </a:r>
-            <a:r>
-              <a:rPr lang="fr-FR" dirty="0" err="1" smtClean="0"/>
-              <a:t>coding</a:t>
-            </a:r>
-            <a:r>
-              <a:rPr lang="fr-FR" dirty="0" smtClean="0"/>
-              <a:t> guidelines » document</a:t>
+              <a:rPr lang="en-US" dirty="0" smtClean="0"/>
+              <a:t>Read the « TSDuck coding guidelines » document</a:t>
             </a:r>
           </a:p>
           <a:p>
             <a:pPr lvl="1"/>
             <a:r>
-              <a:rPr lang="fr-FR" dirty="0" smtClean="0"/>
-              <a:t>a </a:t>
-            </a:r>
-            <a:r>
-              <a:rPr lang="fr-FR" dirty="0" err="1" smtClean="0"/>
-              <a:t>recommended</a:t>
-            </a:r>
-            <a:r>
-              <a:rPr lang="fr-FR" dirty="0" smtClean="0"/>
-              <a:t> </a:t>
-            </a:r>
-            <a:r>
-              <a:rPr lang="fr-FR" dirty="0" err="1" smtClean="0"/>
-              <a:t>reading</a:t>
-            </a:r>
-            <a:r>
-              <a:rPr lang="fr-FR" dirty="0" smtClean="0"/>
-              <a:t>, </a:t>
-            </a:r>
-            <a:r>
-              <a:rPr lang="fr-FR" dirty="0" err="1" smtClean="0"/>
-              <a:t>although</a:t>
-            </a:r>
-            <a:r>
-              <a:rPr lang="fr-FR" dirty="0" smtClean="0"/>
-              <a:t> not </a:t>
-            </a:r>
-            <a:r>
-              <a:rPr lang="fr-FR" dirty="0" err="1" smtClean="0"/>
-              <a:t>required</a:t>
+              <a:rPr lang="en-US" dirty="0" smtClean="0"/>
+              <a:t>a recommended reading, although not required</a:t>
             </a:r>
             <a:endParaRPr lang="en-US" dirty="0"/>
           </a:p>
@@ -9819,14 +12142,14 @@
           <a:p>
             <a:pPr algn="ctr"/>
             <a:r>
-              <a:rPr lang="fr-FR" sz="6000" dirty="0" smtClean="0">
+              <a:rPr lang="en-US" sz="6000" dirty="0" smtClean="0">
                 <a:solidFill>
                   <a:schemeClr val="bg1"/>
                 </a:solidFill>
               </a:rPr>
               <a:t>RTFM</a:t>
             </a:r>
-            <a:endParaRPr lang="fr-FR" sz="4400" dirty="0" smtClean="0">
+            <a:endParaRPr lang="en-US" sz="4400" dirty="0" smtClean="0">
               <a:solidFill>
                 <a:schemeClr val="bg1"/>
               </a:solidFill>
@@ -9835,28 +12158,12 @@
           <a:p>
             <a:pPr algn="ctr"/>
             <a:r>
-              <a:rPr lang="fr-FR" sz="2400" dirty="0" smtClean="0">
+              <a:rPr lang="en-US" sz="2400" dirty="0" smtClean="0">
                 <a:solidFill>
                   <a:schemeClr val="bg1"/>
                 </a:solidFill>
               </a:rPr>
-              <a:t>(as </a:t>
-            </a:r>
-            <a:r>
-              <a:rPr lang="fr-FR" sz="2400" dirty="0" err="1" smtClean="0">
-                <a:solidFill>
-                  <a:schemeClr val="bg1"/>
-                </a:solidFill>
-              </a:rPr>
-              <a:t>usual</a:t>
-            </a:r>
-            <a:r>
-              <a:rPr lang="fr-FR" sz="2400" dirty="0">
-                <a:solidFill>
-                  <a:schemeClr val="bg1"/>
-                </a:solidFill>
-              </a:rPr>
-              <a:t>)</a:t>
+              <a:t>(as usual)</a:t>
             </a:r>
             <a:endParaRPr lang="en-US" sz="2000" dirty="0">
               <a:solidFill>
@@ -10119,16 +12426,8 @@
           <a:lstStyle/>
           <a:p>
             <a:r>
-              <a:rPr lang="fr-FR" dirty="0" err="1" smtClean="0"/>
-              <a:t>Using</a:t>
-            </a:r>
-            <a:r>
-              <a:rPr lang="fr-FR" dirty="0" smtClean="0"/>
-              <a:t> the TSDuck </a:t>
-            </a:r>
-            <a:r>
-              <a:rPr lang="fr-FR" dirty="0" err="1" smtClean="0"/>
-              <a:t>library</a:t>
+              <a:rPr lang="en-US" dirty="0" smtClean="0"/>
+              <a:t>Proprietary extensions</a:t>
             </a:r>
             <a:endParaRPr lang="en-US" dirty="0"/>
           </a:p>
@@ -10136,34 +12435,98 @@
       </p:sp>
       <p:sp>
         <p:nvSpPr>
-          <p:cNvPr id="3" name="Text Placeholder 2"/>
-          <p:cNvSpPr>
-            <a:spLocks noGrp="1"/>
-          </p:cNvSpPr>
-          <p:nvPr>
-            <p:ph type="body" idx="1"/>
-          </p:nvPr>
-        </p:nvSpPr>
-        <p:spPr/>
-        <p:txBody>
-          <a:bodyPr/>
-          <a:lstStyle/>
-          <a:p>
+          <p:cNvPr id="3" name="Content Placeholder 2"/>
+          <p:cNvSpPr>
+            <a:spLocks noGrp="1"/>
+          </p:cNvSpPr>
+          <p:nvPr>
+            <p:ph idx="1"/>
+          </p:nvPr>
+        </p:nvSpPr>
+        <p:spPr/>
+        <p:txBody>
+          <a:bodyPr>
+            <a:normAutofit lnSpcReduction="10000"/>
+          </a:bodyPr>
+          <a:lstStyle/>
+          <a:p>
+            <a:r>
+              <a:rPr lang="en-US" dirty="0" smtClean="0"/>
+              <a:t>Reason: manipulation of confidential data</a:t>
+            </a:r>
+          </a:p>
+          <a:p>
+            <a:pPr lvl="1"/>
             <a:r>
               <a:rPr lang="en-US" dirty="0"/>
-              <a:t>to develop third-party </a:t>
-            </a:r>
-            <a:r>
-              <a:rPr lang="en-US" dirty="0" smtClean="0"/>
-              <a:t>applications</a:t>
-            </a:r>
-            <a:br>
-              <a:rPr lang="en-US" dirty="0" smtClean="0"/>
-            </a:br>
-            <a:r>
-              <a:rPr lang="fr-FR" dirty="0" smtClean="0"/>
-              <a:t>in C++, Java or Python</a:t>
-            </a:r>
+              <a:t>p</a:t>
+            </a:r>
+            <a:r>
+              <a:rPr lang="en-US" dirty="0" smtClean="0"/>
+              <a:t>rivate PSI/SI signalization</a:t>
+            </a:r>
+          </a:p>
+          <a:p>
+            <a:pPr lvl="1"/>
+            <a:r>
+              <a:rPr lang="en-US" dirty="0"/>
+              <a:t>c</a:t>
+            </a:r>
+            <a:r>
+              <a:rPr lang="en-US" dirty="0" smtClean="0"/>
+              <a:t>onditional access system implementation</a:t>
+            </a:r>
+          </a:p>
+          <a:p>
+            <a:r>
+              <a:rPr lang="en-US" dirty="0" smtClean="0"/>
+              <a:t>Completely independent source code and binary packages</a:t>
+            </a:r>
+          </a:p>
+          <a:p>
+            <a:pPr lvl="1"/>
+            <a:r>
+              <a:rPr lang="en-US" dirty="0" smtClean="0"/>
+              <a:t>additional plugins</a:t>
+            </a:r>
+          </a:p>
+          <a:p>
+            <a:pPr lvl="1"/>
+            <a:r>
+              <a:rPr lang="en-US" dirty="0" smtClean="0"/>
+              <a:t>additional commands</a:t>
+            </a:r>
+          </a:p>
+          <a:p>
+            <a:pPr lvl="1"/>
+            <a:r>
+              <a:rPr lang="en-US" dirty="0" smtClean="0"/>
+              <a:t>dynamically merging inside TSDuck proprietary implementations of tables, descriptors, CAS data structures, naming, etc.</a:t>
+            </a:r>
+          </a:p>
+          <a:p>
+            <a:r>
+              <a:rPr lang="en-US" dirty="0" smtClean="0"/>
+              <a:t>Compatible with TSDuck BSD license</a:t>
+            </a:r>
+          </a:p>
+          <a:p>
+            <a:r>
+              <a:rPr lang="en-US" dirty="0" smtClean="0"/>
+              <a:t>Sample code in source code tree</a:t>
+            </a:r>
+          </a:p>
+          <a:p>
+            <a:pPr lvl="1"/>
+            <a:r>
+              <a:rPr lang="en-US" dirty="0">
+                <a:latin typeface="Consolas" panose="020B0609020204030204" pitchFamily="49" charset="0"/>
+              </a:rPr>
+              <a:t>sample/sample-extension</a:t>
+            </a:r>
+            <a:endParaRPr lang="en-US" dirty="0" smtClean="0"/>
+          </a:p>
+          <a:p>
             <a:endParaRPr lang="en-US" dirty="0"/>
           </a:p>
         </p:txBody>
@@ -10171,20 +12534,13 @@
     </p:spTree>
     <p:extLst>
       <p:ext uri="{BB962C8B-B14F-4D97-AF65-F5344CB8AC3E}">
-        <p14:creationId xmlns:p14="http://schemas.microsoft.com/office/powerpoint/2010/main" val="282783072"/>
+        <p14:creationId xmlns:p14="http://schemas.microsoft.com/office/powerpoint/2010/main" val="552316834"/>
       </p:ext>
     </p:extLst>
   </p:cSld>
   <p:clrMapOvr>
     <a:masterClrMapping/>
   </p:clrMapOvr>
-  <p:timing>
-    <p:tnLst>
-      <p:par>
-        <p:cTn id="1" dur="indefinite" restart="never" nodeType="tmRoot"/>
-      </p:par>
-    </p:tnLst>
-  </p:timing>
 </p:sld>
 </file>
 
@@ -10221,12 +12577,8 @@
           <a:lstStyle/>
           <a:p>
             <a:r>
-              <a:rPr lang="fr-FR" dirty="0" smtClean="0"/>
-              <a:t>TSDuck </a:t>
-            </a:r>
-            <a:r>
-              <a:rPr lang="fr-FR" dirty="0" err="1" smtClean="0"/>
-              <a:t>library</a:t>
+              <a:rPr lang="en-US" dirty="0" smtClean="0"/>
+              <a:t>Using the TSDuck library</a:t>
             </a:r>
             <a:endParaRPr lang="en-US" dirty="0"/>
           </a:p>
@@ -10234,12 +12586,12 @@
       </p:sp>
       <p:sp>
         <p:nvSpPr>
-          <p:cNvPr id="3" name="Content Placeholder 2"/>
-          <p:cNvSpPr>
-            <a:spLocks noGrp="1"/>
-          </p:cNvSpPr>
-          <p:nvPr>
-            <p:ph idx="1"/>
+          <p:cNvPr id="3" name="Text Placeholder 2"/>
+          <p:cNvSpPr>
+            <a:spLocks noGrp="1"/>
+          </p:cNvSpPr>
+          <p:nvPr>
+            <p:ph type="body" idx="1"/>
           </p:nvPr>
         </p:nvSpPr>
         <p:spPr/>
@@ -10248,98 +12600,15 @@
           <a:lstStyle/>
           <a:p>
             <a:r>
-              <a:rPr lang="en-US" dirty="0"/>
-              <a:t>All TSDuck common code is in one large library</a:t>
-            </a:r>
-          </a:p>
-          <a:p>
-            <a:pPr lvl="1"/>
-            <a:r>
-              <a:rPr lang="en-US" dirty="0" smtClean="0"/>
-              <a:t>libtsduck.so </a:t>
-            </a:r>
-            <a:r>
-              <a:rPr lang="en-US" dirty="0"/>
-              <a:t>/ tsduck.dll</a:t>
-            </a:r>
-          </a:p>
-          <a:p>
-            <a:r>
-              <a:rPr lang="en-US" dirty="0"/>
-              <a:t>Contains generic and reusable C++ code</a:t>
-            </a:r>
-          </a:p>
-          <a:p>
-            <a:pPr lvl="1"/>
-            <a:r>
-              <a:rPr lang="en-US" dirty="0"/>
-              <a:t>basic operating system independent features</a:t>
-            </a:r>
-          </a:p>
-          <a:p>
-            <a:pPr marL="914400" lvl="2" indent="0">
-              <a:buNone/>
-            </a:pPr>
-            <a:r>
-              <a:rPr lang="en-US" dirty="0"/>
-              <a:t>system, multi-treading, synchronization, networking, cryptography, etc.</a:t>
-            </a:r>
-          </a:p>
-          <a:p>
-            <a:pPr lvl="1"/>
-            <a:r>
-              <a:rPr lang="en-US" dirty="0" smtClean="0"/>
-              <a:t>MPEG/DVB </a:t>
-            </a:r>
-            <a:r>
-              <a:rPr lang="en-US" dirty="0"/>
-              <a:t>features</a:t>
-            </a:r>
-          </a:p>
-          <a:p>
-            <a:pPr marL="914400" lvl="2" indent="0">
-              <a:buNone/>
-            </a:pPr>
-            <a:r>
-              <a:rPr lang="en-US" dirty="0"/>
-              <a:t>TS packets, PSI/SI tables, sections and descriptors, </a:t>
-            </a:r>
-            <a:r>
-              <a:rPr lang="en-US" dirty="0" err="1"/>
-              <a:t>demultiplexing</a:t>
-            </a:r>
-            <a:r>
-              <a:rPr lang="en-US" dirty="0"/>
-              <a:t>, </a:t>
-            </a:r>
-            <a:r>
-              <a:rPr lang="en-US" dirty="0" err="1"/>
-              <a:t>packetization</a:t>
-            </a:r>
-            <a:r>
-              <a:rPr lang="en-US" dirty="0" smtClean="0"/>
-              <a:t>, encapsulation, </a:t>
-            </a:r>
-            <a:r>
-              <a:rPr lang="en-US" dirty="0"/>
-              <a:t>DVB tuners, etc.</a:t>
-            </a:r>
-          </a:p>
-          <a:p>
-            <a:r>
-              <a:rPr lang="en-US" dirty="0"/>
-              <a:t>Can be used in your application</a:t>
-            </a:r>
-          </a:p>
-          <a:p>
-            <a:pPr lvl="1"/>
-            <a:r>
-              <a:rPr lang="en-US" dirty="0"/>
-              <a:t>even if not part of </a:t>
-            </a:r>
-            <a:r>
-              <a:rPr lang="en-US" dirty="0" smtClean="0"/>
-              <a:t>TSDuck</a:t>
+              <a:rPr lang="en-US" dirty="0" smtClean="0"/>
+              <a:t>to develop third-party applications</a:t>
+            </a:r>
+            <a:br>
+              <a:rPr lang="en-US" dirty="0" smtClean="0"/>
+            </a:br>
+            <a:r>
+              <a:rPr lang="en-US" dirty="0" smtClean="0"/>
+              <a:t>in C++, Java or Python</a:t>
             </a:r>
             <a:endParaRPr lang="en-US" dirty="0"/>
           </a:p>
@@ -10348,7 +12617,7 @@
     </p:spTree>
     <p:extLst>
       <p:ext uri="{BB962C8B-B14F-4D97-AF65-F5344CB8AC3E}">
-        <p14:creationId xmlns:p14="http://schemas.microsoft.com/office/powerpoint/2010/main" val="612674992"/>
+        <p14:creationId xmlns:p14="http://schemas.microsoft.com/office/powerpoint/2010/main" val="282783072"/>
       </p:ext>
     </p:extLst>
   </p:cSld>
@@ -10398,7 +12667,188 @@
           <a:lstStyle/>
           <a:p>
             <a:r>
-              <a:rPr lang="fr-FR" dirty="0" smtClean="0"/>
+              <a:rPr lang="en-US" dirty="0" smtClean="0"/>
+              <a:t>TSDuck library</a:t>
+            </a:r>
+            <a:endParaRPr lang="en-US" dirty="0"/>
+          </a:p>
+        </p:txBody>
+      </p:sp>
+      <p:sp>
+        <p:nvSpPr>
+          <p:cNvPr id="3" name="Content Placeholder 2"/>
+          <p:cNvSpPr>
+            <a:spLocks noGrp="1"/>
+          </p:cNvSpPr>
+          <p:nvPr>
+            <p:ph idx="1"/>
+          </p:nvPr>
+        </p:nvSpPr>
+        <p:spPr/>
+        <p:txBody>
+          <a:bodyPr/>
+          <a:lstStyle/>
+          <a:p>
+            <a:r>
+              <a:rPr lang="en-US" dirty="0"/>
+              <a:t>All TSDuck common code is in one large library</a:t>
+            </a:r>
+          </a:p>
+          <a:p>
+            <a:pPr lvl="1"/>
+            <a:r>
+              <a:rPr lang="en-US" dirty="0"/>
+              <a:t>libtsduck.so / </a:t>
+            </a:r>
+            <a:r>
+              <a:rPr lang="en-US" dirty="0" err="1" smtClean="0"/>
+              <a:t>libtsduck.dylib</a:t>
+            </a:r>
+            <a:r>
+              <a:rPr lang="en-US" dirty="0" smtClean="0"/>
+              <a:t> </a:t>
+            </a:r>
+            <a:r>
+              <a:rPr lang="en-US" dirty="0"/>
+              <a:t>/ tsduck.dll</a:t>
+            </a:r>
+          </a:p>
+          <a:p>
+            <a:r>
+              <a:rPr lang="en-US" dirty="0"/>
+              <a:t>Contains generic and reusable C++ code</a:t>
+            </a:r>
+          </a:p>
+          <a:p>
+            <a:pPr lvl="1"/>
+            <a:r>
+              <a:rPr lang="en-US" dirty="0"/>
+              <a:t>basic operating system independent features</a:t>
+            </a:r>
+          </a:p>
+          <a:p>
+            <a:pPr marL="914400" lvl="2" indent="0">
+              <a:buNone/>
+            </a:pPr>
+            <a:r>
+              <a:rPr lang="en-US" dirty="0"/>
+              <a:t>system, multi-treading, synchronization, networking, cryptography, etc.</a:t>
+            </a:r>
+          </a:p>
+          <a:p>
+            <a:pPr lvl="1"/>
+            <a:r>
+              <a:rPr lang="en-US" dirty="0" smtClean="0"/>
+              <a:t>MPEG/DVB </a:t>
+            </a:r>
+            <a:r>
+              <a:rPr lang="en-US" dirty="0"/>
+              <a:t>features</a:t>
+            </a:r>
+          </a:p>
+          <a:p>
+            <a:pPr marL="914400" lvl="2" indent="0">
+              <a:buNone/>
+            </a:pPr>
+            <a:r>
+              <a:rPr lang="en-US" dirty="0"/>
+              <a:t>TS packets, PSI/SI tables, sections and descriptors, </a:t>
+            </a:r>
+            <a:r>
+              <a:rPr lang="en-US" dirty="0" err="1"/>
+              <a:t>demultiplexing</a:t>
+            </a:r>
+            <a:r>
+              <a:rPr lang="en-US" dirty="0"/>
+              <a:t>, </a:t>
+            </a:r>
+            <a:r>
+              <a:rPr lang="en-US" dirty="0" err="1"/>
+              <a:t>packetization</a:t>
+            </a:r>
+            <a:r>
+              <a:rPr lang="en-US" dirty="0" smtClean="0"/>
+              <a:t>, encapsulation, </a:t>
+            </a:r>
+            <a:r>
+              <a:rPr lang="en-US" dirty="0"/>
+              <a:t>DVB tuners, etc.</a:t>
+            </a:r>
+          </a:p>
+          <a:p>
+            <a:r>
+              <a:rPr lang="en-US" dirty="0"/>
+              <a:t>Can be used in your application</a:t>
+            </a:r>
+          </a:p>
+          <a:p>
+            <a:pPr lvl="1"/>
+            <a:r>
+              <a:rPr lang="en-US" dirty="0"/>
+              <a:t>even if not part of </a:t>
+            </a:r>
+            <a:r>
+              <a:rPr lang="en-US" dirty="0" smtClean="0"/>
+              <a:t>TSDuck</a:t>
+            </a:r>
+            <a:endParaRPr lang="en-US" dirty="0"/>
+          </a:p>
+        </p:txBody>
+      </p:sp>
+    </p:spTree>
+    <p:extLst>
+      <p:ext uri="{BB962C8B-B14F-4D97-AF65-F5344CB8AC3E}">
+        <p14:creationId xmlns:p14="http://schemas.microsoft.com/office/powerpoint/2010/main" val="612674992"/>
+      </p:ext>
+    </p:extLst>
+  </p:cSld>
+  <p:clrMapOvr>
+    <a:masterClrMapping/>
+  </p:clrMapOvr>
+  <p:timing>
+    <p:tnLst>
+      <p:par>
+        <p:cTn id="1" dur="indefinite" restart="never" nodeType="tmRoot"/>
+      </p:par>
+    </p:tnLst>
+  </p:timing>
+</p:sld>
+</file>
+
+<file path=ppt/slides/slide33.xml><?xml version="1.0" encoding="utf-8"?>
+<p:sld xmlns:a="http://schemas.openxmlformats.org/drawingml/2006/main" xmlns:r="http://schemas.openxmlformats.org/officeDocument/2006/relationships" xmlns:p="http://schemas.openxmlformats.org/presentationml/2006/main">
+  <p:cSld>
+    <p:spTree>
+      <p:nvGrpSpPr>
+        <p:cNvPr id="1" name=""/>
+        <p:cNvGrpSpPr/>
+        <p:nvPr/>
+      </p:nvGrpSpPr>
+      <p:grpSpPr>
+        <a:xfrm>
+          <a:off x="0" y="0"/>
+          <a:ext cx="0" cy="0"/>
+          <a:chOff x="0" y="0"/>
+          <a:chExt cx="0" cy="0"/>
+        </a:xfrm>
+      </p:grpSpPr>
+      <p:sp>
+        <p:nvSpPr>
+          <p:cNvPr id="2" name="Title 1"/>
+          <p:cNvSpPr>
+            <a:spLocks noGrp="1"/>
+          </p:cNvSpPr>
+          <p:nvPr>
+            <p:ph type="title"/>
+          </p:nvPr>
+        </p:nvSpPr>
+        <p:spPr/>
+        <p:txBody>
+          <a:bodyPr/>
+          <a:lstStyle/>
+          <a:p>
+            <a:r>
+              <a:rPr lang="en-US" dirty="0" smtClean="0"/>
               <a:t>Software architecture</a:t>
             </a:r>
             <a:endParaRPr lang="en-US" dirty="0"/>
@@ -10414,7 +12864,7 @@
           <p:nvPr/>
         </p:nvPicPr>
         <p:blipFill>
-          <a:blip r:embed="rId2" cstate="print">
+          <a:blip r:embed="rId3" cstate="print">
             <a:extLst>
               <a:ext uri="{28A0092B-C50C-407E-A947-70E740481C1C}">
                 <a14:useLocalDpi xmlns:a14="http://schemas.microsoft.com/office/drawing/2010/main" val="0"/>
@@ -10635,7 +13085,7 @@
           </a:lstStyle>
           <a:p>
             <a:r>
-              <a:rPr lang="fr-FR" dirty="0" smtClean="0"/>
+              <a:rPr lang="en-US" dirty="0" smtClean="0"/>
               <a:t>C++ applications</a:t>
             </a:r>
           </a:p>
@@ -10644,18 +13094,13 @@
               <a:buNone/>
             </a:pPr>
             <a:r>
-              <a:rPr lang="fr-FR" dirty="0" smtClean="0"/>
-              <a:t>all TSDuck </a:t>
-            </a:r>
-            <a:r>
-              <a:rPr lang="fr-FR" dirty="0" err="1" smtClean="0"/>
-              <a:t>features</a:t>
-            </a:r>
-            <a:endParaRPr lang="fr-FR" dirty="0" smtClean="0"/>
-          </a:p>
-          <a:p>
-            <a:r>
-              <a:rPr lang="fr-FR" dirty="0" smtClean="0"/>
+              <a:rPr lang="en-US" dirty="0" smtClean="0"/>
+              <a:t>all TSDuck features</a:t>
+            </a:r>
+          </a:p>
+          <a:p>
+            <a:r>
+              <a:rPr lang="en-US" dirty="0" smtClean="0"/>
               <a:t>Java or Python applications</a:t>
             </a:r>
           </a:p>
@@ -10664,46 +13109,17 @@
               <a:buNone/>
             </a:pPr>
             <a:r>
-              <a:rPr lang="fr-FR" dirty="0" smtClean="0"/>
-              <a:t>high-</a:t>
-            </a:r>
-            <a:r>
-              <a:rPr lang="fr-FR" dirty="0" err="1" smtClean="0"/>
-              <a:t>level</a:t>
-            </a:r>
-            <a:r>
-              <a:rPr lang="fr-FR" dirty="0" smtClean="0"/>
-              <a:t> </a:t>
-            </a:r>
-            <a:r>
-              <a:rPr lang="fr-FR" dirty="0" err="1" smtClean="0"/>
-              <a:t>features</a:t>
-            </a:r>
-            <a:r>
-              <a:rPr lang="fr-FR" dirty="0" smtClean="0"/>
-              <a:t> </a:t>
-            </a:r>
-            <a:r>
-              <a:rPr lang="fr-FR" dirty="0" err="1" smtClean="0"/>
-              <a:t>only</a:t>
-            </a:r>
-            <a:endParaRPr lang="fr-FR" dirty="0" smtClean="0"/>
+              <a:rPr lang="en-US" dirty="0" smtClean="0"/>
+              <a:t>high-level features only</a:t>
+            </a:r>
           </a:p>
           <a:p>
             <a:pPr marL="457200" lvl="1" indent="0">
               <a:buNone/>
             </a:pPr>
             <a:r>
-              <a:rPr lang="fr-FR" dirty="0" smtClean="0"/>
-              <a:t>interactions </a:t>
-            </a:r>
-            <a:r>
-              <a:rPr lang="fr-FR" dirty="0" err="1" smtClean="0"/>
-              <a:t>using</a:t>
-            </a:r>
-            <a:r>
-              <a:rPr lang="fr-FR" dirty="0" smtClean="0"/>
-              <a:t> JSON or XML</a:t>
+              <a:rPr lang="en-US" dirty="0" smtClean="0"/>
+              <a:t>interactions using JSON or XML</a:t>
             </a:r>
           </a:p>
           <a:p>
@@ -10711,25 +13127,21 @@
               <a:buNone/>
             </a:pPr>
             <a:r>
-              <a:rPr lang="fr-FR" dirty="0" smtClean="0"/>
+              <a:rPr lang="en-US" dirty="0" smtClean="0"/>
               <a:t>memory buffers for input/output</a:t>
             </a:r>
           </a:p>
           <a:p>
             <a:r>
-              <a:rPr lang="fr-FR" dirty="0" smtClean="0"/>
+              <a:rPr lang="en-US" dirty="0" smtClean="0"/>
               <a:t>Custom plugins</a:t>
             </a:r>
           </a:p>
           <a:p>
             <a:pPr lvl="1"/>
             <a:r>
-              <a:rPr lang="fr-FR" dirty="0" smtClean="0"/>
-              <a:t>C++ </a:t>
-            </a:r>
-            <a:r>
-              <a:rPr lang="fr-FR" dirty="0" err="1" smtClean="0"/>
-              <a:t>only</a:t>
+              <a:rPr lang="en-US" dirty="0" smtClean="0"/>
+              <a:t>C++ only</a:t>
             </a:r>
             <a:endParaRPr lang="en-US" dirty="0"/>
           </a:p>
@@ -10755,7 +13167,7 @@
 </p:sld>
 </file>
 
-<file path=ppt/slides/slide33.xml><?xml version="1.0" encoding="utf-8"?>
+<file path=ppt/slides/slide34.xml><?xml version="1.0" encoding="utf-8"?>
 <p:sld xmlns:a="http://schemas.openxmlformats.org/drawingml/2006/main" xmlns:r="http://schemas.openxmlformats.org/officeDocument/2006/relationships" xmlns:p="http://schemas.openxmlformats.org/presentationml/2006/main">
   <p:cSld>
     <p:spTree>
@@ -10788,12 +13200,8 @@
           <a:lstStyle/>
           <a:p>
             <a:r>
-              <a:rPr lang="fr-FR" dirty="0" err="1" smtClean="0"/>
-              <a:t>Programmer’s</a:t>
-            </a:r>
-            <a:r>
-              <a:rPr lang="fr-FR" dirty="0" smtClean="0"/>
-              <a:t> guide</a:t>
+              <a:rPr lang="en-US" dirty="0" smtClean="0"/>
+              <a:t>Programmer’s guide</a:t>
             </a:r>
             <a:endParaRPr lang="en-US" dirty="0"/>
           </a:p>
@@ -10815,26 +13223,18 @@
           <a:lstStyle/>
           <a:p>
             <a:r>
-              <a:rPr lang="fr-FR" dirty="0" smtClean="0"/>
-              <a:t>Online, </a:t>
-            </a:r>
-            <a:r>
-              <a:rPr lang="fr-FR" dirty="0" err="1" smtClean="0"/>
-              <a:t>see</a:t>
-            </a:r>
-            <a:r>
-              <a:rPr lang="fr-FR" dirty="0" smtClean="0"/>
-              <a:t> </a:t>
-            </a:r>
-            <a:r>
-              <a:rPr lang="fr-FR" dirty="0">
-                <a:latin typeface="Consolas" panose="020B0609020204030204" pitchFamily="49" charset="0"/>
-                <a:cs typeface="Consolas" panose="020B0609020204030204" pitchFamily="49" charset="0"/>
-                <a:hlinkClick r:id="rId2"/>
+              <a:rPr lang="en-US" dirty="0" smtClean="0"/>
+              <a:t>Online, see </a:t>
+            </a:r>
+            <a:r>
+              <a:rPr lang="en-US" dirty="0" smtClean="0">
+                <a:latin typeface="Consolas" panose="020B0609020204030204" pitchFamily="49" charset="0"/>
+                <a:cs typeface="Consolas" panose="020B0609020204030204" pitchFamily="49" charset="0"/>
+                <a:hlinkClick r:id="rId3"/>
               </a:rPr>
               <a:t>https://tsduck.io/doxy/</a:t>
             </a:r>
-            <a:endParaRPr lang="fr-FR" dirty="0">
+            <a:endParaRPr lang="en-US" dirty="0" smtClean="0">
               <a:latin typeface="Consolas" panose="020B0609020204030204" pitchFamily="49" charset="0"/>
               <a:cs typeface="Consolas" panose="020B0609020204030204" pitchFamily="49" charset="0"/>
             </a:endParaRPr>
@@ -10842,117 +13242,55 @@
           <a:p>
             <a:pPr lvl="1"/>
             <a:r>
-              <a:rPr lang="fr-FR" dirty="0" err="1" smtClean="0"/>
-              <a:t>automatically</a:t>
-            </a:r>
-            <a:r>
-              <a:rPr lang="fr-FR" dirty="0" smtClean="0"/>
-              <a:t> </a:t>
-            </a:r>
-            <a:r>
-              <a:rPr lang="fr-FR" dirty="0" err="1" smtClean="0"/>
-              <a:t>updated</a:t>
-            </a:r>
-            <a:r>
-              <a:rPr lang="fr-FR" dirty="0" smtClean="0"/>
-              <a:t> </a:t>
-            </a:r>
-            <a:r>
-              <a:rPr lang="fr-FR" dirty="0" err="1" smtClean="0"/>
-              <a:t>every</a:t>
-            </a:r>
-            <a:r>
-              <a:rPr lang="fr-FR" dirty="0" smtClean="0"/>
-              <a:t> night</a:t>
-            </a:r>
-          </a:p>
-          <a:p>
-            <a:r>
-              <a:rPr lang="fr-FR" dirty="0" err="1" smtClean="0"/>
+              <a:rPr lang="en-US" dirty="0" smtClean="0"/>
+              <a:t>automatically updated every night</a:t>
+            </a:r>
+          </a:p>
+          <a:p>
+            <a:r>
+              <a:rPr lang="en-US" dirty="0" smtClean="0"/>
               <a:t>Tutorials</a:t>
             </a:r>
-            <a:endParaRPr lang="fr-FR" dirty="0"/>
           </a:p>
           <a:p>
             <a:pPr lvl="1"/>
             <a:r>
-              <a:rPr lang="fr-FR" dirty="0" smtClean="0"/>
-              <a:t>building TSDuck and applications </a:t>
-            </a:r>
-            <a:r>
-              <a:rPr lang="fr-FR" dirty="0" err="1" smtClean="0"/>
-              <a:t>using</a:t>
-            </a:r>
-            <a:r>
-              <a:rPr lang="fr-FR" dirty="0" smtClean="0"/>
-              <a:t> </a:t>
-            </a:r>
-            <a:r>
-              <a:rPr lang="fr-FR" dirty="0" err="1" smtClean="0"/>
-              <a:t>its</a:t>
-            </a:r>
-            <a:r>
-              <a:rPr lang="fr-FR" dirty="0" smtClean="0"/>
-              <a:t> </a:t>
-            </a:r>
-            <a:r>
-              <a:rPr lang="fr-FR" dirty="0" err="1" smtClean="0"/>
-              <a:t>library</a:t>
-            </a:r>
-            <a:endParaRPr lang="fr-FR" dirty="0" smtClean="0"/>
+              <a:rPr lang="en-US" dirty="0" smtClean="0"/>
+              <a:t>building TSDuck and applications using its library</a:t>
+            </a:r>
           </a:p>
           <a:p>
             <a:pPr lvl="1"/>
             <a:r>
-              <a:rPr lang="fr-FR" dirty="0" err="1"/>
-              <a:t>d</a:t>
-            </a:r>
-            <a:r>
-              <a:rPr lang="fr-FR" dirty="0" err="1" smtClean="0"/>
-              <a:t>eveloping</a:t>
-            </a:r>
-            <a:r>
-              <a:rPr lang="fr-FR" dirty="0" smtClean="0"/>
-              <a:t> TSDuck plugins and extensions</a:t>
+              <a:rPr lang="en-US" dirty="0" smtClean="0"/>
+              <a:t>developing TSDuck plugins and extensions</a:t>
             </a:r>
           </a:p>
           <a:p>
             <a:pPr lvl="1"/>
             <a:r>
-              <a:rPr lang="fr-FR" dirty="0" smtClean="0"/>
-              <a:t>C++ </a:t>
-            </a:r>
-            <a:r>
-              <a:rPr lang="fr-FR" dirty="0" err="1" smtClean="0"/>
-              <a:t>library</a:t>
-            </a:r>
-            <a:r>
-              <a:rPr lang="fr-FR" dirty="0" smtClean="0"/>
-              <a:t> tutorial</a:t>
+              <a:rPr lang="en-US" dirty="0" smtClean="0"/>
+              <a:t>C++ library tutorial</a:t>
             </a:r>
           </a:p>
           <a:p>
             <a:pPr lvl="1"/>
             <a:r>
-              <a:rPr lang="fr-FR" dirty="0" smtClean="0"/>
+              <a:rPr lang="en-US" dirty="0" smtClean="0"/>
               <a:t>Java and Python bindings</a:t>
             </a:r>
           </a:p>
           <a:p>
             <a:r>
-              <a:rPr lang="fr-FR" dirty="0" smtClean="0"/>
+              <a:rPr lang="en-US" dirty="0" smtClean="0"/>
               <a:t>Reference</a:t>
             </a:r>
           </a:p>
           <a:p>
             <a:pPr lvl="1"/>
             <a:r>
-              <a:rPr lang="fr-FR" dirty="0"/>
-              <a:t>a</a:t>
-            </a:r>
-            <a:r>
-              <a:rPr lang="fr-FR" dirty="0" smtClean="0"/>
-              <a:t>ll C++, Java and Python classes</a:t>
+              <a:rPr lang="en-US" dirty="0" smtClean="0"/>
+              <a:t>all C++, Java and Python classes</a:t>
             </a:r>
             <a:endParaRPr lang="en-US" dirty="0"/>
           </a:p>
@@ -10978,7 +13316,7 @@
 </p:sld>
 </file>
 
-<file path=ppt/slides/slide34.xml><?xml version="1.0" encoding="utf-8"?>
+<file path=ppt/slides/slide35.xml><?xml version="1.0" encoding="utf-8"?>
 <p:sld xmlns:a="http://schemas.openxmlformats.org/drawingml/2006/main" xmlns:r="http://schemas.openxmlformats.org/officeDocument/2006/relationships" xmlns:p="http://schemas.openxmlformats.org/presentationml/2006/main">
   <p:cSld>
     <p:spTree>
@@ -11255,7 +13593,15 @@
           <a:p>
             <a:r>
               <a:rPr lang="en-US" dirty="0" smtClean="0"/>
-              <a:t>TS acquisition (IP, HTTP, HLS, SRT, DVB, ATSC, ISDB, ASI)</a:t>
+              <a:t>TS acquisition (IP, HTTP, HLS, SRT</a:t>
+            </a:r>
+            <a:r>
+              <a:rPr lang="en-US" dirty="0" smtClean="0"/>
+              <a:t>, RIST, </a:t>
+            </a:r>
+            <a:r>
+              <a:rPr lang="en-US" dirty="0" smtClean="0"/>
+              <a:t>DVB, ATSC, ISDB, ASI)</a:t>
             </a:r>
           </a:p>
           <a:p>
@@ -11300,8 +13646,13 @@
           <a:p>
             <a:r>
               <a:rPr lang="en-US" dirty="0" smtClean="0"/>
-              <a:t>SCTE 35 splicing injection and extraction</a:t>
-            </a:r>
+              <a:t>SCTE 35 splicing </a:t>
+            </a:r>
+            <a:r>
+              <a:rPr lang="en-US" dirty="0" smtClean="0"/>
+              <a:t>injection, extraction and monitoring</a:t>
+            </a:r>
+            <a:endParaRPr lang="en-US" dirty="0" smtClean="0"/>
           </a:p>
           <a:p>
             <a:r>
@@ -11413,7 +13764,11 @@
             <a:pPr lvl="1"/>
             <a:r>
               <a:rPr lang="en-US" dirty="0"/>
-              <a:t>DVB Scrambling and DVB </a:t>
+              <a:t>DVB </a:t>
+            </a:r>
+            <a:r>
+              <a:rPr lang="en-US" dirty="0" smtClean="0"/>
+              <a:t>or ATIS Scrambling with DVB </a:t>
             </a:r>
             <a:r>
               <a:rPr lang="en-US" dirty="0" err="1"/>
@@ -11556,7 +13911,7 @@
               <a:rPr lang="en-US" sz="2000" dirty="0" smtClean="0">
                 <a:latin typeface="Consolas" panose="020B0609020204030204" pitchFamily="49" charset="0"/>
                 <a:cs typeface="Consolas" panose="020B0609020204030204" pitchFamily="49" charset="0"/>
-                <a:hlinkClick r:id="rId2"/>
+                <a:hlinkClick r:id="rId3"/>
               </a:rPr>
               <a:t>https://tsduck.io/</a:t>
             </a:r>
@@ -11582,7 +13937,7 @@
               <a:rPr lang="en-US" dirty="0" smtClean="0">
                 <a:latin typeface="Consolas" panose="020B0609020204030204" pitchFamily="49" charset="0"/>
                 <a:cs typeface="Consolas" panose="020B0609020204030204" pitchFamily="49" charset="0"/>
-                <a:hlinkClick r:id="rId3"/>
+                <a:hlinkClick r:id="rId4"/>
               </a:rPr>
               <a:t>https://github.com/tsduck/tsduck</a:t>
             </a:r>
@@ -11775,7 +14130,15 @@
             </a:pPr>
             <a:r>
               <a:rPr lang="en-US" dirty="0" smtClean="0"/>
-              <a:t>PDF, ~500 pages of references and examples</a:t>
+              <a:t>PDF, </a:t>
+            </a:r>
+            <a:r>
+              <a:rPr lang="en-US" dirty="0" smtClean="0"/>
+              <a:t>500+ </a:t>
+            </a:r>
+            <a:r>
+              <a:rPr lang="en-US" dirty="0" smtClean="0"/>
+              <a:t>pages of references and examples</a:t>
             </a:r>
           </a:p>
           <a:p>
